--- a/Seminario-PPTX.pptx
+++ b/Seminario-PPTX.pptx
@@ -3,28 +3,28 @@
 <p:presentation xmlns:a="http://schemas.openxmlformats.org/drawingml/2006/main" xmlns:r="http://schemas.openxmlformats.org/officeDocument/2006/relationships" xmlns:p="http://schemas.openxmlformats.org/presentationml/2006/main">
   <p:sldMasterIdLst>
     <p:sldMasterId id="2147483648" r:id="rId1"/>
-    <p:sldMasterId id="2147483660" r:id="rId3"/>
+    <p:sldMasterId id="2147483660" r:id="rId2"/>
   </p:sldMasterIdLst>
   <p:notesMasterIdLst>
-    <p:notesMasterId r:id="rId5"/>
+    <p:notesMasterId r:id="rId19"/>
   </p:notesMasterIdLst>
   <p:sldIdLst>
-    <p:sldId id="256" r:id="rId4"/>
-    <p:sldId id="258" r:id="rId6"/>
-    <p:sldId id="261" r:id="rId7"/>
-    <p:sldId id="264" r:id="rId8"/>
-    <p:sldId id="267" r:id="rId9"/>
-    <p:sldId id="263" r:id="rId10"/>
-    <p:sldId id="269" r:id="rId11"/>
-    <p:sldId id="276" r:id="rId12"/>
-    <p:sldId id="274" r:id="rId13"/>
-    <p:sldId id="279" r:id="rId14"/>
-    <p:sldId id="277" r:id="rId15"/>
-    <p:sldId id="280" r:id="rId16"/>
-    <p:sldId id="270" r:id="rId17"/>
-    <p:sldId id="281" r:id="rId18"/>
-    <p:sldId id="282" r:id="rId19"/>
-    <p:sldId id="283" r:id="rId20"/>
+    <p:sldId id="256" r:id="rId3"/>
+    <p:sldId id="258" r:id="rId4"/>
+    <p:sldId id="261" r:id="rId5"/>
+    <p:sldId id="264" r:id="rId6"/>
+    <p:sldId id="267" r:id="rId7"/>
+    <p:sldId id="263" r:id="rId8"/>
+    <p:sldId id="269" r:id="rId9"/>
+    <p:sldId id="276" r:id="rId10"/>
+    <p:sldId id="274" r:id="rId11"/>
+    <p:sldId id="279" r:id="rId12"/>
+    <p:sldId id="277" r:id="rId13"/>
+    <p:sldId id="280" r:id="rId14"/>
+    <p:sldId id="270" r:id="rId15"/>
+    <p:sldId id="281" r:id="rId16"/>
+    <p:sldId id="282" r:id="rId17"/>
+    <p:sldId id="283" r:id="rId18"/>
   </p:sldIdLst>
   <p:sldSz cx="9144000" cy="6858000" type="screen4x3"/>
   <p:notesSz cx="6858000" cy="9144000"/>
@@ -213,7 +213,27 @@
       </a:defRPr>
     </a:lvl9pPr>
   </p:defaultTextStyle>
+  <p:extLst>
+    <p:ext uri="{EFAFB233-063F-42B5-8137-9DF3F51BA10A}">
+      <p15:sldGuideLst xmlns:p15="http://schemas.microsoft.com/office/powerpoint/2012/main">
+        <p15:guide id="1" orient="horz" pos="2211">
+          <p15:clr>
+            <a:srgbClr val="A4A3A4"/>
+          </p15:clr>
+        </p15:guide>
+        <p15:guide id="2" pos="2879">
+          <p15:clr>
+            <a:srgbClr val="A4A3A4"/>
+          </p15:clr>
+        </p15:guide>
+      </p15:sldGuideLst>
+    </p:ext>
+  </p:extLst>
 </p:presentation>
+</file>
+
+<file path=ppt/revisionInfo.xml><?xml version="1.0" encoding="utf-8"?>
+<p1510:revInfo xmlns:a="http://schemas.openxmlformats.org/drawingml/2006/main" xmlns:r="http://schemas.openxmlformats.org/officeDocument/2006/relationships" xmlns:p1510="http://schemas.microsoft.com/office/powerpoint/2015/10/main"/>
 </file>
 
 <file path=ppt/notesMasters/notesMaster1.xml><?xml version="1.0" encoding="utf-8"?>
@@ -235,7 +255,14 @@
         <p:cNvGrpSpPr/>
         <p:nvPr/>
       </p:nvGrpSpPr>
-      <p:grpSpPr/>
+      <p:grpSpPr>
+        <a:xfrm>
+          <a:off x="0" y="0"/>
+          <a:ext cx="0" cy="0"/>
+          <a:chOff x="0" y="0"/>
+          <a:chExt cx="0" cy="0"/>
+        </a:xfrm>
+      </p:grpSpPr>
       <p:sp>
         <p:nvSpPr>
           <p:cNvPr id="3074" name="页眉占位符 1"/>
@@ -262,6 +289,7 @@
         </p:spPr>
         <p:txBody>
           <a:bodyPr/>
+          <a:lstStyle/>
           <a:p>
             <a:pPr lvl="0" eaLnBrk="1" hangingPunct="1"/>
             <a:endParaRPr lang="zh-CN" altLang="en-US" sz="1200" dirty="0">
@@ -296,12 +324,14 @@
         </p:spPr>
         <p:txBody>
           <a:bodyPr/>
+          <a:lstStyle/>
           <a:p>
             <a:pPr lvl="0" algn="r" eaLnBrk="1" hangingPunct="1"/>
             <a:fld id="{BB962C8B-B14F-4D97-AF65-F5344CB8AC3E}" type="datetimeFigureOut">
               <a:rPr lang="zh-CN" altLang="en-US" sz="1200" dirty="0">
                 <a:ea typeface="宋体" charset="-122"/>
               </a:rPr>
+              <a:t>2017/6/5</a:t>
             </a:fld>
             <a:endParaRPr lang="zh-CN" altLang="en-US" sz="1200" dirty="0">
               <a:ea typeface="宋体" charset="-122"/>
@@ -313,7 +343,7 @@
         <p:nvSpPr>
           <p:cNvPr id="3076" name="幻灯片图像占位符 3"/>
           <p:cNvSpPr>
-            <a:spLocks noGrp="1"/>
+            <a:spLocks noGrp="1" noRot="1" noChangeAspect="1"/>
           </p:cNvSpPr>
           <p:nvPr>
             <p:ph type="sldImg" idx="2"/>
@@ -335,6 +365,7 @@
         </p:spPr>
         <p:txBody>
           <a:bodyPr/>
+          <a:lstStyle/>
           <a:p>
             <a:endParaRPr lang="pt-BR" altLang="en-US"/>
           </a:p>
@@ -366,6 +397,7 @@
         </p:spPr>
         <p:txBody>
           <a:bodyPr anchor="ctr"/>
+          <a:lstStyle/>
           <a:p>
             <a:pPr lvl="0"/>
             <a:r>
@@ -406,6 +438,7 @@
         </p:spPr>
         <p:txBody>
           <a:bodyPr anchor="b"/>
+          <a:lstStyle/>
           <a:p>
             <a:pPr lvl="0" eaLnBrk="1" hangingPunct="1"/>
             <a:endParaRPr lang="zh-CN" altLang="en-US" sz="1200" dirty="0">
@@ -440,12 +473,14 @@
         </p:spPr>
         <p:txBody>
           <a:bodyPr anchor="b"/>
+          <a:lstStyle/>
           <a:p>
             <a:pPr lvl="0" algn="r" eaLnBrk="1" hangingPunct="1"/>
             <a:fld id="{9A0DB2DC-4C9A-4742-B13C-FB6460FD3503}" type="slidenum">
               <a:rPr lang="zh-CN" altLang="en-US" sz="1200" dirty="0">
                 <a:ea typeface="宋体" charset="-122"/>
               </a:rPr>
+              <a:t>‹nº›</a:t>
             </a:fld>
             <a:endParaRPr lang="zh-CN" altLang="en-US" sz="1200" dirty="0">
               <a:ea typeface="宋体" charset="-122"/>
@@ -660,11 +695,20 @@
         <p:cNvGrpSpPr/>
         <p:nvPr/>
       </p:nvGrpSpPr>
-      <p:grpSpPr/>
+      <p:grpSpPr>
+        <a:xfrm>
+          <a:off x="0" y="0"/>
+          <a:ext cx="0" cy="0"/>
+          <a:chOff x="0" y="0"/>
+          <a:chExt cx="0" cy="0"/>
+        </a:xfrm>
+      </p:grpSpPr>
       <p:sp>
         <p:nvSpPr>
           <p:cNvPr id="2" name="Slide Image Placeholder 1"/>
-          <p:cNvSpPr/>
+          <p:cNvSpPr>
+            <a:spLocks noGrp="1" noRot="1" noChangeAspect="1"/>
+          </p:cNvSpPr>
           <p:nvPr>
             <p:ph type="sldImg" idx="2"/>
           </p:nvPr>
@@ -674,7 +718,9 @@
       <p:sp>
         <p:nvSpPr>
           <p:cNvPr id="3" name="Text Placeholder 2"/>
-          <p:cNvSpPr/>
+          <p:cNvSpPr>
+            <a:spLocks noGrp="1"/>
+          </p:cNvSpPr>
           <p:nvPr>
             <p:ph type="body" idx="3"/>
           </p:nvPr>
@@ -682,6 +728,7 @@
         <p:spPr/>
         <p:txBody>
           <a:bodyPr/>
+          <a:lstStyle/>
           <a:p>
             <a:endParaRPr lang="pt-BR" altLang="en-US"/>
           </a:p>
@@ -700,12 +747,14 @@
         <p:spPr/>
         <p:txBody>
           <a:bodyPr/>
+          <a:lstStyle/>
           <a:p>
             <a:pPr lvl="0" algn="r" eaLnBrk="1" hangingPunct="1"/>
             <a:fld id="{9A0DB2DC-4C9A-4742-B13C-FB6460FD3503}" type="slidenum">
               <a:rPr lang="zh-CN" altLang="en-US" sz="1200" dirty="0">
                 <a:ea typeface="宋体" charset="-122"/>
               </a:rPr>
+              <a:t>1</a:t>
             </a:fld>
             <a:endParaRPr lang="zh-CN" altLang="en-US" sz="1200" dirty="0">
               <a:ea typeface="宋体" charset="-122"/>
@@ -730,11 +779,20 @@
         <p:cNvGrpSpPr/>
         <p:nvPr/>
       </p:nvGrpSpPr>
-      <p:grpSpPr/>
+      <p:grpSpPr>
+        <a:xfrm>
+          <a:off x="0" y="0"/>
+          <a:ext cx="0" cy="0"/>
+          <a:chOff x="0" y="0"/>
+          <a:chExt cx="0" cy="0"/>
+        </a:xfrm>
+      </p:grpSpPr>
       <p:sp>
         <p:nvSpPr>
           <p:cNvPr id="2" name="Slide Image Placeholder 1"/>
-          <p:cNvSpPr/>
+          <p:cNvSpPr>
+            <a:spLocks noGrp="1" noRot="1" noChangeAspect="1"/>
+          </p:cNvSpPr>
           <p:nvPr>
             <p:ph type="sldImg" idx="2"/>
           </p:nvPr>
@@ -744,7 +802,9 @@
       <p:sp>
         <p:nvSpPr>
           <p:cNvPr id="3" name="Text Placeholder 2"/>
-          <p:cNvSpPr/>
+          <p:cNvSpPr>
+            <a:spLocks noGrp="1"/>
+          </p:cNvSpPr>
           <p:nvPr>
             <p:ph type="body" idx="3"/>
           </p:nvPr>
@@ -752,12 +812,12 @@
         <p:spPr/>
         <p:txBody>
           <a:bodyPr/>
+          <a:lstStyle/>
           <a:p>
             <a:r>
               <a:rPr lang="x-none" altLang="pt-BR"/>
               <a:t>a</a:t>
             </a:r>
-            <a:endParaRPr lang="x-none" altLang="pt-BR"/>
           </a:p>
         </p:txBody>
       </p:sp>
@@ -774,12 +834,14 @@
         <p:spPr/>
         <p:txBody>
           <a:bodyPr/>
+          <a:lstStyle/>
           <a:p>
             <a:pPr lvl="0" algn="r" eaLnBrk="1" hangingPunct="1"/>
             <a:fld id="{9A0DB2DC-4C9A-4742-B13C-FB6460FD3503}" type="slidenum">
               <a:rPr lang="zh-CN" altLang="en-US" sz="1200" dirty="0">
                 <a:ea typeface="宋体" charset="-122"/>
               </a:rPr>
+              <a:t>10</a:t>
             </a:fld>
             <a:endParaRPr lang="zh-CN" altLang="en-US" sz="1200" dirty="0">
               <a:ea typeface="宋体" charset="-122"/>
@@ -804,11 +866,20 @@
         <p:cNvGrpSpPr/>
         <p:nvPr/>
       </p:nvGrpSpPr>
-      <p:grpSpPr/>
+      <p:grpSpPr>
+        <a:xfrm>
+          <a:off x="0" y="0"/>
+          <a:ext cx="0" cy="0"/>
+          <a:chOff x="0" y="0"/>
+          <a:chExt cx="0" cy="0"/>
+        </a:xfrm>
+      </p:grpSpPr>
       <p:sp>
         <p:nvSpPr>
           <p:cNvPr id="2" name="Slide Image Placeholder 1"/>
-          <p:cNvSpPr/>
+          <p:cNvSpPr>
+            <a:spLocks noGrp="1" noRot="1" noChangeAspect="1"/>
+          </p:cNvSpPr>
           <p:nvPr>
             <p:ph type="sldImg" idx="2"/>
           </p:nvPr>
@@ -818,7 +889,9 @@
       <p:sp>
         <p:nvSpPr>
           <p:cNvPr id="3" name="Text Placeholder 2"/>
-          <p:cNvSpPr/>
+          <p:cNvSpPr>
+            <a:spLocks noGrp="1"/>
+          </p:cNvSpPr>
           <p:nvPr>
             <p:ph type="body" idx="3"/>
           </p:nvPr>
@@ -826,12 +899,12 @@
         <p:spPr/>
         <p:txBody>
           <a:bodyPr/>
+          <a:lstStyle/>
           <a:p>
             <a:r>
               <a:rPr lang="x-none" altLang="pt-BR"/>
               <a:t>a</a:t>
             </a:r>
-            <a:endParaRPr lang="x-none" altLang="pt-BR"/>
           </a:p>
         </p:txBody>
       </p:sp>
@@ -848,12 +921,14 @@
         <p:spPr/>
         <p:txBody>
           <a:bodyPr/>
+          <a:lstStyle/>
           <a:p>
             <a:pPr lvl="0" algn="r" eaLnBrk="1" hangingPunct="1"/>
             <a:fld id="{9A0DB2DC-4C9A-4742-B13C-FB6460FD3503}" type="slidenum">
               <a:rPr lang="zh-CN" altLang="en-US" sz="1200" dirty="0">
                 <a:ea typeface="宋体" charset="-122"/>
               </a:rPr>
+              <a:t>11</a:t>
             </a:fld>
             <a:endParaRPr lang="zh-CN" altLang="en-US" sz="1200" dirty="0">
               <a:ea typeface="宋体" charset="-122"/>
@@ -878,11 +953,20 @@
         <p:cNvGrpSpPr/>
         <p:nvPr/>
       </p:nvGrpSpPr>
-      <p:grpSpPr/>
+      <p:grpSpPr>
+        <a:xfrm>
+          <a:off x="0" y="0"/>
+          <a:ext cx="0" cy="0"/>
+          <a:chOff x="0" y="0"/>
+          <a:chExt cx="0" cy="0"/>
+        </a:xfrm>
+      </p:grpSpPr>
       <p:sp>
         <p:nvSpPr>
           <p:cNvPr id="2" name="Slide Image Placeholder 1"/>
-          <p:cNvSpPr/>
+          <p:cNvSpPr>
+            <a:spLocks noGrp="1" noRot="1" noChangeAspect="1"/>
+          </p:cNvSpPr>
           <p:nvPr>
             <p:ph type="sldImg" idx="2"/>
           </p:nvPr>
@@ -892,7 +976,9 @@
       <p:sp>
         <p:nvSpPr>
           <p:cNvPr id="3" name="Text Placeholder 2"/>
-          <p:cNvSpPr/>
+          <p:cNvSpPr>
+            <a:spLocks noGrp="1"/>
+          </p:cNvSpPr>
           <p:nvPr>
             <p:ph type="body" idx="3"/>
           </p:nvPr>
@@ -900,12 +986,12 @@
         <p:spPr/>
         <p:txBody>
           <a:bodyPr/>
+          <a:lstStyle/>
           <a:p>
             <a:r>
               <a:rPr lang="x-none" altLang="pt-BR"/>
               <a:t>// Linux usa um sistema parecido (initramfs.gz)</a:t>
             </a:r>
-            <a:endParaRPr lang="x-none" altLang="pt-BR"/>
           </a:p>
         </p:txBody>
       </p:sp>
@@ -922,12 +1008,14 @@
         <p:spPr/>
         <p:txBody>
           <a:bodyPr/>
+          <a:lstStyle/>
           <a:p>
             <a:pPr lvl="0" algn="r" eaLnBrk="1" hangingPunct="1"/>
             <a:fld id="{9A0DB2DC-4C9A-4742-B13C-FB6460FD3503}" type="slidenum">
               <a:rPr lang="zh-CN" altLang="en-US" sz="1200" dirty="0">
                 <a:ea typeface="宋体" charset="-122"/>
               </a:rPr>
+              <a:t>13</a:t>
             </a:fld>
             <a:endParaRPr lang="zh-CN" altLang="en-US" sz="1200" dirty="0">
               <a:ea typeface="宋体" charset="-122"/>
@@ -952,11 +1040,20 @@
         <p:cNvGrpSpPr/>
         <p:nvPr/>
       </p:nvGrpSpPr>
-      <p:grpSpPr/>
+      <p:grpSpPr>
+        <a:xfrm>
+          <a:off x="0" y="0"/>
+          <a:ext cx="0" cy="0"/>
+          <a:chOff x="0" y="0"/>
+          <a:chExt cx="0" cy="0"/>
+        </a:xfrm>
+      </p:grpSpPr>
       <p:sp>
         <p:nvSpPr>
           <p:cNvPr id="2" name="Slide Image Placeholder 1"/>
-          <p:cNvSpPr/>
+          <p:cNvSpPr>
+            <a:spLocks noGrp="1" noRot="1" noChangeAspect="1"/>
+          </p:cNvSpPr>
           <p:nvPr>
             <p:ph type="sldImg" idx="2"/>
           </p:nvPr>
@@ -966,7 +1063,9 @@
       <p:sp>
         <p:nvSpPr>
           <p:cNvPr id="3" name="Text Placeholder 2"/>
-          <p:cNvSpPr/>
+          <p:cNvSpPr>
+            <a:spLocks noGrp="1"/>
+          </p:cNvSpPr>
           <p:nvPr>
             <p:ph type="body" idx="3"/>
           </p:nvPr>
@@ -974,12 +1073,12 @@
         <p:spPr/>
         <p:txBody>
           <a:bodyPr/>
+          <a:lstStyle/>
           <a:p>
             <a:r>
               <a:rPr lang="x-none" altLang="pt-BR"/>
               <a:t>a</a:t>
             </a:r>
-            <a:endParaRPr lang="x-none" altLang="pt-BR"/>
           </a:p>
         </p:txBody>
       </p:sp>
@@ -996,12 +1095,14 @@
         <p:spPr/>
         <p:txBody>
           <a:bodyPr/>
+          <a:lstStyle/>
           <a:p>
             <a:pPr lvl="0" algn="r" eaLnBrk="1" hangingPunct="1"/>
             <a:fld id="{9A0DB2DC-4C9A-4742-B13C-FB6460FD3503}" type="slidenum">
               <a:rPr lang="zh-CN" altLang="en-US" sz="1200" dirty="0">
                 <a:ea typeface="宋体" charset="-122"/>
               </a:rPr>
+              <a:t>14</a:t>
             </a:fld>
             <a:endParaRPr lang="zh-CN" altLang="en-US" sz="1200" dirty="0">
               <a:ea typeface="宋体" charset="-122"/>
@@ -1026,11 +1127,20 @@
         <p:cNvGrpSpPr/>
         <p:nvPr/>
       </p:nvGrpSpPr>
-      <p:grpSpPr/>
+      <p:grpSpPr>
+        <a:xfrm>
+          <a:off x="0" y="0"/>
+          <a:ext cx="0" cy="0"/>
+          <a:chOff x="0" y="0"/>
+          <a:chExt cx="0" cy="0"/>
+        </a:xfrm>
+      </p:grpSpPr>
       <p:sp>
         <p:nvSpPr>
           <p:cNvPr id="2" name="Slide Image Placeholder 1"/>
-          <p:cNvSpPr/>
+          <p:cNvSpPr>
+            <a:spLocks noGrp="1" noRot="1" noChangeAspect="1"/>
+          </p:cNvSpPr>
           <p:nvPr>
             <p:ph type="sldImg" idx="2"/>
           </p:nvPr>
@@ -1040,7 +1150,9 @@
       <p:sp>
         <p:nvSpPr>
           <p:cNvPr id="3" name="Text Placeholder 2"/>
-          <p:cNvSpPr/>
+          <p:cNvSpPr>
+            <a:spLocks noGrp="1"/>
+          </p:cNvSpPr>
           <p:nvPr>
             <p:ph type="body" idx="3"/>
           </p:nvPr>
@@ -1048,12 +1160,12 @@
         <p:spPr/>
         <p:txBody>
           <a:bodyPr/>
+          <a:lstStyle/>
           <a:p>
             <a:r>
               <a:rPr lang="x-none" altLang="pt-BR"/>
               <a:t>a</a:t>
             </a:r>
-            <a:endParaRPr lang="x-none" altLang="pt-BR"/>
           </a:p>
         </p:txBody>
       </p:sp>
@@ -1070,12 +1182,14 @@
         <p:spPr/>
         <p:txBody>
           <a:bodyPr/>
+          <a:lstStyle/>
           <a:p>
             <a:pPr lvl="0" algn="r" eaLnBrk="1" hangingPunct="1"/>
             <a:fld id="{9A0DB2DC-4C9A-4742-B13C-FB6460FD3503}" type="slidenum">
               <a:rPr lang="zh-CN" altLang="en-US" sz="1200" dirty="0">
                 <a:ea typeface="宋体" charset="-122"/>
               </a:rPr>
+              <a:t>15</a:t>
             </a:fld>
             <a:endParaRPr lang="zh-CN" altLang="en-US" sz="1200" dirty="0">
               <a:ea typeface="宋体" charset="-122"/>
@@ -1100,11 +1214,20 @@
         <p:cNvGrpSpPr/>
         <p:nvPr/>
       </p:nvGrpSpPr>
-      <p:grpSpPr/>
+      <p:grpSpPr>
+        <a:xfrm>
+          <a:off x="0" y="0"/>
+          <a:ext cx="0" cy="0"/>
+          <a:chOff x="0" y="0"/>
+          <a:chExt cx="0" cy="0"/>
+        </a:xfrm>
+      </p:grpSpPr>
       <p:sp>
         <p:nvSpPr>
           <p:cNvPr id="2" name="Slide Image Placeholder 1"/>
-          <p:cNvSpPr/>
+          <p:cNvSpPr>
+            <a:spLocks noGrp="1" noRot="1" noChangeAspect="1"/>
+          </p:cNvSpPr>
           <p:nvPr>
             <p:ph type="sldImg" idx="2"/>
           </p:nvPr>
@@ -1114,7 +1237,9 @@
       <p:sp>
         <p:nvSpPr>
           <p:cNvPr id="3" name="Text Placeholder 2"/>
-          <p:cNvSpPr/>
+          <p:cNvSpPr>
+            <a:spLocks noGrp="1"/>
+          </p:cNvSpPr>
           <p:nvPr>
             <p:ph type="body" idx="3"/>
           </p:nvPr>
@@ -1122,12 +1247,12 @@
         <p:spPr/>
         <p:txBody>
           <a:bodyPr/>
+          <a:lstStyle/>
           <a:p>
             <a:r>
               <a:rPr lang="x-none" altLang="pt-BR"/>
               <a:t>a</a:t>
             </a:r>
-            <a:endParaRPr lang="x-none" altLang="pt-BR"/>
           </a:p>
         </p:txBody>
       </p:sp>
@@ -1144,12 +1269,14 @@
         <p:spPr/>
         <p:txBody>
           <a:bodyPr/>
+          <a:lstStyle/>
           <a:p>
             <a:pPr lvl="0" algn="r" eaLnBrk="1" hangingPunct="1"/>
             <a:fld id="{9A0DB2DC-4C9A-4742-B13C-FB6460FD3503}" type="slidenum">
               <a:rPr lang="zh-CN" altLang="en-US" sz="1200" dirty="0">
                 <a:ea typeface="宋体" charset="-122"/>
               </a:rPr>
+              <a:t>16</a:t>
             </a:fld>
             <a:endParaRPr lang="zh-CN" altLang="en-US" sz="1200" dirty="0">
               <a:ea typeface="宋体" charset="-122"/>
@@ -1174,11 +1301,20 @@
         <p:cNvGrpSpPr/>
         <p:nvPr/>
       </p:nvGrpSpPr>
-      <p:grpSpPr/>
+      <p:grpSpPr>
+        <a:xfrm>
+          <a:off x="0" y="0"/>
+          <a:ext cx="0" cy="0"/>
+          <a:chOff x="0" y="0"/>
+          <a:chExt cx="0" cy="0"/>
+        </a:xfrm>
+      </p:grpSpPr>
       <p:sp>
         <p:nvSpPr>
           <p:cNvPr id="2" name="Slide Image Placeholder 1"/>
-          <p:cNvSpPr/>
+          <p:cNvSpPr>
+            <a:spLocks noGrp="1" noRot="1" noChangeAspect="1"/>
+          </p:cNvSpPr>
           <p:nvPr>
             <p:ph type="sldImg" idx="2"/>
           </p:nvPr>
@@ -1188,7 +1324,9 @@
       <p:sp>
         <p:nvSpPr>
           <p:cNvPr id="3" name="Text Placeholder 2"/>
-          <p:cNvSpPr/>
+          <p:cNvSpPr>
+            <a:spLocks noGrp="1"/>
+          </p:cNvSpPr>
           <p:nvPr>
             <p:ph type="body" idx="3"/>
           </p:nvPr>
@@ -1196,6 +1334,7 @@
         <p:spPr/>
         <p:txBody>
           <a:bodyPr/>
+          <a:lstStyle/>
           <a:p>
             <a:r>
               <a:rPr lang="x-none" altLang="pt-BR"/>
@@ -1229,9 +1368,6 @@
               </a:rPr>
               <a:t>)</a:t>
             </a:r>
-            <a:endParaRPr lang="x-none" altLang="pt-BR">
-              <a:sym typeface="+mn-ea"/>
-            </a:endParaRPr>
           </a:p>
           <a:p>
             <a:r>
@@ -1246,7 +1382,6 @@
               <a:rPr lang="x-none" altLang="pt-BR"/>
               <a:t>; Sistema Deterministico;</a:t>
             </a:r>
-            <a:endParaRPr lang="x-none" altLang="pt-BR"/>
           </a:p>
         </p:txBody>
       </p:sp>
@@ -1263,12 +1398,14 @@
         <p:spPr/>
         <p:txBody>
           <a:bodyPr/>
+          <a:lstStyle/>
           <a:p>
             <a:pPr lvl="0" algn="r" eaLnBrk="1" hangingPunct="1"/>
             <a:fld id="{9A0DB2DC-4C9A-4742-B13C-FB6460FD3503}" type="slidenum">
               <a:rPr lang="zh-CN" altLang="en-US" sz="1200" dirty="0">
                 <a:ea typeface="宋体" charset="-122"/>
               </a:rPr>
+              <a:t>2</a:t>
             </a:fld>
             <a:endParaRPr lang="zh-CN" altLang="en-US" sz="1200" dirty="0">
               <a:ea typeface="宋体" charset="-122"/>
@@ -1293,11 +1430,20 @@
         <p:cNvGrpSpPr/>
         <p:nvPr/>
       </p:nvGrpSpPr>
-      <p:grpSpPr/>
+      <p:grpSpPr>
+        <a:xfrm>
+          <a:off x="0" y="0"/>
+          <a:ext cx="0" cy="0"/>
+          <a:chOff x="0" y="0"/>
+          <a:chExt cx="0" cy="0"/>
+        </a:xfrm>
+      </p:grpSpPr>
       <p:sp>
         <p:nvSpPr>
           <p:cNvPr id="2" name="Slide Image Placeholder 1"/>
-          <p:cNvSpPr/>
+          <p:cNvSpPr>
+            <a:spLocks noGrp="1" noRot="1" noChangeAspect="1"/>
+          </p:cNvSpPr>
           <p:nvPr>
             <p:ph type="sldImg" idx="2"/>
           </p:nvPr>
@@ -1307,7 +1453,9 @@
       <p:sp>
         <p:nvSpPr>
           <p:cNvPr id="3" name="Text Placeholder 2"/>
-          <p:cNvSpPr/>
+          <p:cNvSpPr>
+            <a:spLocks noGrp="1"/>
+          </p:cNvSpPr>
           <p:nvPr>
             <p:ph type="body" idx="3"/>
           </p:nvPr>
@@ -1315,40 +1463,36 @@
         <p:spPr/>
         <p:txBody>
           <a:bodyPr/>
+          <a:lstStyle/>
           <a:p>
             <a:r>
               <a:rPr lang="x-none" altLang="pt-BR"/>
               <a:t>## HARD</a:t>
             </a:r>
-            <a:endParaRPr lang="x-none" altLang="pt-BR"/>
           </a:p>
           <a:p>
             <a:r>
               <a:rPr lang="x-none" altLang="pt-BR"/>
               <a:t>  - Sistemas de segurança, como o Airbag de carros e Ejeção de Jatos;</a:t>
             </a:r>
-            <a:endParaRPr lang="x-none" altLang="pt-BR"/>
           </a:p>
           <a:p>
             <a:r>
               <a:rPr lang="x-none" altLang="pt-BR"/>
               <a:t>  - Sistemas de controle de aeronave;</a:t>
             </a:r>
-            <a:endParaRPr lang="x-none" altLang="pt-BR"/>
           </a:p>
           <a:p>
             <a:r>
               <a:rPr lang="x-none" altLang="pt-BR"/>
               <a:t>  - Sistema de controle do fluxo de conbustível de foguetes e jatos;</a:t>
             </a:r>
-            <a:endParaRPr lang="x-none" altLang="pt-BR"/>
           </a:p>
           <a:p>
             <a:r>
               <a:rPr lang="x-none" altLang="pt-BR"/>
               <a:t>  - </a:t>
             </a:r>
-            <a:endParaRPr lang="x-none" altLang="pt-BR"/>
           </a:p>
           <a:p>
             <a:endParaRPr lang="x-none" altLang="pt-BR"/>
@@ -1358,28 +1502,24 @@
               <a:rPr lang="x-none" altLang="pt-BR"/>
               <a:t>## SOFT</a:t>
             </a:r>
-            <a:endParaRPr lang="x-none" altLang="pt-BR"/>
           </a:p>
           <a:p>
             <a:r>
               <a:rPr lang="x-none" altLang="pt-BR"/>
               <a:t>  - Tocador de Música de um Carro;</a:t>
             </a:r>
-            <a:endParaRPr lang="x-none" altLang="pt-BR"/>
           </a:p>
           <a:p>
             <a:r>
               <a:rPr lang="x-none" altLang="pt-BR"/>
               <a:t>  - Driver de CD do PC;</a:t>
             </a:r>
-            <a:endParaRPr lang="x-none" altLang="pt-BR"/>
           </a:p>
           <a:p>
             <a:r>
               <a:rPr lang="x-none" altLang="pt-BR"/>
               <a:t>  - Alguns sistemas de controle Fuzzy;</a:t>
             </a:r>
-            <a:endParaRPr lang="x-none" altLang="pt-BR"/>
           </a:p>
         </p:txBody>
       </p:sp>
@@ -1396,12 +1536,14 @@
         <p:spPr/>
         <p:txBody>
           <a:bodyPr/>
+          <a:lstStyle/>
           <a:p>
             <a:pPr lvl="0" algn="r" eaLnBrk="1" hangingPunct="1"/>
             <a:fld id="{9A0DB2DC-4C9A-4742-B13C-FB6460FD3503}" type="slidenum">
               <a:rPr lang="zh-CN" altLang="en-US" sz="1200" dirty="0">
                 <a:ea typeface="宋体" charset="-122"/>
               </a:rPr>
+              <a:t>3</a:t>
             </a:fld>
             <a:endParaRPr lang="zh-CN" altLang="en-US" sz="1200" dirty="0">
               <a:ea typeface="宋体" charset="-122"/>
@@ -1426,11 +1568,20 @@
         <p:cNvGrpSpPr/>
         <p:nvPr/>
       </p:nvGrpSpPr>
-      <p:grpSpPr/>
+      <p:grpSpPr>
+        <a:xfrm>
+          <a:off x="0" y="0"/>
+          <a:ext cx="0" cy="0"/>
+          <a:chOff x="0" y="0"/>
+          <a:chExt cx="0" cy="0"/>
+        </a:xfrm>
+      </p:grpSpPr>
       <p:sp>
         <p:nvSpPr>
           <p:cNvPr id="2" name="Slide Image Placeholder 1"/>
-          <p:cNvSpPr/>
+          <p:cNvSpPr>
+            <a:spLocks noGrp="1" noRot="1" noChangeAspect="1"/>
+          </p:cNvSpPr>
           <p:nvPr>
             <p:ph type="sldImg" idx="2"/>
           </p:nvPr>
@@ -1440,7 +1591,9 @@
       <p:sp>
         <p:nvSpPr>
           <p:cNvPr id="3" name="Text Placeholder 2"/>
-          <p:cNvSpPr/>
+          <p:cNvSpPr>
+            <a:spLocks noGrp="1"/>
+          </p:cNvSpPr>
           <p:nvPr>
             <p:ph type="body" idx="3"/>
           </p:nvPr>
@@ -1448,19 +1601,18 @@
         <p:spPr/>
         <p:txBody>
           <a:bodyPr/>
+          <a:lstStyle/>
           <a:p>
             <a:r>
               <a:rPr lang="x-none" altLang="pt-BR"/>
               <a:t>## FreeRTOS</a:t>
             </a:r>
-            <a:endParaRPr lang="x-none" altLang="pt-BR"/>
           </a:p>
           <a:p>
             <a:r>
               <a:rPr lang="x-none" altLang="pt-BR"/>
               <a:t>  -  Começou como um sistema acadêmico e totalemnte gratuito;</a:t>
             </a:r>
-            <a:endParaRPr lang="x-none" altLang="pt-BR"/>
           </a:p>
           <a:p>
             <a:r>
@@ -1476,14 +1628,12 @@
               <a:rPr lang="x-none" altLang="pt-BR"/>
               <a:t>  - Largamente utilizado pela industria de produtos e bens de consumo;</a:t>
             </a:r>
-            <a:endParaRPr lang="x-none" altLang="pt-BR"/>
           </a:p>
           <a:p>
             <a:r>
               <a:rPr lang="x-none" altLang="pt-BR"/>
               <a:t>  - Utilizado desde equipamentos de segurança e monitoramento, à robos, passando por diversos eletrônicos e eletroeletrônicos (Geladeira e SmartCoisas);</a:t>
             </a:r>
-            <a:endParaRPr lang="x-none" altLang="pt-BR"/>
           </a:p>
           <a:p>
             <a:endParaRPr lang="x-none" altLang="pt-BR"/>
@@ -1493,21 +1643,18 @@
               <a:rPr lang="x-none" altLang="pt-BR"/>
               <a:t>## QNX</a:t>
             </a:r>
-            <a:endParaRPr lang="x-none" altLang="pt-BR"/>
           </a:p>
           <a:p>
             <a:r>
               <a:rPr lang="x-none" altLang="pt-BR"/>
               <a:t>   - Comprado pela BlackBerry em 2010;</a:t>
             </a:r>
-            <a:endParaRPr lang="x-none" altLang="pt-BR"/>
           </a:p>
           <a:p>
             <a:r>
               <a:rPr lang="x-none" altLang="pt-BR"/>
               <a:t>   - Utilizado por marcas como: Ford, BMW, Mercedes-Benz, Honda, Audi, Ferrari, Volvo, Jeep, Jaguar, Lexus, Dodge, entre outras.</a:t>
             </a:r>
-            <a:endParaRPr lang="x-none" altLang="pt-BR"/>
           </a:p>
           <a:p>
             <a:endParaRPr lang="x-none" altLang="pt-BR"/>
@@ -1517,14 +1664,12 @@
               <a:rPr lang="x-none" altLang="pt-BR"/>
               <a:t>## uC/OS</a:t>
             </a:r>
-            <a:endParaRPr lang="x-none" altLang="pt-BR"/>
           </a:p>
           <a:p>
             <a:r>
               <a:rPr lang="x-none" altLang="pt-BR"/>
               <a:t>   - Scheduler de Tempo Real;</a:t>
             </a:r>
-            <a:endParaRPr lang="x-none" altLang="pt-BR"/>
           </a:p>
           <a:p>
             <a:r>
@@ -1537,9 +1682,6 @@
               </a:rPr>
               <a:t>Round-robin;</a:t>
             </a:r>
-            <a:endParaRPr lang="x-none">
-              <a:sym typeface="+mn-ea"/>
-            </a:endParaRPr>
           </a:p>
           <a:p>
             <a:r>
@@ -1548,9 +1690,6 @@
               </a:rPr>
               <a:t>   - Prevents deadlocks (Proceço);</a:t>
             </a:r>
-            <a:endParaRPr lang="x-none">
-              <a:sym typeface="+mn-ea"/>
-            </a:endParaRPr>
           </a:p>
           <a:p>
             <a:r>
@@ -1577,16 +1716,12 @@
               </a:rPr>
               <a:t>LipeRTOS </a:t>
             </a:r>
-            <a:endParaRPr lang="x-none">
-              <a:sym typeface="+mn-ea"/>
-            </a:endParaRPr>
           </a:p>
           <a:p>
             <a:r>
               <a:rPr lang="x-none" altLang="pt-BR"/>
               <a:t>   - 100% Nascional;</a:t>
             </a:r>
-            <a:endParaRPr lang="x-none" altLang="pt-BR"/>
           </a:p>
           <a:p>
             <a:r>
@@ -1600,7 +1735,6 @@
               <a:rPr lang="x-none" altLang="pt-BR"/>
               <a:t>   - Disponível no GitHub;</a:t>
             </a:r>
-            <a:endParaRPr lang="x-none" altLang="pt-BR"/>
           </a:p>
           <a:p>
             <a:endParaRPr lang="x-none" altLang="pt-BR"/>
@@ -1610,28 +1744,24 @@
               <a:rPr lang="x-none" altLang="pt-BR"/>
               <a:t>## HeartOS ##</a:t>
             </a:r>
-            <a:endParaRPr lang="x-none" altLang="pt-BR"/>
           </a:p>
           <a:p>
             <a:r>
               <a:rPr lang="x-none" altLang="pt-BR"/>
               <a:t>   - Amplamente utilizado na industria aeronautica;</a:t>
             </a:r>
-            <a:endParaRPr lang="x-none" altLang="pt-BR"/>
           </a:p>
           <a:p>
             <a:r>
               <a:rPr lang="x-none" altLang="pt-BR"/>
               <a:t>   - Como em sistemas de controle de fluxo de combustível;</a:t>
             </a:r>
-            <a:endParaRPr lang="x-none" altLang="pt-BR"/>
           </a:p>
           <a:p>
             <a:r>
               <a:rPr lang="x-none" altLang="pt-BR"/>
               <a:t>   - Programação em C, C++  e  ADA.</a:t>
             </a:r>
-            <a:endParaRPr lang="x-none" altLang="pt-BR"/>
           </a:p>
           <a:p>
             <a:endParaRPr lang="x-none" altLang="pt-BR"/>
@@ -1641,35 +1771,30 @@
               <a:rPr lang="x-none" altLang="pt-BR"/>
               <a:t>## VxWorks</a:t>
             </a:r>
-            <a:endParaRPr lang="x-none" altLang="pt-BR"/>
           </a:p>
           <a:p>
             <a:r>
               <a:rPr lang="x-none" altLang="pt-BR"/>
               <a:t>   - Utilizado pela NASA,</a:t>
             </a:r>
-            <a:endParaRPr lang="x-none" altLang="pt-BR"/>
           </a:p>
           <a:p>
             <a:r>
               <a:rPr lang="x-none" altLang="pt-BR"/>
               <a:t>      Exercito Americano e Boeing;</a:t>
             </a:r>
-            <a:endParaRPr lang="x-none" altLang="pt-BR"/>
           </a:p>
           <a:p>
             <a:r>
               <a:rPr lang="x-none" altLang="pt-BR"/>
               <a:t>   - Utilizado na Sonda Curiosity;</a:t>
             </a:r>
-            <a:endParaRPr lang="x-none" altLang="pt-BR"/>
           </a:p>
           <a:p>
             <a:r>
               <a:rPr lang="x-none" altLang="pt-BR"/>
               <a:t>   </a:t>
             </a:r>
-            <a:endParaRPr lang="x-none" altLang="pt-BR"/>
           </a:p>
         </p:txBody>
       </p:sp>
@@ -1686,12 +1811,14 @@
         <p:spPr/>
         <p:txBody>
           <a:bodyPr/>
+          <a:lstStyle/>
           <a:p>
             <a:pPr lvl="0" algn="r" eaLnBrk="1" hangingPunct="1"/>
             <a:fld id="{9A0DB2DC-4C9A-4742-B13C-FB6460FD3503}" type="slidenum">
               <a:rPr lang="zh-CN" altLang="en-US" sz="1200" dirty="0">
                 <a:ea typeface="宋体" charset="-122"/>
               </a:rPr>
+              <a:t>4</a:t>
             </a:fld>
             <a:endParaRPr lang="zh-CN" altLang="en-US" sz="1200" dirty="0">
               <a:ea typeface="宋体" charset="-122"/>
@@ -1716,11 +1843,20 @@
         <p:cNvGrpSpPr/>
         <p:nvPr/>
       </p:nvGrpSpPr>
-      <p:grpSpPr/>
+      <p:grpSpPr>
+        <a:xfrm>
+          <a:off x="0" y="0"/>
+          <a:ext cx="0" cy="0"/>
+          <a:chOff x="0" y="0"/>
+          <a:chExt cx="0" cy="0"/>
+        </a:xfrm>
+      </p:grpSpPr>
       <p:sp>
         <p:nvSpPr>
           <p:cNvPr id="2" name="Slide Image Placeholder 1"/>
-          <p:cNvSpPr/>
+          <p:cNvSpPr>
+            <a:spLocks noGrp="1" noRot="1" noChangeAspect="1"/>
+          </p:cNvSpPr>
           <p:nvPr>
             <p:ph type="sldImg" idx="2"/>
           </p:nvPr>
@@ -1730,7 +1866,9 @@
       <p:sp>
         <p:nvSpPr>
           <p:cNvPr id="3" name="Text Placeholder 2"/>
-          <p:cNvSpPr/>
+          <p:cNvSpPr>
+            <a:spLocks noGrp="1"/>
+          </p:cNvSpPr>
           <p:nvPr>
             <p:ph type="body" idx="3"/>
           </p:nvPr>
@@ -1738,6 +1876,7 @@
         <p:spPr/>
         <p:txBody>
           <a:bodyPr/>
+          <a:lstStyle/>
           <a:p>
             <a:r>
               <a:rPr lang="x-none">
@@ -1766,7 +1905,6 @@
               <a:rPr lang="x-none" altLang="pt-BR"/>
               <a:t>## Sobre os Autores</a:t>
             </a:r>
-            <a:endParaRPr lang="x-none" altLang="pt-BR"/>
           </a:p>
           <a:p>
             <a:r>
@@ -1780,7 +1918,6 @@
               <a:rPr lang="x-none" altLang="pt-BR"/>
               <a:t> - O utimo é da 2ª univercidade</a:t>
             </a:r>
-            <a:endParaRPr lang="x-none" altLang="pt-BR"/>
           </a:p>
           <a:p>
             <a:endParaRPr lang="x-none" altLang="pt-BR"/>
@@ -1797,14 +1934,12 @@
               <a:rPr lang="x-none" altLang="pt-BR"/>
               <a:t>Apenar de disponível no GitHub, parte do cogido encontra-se ausente. Como a MAIN.C</a:t>
             </a:r>
-            <a:endParaRPr lang="x-none" altLang="pt-BR"/>
           </a:p>
           <a:p>
             <a:r>
               <a:rPr lang="x-none" altLang="pt-BR"/>
               <a:t>Segundo os autores, o SIRTOS seria compilável em Windows, Linux e MAC;</a:t>
             </a:r>
-            <a:endParaRPr lang="x-none" altLang="pt-BR"/>
           </a:p>
           <a:p>
             <a:r>
@@ -1825,14 +1960,12 @@
               <a:rPr lang="x-none" altLang="pt-BR"/>
               <a:t>Makefile - 3.1% </a:t>
             </a:r>
-            <a:endParaRPr lang="x-none" altLang="pt-BR"/>
           </a:p>
           <a:p>
             <a:r>
               <a:rPr lang="x-none" altLang="pt-BR"/>
               <a:t>C++ - 1.4% </a:t>
             </a:r>
-            <a:endParaRPr lang="x-none" altLang="pt-BR"/>
           </a:p>
           <a:p>
             <a:r>
@@ -1862,12 +1995,14 @@
         <p:spPr/>
         <p:txBody>
           <a:bodyPr/>
+          <a:lstStyle/>
           <a:p>
             <a:pPr lvl="0" algn="r" eaLnBrk="1" hangingPunct="1"/>
             <a:fld id="{9A0DB2DC-4C9A-4742-B13C-FB6460FD3503}" type="slidenum">
               <a:rPr lang="zh-CN" altLang="en-US" sz="1200" dirty="0">
                 <a:ea typeface="宋体" charset="-122"/>
               </a:rPr>
+              <a:t>5</a:t>
             </a:fld>
             <a:endParaRPr lang="zh-CN" altLang="en-US" sz="1200" dirty="0">
               <a:ea typeface="宋体" charset="-122"/>
@@ -1892,11 +2027,20 @@
         <p:cNvGrpSpPr/>
         <p:nvPr/>
       </p:nvGrpSpPr>
-      <p:grpSpPr/>
+      <p:grpSpPr>
+        <a:xfrm>
+          <a:off x="0" y="0"/>
+          <a:ext cx="0" cy="0"/>
+          <a:chOff x="0" y="0"/>
+          <a:chExt cx="0" cy="0"/>
+        </a:xfrm>
+      </p:grpSpPr>
       <p:sp>
         <p:nvSpPr>
           <p:cNvPr id="2" name="Slide Image Placeholder 1"/>
-          <p:cNvSpPr/>
+          <p:cNvSpPr>
+            <a:spLocks noGrp="1" noRot="1" noChangeAspect="1"/>
+          </p:cNvSpPr>
           <p:nvPr>
             <p:ph type="sldImg" idx="2"/>
           </p:nvPr>
@@ -1906,7 +2050,9 @@
       <p:sp>
         <p:nvSpPr>
           <p:cNvPr id="3" name="Text Placeholder 2"/>
-          <p:cNvSpPr/>
+          <p:cNvSpPr>
+            <a:spLocks noGrp="1"/>
+          </p:cNvSpPr>
           <p:nvPr>
             <p:ph type="body" idx="3"/>
           </p:nvPr>
@@ -1914,6 +2060,7 @@
         <p:spPr/>
         <p:txBody>
           <a:bodyPr/>
+          <a:lstStyle/>
           <a:p>
             <a:pPr lvl="0" eaLnBrk="1" hangingPunct="1"/>
             <a:r>
@@ -1928,9 +2075,6 @@
               </a:rPr>
               <a:t>em qualquer Sistema Operacional</a:t>
             </a:r>
-            <a:endParaRPr lang="x-none">
-              <a:sym typeface="+mn-ea"/>
-            </a:endParaRPr>
           </a:p>
           <a:p>
             <a:pPr lvl="0" eaLnBrk="1" hangingPunct="1"/>
@@ -1993,12 +2137,14 @@
         <p:spPr/>
         <p:txBody>
           <a:bodyPr/>
+          <a:lstStyle/>
           <a:p>
             <a:pPr lvl="0" algn="r" eaLnBrk="1" hangingPunct="1"/>
             <a:fld id="{9A0DB2DC-4C9A-4742-B13C-FB6460FD3503}" type="slidenum">
               <a:rPr lang="zh-CN" altLang="en-US" sz="1200" dirty="0">
                 <a:ea typeface="宋体" charset="-122"/>
               </a:rPr>
+              <a:t>6</a:t>
             </a:fld>
             <a:endParaRPr lang="zh-CN" altLang="en-US" sz="1200" dirty="0">
               <a:ea typeface="宋体" charset="-122"/>
@@ -2023,11 +2169,20 @@
         <p:cNvGrpSpPr/>
         <p:nvPr/>
       </p:nvGrpSpPr>
-      <p:grpSpPr/>
+      <p:grpSpPr>
+        <a:xfrm>
+          <a:off x="0" y="0"/>
+          <a:ext cx="0" cy="0"/>
+          <a:chOff x="0" y="0"/>
+          <a:chExt cx="0" cy="0"/>
+        </a:xfrm>
+      </p:grpSpPr>
       <p:sp>
         <p:nvSpPr>
           <p:cNvPr id="2" name="Slide Image Placeholder 1"/>
-          <p:cNvSpPr/>
+          <p:cNvSpPr>
+            <a:spLocks noGrp="1" noRot="1" noChangeAspect="1"/>
+          </p:cNvSpPr>
           <p:nvPr>
             <p:ph type="sldImg" idx="2"/>
           </p:nvPr>
@@ -2037,7 +2192,9 @@
       <p:sp>
         <p:nvSpPr>
           <p:cNvPr id="3" name="Text Placeholder 2"/>
-          <p:cNvSpPr/>
+          <p:cNvSpPr>
+            <a:spLocks noGrp="1"/>
+          </p:cNvSpPr>
           <p:nvPr>
             <p:ph type="body" idx="3"/>
           </p:nvPr>
@@ -2045,12 +2202,12 @@
         <p:spPr/>
         <p:txBody>
           <a:bodyPr/>
+          <a:lstStyle/>
           <a:p>
             <a:r>
               <a:rPr lang="x-none" altLang="pt-BR"/>
               <a:t>OBS: A implementação desta forma pde causar fragmentação, mas o problema foi deixado de lado por questões educacionais;</a:t>
             </a:r>
-            <a:endParaRPr lang="x-none" altLang="pt-BR"/>
           </a:p>
         </p:txBody>
       </p:sp>
@@ -2067,12 +2224,14 @@
         <p:spPr/>
         <p:txBody>
           <a:bodyPr/>
+          <a:lstStyle/>
           <a:p>
             <a:pPr lvl="0" algn="r" eaLnBrk="1" hangingPunct="1"/>
             <a:fld id="{9A0DB2DC-4C9A-4742-B13C-FB6460FD3503}" type="slidenum">
               <a:rPr lang="zh-CN" altLang="en-US" sz="1200" dirty="0">
                 <a:ea typeface="宋体" charset="-122"/>
               </a:rPr>
+              <a:t>7</a:t>
             </a:fld>
             <a:endParaRPr lang="zh-CN" altLang="en-US" sz="1200" dirty="0">
               <a:ea typeface="宋体" charset="-122"/>
@@ -2097,11 +2256,20 @@
         <p:cNvGrpSpPr/>
         <p:nvPr/>
       </p:nvGrpSpPr>
-      <p:grpSpPr/>
+      <p:grpSpPr>
+        <a:xfrm>
+          <a:off x="0" y="0"/>
+          <a:ext cx="0" cy="0"/>
+          <a:chOff x="0" y="0"/>
+          <a:chExt cx="0" cy="0"/>
+        </a:xfrm>
+      </p:grpSpPr>
       <p:sp>
         <p:nvSpPr>
           <p:cNvPr id="2" name="Slide Image Placeholder 1"/>
-          <p:cNvSpPr/>
+          <p:cNvSpPr>
+            <a:spLocks noGrp="1" noRot="1" noChangeAspect="1"/>
+          </p:cNvSpPr>
           <p:nvPr>
             <p:ph type="sldImg" idx="2"/>
           </p:nvPr>
@@ -2111,7 +2279,9 @@
       <p:sp>
         <p:nvSpPr>
           <p:cNvPr id="3" name="Text Placeholder 2"/>
-          <p:cNvSpPr/>
+          <p:cNvSpPr>
+            <a:spLocks noGrp="1"/>
+          </p:cNvSpPr>
           <p:nvPr>
             <p:ph type="body" idx="3"/>
           </p:nvPr>
@@ -2119,19 +2289,18 @@
         <p:spPr/>
         <p:txBody>
           <a:bodyPr/>
+          <a:lstStyle/>
           <a:p>
             <a:r>
               <a:rPr lang="x-none" altLang="pt-BR"/>
               <a:t>- Parte mais difícil de ser implementada no SIRTOS;</a:t>
             </a:r>
-            <a:endParaRPr lang="x-none" altLang="pt-BR"/>
           </a:p>
           <a:p>
             <a:r>
               <a:rPr lang="x-none" altLang="pt-BR"/>
               <a:t>    --&gt; Por isso há muito espaço para melhoras.</a:t>
             </a:r>
-            <a:endParaRPr lang="x-none" altLang="pt-BR"/>
           </a:p>
           <a:p>
             <a:endParaRPr lang="x-none" altLang="pt-BR"/>
@@ -2141,14 +2310,12 @@
               <a:rPr lang="x-none" altLang="pt-BR"/>
               <a:t>## Exemplo de tarefas com deadlines curtas:</a:t>
             </a:r>
-            <a:endParaRPr lang="x-none" altLang="pt-BR"/>
           </a:p>
           <a:p>
             <a:r>
               <a:rPr lang="x-none" altLang="pt-BR"/>
               <a:t>  - GUI (manter a sensação de estabilidade);</a:t>
             </a:r>
-            <a:endParaRPr lang="x-none" altLang="pt-BR"/>
           </a:p>
           <a:p>
             <a:endParaRPr lang="x-none" altLang="pt-BR"/>
@@ -2165,7 +2332,6 @@
               <a:rPr lang="x-none" altLang="pt-BR"/>
               <a:t>  - Garante também que tarefas com prioridade menor sejam executadas</a:t>
             </a:r>
-            <a:endParaRPr lang="x-none" altLang="pt-BR"/>
           </a:p>
         </p:txBody>
       </p:sp>
@@ -2182,12 +2348,14 @@
         <p:spPr/>
         <p:txBody>
           <a:bodyPr/>
+          <a:lstStyle/>
           <a:p>
             <a:pPr lvl="0" algn="r" eaLnBrk="1" hangingPunct="1"/>
             <a:fld id="{9A0DB2DC-4C9A-4742-B13C-FB6460FD3503}" type="slidenum">
               <a:rPr lang="zh-CN" altLang="en-US" sz="1200" dirty="0">
                 <a:ea typeface="宋体" charset="-122"/>
               </a:rPr>
+              <a:t>8</a:t>
             </a:fld>
             <a:endParaRPr lang="zh-CN" altLang="en-US" sz="1200" dirty="0">
               <a:ea typeface="宋体" charset="-122"/>
@@ -2212,11 +2380,20 @@
         <p:cNvGrpSpPr/>
         <p:nvPr/>
       </p:nvGrpSpPr>
-      <p:grpSpPr/>
+      <p:grpSpPr>
+        <a:xfrm>
+          <a:off x="0" y="0"/>
+          <a:ext cx="0" cy="0"/>
+          <a:chOff x="0" y="0"/>
+          <a:chExt cx="0" cy="0"/>
+        </a:xfrm>
+      </p:grpSpPr>
       <p:sp>
         <p:nvSpPr>
           <p:cNvPr id="2" name="Slide Image Placeholder 1"/>
-          <p:cNvSpPr/>
+          <p:cNvSpPr>
+            <a:spLocks noGrp="1" noRot="1" noChangeAspect="1"/>
+          </p:cNvSpPr>
           <p:nvPr>
             <p:ph type="sldImg" idx="2"/>
           </p:nvPr>
@@ -2226,7 +2403,9 @@
       <p:sp>
         <p:nvSpPr>
           <p:cNvPr id="3" name="Text Placeholder 2"/>
-          <p:cNvSpPr/>
+          <p:cNvSpPr>
+            <a:spLocks noGrp="1"/>
+          </p:cNvSpPr>
           <p:nvPr>
             <p:ph type="body" idx="3"/>
           </p:nvPr>
@@ -2234,33 +2413,30 @@
         <p:spPr/>
         <p:txBody>
           <a:bodyPr/>
+          <a:lstStyle/>
           <a:p>
             <a:r>
               <a:rPr lang="x-none" altLang="pt-BR"/>
               <a:t> * ISR = Interrupt Service Routine;</a:t>
             </a:r>
-            <a:endParaRPr lang="x-none" altLang="pt-BR"/>
           </a:p>
           <a:p>
             <a:r>
               <a:rPr lang="x-none" altLang="pt-BR"/>
               <a:t> * Scheduling de tarefas é extremamente complexo; isto causa problemas como os acima;</a:t>
             </a:r>
-            <a:endParaRPr lang="x-none" altLang="pt-BR"/>
           </a:p>
           <a:p>
             <a:r>
               <a:rPr lang="x-none" altLang="pt-BR"/>
               <a:t> * Demontra a importacia de um sistema de scheduling eficiente;</a:t>
             </a:r>
-            <a:endParaRPr lang="x-none" altLang="pt-BR"/>
           </a:p>
           <a:p>
             <a:r>
               <a:rPr lang="x-none" altLang="pt-BR"/>
               <a:t>      --&gt; Pois varrer listas pode ser muito lento; importante deixar as tarefas em ordem)</a:t>
             </a:r>
-            <a:endParaRPr lang="x-none" altLang="pt-BR"/>
           </a:p>
         </p:txBody>
       </p:sp>
@@ -2277,12 +2453,14 @@
         <p:spPr/>
         <p:txBody>
           <a:bodyPr/>
+          <a:lstStyle/>
           <a:p>
             <a:pPr lvl="0" algn="r" eaLnBrk="1" hangingPunct="1"/>
             <a:fld id="{9A0DB2DC-4C9A-4742-B13C-FB6460FD3503}" type="slidenum">
               <a:rPr lang="zh-CN" altLang="en-US" sz="1200" dirty="0">
                 <a:ea typeface="宋体" charset="-122"/>
               </a:rPr>
+              <a:t>9</a:t>
             </a:fld>
             <a:endParaRPr lang="zh-CN" altLang="en-US" sz="1200" dirty="0">
               <a:ea typeface="宋体" charset="-122"/>
@@ -2340,10 +2518,9 @@
           </a:lstStyle>
           <a:p>
             <a:r>
-              <a:rPr lang="en-US" smtClean="0"/>
+              <a:rPr lang="en-US"/>
               <a:t>Click to edit Master title style</a:t>
             </a:r>
-            <a:endParaRPr lang="en-US"/>
           </a:p>
         </p:txBody>
       </p:sp>
@@ -2405,10 +2582,9 @@
           </a:lstStyle>
           <a:p>
             <a:r>
-              <a:rPr lang="en-US" smtClean="0"/>
+              <a:rPr lang="en-US"/>
               <a:t>Click to edit Master subtitle style</a:t>
             </a:r>
-            <a:endParaRPr lang="en-US"/>
           </a:p>
         </p:txBody>
       </p:sp>
@@ -2430,6 +2606,7 @@
             <a:pPr lvl="0" eaLnBrk="1" hangingPunct="1"/>
             <a:fld id="{BB962C8B-B14F-4D97-AF65-F5344CB8AC3E}" type="datetime1">
               <a:rPr lang="en-US" altLang="en-US" dirty="0"/>
+              <a:t>6/5/2017</a:t>
             </a:fld>
             <a:endParaRPr lang="zh-CN" altLang="en-US" dirty="0"/>
           </a:p>
@@ -2455,7 +2632,6 @@
               <a:rPr lang="zh-CN" altLang="en-US" dirty="0"/>
               <a:t>Seminário de [EC 009] - Sistemas Operacionáis.</a:t>
             </a:r>
-            <a:endParaRPr lang="zh-CN" altLang="en-US" dirty="0"/>
           </a:p>
         </p:txBody>
       </p:sp>
@@ -2477,6 +2653,7 @@
             <a:pPr lvl="0" eaLnBrk="1" hangingPunct="1"/>
             <a:fld id="{9A0DB2DC-4C9A-4742-B13C-FB6460FD3503}" type="slidenum">
               <a:rPr lang="zh-CN" altLang="en-US" dirty="0"/>
+              <a:t>‹nº›</a:t>
             </a:fld>
             <a:endParaRPr lang="zh-CN" altLang="en-US" dirty="0"/>
           </a:p>
@@ -2524,10 +2701,9 @@
           <a:lstStyle/>
           <a:p>
             <a:r>
-              <a:rPr lang="en-US" smtClean="0"/>
+              <a:rPr lang="en-US"/>
               <a:t>Click to edit Master title style</a:t>
             </a:r>
-            <a:endParaRPr lang="en-US"/>
           </a:p>
         </p:txBody>
       </p:sp>
@@ -2548,42 +2724,37 @@
           <a:p>
             <a:pPr lvl="0"/>
             <a:r>
-              <a:rPr lang="en-US" smtClean="0"/>
+              <a:rPr lang="en-US"/>
               <a:t>Click to edit Master text styles</a:t>
             </a:r>
-            <a:endParaRPr lang="en-US" smtClean="0"/>
           </a:p>
           <a:p>
             <a:pPr lvl="1"/>
             <a:r>
-              <a:rPr lang="en-US" smtClean="0"/>
+              <a:rPr lang="en-US"/>
               <a:t>Second level</a:t>
             </a:r>
-            <a:endParaRPr lang="en-US" smtClean="0"/>
           </a:p>
           <a:p>
             <a:pPr lvl="2"/>
             <a:r>
-              <a:rPr lang="en-US" smtClean="0"/>
+              <a:rPr lang="en-US"/>
               <a:t>Third level</a:t>
             </a:r>
-            <a:endParaRPr lang="en-US" smtClean="0"/>
           </a:p>
           <a:p>
             <a:pPr lvl="3"/>
             <a:r>
-              <a:rPr lang="en-US" smtClean="0"/>
+              <a:rPr lang="en-US"/>
               <a:t>Fourth level</a:t>
             </a:r>
-            <a:endParaRPr lang="en-US" smtClean="0"/>
           </a:p>
           <a:p>
             <a:pPr lvl="4"/>
             <a:r>
-              <a:rPr lang="en-US" smtClean="0"/>
+              <a:rPr lang="en-US"/>
               <a:t>Fifth level</a:t>
             </a:r>
-            <a:endParaRPr lang="en-US"/>
           </a:p>
         </p:txBody>
       </p:sp>
@@ -2605,6 +2776,7 @@
             <a:pPr lvl="0" eaLnBrk="1" hangingPunct="1"/>
             <a:fld id="{BB962C8B-B14F-4D97-AF65-F5344CB8AC3E}" type="datetime1">
               <a:rPr lang="en-US" altLang="en-US" dirty="0"/>
+              <a:t>6/5/2017</a:t>
             </a:fld>
             <a:endParaRPr lang="zh-CN" altLang="en-US" dirty="0"/>
           </a:p>
@@ -2630,7 +2802,6 @@
               <a:rPr lang="zh-CN" altLang="en-US" dirty="0"/>
               <a:t>Seminário de [EC 009] - Sistemas Operacionáis.</a:t>
             </a:r>
-            <a:endParaRPr lang="zh-CN" altLang="en-US" dirty="0"/>
           </a:p>
         </p:txBody>
       </p:sp>
@@ -2652,6 +2823,7 @@
             <a:pPr lvl="0" eaLnBrk="1" hangingPunct="1"/>
             <a:fld id="{9A0DB2DC-4C9A-4742-B13C-FB6460FD3503}" type="slidenum">
               <a:rPr lang="zh-CN" altLang="en-US" dirty="0"/>
+              <a:t>‹nº›</a:t>
             </a:fld>
             <a:endParaRPr lang="zh-CN" altLang="en-US" dirty="0"/>
           </a:p>
@@ -2704,10 +2876,9 @@
           <a:lstStyle/>
           <a:p>
             <a:r>
-              <a:rPr lang="en-US" smtClean="0"/>
+              <a:rPr lang="en-US"/>
               <a:t>Click to edit Master title style</a:t>
             </a:r>
-            <a:endParaRPr lang="en-US"/>
           </a:p>
         </p:txBody>
       </p:sp>
@@ -2733,42 +2904,37 @@
           <a:p>
             <a:pPr lvl="0"/>
             <a:r>
-              <a:rPr lang="en-US" smtClean="0"/>
+              <a:rPr lang="en-US"/>
               <a:t>Click to edit Master text styles</a:t>
             </a:r>
-            <a:endParaRPr lang="en-US" smtClean="0"/>
           </a:p>
           <a:p>
             <a:pPr lvl="1"/>
             <a:r>
-              <a:rPr lang="en-US" smtClean="0"/>
+              <a:rPr lang="en-US"/>
               <a:t>Second level</a:t>
             </a:r>
-            <a:endParaRPr lang="en-US" smtClean="0"/>
           </a:p>
           <a:p>
             <a:pPr lvl="2"/>
             <a:r>
-              <a:rPr lang="en-US" smtClean="0"/>
+              <a:rPr lang="en-US"/>
               <a:t>Third level</a:t>
             </a:r>
-            <a:endParaRPr lang="en-US" smtClean="0"/>
           </a:p>
           <a:p>
             <a:pPr lvl="3"/>
             <a:r>
-              <a:rPr lang="en-US" smtClean="0"/>
+              <a:rPr lang="en-US"/>
               <a:t>Fourth level</a:t>
             </a:r>
-            <a:endParaRPr lang="en-US" smtClean="0"/>
           </a:p>
           <a:p>
             <a:pPr lvl="4"/>
             <a:r>
-              <a:rPr lang="en-US" smtClean="0"/>
+              <a:rPr lang="en-US"/>
               <a:t>Fifth level</a:t>
             </a:r>
-            <a:endParaRPr lang="en-US"/>
           </a:p>
         </p:txBody>
       </p:sp>
@@ -2790,6 +2956,7 @@
             <a:pPr lvl="0" eaLnBrk="1" hangingPunct="1"/>
             <a:fld id="{BB962C8B-B14F-4D97-AF65-F5344CB8AC3E}" type="datetime1">
               <a:rPr lang="en-US" altLang="en-US" dirty="0"/>
+              <a:t>6/5/2017</a:t>
             </a:fld>
             <a:endParaRPr lang="zh-CN" altLang="en-US" dirty="0"/>
           </a:p>
@@ -2815,7 +2982,6 @@
               <a:rPr lang="zh-CN" altLang="en-US" dirty="0"/>
               <a:t>Seminário de [EC 009] - Sistemas Operacionáis.</a:t>
             </a:r>
-            <a:endParaRPr lang="zh-CN" altLang="en-US" dirty="0"/>
           </a:p>
         </p:txBody>
       </p:sp>
@@ -2837,6 +3003,7 @@
             <a:pPr lvl="0" eaLnBrk="1" hangingPunct="1"/>
             <a:fld id="{9A0DB2DC-4C9A-4742-B13C-FB6460FD3503}" type="slidenum">
               <a:rPr lang="zh-CN" altLang="en-US" dirty="0"/>
+              <a:t>‹nº›</a:t>
             </a:fld>
             <a:endParaRPr lang="zh-CN" altLang="en-US" dirty="0"/>
           </a:p>
@@ -2893,10 +3060,9 @@
           </a:lstStyle>
           <a:p>
             <a:r>
-              <a:rPr lang="en-US" smtClean="0"/>
+              <a:rPr lang="en-US"/>
               <a:t>Click to edit Master title style</a:t>
             </a:r>
-            <a:endParaRPr lang="en-US"/>
           </a:p>
         </p:txBody>
       </p:sp>
@@ -2958,10 +3124,9 @@
           </a:lstStyle>
           <a:p>
             <a:r>
-              <a:rPr lang="en-US" smtClean="0"/>
+              <a:rPr lang="en-US"/>
               <a:t>Click to edit Master subtitle style</a:t>
             </a:r>
-            <a:endParaRPr lang="en-US"/>
           </a:p>
         </p:txBody>
       </p:sp>
@@ -2983,6 +3148,7 @@
             <a:pPr lvl="0" eaLnBrk="1" hangingPunct="1"/>
             <a:fld id="{BB962C8B-B14F-4D97-AF65-F5344CB8AC3E}" type="datetime1">
               <a:rPr lang="en-US" altLang="en-US" dirty="0"/>
+              <a:t>6/5/2017</a:t>
             </a:fld>
             <a:endParaRPr lang="zh-CN" altLang="en-US" dirty="0"/>
           </a:p>
@@ -3008,7 +3174,6 @@
               <a:rPr lang="zh-CN" altLang="en-US" dirty="0"/>
               <a:t>Seminário de [EC 009] - Sistemas Operacionáis.</a:t>
             </a:r>
-            <a:endParaRPr lang="zh-CN" altLang="en-US" dirty="0"/>
           </a:p>
         </p:txBody>
       </p:sp>
@@ -3030,6 +3195,7 @@
             <a:pPr lvl="0" eaLnBrk="1" hangingPunct="1"/>
             <a:fld id="{9A0DB2DC-4C9A-4742-B13C-FB6460FD3503}" type="slidenum">
               <a:rPr lang="zh-CN" altLang="en-US" dirty="0"/>
+              <a:t>‹nº›</a:t>
             </a:fld>
             <a:endParaRPr lang="zh-CN" altLang="en-US" dirty="0"/>
           </a:p>
@@ -3077,10 +3243,9 @@
           <a:lstStyle/>
           <a:p>
             <a:r>
-              <a:rPr lang="en-US" smtClean="0"/>
+              <a:rPr lang="en-US"/>
               <a:t>Click to edit Master title style</a:t>
             </a:r>
-            <a:endParaRPr lang="en-US"/>
           </a:p>
         </p:txBody>
       </p:sp>
@@ -3101,42 +3266,37 @@
           <a:p>
             <a:pPr lvl="0"/>
             <a:r>
-              <a:rPr lang="en-US" smtClean="0"/>
+              <a:rPr lang="en-US"/>
               <a:t>Click to edit Master text styles</a:t>
             </a:r>
-            <a:endParaRPr lang="en-US" smtClean="0"/>
           </a:p>
           <a:p>
             <a:pPr lvl="1"/>
             <a:r>
-              <a:rPr lang="en-US" smtClean="0"/>
+              <a:rPr lang="en-US"/>
               <a:t>Second level</a:t>
             </a:r>
-            <a:endParaRPr lang="en-US" smtClean="0"/>
           </a:p>
           <a:p>
             <a:pPr lvl="2"/>
             <a:r>
-              <a:rPr lang="en-US" smtClean="0"/>
+              <a:rPr lang="en-US"/>
               <a:t>Third level</a:t>
             </a:r>
-            <a:endParaRPr lang="en-US" smtClean="0"/>
           </a:p>
           <a:p>
             <a:pPr lvl="3"/>
             <a:r>
-              <a:rPr lang="en-US" smtClean="0"/>
+              <a:rPr lang="en-US"/>
               <a:t>Fourth level</a:t>
             </a:r>
-            <a:endParaRPr lang="en-US" smtClean="0"/>
           </a:p>
           <a:p>
             <a:pPr lvl="4"/>
             <a:r>
-              <a:rPr lang="en-US" smtClean="0"/>
+              <a:rPr lang="en-US"/>
               <a:t>Fifth level</a:t>
             </a:r>
-            <a:endParaRPr lang="en-US"/>
           </a:p>
         </p:txBody>
       </p:sp>
@@ -3158,6 +3318,7 @@
             <a:pPr lvl="0" eaLnBrk="1" hangingPunct="1"/>
             <a:fld id="{BB962C8B-B14F-4D97-AF65-F5344CB8AC3E}" type="datetime1">
               <a:rPr lang="en-US" altLang="en-US" dirty="0"/>
+              <a:t>6/5/2017</a:t>
             </a:fld>
             <a:endParaRPr lang="zh-CN" altLang="en-US" dirty="0"/>
           </a:p>
@@ -3183,7 +3344,6 @@
               <a:rPr lang="zh-CN" altLang="en-US" dirty="0"/>
               <a:t>Seminário de [EC 009] - Sistemas Operacionáis.</a:t>
             </a:r>
-            <a:endParaRPr lang="zh-CN" altLang="en-US" dirty="0"/>
           </a:p>
         </p:txBody>
       </p:sp>
@@ -3205,6 +3365,7 @@
             <a:pPr lvl="0" eaLnBrk="1" hangingPunct="1"/>
             <a:fld id="{9A0DB2DC-4C9A-4742-B13C-FB6460FD3503}" type="slidenum">
               <a:rPr lang="zh-CN" altLang="en-US" dirty="0"/>
+              <a:t>‹nº›</a:t>
             </a:fld>
             <a:endParaRPr lang="zh-CN" altLang="en-US" dirty="0"/>
           </a:p>
@@ -3261,10 +3422,9 @@
           </a:lstStyle>
           <a:p>
             <a:r>
-              <a:rPr lang="en-US" smtClean="0"/>
+              <a:rPr lang="en-US"/>
               <a:t>Click to edit Master title style</a:t>
             </a:r>
-            <a:endParaRPr lang="en-US"/>
           </a:p>
         </p:txBody>
       </p:sp>
@@ -3381,7 +3541,7 @@
           <a:p>
             <a:pPr lvl="0"/>
             <a:r>
-              <a:rPr lang="en-US" smtClean="0"/>
+              <a:rPr lang="en-US"/>
               <a:t>Click to edit Master text styles</a:t>
             </a:r>
           </a:p>
@@ -3405,6 +3565,7 @@
             <a:pPr lvl="0" eaLnBrk="1" hangingPunct="1"/>
             <a:fld id="{BB962C8B-B14F-4D97-AF65-F5344CB8AC3E}" type="datetime1">
               <a:rPr lang="en-US" altLang="en-US" dirty="0"/>
+              <a:t>6/5/2017</a:t>
             </a:fld>
             <a:endParaRPr lang="zh-CN" altLang="en-US" dirty="0"/>
           </a:p>
@@ -3430,7 +3591,6 @@
               <a:rPr lang="zh-CN" altLang="en-US" dirty="0"/>
               <a:t>Seminário de [EC 009] - Sistemas Operacionáis.</a:t>
             </a:r>
-            <a:endParaRPr lang="zh-CN" altLang="en-US" dirty="0"/>
           </a:p>
         </p:txBody>
       </p:sp>
@@ -3452,6 +3612,7 @@
             <a:pPr lvl="0" eaLnBrk="1" hangingPunct="1"/>
             <a:fld id="{9A0DB2DC-4C9A-4742-B13C-FB6460FD3503}" type="slidenum">
               <a:rPr lang="zh-CN" altLang="en-US" dirty="0"/>
+              <a:t>‹nº›</a:t>
             </a:fld>
             <a:endParaRPr lang="zh-CN" altLang="en-US" dirty="0"/>
           </a:p>
@@ -3499,10 +3660,9 @@
           <a:lstStyle/>
           <a:p>
             <a:r>
-              <a:rPr lang="en-US" smtClean="0"/>
+              <a:rPr lang="en-US"/>
               <a:t>Click to edit Master title style</a:t>
             </a:r>
-            <a:endParaRPr lang="en-US"/>
           </a:p>
         </p:txBody>
       </p:sp>
@@ -3528,42 +3688,37 @@
           <a:p>
             <a:pPr lvl="0"/>
             <a:r>
-              <a:rPr lang="en-US" smtClean="0"/>
+              <a:rPr lang="en-US"/>
               <a:t>Click to edit Master text styles</a:t>
             </a:r>
-            <a:endParaRPr lang="en-US" smtClean="0"/>
           </a:p>
           <a:p>
             <a:pPr lvl="1"/>
             <a:r>
-              <a:rPr lang="en-US" smtClean="0"/>
+              <a:rPr lang="en-US"/>
               <a:t>Second level</a:t>
             </a:r>
-            <a:endParaRPr lang="en-US" smtClean="0"/>
           </a:p>
           <a:p>
             <a:pPr lvl="2"/>
             <a:r>
-              <a:rPr lang="en-US" smtClean="0"/>
+              <a:rPr lang="en-US"/>
               <a:t>Third level</a:t>
             </a:r>
-            <a:endParaRPr lang="en-US" smtClean="0"/>
           </a:p>
           <a:p>
             <a:pPr lvl="3"/>
             <a:r>
-              <a:rPr lang="en-US" smtClean="0"/>
+              <a:rPr lang="en-US"/>
               <a:t>Fourth level</a:t>
             </a:r>
-            <a:endParaRPr lang="en-US" smtClean="0"/>
           </a:p>
           <a:p>
             <a:pPr lvl="4"/>
             <a:r>
-              <a:rPr lang="en-US" smtClean="0"/>
+              <a:rPr lang="en-US"/>
               <a:t>Fifth level</a:t>
             </a:r>
-            <a:endParaRPr lang="en-US"/>
           </a:p>
         </p:txBody>
       </p:sp>
@@ -3589,42 +3744,37 @@
           <a:p>
             <a:pPr lvl="0"/>
             <a:r>
-              <a:rPr lang="en-US" smtClean="0"/>
+              <a:rPr lang="en-US"/>
               <a:t>Click to edit Master text styles</a:t>
             </a:r>
-            <a:endParaRPr lang="en-US" smtClean="0"/>
           </a:p>
           <a:p>
             <a:pPr lvl="1"/>
             <a:r>
-              <a:rPr lang="en-US" smtClean="0"/>
+              <a:rPr lang="en-US"/>
               <a:t>Second level</a:t>
             </a:r>
-            <a:endParaRPr lang="en-US" smtClean="0"/>
           </a:p>
           <a:p>
             <a:pPr lvl="2"/>
             <a:r>
-              <a:rPr lang="en-US" smtClean="0"/>
+              <a:rPr lang="en-US"/>
               <a:t>Third level</a:t>
             </a:r>
-            <a:endParaRPr lang="en-US" smtClean="0"/>
           </a:p>
           <a:p>
             <a:pPr lvl="3"/>
             <a:r>
-              <a:rPr lang="en-US" smtClean="0"/>
+              <a:rPr lang="en-US"/>
               <a:t>Fourth level</a:t>
             </a:r>
-            <a:endParaRPr lang="en-US" smtClean="0"/>
           </a:p>
           <a:p>
             <a:pPr lvl="4"/>
             <a:r>
-              <a:rPr lang="en-US" smtClean="0"/>
+              <a:rPr lang="en-US"/>
               <a:t>Fifth level</a:t>
             </a:r>
-            <a:endParaRPr lang="en-US"/>
           </a:p>
         </p:txBody>
       </p:sp>
@@ -3646,6 +3796,7 @@
             <a:pPr lvl="0" eaLnBrk="1" hangingPunct="1"/>
             <a:fld id="{BB962C8B-B14F-4D97-AF65-F5344CB8AC3E}" type="datetime1">
               <a:rPr lang="en-US" altLang="en-US" dirty="0"/>
+              <a:t>6/5/2017</a:t>
             </a:fld>
             <a:endParaRPr lang="zh-CN" altLang="en-US" dirty="0"/>
           </a:p>
@@ -3671,7 +3822,6 @@
               <a:rPr lang="zh-CN" altLang="en-US" dirty="0"/>
               <a:t>Seminário de [EC 009] - Sistemas Operacionáis.</a:t>
             </a:r>
-            <a:endParaRPr lang="zh-CN" altLang="en-US" dirty="0"/>
           </a:p>
         </p:txBody>
       </p:sp>
@@ -3693,6 +3843,7 @@
             <a:pPr lvl="0" eaLnBrk="1" hangingPunct="1"/>
             <a:fld id="{9A0DB2DC-4C9A-4742-B13C-FB6460FD3503}" type="slidenum">
               <a:rPr lang="zh-CN" altLang="en-US" dirty="0"/>
+              <a:t>‹nº›</a:t>
             </a:fld>
             <a:endParaRPr lang="zh-CN" altLang="en-US" dirty="0"/>
           </a:p>
@@ -3745,10 +3896,9 @@
           <a:lstStyle/>
           <a:p>
             <a:r>
-              <a:rPr lang="en-US" smtClean="0"/>
+              <a:rPr lang="en-US"/>
               <a:t>Click to edit Master title style</a:t>
             </a:r>
-            <a:endParaRPr lang="en-US"/>
           </a:p>
         </p:txBody>
       </p:sp>
@@ -3811,7 +3961,7 @@
           <a:p>
             <a:pPr lvl="0"/>
             <a:r>
-              <a:rPr lang="en-US" smtClean="0"/>
+              <a:rPr lang="en-US"/>
               <a:t>Click to edit Master text styles</a:t>
             </a:r>
           </a:p>
@@ -3839,42 +3989,37 @@
           <a:p>
             <a:pPr lvl="0"/>
             <a:r>
-              <a:rPr lang="en-US" smtClean="0"/>
+              <a:rPr lang="en-US"/>
               <a:t>Click to edit Master text styles</a:t>
             </a:r>
-            <a:endParaRPr lang="en-US" smtClean="0"/>
           </a:p>
           <a:p>
             <a:pPr lvl="1"/>
             <a:r>
-              <a:rPr lang="en-US" smtClean="0"/>
+              <a:rPr lang="en-US"/>
               <a:t>Second level</a:t>
             </a:r>
-            <a:endParaRPr lang="en-US" smtClean="0"/>
           </a:p>
           <a:p>
             <a:pPr lvl="2"/>
             <a:r>
-              <a:rPr lang="en-US" smtClean="0"/>
+              <a:rPr lang="en-US"/>
               <a:t>Third level</a:t>
             </a:r>
-            <a:endParaRPr lang="en-US" smtClean="0"/>
           </a:p>
           <a:p>
             <a:pPr lvl="3"/>
             <a:r>
-              <a:rPr lang="en-US" smtClean="0"/>
+              <a:rPr lang="en-US"/>
               <a:t>Fourth level</a:t>
             </a:r>
-            <a:endParaRPr lang="en-US" smtClean="0"/>
           </a:p>
           <a:p>
             <a:pPr lvl="4"/>
             <a:r>
-              <a:rPr lang="en-US" smtClean="0"/>
+              <a:rPr lang="en-US"/>
               <a:t>Fifth level</a:t>
             </a:r>
-            <a:endParaRPr lang="en-US"/>
           </a:p>
         </p:txBody>
       </p:sp>
@@ -3937,7 +4082,7 @@
           <a:p>
             <a:pPr lvl="0"/>
             <a:r>
-              <a:rPr lang="en-US" smtClean="0"/>
+              <a:rPr lang="en-US"/>
               <a:t>Click to edit Master text styles</a:t>
             </a:r>
           </a:p>
@@ -3965,42 +4110,37 @@
           <a:p>
             <a:pPr lvl="0"/>
             <a:r>
-              <a:rPr lang="en-US" smtClean="0"/>
+              <a:rPr lang="en-US"/>
               <a:t>Click to edit Master text styles</a:t>
             </a:r>
-            <a:endParaRPr lang="en-US" smtClean="0"/>
           </a:p>
           <a:p>
             <a:pPr lvl="1"/>
             <a:r>
-              <a:rPr lang="en-US" smtClean="0"/>
+              <a:rPr lang="en-US"/>
               <a:t>Second level</a:t>
             </a:r>
-            <a:endParaRPr lang="en-US" smtClean="0"/>
           </a:p>
           <a:p>
             <a:pPr lvl="2"/>
             <a:r>
-              <a:rPr lang="en-US" smtClean="0"/>
+              <a:rPr lang="en-US"/>
               <a:t>Third level</a:t>
             </a:r>
-            <a:endParaRPr lang="en-US" smtClean="0"/>
           </a:p>
           <a:p>
             <a:pPr lvl="3"/>
             <a:r>
-              <a:rPr lang="en-US" smtClean="0"/>
+              <a:rPr lang="en-US"/>
               <a:t>Fourth level</a:t>
             </a:r>
-            <a:endParaRPr lang="en-US" smtClean="0"/>
           </a:p>
           <a:p>
             <a:pPr lvl="4"/>
             <a:r>
-              <a:rPr lang="en-US" smtClean="0"/>
+              <a:rPr lang="en-US"/>
               <a:t>Fifth level</a:t>
             </a:r>
-            <a:endParaRPr lang="en-US"/>
           </a:p>
         </p:txBody>
       </p:sp>
@@ -4022,6 +4162,7 @@
             <a:pPr lvl="0" eaLnBrk="1" hangingPunct="1"/>
             <a:fld id="{BB962C8B-B14F-4D97-AF65-F5344CB8AC3E}" type="datetime1">
               <a:rPr lang="en-US" altLang="en-US" dirty="0"/>
+              <a:t>6/5/2017</a:t>
             </a:fld>
             <a:endParaRPr lang="zh-CN" altLang="en-US" dirty="0"/>
           </a:p>
@@ -4047,7 +4188,6 @@
               <a:rPr lang="zh-CN" altLang="en-US" dirty="0"/>
               <a:t>Seminário de [EC 009] - Sistemas Operacionáis.</a:t>
             </a:r>
-            <a:endParaRPr lang="zh-CN" altLang="en-US" dirty="0"/>
           </a:p>
         </p:txBody>
       </p:sp>
@@ -4069,6 +4209,7 @@
             <a:pPr lvl="0" eaLnBrk="1" hangingPunct="1"/>
             <a:fld id="{9A0DB2DC-4C9A-4742-B13C-FB6460FD3503}" type="slidenum">
               <a:rPr lang="zh-CN" altLang="en-US" dirty="0"/>
+              <a:t>‹nº›</a:t>
             </a:fld>
             <a:endParaRPr lang="zh-CN" altLang="en-US" dirty="0"/>
           </a:p>
@@ -4116,10 +4257,9 @@
           <a:lstStyle/>
           <a:p>
             <a:r>
-              <a:rPr lang="en-US" smtClean="0"/>
+              <a:rPr lang="en-US"/>
               <a:t>Click to edit Master title style</a:t>
             </a:r>
-            <a:endParaRPr lang="en-US"/>
           </a:p>
         </p:txBody>
       </p:sp>
@@ -4141,6 +4281,7 @@
             <a:pPr lvl="0" eaLnBrk="1" hangingPunct="1"/>
             <a:fld id="{BB962C8B-B14F-4D97-AF65-F5344CB8AC3E}" type="datetime1">
               <a:rPr lang="en-US" altLang="en-US" dirty="0"/>
+              <a:t>6/5/2017</a:t>
             </a:fld>
             <a:endParaRPr lang="zh-CN" altLang="en-US" dirty="0"/>
           </a:p>
@@ -4166,7 +4307,6 @@
               <a:rPr lang="zh-CN" altLang="en-US" dirty="0"/>
               <a:t>Seminário de [EC 009] - Sistemas Operacionáis.</a:t>
             </a:r>
-            <a:endParaRPr lang="zh-CN" altLang="en-US" dirty="0"/>
           </a:p>
         </p:txBody>
       </p:sp>
@@ -4188,6 +4328,7 @@
             <a:pPr lvl="0" eaLnBrk="1" hangingPunct="1"/>
             <a:fld id="{9A0DB2DC-4C9A-4742-B13C-FB6460FD3503}" type="slidenum">
               <a:rPr lang="zh-CN" altLang="en-US" dirty="0"/>
+              <a:t>‹nº›</a:t>
             </a:fld>
             <a:endParaRPr lang="zh-CN" altLang="en-US" dirty="0"/>
           </a:p>
@@ -4237,6 +4378,7 @@
             <a:pPr lvl="0" eaLnBrk="1" hangingPunct="1"/>
             <a:fld id="{BB962C8B-B14F-4D97-AF65-F5344CB8AC3E}" type="datetime1">
               <a:rPr lang="en-US" altLang="en-US" dirty="0"/>
+              <a:t>6/5/2017</a:t>
             </a:fld>
             <a:endParaRPr lang="zh-CN" altLang="en-US" dirty="0"/>
           </a:p>
@@ -4262,7 +4404,6 @@
               <a:rPr lang="zh-CN" altLang="en-US" dirty="0"/>
               <a:t>Seminário de [EC 009] - Sistemas Operacionáis.</a:t>
             </a:r>
-            <a:endParaRPr lang="zh-CN" altLang="en-US" dirty="0"/>
           </a:p>
         </p:txBody>
       </p:sp>
@@ -4284,6 +4425,7 @@
             <a:pPr lvl="0" eaLnBrk="1" hangingPunct="1"/>
             <a:fld id="{9A0DB2DC-4C9A-4742-B13C-FB6460FD3503}" type="slidenum">
               <a:rPr lang="zh-CN" altLang="en-US" dirty="0"/>
+              <a:t>‹nº›</a:t>
             </a:fld>
             <a:endParaRPr lang="zh-CN" altLang="en-US" dirty="0"/>
           </a:p>
@@ -4340,10 +4482,9 @@
           </a:lstStyle>
           <a:p>
             <a:r>
-              <a:rPr lang="en-US" smtClean="0"/>
+              <a:rPr lang="en-US"/>
               <a:t>Click to edit Master title style</a:t>
             </a:r>
-            <a:endParaRPr lang="en-US"/>
           </a:p>
         </p:txBody>
       </p:sp>
@@ -4397,42 +4538,37 @@
           <a:p>
             <a:pPr lvl="0"/>
             <a:r>
-              <a:rPr lang="en-US" smtClean="0"/>
+              <a:rPr lang="en-US"/>
               <a:t>Click to edit Master text styles</a:t>
             </a:r>
-            <a:endParaRPr lang="en-US" smtClean="0"/>
           </a:p>
           <a:p>
             <a:pPr lvl="1"/>
             <a:r>
-              <a:rPr lang="en-US" smtClean="0"/>
+              <a:rPr lang="en-US"/>
               <a:t>Second level</a:t>
             </a:r>
-            <a:endParaRPr lang="en-US" smtClean="0"/>
           </a:p>
           <a:p>
             <a:pPr lvl="2"/>
             <a:r>
-              <a:rPr lang="en-US" smtClean="0"/>
+              <a:rPr lang="en-US"/>
               <a:t>Third level</a:t>
             </a:r>
-            <a:endParaRPr lang="en-US" smtClean="0"/>
           </a:p>
           <a:p>
             <a:pPr lvl="3"/>
             <a:r>
-              <a:rPr lang="en-US" smtClean="0"/>
+              <a:rPr lang="en-US"/>
               <a:t>Fourth level</a:t>
             </a:r>
-            <a:endParaRPr lang="en-US" smtClean="0"/>
           </a:p>
           <a:p>
             <a:pPr lvl="4"/>
             <a:r>
-              <a:rPr lang="en-US" smtClean="0"/>
+              <a:rPr lang="en-US"/>
               <a:t>Fifth level</a:t>
             </a:r>
-            <a:endParaRPr lang="en-US"/>
           </a:p>
         </p:txBody>
       </p:sp>
@@ -4495,7 +4631,7 @@
           <a:p>
             <a:pPr lvl="0"/>
             <a:r>
-              <a:rPr lang="en-US" smtClean="0"/>
+              <a:rPr lang="en-US"/>
               <a:t>Click to edit Master text styles</a:t>
             </a:r>
           </a:p>
@@ -4519,6 +4655,7 @@
             <a:pPr lvl="0" eaLnBrk="1" hangingPunct="1"/>
             <a:fld id="{BB962C8B-B14F-4D97-AF65-F5344CB8AC3E}" type="datetime1">
               <a:rPr lang="en-US" altLang="en-US" dirty="0"/>
+              <a:t>6/5/2017</a:t>
             </a:fld>
             <a:endParaRPr lang="zh-CN" altLang="en-US" dirty="0"/>
           </a:p>
@@ -4544,7 +4681,6 @@
               <a:rPr lang="zh-CN" altLang="en-US" dirty="0"/>
               <a:t>Seminário de [EC 009] - Sistemas Operacionáis.</a:t>
             </a:r>
-            <a:endParaRPr lang="zh-CN" altLang="en-US" dirty="0"/>
           </a:p>
         </p:txBody>
       </p:sp>
@@ -4566,6 +4702,7 @@
             <a:pPr lvl="0" eaLnBrk="1" hangingPunct="1"/>
             <a:fld id="{9A0DB2DC-4C9A-4742-B13C-FB6460FD3503}" type="slidenum">
               <a:rPr lang="zh-CN" altLang="en-US" dirty="0"/>
+              <a:t>‹nº›</a:t>
             </a:fld>
             <a:endParaRPr lang="zh-CN" altLang="en-US" dirty="0"/>
           </a:p>
@@ -4613,10 +4750,9 @@
           <a:lstStyle/>
           <a:p>
             <a:r>
-              <a:rPr lang="en-US" smtClean="0"/>
+              <a:rPr lang="en-US"/>
               <a:t>Click to edit Master title style</a:t>
             </a:r>
-            <a:endParaRPr lang="en-US"/>
           </a:p>
         </p:txBody>
       </p:sp>
@@ -4637,42 +4773,37 @@
           <a:p>
             <a:pPr lvl="0"/>
             <a:r>
-              <a:rPr lang="en-US" smtClean="0"/>
+              <a:rPr lang="en-US"/>
               <a:t>Click to edit Master text styles</a:t>
             </a:r>
-            <a:endParaRPr lang="en-US" smtClean="0"/>
           </a:p>
           <a:p>
             <a:pPr lvl="1"/>
             <a:r>
-              <a:rPr lang="en-US" smtClean="0"/>
+              <a:rPr lang="en-US"/>
               <a:t>Second level</a:t>
             </a:r>
-            <a:endParaRPr lang="en-US" smtClean="0"/>
           </a:p>
           <a:p>
             <a:pPr lvl="2"/>
             <a:r>
-              <a:rPr lang="en-US" smtClean="0"/>
+              <a:rPr lang="en-US"/>
               <a:t>Third level</a:t>
             </a:r>
-            <a:endParaRPr lang="en-US" smtClean="0"/>
           </a:p>
           <a:p>
             <a:pPr lvl="3"/>
             <a:r>
-              <a:rPr lang="en-US" smtClean="0"/>
+              <a:rPr lang="en-US"/>
               <a:t>Fourth level</a:t>
             </a:r>
-            <a:endParaRPr lang="en-US" smtClean="0"/>
           </a:p>
           <a:p>
             <a:pPr lvl="4"/>
             <a:r>
-              <a:rPr lang="en-US" smtClean="0"/>
+              <a:rPr lang="en-US"/>
               <a:t>Fifth level</a:t>
             </a:r>
-            <a:endParaRPr lang="en-US"/>
           </a:p>
         </p:txBody>
       </p:sp>
@@ -4694,6 +4825,7 @@
             <a:pPr lvl="0" eaLnBrk="1" hangingPunct="1"/>
             <a:fld id="{BB962C8B-B14F-4D97-AF65-F5344CB8AC3E}" type="datetime1">
               <a:rPr lang="en-US" altLang="en-US" dirty="0"/>
+              <a:t>6/5/2017</a:t>
             </a:fld>
             <a:endParaRPr lang="zh-CN" altLang="en-US" dirty="0"/>
           </a:p>
@@ -4719,7 +4851,6 @@
               <a:rPr lang="zh-CN" altLang="en-US" dirty="0"/>
               <a:t>Seminário de [EC 009] - Sistemas Operacionáis.</a:t>
             </a:r>
-            <a:endParaRPr lang="zh-CN" altLang="en-US" dirty="0"/>
           </a:p>
         </p:txBody>
       </p:sp>
@@ -4741,6 +4872,7 @@
             <a:pPr lvl="0" eaLnBrk="1" hangingPunct="1"/>
             <a:fld id="{9A0DB2DC-4C9A-4742-B13C-FB6460FD3503}" type="slidenum">
               <a:rPr lang="zh-CN" altLang="en-US" dirty="0"/>
+              <a:t>‹nº›</a:t>
             </a:fld>
             <a:endParaRPr lang="zh-CN" altLang="en-US" dirty="0"/>
           </a:p>
@@ -4797,10 +4929,9 @@
           </a:lstStyle>
           <a:p>
             <a:r>
-              <a:rPr lang="en-US" smtClean="0"/>
+              <a:rPr lang="en-US"/>
               <a:t>Click to edit Master title style</a:t>
             </a:r>
-            <a:endParaRPr lang="en-US"/>
           </a:p>
         </p:txBody>
       </p:sp>
@@ -4924,7 +5055,7 @@
           <a:p>
             <a:pPr lvl="0"/>
             <a:r>
-              <a:rPr lang="en-US" smtClean="0"/>
+              <a:rPr lang="en-US"/>
               <a:t>Click to edit Master text styles</a:t>
             </a:r>
           </a:p>
@@ -4948,6 +5079,7 @@
             <a:pPr lvl="0" eaLnBrk="1" hangingPunct="1"/>
             <a:fld id="{BB962C8B-B14F-4D97-AF65-F5344CB8AC3E}" type="datetime1">
               <a:rPr lang="en-US" altLang="en-US" dirty="0"/>
+              <a:t>6/5/2017</a:t>
             </a:fld>
             <a:endParaRPr lang="zh-CN" altLang="en-US" dirty="0"/>
           </a:p>
@@ -4973,7 +5105,6 @@
               <a:rPr lang="zh-CN" altLang="en-US" dirty="0"/>
               <a:t>Seminário de [EC 009] - Sistemas Operacionáis.</a:t>
             </a:r>
-            <a:endParaRPr lang="zh-CN" altLang="en-US" dirty="0"/>
           </a:p>
         </p:txBody>
       </p:sp>
@@ -4995,6 +5126,7 @@
             <a:pPr lvl="0" eaLnBrk="1" hangingPunct="1"/>
             <a:fld id="{9A0DB2DC-4C9A-4742-B13C-FB6460FD3503}" type="slidenum">
               <a:rPr lang="zh-CN" altLang="en-US" dirty="0"/>
+              <a:t>‹nº›</a:t>
             </a:fld>
             <a:endParaRPr lang="zh-CN" altLang="en-US" dirty="0"/>
           </a:p>
@@ -5005,13 +5137,6 @@
   <p:clrMapOvr>
     <a:masterClrMapping/>
   </p:clrMapOvr>
-  <p:timing>
-    <p:tnLst>
-      <p:par>
-        <p:cTn id="1" dur="indefinite" restart="never" nodeType="tmRoot"/>
-      </p:par>
-    </p:tnLst>
-  </p:timing>
   <p:hf hdr="0"/>
 </p:sldLayout>
 </file>
@@ -5049,10 +5174,9 @@
           <a:lstStyle/>
           <a:p>
             <a:r>
-              <a:rPr lang="en-US" smtClean="0"/>
+              <a:rPr lang="en-US"/>
               <a:t>Click to edit Master title style</a:t>
             </a:r>
-            <a:endParaRPr lang="en-US"/>
           </a:p>
         </p:txBody>
       </p:sp>
@@ -5073,42 +5197,37 @@
           <a:p>
             <a:pPr lvl="0"/>
             <a:r>
-              <a:rPr lang="en-US" smtClean="0"/>
+              <a:rPr lang="en-US"/>
               <a:t>Click to edit Master text styles</a:t>
             </a:r>
-            <a:endParaRPr lang="en-US" smtClean="0"/>
           </a:p>
           <a:p>
             <a:pPr lvl="1"/>
             <a:r>
-              <a:rPr lang="en-US" smtClean="0"/>
+              <a:rPr lang="en-US"/>
               <a:t>Second level</a:t>
             </a:r>
-            <a:endParaRPr lang="en-US" smtClean="0"/>
           </a:p>
           <a:p>
             <a:pPr lvl="2"/>
             <a:r>
-              <a:rPr lang="en-US" smtClean="0"/>
+              <a:rPr lang="en-US"/>
               <a:t>Third level</a:t>
             </a:r>
-            <a:endParaRPr lang="en-US" smtClean="0"/>
           </a:p>
           <a:p>
             <a:pPr lvl="3"/>
             <a:r>
-              <a:rPr lang="en-US" smtClean="0"/>
+              <a:rPr lang="en-US"/>
               <a:t>Fourth level</a:t>
             </a:r>
-            <a:endParaRPr lang="en-US" smtClean="0"/>
           </a:p>
           <a:p>
             <a:pPr lvl="4"/>
             <a:r>
-              <a:rPr lang="en-US" smtClean="0"/>
+              <a:rPr lang="en-US"/>
               <a:t>Fifth level</a:t>
             </a:r>
-            <a:endParaRPr lang="en-US"/>
           </a:p>
         </p:txBody>
       </p:sp>
@@ -5130,6 +5249,7 @@
             <a:pPr lvl="0" eaLnBrk="1" hangingPunct="1"/>
             <a:fld id="{BB962C8B-B14F-4D97-AF65-F5344CB8AC3E}" type="datetime1">
               <a:rPr lang="en-US" altLang="en-US" dirty="0"/>
+              <a:t>6/5/2017</a:t>
             </a:fld>
             <a:endParaRPr lang="zh-CN" altLang="en-US" dirty="0"/>
           </a:p>
@@ -5155,7 +5275,6 @@
               <a:rPr lang="zh-CN" altLang="en-US" dirty="0"/>
               <a:t>Seminário de [EC 009] - Sistemas Operacionáis.</a:t>
             </a:r>
-            <a:endParaRPr lang="zh-CN" altLang="en-US" dirty="0"/>
           </a:p>
         </p:txBody>
       </p:sp>
@@ -5177,6 +5296,7 @@
             <a:pPr lvl="0" eaLnBrk="1" hangingPunct="1"/>
             <a:fld id="{9A0DB2DC-4C9A-4742-B13C-FB6460FD3503}" type="slidenum">
               <a:rPr lang="zh-CN" altLang="en-US" dirty="0"/>
+              <a:t>‹nº›</a:t>
             </a:fld>
             <a:endParaRPr lang="zh-CN" altLang="en-US" dirty="0"/>
           </a:p>
@@ -5229,10 +5349,9 @@
           <a:lstStyle/>
           <a:p>
             <a:r>
-              <a:rPr lang="en-US" smtClean="0"/>
+              <a:rPr lang="en-US"/>
               <a:t>Click to edit Master title style</a:t>
             </a:r>
-            <a:endParaRPr lang="en-US"/>
           </a:p>
         </p:txBody>
       </p:sp>
@@ -5258,42 +5377,37 @@
           <a:p>
             <a:pPr lvl="0"/>
             <a:r>
-              <a:rPr lang="en-US" smtClean="0"/>
+              <a:rPr lang="en-US"/>
               <a:t>Click to edit Master text styles</a:t>
             </a:r>
-            <a:endParaRPr lang="en-US" smtClean="0"/>
           </a:p>
           <a:p>
             <a:pPr lvl="1"/>
             <a:r>
-              <a:rPr lang="en-US" smtClean="0"/>
+              <a:rPr lang="en-US"/>
               <a:t>Second level</a:t>
             </a:r>
-            <a:endParaRPr lang="en-US" smtClean="0"/>
           </a:p>
           <a:p>
             <a:pPr lvl="2"/>
             <a:r>
-              <a:rPr lang="en-US" smtClean="0"/>
+              <a:rPr lang="en-US"/>
               <a:t>Third level</a:t>
             </a:r>
-            <a:endParaRPr lang="en-US" smtClean="0"/>
           </a:p>
           <a:p>
             <a:pPr lvl="3"/>
             <a:r>
-              <a:rPr lang="en-US" smtClean="0"/>
+              <a:rPr lang="en-US"/>
               <a:t>Fourth level</a:t>
             </a:r>
-            <a:endParaRPr lang="en-US" smtClean="0"/>
           </a:p>
           <a:p>
             <a:pPr lvl="4"/>
             <a:r>
-              <a:rPr lang="en-US" smtClean="0"/>
+              <a:rPr lang="en-US"/>
               <a:t>Fifth level</a:t>
             </a:r>
-            <a:endParaRPr lang="en-US"/>
           </a:p>
         </p:txBody>
       </p:sp>
@@ -5315,6 +5429,7 @@
             <a:pPr lvl="0" eaLnBrk="1" hangingPunct="1"/>
             <a:fld id="{BB962C8B-B14F-4D97-AF65-F5344CB8AC3E}" type="datetime1">
               <a:rPr lang="en-US" altLang="en-US" dirty="0"/>
+              <a:t>6/5/2017</a:t>
             </a:fld>
             <a:endParaRPr lang="zh-CN" altLang="en-US" dirty="0"/>
           </a:p>
@@ -5340,7 +5455,6 @@
               <a:rPr lang="zh-CN" altLang="en-US" dirty="0"/>
               <a:t>Seminário de [EC 009] - Sistemas Operacionáis.</a:t>
             </a:r>
-            <a:endParaRPr lang="zh-CN" altLang="en-US" dirty="0"/>
           </a:p>
         </p:txBody>
       </p:sp>
@@ -5362,6 +5476,7 @@
             <a:pPr lvl="0" eaLnBrk="1" hangingPunct="1"/>
             <a:fld id="{9A0DB2DC-4C9A-4742-B13C-FB6460FD3503}" type="slidenum">
               <a:rPr lang="zh-CN" altLang="en-US" dirty="0"/>
+              <a:t>‹nº›</a:t>
             </a:fld>
             <a:endParaRPr lang="zh-CN" altLang="en-US" dirty="0"/>
           </a:p>
@@ -5418,10 +5533,9 @@
           </a:lstStyle>
           <a:p>
             <a:r>
-              <a:rPr lang="en-US" smtClean="0"/>
+              <a:rPr lang="en-US"/>
               <a:t>Click to edit Master title style</a:t>
             </a:r>
-            <a:endParaRPr lang="en-US"/>
           </a:p>
         </p:txBody>
       </p:sp>
@@ -5538,7 +5652,7 @@
           <a:p>
             <a:pPr lvl="0"/>
             <a:r>
-              <a:rPr lang="en-US" smtClean="0"/>
+              <a:rPr lang="en-US"/>
               <a:t>Click to edit Master text styles</a:t>
             </a:r>
           </a:p>
@@ -5562,6 +5676,7 @@
             <a:pPr lvl="0" eaLnBrk="1" hangingPunct="1"/>
             <a:fld id="{BB962C8B-B14F-4D97-AF65-F5344CB8AC3E}" type="datetime1">
               <a:rPr lang="en-US" altLang="en-US" dirty="0"/>
+              <a:t>6/5/2017</a:t>
             </a:fld>
             <a:endParaRPr lang="zh-CN" altLang="en-US" dirty="0"/>
           </a:p>
@@ -5587,7 +5702,6 @@
               <a:rPr lang="zh-CN" altLang="en-US" dirty="0"/>
               <a:t>Seminário de [EC 009] - Sistemas Operacionáis.</a:t>
             </a:r>
-            <a:endParaRPr lang="zh-CN" altLang="en-US" dirty="0"/>
           </a:p>
         </p:txBody>
       </p:sp>
@@ -5609,6 +5723,7 @@
             <a:pPr lvl="0" eaLnBrk="1" hangingPunct="1"/>
             <a:fld id="{9A0DB2DC-4C9A-4742-B13C-FB6460FD3503}" type="slidenum">
               <a:rPr lang="zh-CN" altLang="en-US" dirty="0"/>
+              <a:t>‹nº›</a:t>
             </a:fld>
             <a:endParaRPr lang="zh-CN" altLang="en-US" dirty="0"/>
           </a:p>
@@ -5656,10 +5771,9 @@
           <a:lstStyle/>
           <a:p>
             <a:r>
-              <a:rPr lang="en-US" smtClean="0"/>
+              <a:rPr lang="en-US"/>
               <a:t>Click to edit Master title style</a:t>
             </a:r>
-            <a:endParaRPr lang="en-US"/>
           </a:p>
         </p:txBody>
       </p:sp>
@@ -5685,42 +5799,37 @@
           <a:p>
             <a:pPr lvl="0"/>
             <a:r>
-              <a:rPr lang="en-US" smtClean="0"/>
+              <a:rPr lang="en-US"/>
               <a:t>Click to edit Master text styles</a:t>
             </a:r>
-            <a:endParaRPr lang="en-US" smtClean="0"/>
           </a:p>
           <a:p>
             <a:pPr lvl="1"/>
             <a:r>
-              <a:rPr lang="en-US" smtClean="0"/>
+              <a:rPr lang="en-US"/>
               <a:t>Second level</a:t>
             </a:r>
-            <a:endParaRPr lang="en-US" smtClean="0"/>
           </a:p>
           <a:p>
             <a:pPr lvl="2"/>
             <a:r>
-              <a:rPr lang="en-US" smtClean="0"/>
+              <a:rPr lang="en-US"/>
               <a:t>Third level</a:t>
             </a:r>
-            <a:endParaRPr lang="en-US" smtClean="0"/>
           </a:p>
           <a:p>
             <a:pPr lvl="3"/>
             <a:r>
-              <a:rPr lang="en-US" smtClean="0"/>
+              <a:rPr lang="en-US"/>
               <a:t>Fourth level</a:t>
             </a:r>
-            <a:endParaRPr lang="en-US" smtClean="0"/>
           </a:p>
           <a:p>
             <a:pPr lvl="4"/>
             <a:r>
-              <a:rPr lang="en-US" smtClean="0"/>
+              <a:rPr lang="en-US"/>
               <a:t>Fifth level</a:t>
             </a:r>
-            <a:endParaRPr lang="en-US"/>
           </a:p>
         </p:txBody>
       </p:sp>
@@ -5746,42 +5855,37 @@
           <a:p>
             <a:pPr lvl="0"/>
             <a:r>
-              <a:rPr lang="en-US" smtClean="0"/>
+              <a:rPr lang="en-US"/>
               <a:t>Click to edit Master text styles</a:t>
             </a:r>
-            <a:endParaRPr lang="en-US" smtClean="0"/>
           </a:p>
           <a:p>
             <a:pPr lvl="1"/>
             <a:r>
-              <a:rPr lang="en-US" smtClean="0"/>
+              <a:rPr lang="en-US"/>
               <a:t>Second level</a:t>
             </a:r>
-            <a:endParaRPr lang="en-US" smtClean="0"/>
           </a:p>
           <a:p>
             <a:pPr lvl="2"/>
             <a:r>
-              <a:rPr lang="en-US" smtClean="0"/>
+              <a:rPr lang="en-US"/>
               <a:t>Third level</a:t>
             </a:r>
-            <a:endParaRPr lang="en-US" smtClean="0"/>
           </a:p>
           <a:p>
             <a:pPr lvl="3"/>
             <a:r>
-              <a:rPr lang="en-US" smtClean="0"/>
+              <a:rPr lang="en-US"/>
               <a:t>Fourth level</a:t>
             </a:r>
-            <a:endParaRPr lang="en-US" smtClean="0"/>
           </a:p>
           <a:p>
             <a:pPr lvl="4"/>
             <a:r>
-              <a:rPr lang="en-US" smtClean="0"/>
+              <a:rPr lang="en-US"/>
               <a:t>Fifth level</a:t>
             </a:r>
-            <a:endParaRPr lang="en-US"/>
           </a:p>
         </p:txBody>
       </p:sp>
@@ -5803,6 +5907,7 @@
             <a:pPr lvl="0" eaLnBrk="1" hangingPunct="1"/>
             <a:fld id="{BB962C8B-B14F-4D97-AF65-F5344CB8AC3E}" type="datetime1">
               <a:rPr lang="en-US" altLang="en-US" dirty="0"/>
+              <a:t>6/5/2017</a:t>
             </a:fld>
             <a:endParaRPr lang="zh-CN" altLang="en-US" dirty="0"/>
           </a:p>
@@ -5828,7 +5933,6 @@
               <a:rPr lang="zh-CN" altLang="en-US" dirty="0"/>
               <a:t>Seminário de [EC 009] - Sistemas Operacionáis.</a:t>
             </a:r>
-            <a:endParaRPr lang="zh-CN" altLang="en-US" dirty="0"/>
           </a:p>
         </p:txBody>
       </p:sp>
@@ -5850,6 +5954,7 @@
             <a:pPr lvl="0" eaLnBrk="1" hangingPunct="1"/>
             <a:fld id="{9A0DB2DC-4C9A-4742-B13C-FB6460FD3503}" type="slidenum">
               <a:rPr lang="zh-CN" altLang="en-US" dirty="0"/>
+              <a:t>‹nº›</a:t>
             </a:fld>
             <a:endParaRPr lang="zh-CN" altLang="en-US" dirty="0"/>
           </a:p>
@@ -5902,10 +6007,9 @@
           <a:lstStyle/>
           <a:p>
             <a:r>
-              <a:rPr lang="en-US" smtClean="0"/>
+              <a:rPr lang="en-US"/>
               <a:t>Click to edit Master title style</a:t>
             </a:r>
-            <a:endParaRPr lang="en-US"/>
           </a:p>
         </p:txBody>
       </p:sp>
@@ -5968,7 +6072,7 @@
           <a:p>
             <a:pPr lvl="0"/>
             <a:r>
-              <a:rPr lang="en-US" smtClean="0"/>
+              <a:rPr lang="en-US"/>
               <a:t>Click to edit Master text styles</a:t>
             </a:r>
           </a:p>
@@ -5996,42 +6100,37 @@
           <a:p>
             <a:pPr lvl="0"/>
             <a:r>
-              <a:rPr lang="en-US" smtClean="0"/>
+              <a:rPr lang="en-US"/>
               <a:t>Click to edit Master text styles</a:t>
             </a:r>
-            <a:endParaRPr lang="en-US" smtClean="0"/>
           </a:p>
           <a:p>
             <a:pPr lvl="1"/>
             <a:r>
-              <a:rPr lang="en-US" smtClean="0"/>
+              <a:rPr lang="en-US"/>
               <a:t>Second level</a:t>
             </a:r>
-            <a:endParaRPr lang="en-US" smtClean="0"/>
           </a:p>
           <a:p>
             <a:pPr lvl="2"/>
             <a:r>
-              <a:rPr lang="en-US" smtClean="0"/>
+              <a:rPr lang="en-US"/>
               <a:t>Third level</a:t>
             </a:r>
-            <a:endParaRPr lang="en-US" smtClean="0"/>
           </a:p>
           <a:p>
             <a:pPr lvl="3"/>
             <a:r>
-              <a:rPr lang="en-US" smtClean="0"/>
+              <a:rPr lang="en-US"/>
               <a:t>Fourth level</a:t>
             </a:r>
-            <a:endParaRPr lang="en-US" smtClean="0"/>
           </a:p>
           <a:p>
             <a:pPr lvl="4"/>
             <a:r>
-              <a:rPr lang="en-US" smtClean="0"/>
+              <a:rPr lang="en-US"/>
               <a:t>Fifth level</a:t>
             </a:r>
-            <a:endParaRPr lang="en-US"/>
           </a:p>
         </p:txBody>
       </p:sp>
@@ -6094,7 +6193,7 @@
           <a:p>
             <a:pPr lvl="0"/>
             <a:r>
-              <a:rPr lang="en-US" smtClean="0"/>
+              <a:rPr lang="en-US"/>
               <a:t>Click to edit Master text styles</a:t>
             </a:r>
           </a:p>
@@ -6122,42 +6221,37 @@
           <a:p>
             <a:pPr lvl="0"/>
             <a:r>
-              <a:rPr lang="en-US" smtClean="0"/>
+              <a:rPr lang="en-US"/>
               <a:t>Click to edit Master text styles</a:t>
             </a:r>
-            <a:endParaRPr lang="en-US" smtClean="0"/>
           </a:p>
           <a:p>
             <a:pPr lvl="1"/>
             <a:r>
-              <a:rPr lang="en-US" smtClean="0"/>
+              <a:rPr lang="en-US"/>
               <a:t>Second level</a:t>
             </a:r>
-            <a:endParaRPr lang="en-US" smtClean="0"/>
           </a:p>
           <a:p>
             <a:pPr lvl="2"/>
             <a:r>
-              <a:rPr lang="en-US" smtClean="0"/>
+              <a:rPr lang="en-US"/>
               <a:t>Third level</a:t>
             </a:r>
-            <a:endParaRPr lang="en-US" smtClean="0"/>
           </a:p>
           <a:p>
             <a:pPr lvl="3"/>
             <a:r>
-              <a:rPr lang="en-US" smtClean="0"/>
+              <a:rPr lang="en-US"/>
               <a:t>Fourth level</a:t>
             </a:r>
-            <a:endParaRPr lang="en-US" smtClean="0"/>
           </a:p>
           <a:p>
             <a:pPr lvl="4"/>
             <a:r>
-              <a:rPr lang="en-US" smtClean="0"/>
+              <a:rPr lang="en-US"/>
               <a:t>Fifth level</a:t>
             </a:r>
-            <a:endParaRPr lang="en-US"/>
           </a:p>
         </p:txBody>
       </p:sp>
@@ -6179,6 +6273,7 @@
             <a:pPr lvl="0" eaLnBrk="1" hangingPunct="1"/>
             <a:fld id="{BB962C8B-B14F-4D97-AF65-F5344CB8AC3E}" type="datetime1">
               <a:rPr lang="en-US" altLang="en-US" dirty="0"/>
+              <a:t>6/5/2017</a:t>
             </a:fld>
             <a:endParaRPr lang="zh-CN" altLang="en-US" dirty="0"/>
           </a:p>
@@ -6204,7 +6299,6 @@
               <a:rPr lang="zh-CN" altLang="en-US" dirty="0"/>
               <a:t>Seminário de [EC 009] - Sistemas Operacionáis.</a:t>
             </a:r>
-            <a:endParaRPr lang="zh-CN" altLang="en-US" dirty="0"/>
           </a:p>
         </p:txBody>
       </p:sp>
@@ -6226,6 +6320,7 @@
             <a:pPr lvl="0" eaLnBrk="1" hangingPunct="1"/>
             <a:fld id="{9A0DB2DC-4C9A-4742-B13C-FB6460FD3503}" type="slidenum">
               <a:rPr lang="zh-CN" altLang="en-US" dirty="0"/>
+              <a:t>‹nº›</a:t>
             </a:fld>
             <a:endParaRPr lang="zh-CN" altLang="en-US" dirty="0"/>
           </a:p>
@@ -6273,10 +6368,9 @@
           <a:lstStyle/>
           <a:p>
             <a:r>
-              <a:rPr lang="en-US" smtClean="0"/>
+              <a:rPr lang="en-US"/>
               <a:t>Click to edit Master title style</a:t>
             </a:r>
-            <a:endParaRPr lang="en-US"/>
           </a:p>
         </p:txBody>
       </p:sp>
@@ -6298,6 +6392,7 @@
             <a:pPr lvl="0" eaLnBrk="1" hangingPunct="1"/>
             <a:fld id="{BB962C8B-B14F-4D97-AF65-F5344CB8AC3E}" type="datetime1">
               <a:rPr lang="en-US" altLang="en-US" dirty="0"/>
+              <a:t>6/5/2017</a:t>
             </a:fld>
             <a:endParaRPr lang="zh-CN" altLang="en-US" dirty="0"/>
           </a:p>
@@ -6323,7 +6418,6 @@
               <a:rPr lang="zh-CN" altLang="en-US" dirty="0"/>
               <a:t>Seminário de [EC 009] - Sistemas Operacionáis.</a:t>
             </a:r>
-            <a:endParaRPr lang="zh-CN" altLang="en-US" dirty="0"/>
           </a:p>
         </p:txBody>
       </p:sp>
@@ -6345,6 +6439,7 @@
             <a:pPr lvl="0" eaLnBrk="1" hangingPunct="1"/>
             <a:fld id="{9A0DB2DC-4C9A-4742-B13C-FB6460FD3503}" type="slidenum">
               <a:rPr lang="zh-CN" altLang="en-US" dirty="0"/>
+              <a:t>‹nº›</a:t>
             </a:fld>
             <a:endParaRPr lang="zh-CN" altLang="en-US" dirty="0"/>
           </a:p>
@@ -6394,6 +6489,7 @@
             <a:pPr lvl="0" eaLnBrk="1" hangingPunct="1"/>
             <a:fld id="{BB962C8B-B14F-4D97-AF65-F5344CB8AC3E}" type="datetime1">
               <a:rPr lang="en-US" altLang="en-US" dirty="0"/>
+              <a:t>6/5/2017</a:t>
             </a:fld>
             <a:endParaRPr lang="zh-CN" altLang="en-US" dirty="0"/>
           </a:p>
@@ -6419,7 +6515,6 @@
               <a:rPr lang="zh-CN" altLang="en-US" dirty="0"/>
               <a:t>Seminário de [EC 009] - Sistemas Operacionáis.</a:t>
             </a:r>
-            <a:endParaRPr lang="zh-CN" altLang="en-US" dirty="0"/>
           </a:p>
         </p:txBody>
       </p:sp>
@@ -6441,6 +6536,7 @@
             <a:pPr lvl="0" eaLnBrk="1" hangingPunct="1"/>
             <a:fld id="{9A0DB2DC-4C9A-4742-B13C-FB6460FD3503}" type="slidenum">
               <a:rPr lang="zh-CN" altLang="en-US" dirty="0"/>
+              <a:t>‹nº›</a:t>
             </a:fld>
             <a:endParaRPr lang="zh-CN" altLang="en-US" dirty="0"/>
           </a:p>
@@ -6497,10 +6593,9 @@
           </a:lstStyle>
           <a:p>
             <a:r>
-              <a:rPr lang="en-US" smtClean="0"/>
+              <a:rPr lang="en-US"/>
               <a:t>Click to edit Master title style</a:t>
             </a:r>
-            <a:endParaRPr lang="en-US"/>
           </a:p>
         </p:txBody>
       </p:sp>
@@ -6554,42 +6649,37 @@
           <a:p>
             <a:pPr lvl="0"/>
             <a:r>
-              <a:rPr lang="en-US" smtClean="0"/>
+              <a:rPr lang="en-US"/>
               <a:t>Click to edit Master text styles</a:t>
             </a:r>
-            <a:endParaRPr lang="en-US" smtClean="0"/>
           </a:p>
           <a:p>
             <a:pPr lvl="1"/>
             <a:r>
-              <a:rPr lang="en-US" smtClean="0"/>
+              <a:rPr lang="en-US"/>
               <a:t>Second level</a:t>
             </a:r>
-            <a:endParaRPr lang="en-US" smtClean="0"/>
           </a:p>
           <a:p>
             <a:pPr lvl="2"/>
             <a:r>
-              <a:rPr lang="en-US" smtClean="0"/>
+              <a:rPr lang="en-US"/>
               <a:t>Third level</a:t>
             </a:r>
-            <a:endParaRPr lang="en-US" smtClean="0"/>
           </a:p>
           <a:p>
             <a:pPr lvl="3"/>
             <a:r>
-              <a:rPr lang="en-US" smtClean="0"/>
+              <a:rPr lang="en-US"/>
               <a:t>Fourth level</a:t>
             </a:r>
-            <a:endParaRPr lang="en-US" smtClean="0"/>
           </a:p>
           <a:p>
             <a:pPr lvl="4"/>
             <a:r>
-              <a:rPr lang="en-US" smtClean="0"/>
+              <a:rPr lang="en-US"/>
               <a:t>Fifth level</a:t>
             </a:r>
-            <a:endParaRPr lang="en-US"/>
           </a:p>
         </p:txBody>
       </p:sp>
@@ -6652,7 +6742,7 @@
           <a:p>
             <a:pPr lvl="0"/>
             <a:r>
-              <a:rPr lang="en-US" smtClean="0"/>
+              <a:rPr lang="en-US"/>
               <a:t>Click to edit Master text styles</a:t>
             </a:r>
           </a:p>
@@ -6676,6 +6766,7 @@
             <a:pPr lvl="0" eaLnBrk="1" hangingPunct="1"/>
             <a:fld id="{BB962C8B-B14F-4D97-AF65-F5344CB8AC3E}" type="datetime1">
               <a:rPr lang="en-US" altLang="en-US" dirty="0"/>
+              <a:t>6/5/2017</a:t>
             </a:fld>
             <a:endParaRPr lang="zh-CN" altLang="en-US" dirty="0"/>
           </a:p>
@@ -6701,7 +6792,6 @@
               <a:rPr lang="zh-CN" altLang="en-US" dirty="0"/>
               <a:t>Seminário de [EC 009] - Sistemas Operacionáis.</a:t>
             </a:r>
-            <a:endParaRPr lang="zh-CN" altLang="en-US" dirty="0"/>
           </a:p>
         </p:txBody>
       </p:sp>
@@ -6723,6 +6813,7 @@
             <a:pPr lvl="0" eaLnBrk="1" hangingPunct="1"/>
             <a:fld id="{9A0DB2DC-4C9A-4742-B13C-FB6460FD3503}" type="slidenum">
               <a:rPr lang="zh-CN" altLang="en-US" dirty="0"/>
+              <a:t>‹nº›</a:t>
             </a:fld>
             <a:endParaRPr lang="zh-CN" altLang="en-US" dirty="0"/>
           </a:p>
@@ -6779,10 +6870,9 @@
           </a:lstStyle>
           <a:p>
             <a:r>
-              <a:rPr lang="en-US" smtClean="0"/>
+              <a:rPr lang="en-US"/>
               <a:t>Click to edit Master title style</a:t>
             </a:r>
-            <a:endParaRPr lang="en-US"/>
           </a:p>
         </p:txBody>
       </p:sp>
@@ -6906,7 +6996,7 @@
           <a:p>
             <a:pPr lvl="0"/>
             <a:r>
-              <a:rPr lang="en-US" smtClean="0"/>
+              <a:rPr lang="en-US"/>
               <a:t>Click to edit Master text styles</a:t>
             </a:r>
           </a:p>
@@ -6930,6 +7020,7 @@
             <a:pPr lvl="0" eaLnBrk="1" hangingPunct="1"/>
             <a:fld id="{BB962C8B-B14F-4D97-AF65-F5344CB8AC3E}" type="datetime1">
               <a:rPr lang="en-US" altLang="en-US" dirty="0"/>
+              <a:t>6/5/2017</a:t>
             </a:fld>
             <a:endParaRPr lang="zh-CN" altLang="en-US" dirty="0"/>
           </a:p>
@@ -6955,7 +7046,6 @@
               <a:rPr lang="zh-CN" altLang="en-US" dirty="0"/>
               <a:t>Seminário de [EC 009] - Sistemas Operacionáis.</a:t>
             </a:r>
-            <a:endParaRPr lang="zh-CN" altLang="en-US" dirty="0"/>
           </a:p>
         </p:txBody>
       </p:sp>
@@ -6977,6 +7067,7 @@
             <a:pPr lvl="0" eaLnBrk="1" hangingPunct="1"/>
             <a:fld id="{9A0DB2DC-4C9A-4742-B13C-FB6460FD3503}" type="slidenum">
               <a:rPr lang="zh-CN" altLang="en-US" dirty="0"/>
+              <a:t>‹nº›</a:t>
             </a:fld>
             <a:endParaRPr lang="zh-CN" altLang="en-US" dirty="0"/>
           </a:p>
@@ -6987,13 +7078,6 @@
   <p:clrMapOvr>
     <a:masterClrMapping/>
   </p:clrMapOvr>
-  <p:timing>
-    <p:tnLst>
-      <p:par>
-        <p:cTn id="1" dur="indefinite" restart="never" nodeType="tmRoot"/>
-      </p:par>
-    </p:tnLst>
-  </p:timing>
   <p:hf hdr="0"/>
 </p:sldLayout>
 </file>
@@ -7017,7 +7101,14 @@
         <p:cNvGrpSpPr/>
         <p:nvPr/>
       </p:nvGrpSpPr>
-      <p:grpSpPr/>
+      <p:grpSpPr>
+        <a:xfrm>
+          <a:off x="0" y="0"/>
+          <a:ext cx="0" cy="0"/>
+          <a:chOff x="0" y="0"/>
+          <a:chExt cx="0" cy="0"/>
+        </a:xfrm>
+      </p:grpSpPr>
       <p:pic>
         <p:nvPicPr>
           <p:cNvPr id="1026" name="图片 12"/>
@@ -7027,7 +7118,7 @@
           <p:nvPr/>
         </p:nvPicPr>
         <p:blipFill>
-          <a:blip r:embed="rId12"/>
+          <a:blip r:embed="rId13"/>
           <a:stretch>
             <a:fillRect/>
           </a:stretch>
@@ -7056,7 +7147,7 @@
           <p:nvPr/>
         </p:nvPicPr>
         <p:blipFill>
-          <a:blip r:embed="rId13"/>
+          <a:blip r:embed="rId14"/>
           <a:stretch>
             <a:fillRect/>
           </a:stretch>
@@ -7102,6 +7193,7 @@
         </p:spPr>
         <p:txBody>
           <a:bodyPr anchor="ctr"/>
+          <a:lstStyle/>
           <a:p>
             <a:pPr lvl="0" algn="ctr" eaLnBrk="1" hangingPunct="1"/>
             <a:endParaRPr lang="zh-CN" altLang="en-US" dirty="0">
@@ -7140,6 +7232,7 @@
         </p:spPr>
         <p:txBody>
           <a:bodyPr lIns="0" tIns="0" rIns="0" bIns="0" anchor="b"/>
+          <a:lstStyle/>
           <a:p>
             <a:pPr lvl="0"/>
             <a:r>
@@ -7174,6 +7267,7 @@
         </p:spPr>
         <p:txBody>
           <a:bodyPr/>
+          <a:lstStyle/>
           <a:p>
             <a:pPr lvl="0"/>
             <a:r>
@@ -7227,6 +7321,7 @@
             <a:pPr lvl="0" eaLnBrk="1" hangingPunct="1"/>
             <a:fld id="{BB962C8B-B14F-4D97-AF65-F5344CB8AC3E}" type="datetime1">
               <a:rPr lang="en-US" altLang="en-US" dirty="0"/>
+              <a:t>6/5/2017</a:t>
             </a:fld>
             <a:endParaRPr lang="zh-CN" altLang="en-US" dirty="0"/>
           </a:p>
@@ -7273,7 +7368,6 @@
               <a:rPr lang="zh-CN" altLang="en-US" dirty="0"/>
               <a:t>Seminário de [EC 009] - Sistemas Operacionáis.</a:t>
             </a:r>
-            <a:endParaRPr lang="zh-CN" altLang="en-US" dirty="0"/>
           </a:p>
         </p:txBody>
       </p:sp>
@@ -7316,6 +7410,7 @@
             <a:pPr lvl="0" eaLnBrk="1" hangingPunct="1"/>
             <a:fld id="{9A0DB2DC-4C9A-4742-B13C-FB6460FD3503}" type="slidenum">
               <a:rPr lang="zh-CN" altLang="en-US" dirty="0"/>
+              <a:t>‹nº›</a:t>
             </a:fld>
             <a:endParaRPr lang="zh-CN" altLang="en-US" dirty="0"/>
           </a:p>
@@ -7474,7 +7569,7 @@
           <a:cs typeface="+mn-cs"/>
         </a:defRPr>
       </a:lvl5pPr>
-      <a:lvl6pPr marL="2514600" lvl="5" indent="-2147483648" algn="l" defTabSz="914400" eaLnBrk="0" fontAlgn="base" latinLnBrk="0" hangingPunct="0">
+      <a:lvl6pPr marL="2514600" lvl="5" indent="-51206400" algn="l" defTabSz="914400" eaLnBrk="0" fontAlgn="base" latinLnBrk="0" hangingPunct="0">
         <a:lnSpc>
           <a:spcPct val="90000"/>
         </a:lnSpc>
@@ -7495,7 +7590,7 @@
           <a:cs typeface="+mn-cs"/>
         </a:defRPr>
       </a:lvl6pPr>
-      <a:lvl7pPr marL="2971800" lvl="6" indent="-2147483648" algn="l" defTabSz="914400" eaLnBrk="0" fontAlgn="base" latinLnBrk="0" hangingPunct="0">
+      <a:lvl7pPr marL="2971800" lvl="6" indent="-51206400" algn="l" defTabSz="914400" eaLnBrk="0" fontAlgn="base" latinLnBrk="0" hangingPunct="0">
         <a:lnSpc>
           <a:spcPct val="90000"/>
         </a:lnSpc>
@@ -7516,7 +7611,7 @@
           <a:cs typeface="+mn-cs"/>
         </a:defRPr>
       </a:lvl7pPr>
-      <a:lvl8pPr marL="3429000" lvl="7" indent="-2147483648" algn="l" defTabSz="914400" eaLnBrk="0" fontAlgn="base" latinLnBrk="0" hangingPunct="0">
+      <a:lvl8pPr marL="3429000" lvl="7" indent="-51206400" algn="l" defTabSz="914400" eaLnBrk="0" fontAlgn="base" latinLnBrk="0" hangingPunct="0">
         <a:lnSpc>
           <a:spcPct val="90000"/>
         </a:lnSpc>
@@ -7537,7 +7632,7 @@
           <a:cs typeface="+mn-cs"/>
         </a:defRPr>
       </a:lvl8pPr>
-      <a:lvl9pPr marL="3886200" lvl="8" indent="-2147483648" algn="l" defTabSz="914400" eaLnBrk="0" fontAlgn="base" latinLnBrk="0" hangingPunct="0">
+      <a:lvl9pPr marL="3886200" lvl="8" indent="-51206400" algn="l" defTabSz="914400" eaLnBrk="0" fontAlgn="base" latinLnBrk="0" hangingPunct="0">
         <a:lnSpc>
           <a:spcPct val="90000"/>
         </a:lnSpc>
@@ -7773,7 +7868,14 @@
         <p:cNvGrpSpPr/>
         <p:nvPr/>
       </p:nvGrpSpPr>
-      <p:grpSpPr/>
+      <p:grpSpPr>
+        <a:xfrm>
+          <a:off x="0" y="0"/>
+          <a:ext cx="0" cy="0"/>
+          <a:chOff x="0" y="0"/>
+          <a:chExt cx="0" cy="0"/>
+        </a:xfrm>
+      </p:grpSpPr>
       <p:pic>
         <p:nvPicPr>
           <p:cNvPr id="2050" name="图片 9"/>
@@ -7783,7 +7885,7 @@
           <p:nvPr userDrawn="1"/>
         </p:nvPicPr>
         <p:blipFill>
-          <a:blip r:embed="rId12"/>
+          <a:blip r:embed="rId13"/>
           <a:stretch>
             <a:fillRect/>
           </a:stretch>
@@ -7824,7 +7926,7 @@
             <p:nvPr/>
           </p:nvPicPr>
           <p:blipFill>
-            <a:blip r:embed="rId13"/>
+            <a:blip r:embed="rId14"/>
             <a:stretch>
               <a:fillRect/>
             </a:stretch>
@@ -7866,6 +7968,7 @@
           </p:spPr>
           <p:txBody>
             <a:bodyPr anchor="ctr"/>
+            <a:lstStyle/>
             <a:p>
               <a:pPr lvl="0" algn="ctr" eaLnBrk="1" hangingPunct="1"/>
               <a:endParaRPr lang="en-US" altLang="x-none" dirty="0">
@@ -7905,6 +8008,7 @@
         </p:spPr>
         <p:txBody>
           <a:bodyPr lIns="0" tIns="0" rIns="0" bIns="0" anchor="b"/>
+          <a:lstStyle/>
           <a:p>
             <a:pPr lvl="0"/>
             <a:r>
@@ -7939,6 +8043,7 @@
         </p:spPr>
         <p:txBody>
           <a:bodyPr/>
+          <a:lstStyle/>
           <a:p>
             <a:pPr lvl="0"/>
             <a:r>
@@ -7992,6 +8097,7 @@
             <a:pPr lvl="0" eaLnBrk="1" hangingPunct="1"/>
             <a:fld id="{BB962C8B-B14F-4D97-AF65-F5344CB8AC3E}" type="datetime1">
               <a:rPr lang="en-US" altLang="en-US" dirty="0"/>
+              <a:t>6/5/2017</a:t>
             </a:fld>
             <a:endParaRPr lang="zh-CN" altLang="en-US" dirty="0"/>
           </a:p>
@@ -8038,7 +8144,6 @@
               <a:rPr lang="zh-CN" altLang="en-US" dirty="0"/>
               <a:t>Seminário de [EC 009] - Sistemas Operacionáis.</a:t>
             </a:r>
-            <a:endParaRPr lang="zh-CN" altLang="en-US" dirty="0"/>
           </a:p>
         </p:txBody>
       </p:sp>
@@ -8081,6 +8186,7 @@
             <a:pPr lvl="0" eaLnBrk="1" hangingPunct="1"/>
             <a:fld id="{9A0DB2DC-4C9A-4742-B13C-FB6460FD3503}" type="slidenum">
               <a:rPr lang="zh-CN" altLang="en-US" dirty="0"/>
+              <a:t>‹nº›</a:t>
             </a:fld>
             <a:endParaRPr lang="zh-CN" altLang="en-US" dirty="0"/>
           </a:p>
@@ -8239,7 +8345,7 @@
           <a:cs typeface="+mn-cs"/>
         </a:defRPr>
       </a:lvl5pPr>
-      <a:lvl6pPr marL="2514600" lvl="5" indent="-2147483648" algn="l" defTabSz="914400" eaLnBrk="0" fontAlgn="base" latinLnBrk="0" hangingPunct="0">
+      <a:lvl6pPr marL="2514600" lvl="5" indent="-51206400" algn="l" defTabSz="914400" eaLnBrk="0" fontAlgn="base" latinLnBrk="0" hangingPunct="0">
         <a:lnSpc>
           <a:spcPct val="90000"/>
         </a:lnSpc>
@@ -8260,7 +8366,7 @@
           <a:cs typeface="+mn-cs"/>
         </a:defRPr>
       </a:lvl6pPr>
-      <a:lvl7pPr marL="2971800" lvl="6" indent="-2147483648" algn="l" defTabSz="914400" eaLnBrk="0" fontAlgn="base" latinLnBrk="0" hangingPunct="0">
+      <a:lvl7pPr marL="2971800" lvl="6" indent="-51206400" algn="l" defTabSz="914400" eaLnBrk="0" fontAlgn="base" latinLnBrk="0" hangingPunct="0">
         <a:lnSpc>
           <a:spcPct val="90000"/>
         </a:lnSpc>
@@ -8281,7 +8387,7 @@
           <a:cs typeface="+mn-cs"/>
         </a:defRPr>
       </a:lvl7pPr>
-      <a:lvl8pPr marL="3429000" lvl="7" indent="-2147483648" algn="l" defTabSz="914400" eaLnBrk="0" fontAlgn="base" latinLnBrk="0" hangingPunct="0">
+      <a:lvl8pPr marL="3429000" lvl="7" indent="-51206400" algn="l" defTabSz="914400" eaLnBrk="0" fontAlgn="base" latinLnBrk="0" hangingPunct="0">
         <a:lnSpc>
           <a:spcPct val="90000"/>
         </a:lnSpc>
@@ -8302,7 +8408,7 @@
           <a:cs typeface="+mn-cs"/>
         </a:defRPr>
       </a:lvl8pPr>
-      <a:lvl9pPr marL="3886200" lvl="8" indent="-2147483648" algn="l" defTabSz="914400" eaLnBrk="0" fontAlgn="base" latinLnBrk="0" hangingPunct="0">
+      <a:lvl9pPr marL="3886200" lvl="8" indent="-51206400" algn="l" defTabSz="914400" eaLnBrk="0" fontAlgn="base" latinLnBrk="0" hangingPunct="0">
         <a:lnSpc>
           <a:spcPct val="90000"/>
         </a:lnSpc>
@@ -8528,7 +8634,14 @@
         <p:cNvGrpSpPr/>
         <p:nvPr/>
       </p:nvGrpSpPr>
-      <p:grpSpPr/>
+      <p:grpSpPr>
+        <a:xfrm>
+          <a:off x="0" y="0"/>
+          <a:ext cx="0" cy="0"/>
+          <a:chOff x="0" y="0"/>
+          <a:chExt cx="0" cy="0"/>
+        </a:xfrm>
+      </p:grpSpPr>
       <p:sp>
         <p:nvSpPr>
           <p:cNvPr id="4098" name="Rectangle 5"/>
@@ -8559,7 +8672,6 @@
               <a:rPr lang="x-none" altLang="zh-CN" sz="3600" dirty="0"/>
               <a:t>RTOS - Real Time Operating Systems</a:t>
             </a:r>
-            <a:endParaRPr lang="x-none" altLang="zh-CN" sz="3600" dirty="0"/>
           </a:p>
         </p:txBody>
       </p:sp>
@@ -8727,12 +8839,6 @@
               </a:rPr>
               <a:t>Luiz Fernando da Silva - 746</a:t>
             </a:r>
-            <a:endParaRPr lang="x-none" sz="2000">
-              <a:solidFill>
-                <a:schemeClr val="tx1"/>
-              </a:solidFill>
-              <a:latin typeface="+mj-lt"/>
-            </a:endParaRPr>
           </a:p>
         </p:txBody>
       </p:sp>
@@ -8754,10 +8860,12 @@
         </p:spPr>
         <p:txBody>
           <a:bodyPr/>
+          <a:lstStyle/>
           <a:p>
             <a:pPr lvl="0" eaLnBrk="1" hangingPunct="1"/>
             <a:fld id="{9A0DB2DC-4C9A-4742-B13C-FB6460FD3503}" type="slidenum">
               <a:rPr lang="zh-CN" altLang="en-US" sz="2400" dirty="0"/>
+              <a:t>1</a:t>
             </a:fld>
             <a:endParaRPr lang="zh-CN" altLang="en-US" sz="2400" dirty="0"/>
           </a:p>
@@ -9006,6 +9114,7 @@
         </p:spPr>
         <p:txBody>
           <a:bodyPr/>
+          <a:lstStyle/>
           <a:p>
             <a:pPr lvl="0" eaLnBrk="1" hangingPunct="1"/>
             <a:r>
@@ -9019,7 +9128,6 @@
               <a:rPr lang="x-none" altLang="zh-CN" dirty="0"/>
               <a:t>Institúto Nascional de Telecomunicações</a:t>
             </a:r>
-            <a:endParaRPr lang="x-none" altLang="zh-CN" dirty="0"/>
           </a:p>
         </p:txBody>
       </p:sp>
@@ -9040,11 +9148,20 @@
         <p:cNvGrpSpPr/>
         <p:nvPr/>
       </p:nvGrpSpPr>
-      <p:grpSpPr/>
+      <p:grpSpPr>
+        <a:xfrm>
+          <a:off x="0" y="0"/>
+          <a:ext cx="0" cy="0"/>
+          <a:chOff x="0" y="0"/>
+          <a:chExt cx="0" cy="0"/>
+        </a:xfrm>
+      </p:grpSpPr>
       <p:sp>
         <p:nvSpPr>
           <p:cNvPr id="5122" name="Rectangle 5"/>
-          <p:cNvSpPr/>
+          <p:cNvSpPr>
+            <a:spLocks noGrp="1"/>
+          </p:cNvSpPr>
           <p:nvPr>
             <p:ph type="title"/>
           </p:nvPr>
@@ -9052,6 +9169,7 @@
         <p:spPr/>
         <p:txBody>
           <a:bodyPr vert="horz" wrap="square" lIns="0" tIns="0" rIns="0" bIns="0" anchor="b"/>
+          <a:lstStyle/>
           <a:p>
             <a:pPr lvl="0" eaLnBrk="1" hangingPunct="1"/>
             <a:r>
@@ -9070,102 +9188,18 @@
       </p:sp>
       <p:sp>
         <p:nvSpPr>
-          <p:cNvPr id="3" name="Slide Number Placeholder 2"/>
-          <p:cNvSpPr>
-            <a:spLocks noGrp="1"/>
-          </p:cNvSpPr>
-          <p:nvPr>
-            <p:ph type="sldNum" sz="quarter" idx="12"/>
-          </p:nvPr>
-        </p:nvSpPr>
-        <p:spPr>
-          <a:xfrm>
-            <a:off x="6913880" y="6298565"/>
-            <a:ext cx="2106295" cy="476250"/>
-          </a:xfrm>
-        </p:spPr>
-        <p:txBody>
-          <a:bodyPr/>
-          <a:p>
-            <a:pPr lvl="0" eaLnBrk="1" hangingPunct="1"/>
-            <a:fld id="{9A0DB2DC-4C9A-4742-B13C-FB6460FD3503}" type="slidenum">
-              <a:rPr lang="zh-CN" altLang="en-US" sz="2400" dirty="0"/>
-            </a:fld>
-            <a:endParaRPr lang="zh-CN" altLang="en-US" sz="2400" dirty="0"/>
-          </a:p>
-        </p:txBody>
-      </p:sp>
-      <p:sp>
-        <p:nvSpPr>
-          <p:cNvPr id="5" name="Date Placeholder 4"/>
-          <p:cNvSpPr>
-            <a:spLocks noGrp="1"/>
-          </p:cNvSpPr>
-          <p:nvPr>
-            <p:ph type="dt" sz="half" idx="10"/>
-          </p:nvPr>
-        </p:nvSpPr>
-        <p:spPr/>
-        <p:txBody>
-          <a:bodyPr/>
-          <a:p>
-            <a:pPr lvl="0" eaLnBrk="1" hangingPunct="1"/>
-            <a:r>
-              <a:rPr lang="en-US" altLang="en-US" dirty="0"/>
-              <a:t>5/6/2017</a:t>
-            </a:r>
-            <a:endParaRPr lang="zh-CN" altLang="en-US" dirty="0"/>
-          </a:p>
-        </p:txBody>
-      </p:sp>
-      <p:sp>
-        <p:nvSpPr>
-          <p:cNvPr id="2" name="Footer Placeholder 1"/>
-          <p:cNvSpPr>
-            <a:spLocks noGrp="1"/>
-          </p:cNvSpPr>
-          <p:nvPr>
-            <p:ph type="ftr" sz="quarter" idx="11"/>
-          </p:nvPr>
-        </p:nvSpPr>
-        <p:spPr>
-          <a:xfrm>
-            <a:off x="2500630" y="6357620"/>
-            <a:ext cx="4140200" cy="365125"/>
-          </a:xfrm>
-        </p:spPr>
-        <p:txBody>
-          <a:bodyPr/>
-          <a:p>
-            <a:pPr lvl="0" eaLnBrk="1" hangingPunct="1"/>
-            <a:r>
-              <a:rPr lang="zh-CN" altLang="en-US" dirty="0"/>
-              <a:t>Seminário de [EC 009] - Sistemas Operacionáis</a:t>
-            </a:r>
-            <a:br>
-              <a:rPr lang="zh-CN" altLang="en-US" dirty="0"/>
-            </a:br>
-            <a:r>
-              <a:rPr lang="x-none" altLang="zh-CN" dirty="0"/>
-              <a:t>Institúto Nascional de Telecomunicações</a:t>
-            </a:r>
-            <a:endParaRPr lang="x-none" altLang="zh-CN" dirty="0"/>
-          </a:p>
-        </p:txBody>
-      </p:sp>
-      <p:sp>
-        <p:nvSpPr>
           <p:cNvPr id="6" name="Rectangle 6"/>
           <p:cNvSpPr>
             <a:spLocks noGrp="1"/>
           </p:cNvSpPr>
           <p:nvPr>
-            <p:ph type="body"/>
+            <p:ph idx="1"/>
           </p:nvPr>
         </p:nvSpPr>
         <p:spPr/>
         <p:txBody>
           <a:bodyPr vert="horz" wrap="square" anchor="t"/>
+          <a:lstStyle/>
           <a:p>
             <a:pPr lvl="0" eaLnBrk="1" hangingPunct="1"/>
             <a:r>
@@ -9174,9 +9208,6 @@
               </a:rPr>
               <a:t>Modo Real:</a:t>
             </a:r>
-            <a:endParaRPr lang="x-none" sz="2200" b="1">
-              <a:sym typeface="+mn-ea"/>
-            </a:endParaRPr>
           </a:p>
           <a:p>
             <a:pPr marL="800100" lvl="1" indent="-342900" algn="l" eaLnBrk="1" hangingPunct="1">
@@ -9220,9 +9251,6 @@
               </a:rPr>
               <a:t>Acesso a somente 1MB de memória;</a:t>
             </a:r>
-            <a:endParaRPr lang="x-none" sz="2100">
-              <a:sym typeface="+mn-ea"/>
-            </a:endParaRPr>
           </a:p>
           <a:p>
             <a:pPr marL="800100" lvl="1" indent="-342900" algn="l" eaLnBrk="1" hangingPunct="1">
@@ -9244,9 +9272,6 @@
               </a:rPr>
               <a:t>Acesso direto a funções da BIOS;</a:t>
             </a:r>
-            <a:endParaRPr lang="x-none" sz="2100">
-              <a:sym typeface="+mn-ea"/>
-            </a:endParaRPr>
           </a:p>
           <a:p>
             <a:pPr marL="800100" lvl="1" indent="-342900" algn="l" eaLnBrk="1" hangingPunct="1">
@@ -9268,9 +9293,6 @@
               </a:rPr>
               <a:t>Sem suporte a paginação ou gerenciamento de memória;</a:t>
             </a:r>
-            <a:endParaRPr lang="x-none" sz="2100">
-              <a:sym typeface="+mn-ea"/>
-            </a:endParaRPr>
           </a:p>
           <a:p>
             <a:pPr marL="800100" lvl="1" indent="-342900" algn="l" eaLnBrk="1" hangingPunct="1">
@@ -9296,9 +9318,6 @@
               </a:rPr>
               <a:t>Modo Protegido:</a:t>
             </a:r>
-            <a:endParaRPr lang="x-none" sz="2200" b="1">
-              <a:sym typeface="+mn-ea"/>
-            </a:endParaRPr>
           </a:p>
           <a:p>
             <a:pPr marL="800100" lvl="1" indent="-342900" eaLnBrk="1" hangingPunct="1">
@@ -9341,12 +9360,6 @@
               </a:rPr>
               <a:t>);</a:t>
             </a:r>
-            <a:endParaRPr lang="x-none" sz="2100">
-              <a:solidFill>
-                <a:srgbClr val="7D7D7D"/>
-              </a:solidFill>
-              <a:sym typeface="+mn-ea"/>
-            </a:endParaRPr>
           </a:p>
           <a:p>
             <a:pPr marL="800100" lvl="1" indent="-342900" eaLnBrk="1" hangingPunct="1">
@@ -9371,12 +9384,6 @@
               </a:rPr>
               <a:t>Acesso completo a memória;</a:t>
             </a:r>
-            <a:endParaRPr lang="x-none" sz="2100">
-              <a:solidFill>
-                <a:srgbClr val="7D7D7D"/>
-              </a:solidFill>
-              <a:sym typeface="+mn-ea"/>
-            </a:endParaRPr>
           </a:p>
           <a:p>
             <a:pPr marL="457200" lvl="1" indent="0" algn="l" eaLnBrk="1" hangingPunct="1">
@@ -9401,6 +9408,84 @@
           </a:p>
         </p:txBody>
       </p:sp>
+      <p:sp>
+        <p:nvSpPr>
+          <p:cNvPr id="5" name="Date Placeholder 4"/>
+          <p:cNvSpPr>
+            <a:spLocks noGrp="1"/>
+          </p:cNvSpPr>
+          <p:nvPr>
+            <p:ph type="dt" sz="half" idx="10"/>
+          </p:nvPr>
+        </p:nvSpPr>
+        <p:spPr/>
+        <p:txBody>
+          <a:bodyPr/>
+          <a:lstStyle/>
+          <a:p>
+            <a:pPr lvl="0" eaLnBrk="1" hangingPunct="1"/>
+            <a:r>
+              <a:rPr lang="en-US" altLang="en-US" dirty="0"/>
+              <a:t>5/6/2017</a:t>
+            </a:r>
+            <a:endParaRPr lang="zh-CN" altLang="en-US" dirty="0"/>
+          </a:p>
+        </p:txBody>
+      </p:sp>
+      <p:sp>
+        <p:nvSpPr>
+          <p:cNvPr id="2" name="Footer Placeholder 1"/>
+          <p:cNvSpPr>
+            <a:spLocks noGrp="1"/>
+          </p:cNvSpPr>
+          <p:nvPr>
+            <p:ph type="ftr" sz="quarter" idx="11"/>
+          </p:nvPr>
+        </p:nvSpPr>
+        <p:spPr/>
+        <p:txBody>
+          <a:bodyPr/>
+          <a:lstStyle/>
+          <a:p>
+            <a:pPr lvl="0" eaLnBrk="1" hangingPunct="1"/>
+            <a:r>
+              <a:rPr lang="zh-CN" altLang="en-US" dirty="0"/>
+              <a:t>Seminário de [EC 009] - Sistemas Operacionáis</a:t>
+            </a:r>
+            <a:br>
+              <a:rPr lang="zh-CN" altLang="en-US" dirty="0"/>
+            </a:br>
+            <a:r>
+              <a:rPr lang="x-none" altLang="zh-CN" dirty="0"/>
+              <a:t>Institúto Nascional de Telecomunicações</a:t>
+            </a:r>
+          </a:p>
+        </p:txBody>
+      </p:sp>
+      <p:sp>
+        <p:nvSpPr>
+          <p:cNvPr id="3" name="Slide Number Placeholder 2"/>
+          <p:cNvSpPr>
+            <a:spLocks noGrp="1"/>
+          </p:cNvSpPr>
+          <p:nvPr>
+            <p:ph type="sldNum" sz="quarter" idx="12"/>
+          </p:nvPr>
+        </p:nvSpPr>
+        <p:spPr/>
+        <p:txBody>
+          <a:bodyPr/>
+          <a:lstStyle/>
+          <a:p>
+            <a:pPr lvl="0" eaLnBrk="1" hangingPunct="1"/>
+            <a:fld id="{9A0DB2DC-4C9A-4742-B13C-FB6460FD3503}" type="slidenum">
+              <a:rPr lang="zh-CN" altLang="en-US" sz="2400" dirty="0"/>
+              <a:t>10</a:t>
+            </a:fld>
+            <a:endParaRPr lang="zh-CN" altLang="en-US" sz="2400" dirty="0"/>
+          </a:p>
+        </p:txBody>
+      </p:sp>
     </p:spTree>
   </p:cSld>
   <p:clrMapOvr>
@@ -9418,11 +9503,20 @@
         <p:cNvGrpSpPr/>
         <p:nvPr/>
       </p:nvGrpSpPr>
-      <p:grpSpPr/>
+      <p:grpSpPr>
+        <a:xfrm>
+          <a:off x="0" y="0"/>
+          <a:ext cx="0" cy="0"/>
+          <a:chOff x="0" y="0"/>
+          <a:chExt cx="0" cy="0"/>
+        </a:xfrm>
+      </p:grpSpPr>
       <p:sp>
         <p:nvSpPr>
           <p:cNvPr id="5122" name="Rectangle 5"/>
-          <p:cNvSpPr/>
+          <p:cNvSpPr>
+            <a:spLocks noGrp="1"/>
+          </p:cNvSpPr>
           <p:nvPr>
             <p:ph type="title"/>
           </p:nvPr>
@@ -9430,6 +9524,7 @@
         <p:spPr/>
         <p:txBody>
           <a:bodyPr vert="horz" wrap="square" lIns="0" tIns="0" rIns="0" bIns="0" anchor="b"/>
+          <a:lstStyle/>
           <a:p>
             <a:pPr lvl="0" eaLnBrk="1" hangingPunct="1"/>
             <a:r>
@@ -9448,102 +9543,18 @@
       </p:sp>
       <p:sp>
         <p:nvSpPr>
-          <p:cNvPr id="3" name="Slide Number Placeholder 2"/>
-          <p:cNvSpPr>
-            <a:spLocks noGrp="1"/>
-          </p:cNvSpPr>
-          <p:nvPr>
-            <p:ph type="sldNum" sz="quarter" idx="12"/>
-          </p:nvPr>
-        </p:nvSpPr>
-        <p:spPr>
-          <a:xfrm>
-            <a:off x="6913880" y="6298565"/>
-            <a:ext cx="2106295" cy="476250"/>
-          </a:xfrm>
-        </p:spPr>
-        <p:txBody>
-          <a:bodyPr/>
-          <a:p>
-            <a:pPr lvl="0" eaLnBrk="1" hangingPunct="1"/>
-            <a:fld id="{9A0DB2DC-4C9A-4742-B13C-FB6460FD3503}" type="slidenum">
-              <a:rPr lang="zh-CN" altLang="en-US" sz="2400" dirty="0"/>
-            </a:fld>
-            <a:endParaRPr lang="zh-CN" altLang="en-US" sz="2400" dirty="0"/>
-          </a:p>
-        </p:txBody>
-      </p:sp>
-      <p:sp>
-        <p:nvSpPr>
-          <p:cNvPr id="5" name="Date Placeholder 4"/>
-          <p:cNvSpPr>
-            <a:spLocks noGrp="1"/>
-          </p:cNvSpPr>
-          <p:nvPr>
-            <p:ph type="dt" sz="half" idx="10"/>
-          </p:nvPr>
-        </p:nvSpPr>
-        <p:spPr/>
-        <p:txBody>
-          <a:bodyPr/>
-          <a:p>
-            <a:pPr lvl="0" eaLnBrk="1" hangingPunct="1"/>
-            <a:r>
-              <a:rPr lang="en-US" altLang="en-US" dirty="0"/>
-              <a:t>5/6/2017</a:t>
-            </a:r>
-            <a:endParaRPr lang="zh-CN" altLang="en-US" dirty="0"/>
-          </a:p>
-        </p:txBody>
-      </p:sp>
-      <p:sp>
-        <p:nvSpPr>
-          <p:cNvPr id="2" name="Footer Placeholder 1"/>
-          <p:cNvSpPr>
-            <a:spLocks noGrp="1"/>
-          </p:cNvSpPr>
-          <p:nvPr>
-            <p:ph type="ftr" sz="quarter" idx="11"/>
-          </p:nvPr>
-        </p:nvSpPr>
-        <p:spPr>
-          <a:xfrm>
-            <a:off x="2500630" y="6357620"/>
-            <a:ext cx="4140200" cy="365125"/>
-          </a:xfrm>
-        </p:spPr>
-        <p:txBody>
-          <a:bodyPr/>
-          <a:p>
-            <a:pPr lvl="0" eaLnBrk="1" hangingPunct="1"/>
-            <a:r>
-              <a:rPr lang="zh-CN" altLang="en-US" dirty="0"/>
-              <a:t>Seminário de [EC 009] - Sistemas Operacionáis</a:t>
-            </a:r>
-            <a:br>
-              <a:rPr lang="zh-CN" altLang="en-US" dirty="0"/>
-            </a:br>
-            <a:r>
-              <a:rPr lang="x-none" altLang="zh-CN" dirty="0"/>
-              <a:t>Institúto Nascional de Telecomunicações</a:t>
-            </a:r>
-            <a:endParaRPr lang="x-none" altLang="zh-CN" dirty="0"/>
-          </a:p>
-        </p:txBody>
-      </p:sp>
-      <p:sp>
-        <p:nvSpPr>
           <p:cNvPr id="4" name="Rectangle 6"/>
           <p:cNvSpPr>
             <a:spLocks noGrp="1"/>
           </p:cNvSpPr>
           <p:nvPr>
-            <p:ph type="body"/>
+            <p:ph idx="1"/>
           </p:nvPr>
         </p:nvSpPr>
         <p:spPr/>
         <p:txBody>
           <a:bodyPr vert="horz" wrap="square" anchor="t"/>
+          <a:lstStyle/>
           <a:p>
             <a:pPr lvl="0" eaLnBrk="1" hangingPunct="1">
               <a:spcAft>
@@ -9562,7 +9573,6 @@
               <a:rPr lang="x-none" sz="2100" b="1"/>
               <a:t>):</a:t>
             </a:r>
-            <a:endParaRPr lang="x-none" sz="2100" b="1"/>
           </a:p>
           <a:p>
             <a:pPr marL="800100" lvl="1" indent="-342900" algn="l" eaLnBrk="1" hangingPunct="1">
@@ -9604,7 +9614,6 @@
               <a:rPr lang="x-none" sz="2100"/>
               <a:t>Exige um context switch para o modo real para ser executado;</a:t>
             </a:r>
-            <a:endParaRPr lang="x-none" sz="2100"/>
           </a:p>
           <a:p>
             <a:pPr lvl="0" eaLnBrk="1" hangingPunct="1">
@@ -9620,7 +9629,6 @@
               <a:rPr lang="x-none" sz="2100"/>
               <a:t>:</a:t>
             </a:r>
-            <a:endParaRPr lang="x-none" sz="2100"/>
           </a:p>
           <a:p>
             <a:pPr marL="800100" lvl="1" indent="-342900" algn="l" eaLnBrk="1" hangingPunct="1">
@@ -9696,6 +9704,84 @@
           </a:p>
         </p:txBody>
       </p:sp>
+      <p:sp>
+        <p:nvSpPr>
+          <p:cNvPr id="5" name="Date Placeholder 4"/>
+          <p:cNvSpPr>
+            <a:spLocks noGrp="1"/>
+          </p:cNvSpPr>
+          <p:nvPr>
+            <p:ph type="dt" sz="half" idx="10"/>
+          </p:nvPr>
+        </p:nvSpPr>
+        <p:spPr/>
+        <p:txBody>
+          <a:bodyPr/>
+          <a:lstStyle/>
+          <a:p>
+            <a:pPr lvl="0" eaLnBrk="1" hangingPunct="1"/>
+            <a:r>
+              <a:rPr lang="en-US" altLang="en-US" dirty="0"/>
+              <a:t>5/6/2017</a:t>
+            </a:r>
+            <a:endParaRPr lang="zh-CN" altLang="en-US" dirty="0"/>
+          </a:p>
+        </p:txBody>
+      </p:sp>
+      <p:sp>
+        <p:nvSpPr>
+          <p:cNvPr id="2" name="Footer Placeholder 1"/>
+          <p:cNvSpPr>
+            <a:spLocks noGrp="1"/>
+          </p:cNvSpPr>
+          <p:nvPr>
+            <p:ph type="ftr" sz="quarter" idx="11"/>
+          </p:nvPr>
+        </p:nvSpPr>
+        <p:spPr/>
+        <p:txBody>
+          <a:bodyPr/>
+          <a:lstStyle/>
+          <a:p>
+            <a:pPr lvl="0" eaLnBrk="1" hangingPunct="1"/>
+            <a:r>
+              <a:rPr lang="zh-CN" altLang="en-US" dirty="0"/>
+              <a:t>Seminário de [EC 009] - Sistemas Operacionáis</a:t>
+            </a:r>
+            <a:br>
+              <a:rPr lang="zh-CN" altLang="en-US" dirty="0"/>
+            </a:br>
+            <a:r>
+              <a:rPr lang="x-none" altLang="zh-CN" dirty="0"/>
+              <a:t>Institúto Nascional de Telecomunicações</a:t>
+            </a:r>
+          </a:p>
+        </p:txBody>
+      </p:sp>
+      <p:sp>
+        <p:nvSpPr>
+          <p:cNvPr id="3" name="Slide Number Placeholder 2"/>
+          <p:cNvSpPr>
+            <a:spLocks noGrp="1"/>
+          </p:cNvSpPr>
+          <p:nvPr>
+            <p:ph type="sldNum" sz="quarter" idx="12"/>
+          </p:nvPr>
+        </p:nvSpPr>
+        <p:spPr/>
+        <p:txBody>
+          <a:bodyPr/>
+          <a:lstStyle/>
+          <a:p>
+            <a:pPr lvl="0" eaLnBrk="1" hangingPunct="1"/>
+            <a:fld id="{9A0DB2DC-4C9A-4742-B13C-FB6460FD3503}" type="slidenum">
+              <a:rPr lang="zh-CN" altLang="en-US" sz="2400" dirty="0"/>
+              <a:t>11</a:t>
+            </a:fld>
+            <a:endParaRPr lang="zh-CN" altLang="en-US" sz="2400" dirty="0"/>
+          </a:p>
+        </p:txBody>
+      </p:sp>
     </p:spTree>
   </p:cSld>
   <p:clrMapOvr>
@@ -9713,7 +9799,14 @@
         <p:cNvGrpSpPr/>
         <p:nvPr/>
       </p:nvGrpSpPr>
-      <p:grpSpPr/>
+      <p:grpSpPr>
+        <a:xfrm>
+          <a:off x="0" y="0"/>
+          <a:ext cx="0" cy="0"/>
+          <a:chOff x="0" y="0"/>
+          <a:chExt cx="0" cy="0"/>
+        </a:xfrm>
+      </p:grpSpPr>
       <p:sp>
         <p:nvSpPr>
           <p:cNvPr id="5" name="Title 4"/>
@@ -9727,6 +9820,7 @@
         <p:spPr/>
         <p:txBody>
           <a:bodyPr/>
+          <a:lstStyle/>
           <a:p>
             <a:r>
               <a:rPr lang="x-none" altLang="zh-CN" dirty="0">
@@ -9735,12 +9829,83 @@
               <a:t>SIRTOS - </a:t>
             </a:r>
             <a:r>
-              <a:rPr lang="x-none">
+              <a:rPr lang="x-none" dirty="0">
                 <a:sym typeface="+mn-ea"/>
               </a:rPr>
               <a:t>Grafico (Implementação)</a:t>
             </a:r>
-            <a:endParaRPr lang="pt-BR" altLang="en-US"/>
+            <a:endParaRPr lang="pt-BR" altLang="en-US" dirty="0"/>
+          </a:p>
+        </p:txBody>
+      </p:sp>
+      <p:sp>
+        <p:nvSpPr>
+          <p:cNvPr id="2" name="Date Placeholder 1"/>
+          <p:cNvSpPr>
+            <a:spLocks noGrp="1"/>
+          </p:cNvSpPr>
+          <p:nvPr>
+            <p:ph type="dt" sz="half" idx="10"/>
+          </p:nvPr>
+        </p:nvSpPr>
+        <p:spPr/>
+        <p:txBody>
+          <a:bodyPr/>
+          <a:lstStyle/>
+          <a:p>
+            <a:pPr lvl="0" eaLnBrk="1" hangingPunct="1"/>
+            <a:fld id="{BB962C8B-B14F-4D97-AF65-F5344CB8AC3E}" type="datetime1">
+              <a:rPr lang="en-US" altLang="en-US" dirty="0"/>
+              <a:t>6/5/2017</a:t>
+            </a:fld>
+            <a:endParaRPr lang="zh-CN" altLang="en-US" dirty="0"/>
+          </a:p>
+        </p:txBody>
+      </p:sp>
+      <p:sp>
+        <p:nvSpPr>
+          <p:cNvPr id="3" name="Footer Placeholder 2"/>
+          <p:cNvSpPr>
+            <a:spLocks noGrp="1"/>
+          </p:cNvSpPr>
+          <p:nvPr>
+            <p:ph type="ftr" sz="quarter" idx="11"/>
+          </p:nvPr>
+        </p:nvSpPr>
+        <p:spPr/>
+        <p:txBody>
+          <a:bodyPr/>
+          <a:lstStyle/>
+          <a:p>
+            <a:pPr lvl="0" eaLnBrk="1" hangingPunct="1"/>
+            <a:r>
+              <a:rPr lang="zh-CN" altLang="en-US" dirty="0"/>
+              <a:t>Seminário de [EC 009] - Sistemas Operacionáis.</a:t>
+            </a:r>
+          </a:p>
+        </p:txBody>
+      </p:sp>
+      <p:sp>
+        <p:nvSpPr>
+          <p:cNvPr id="4" name="Slide Number Placeholder 3"/>
+          <p:cNvSpPr>
+            <a:spLocks noGrp="1"/>
+          </p:cNvSpPr>
+          <p:nvPr>
+            <p:ph type="sldNum" sz="quarter" idx="12"/>
+          </p:nvPr>
+        </p:nvSpPr>
+        <p:spPr/>
+        <p:txBody>
+          <a:bodyPr/>
+          <a:lstStyle/>
+          <a:p>
+            <a:pPr lvl="0" eaLnBrk="1" hangingPunct="1"/>
+            <a:fld id="{9A0DB2DC-4C9A-4742-B13C-FB6460FD3503}" type="slidenum">
+              <a:rPr lang="zh-CN" altLang="en-US" dirty="0"/>
+              <a:t>12</a:t>
+            </a:fld>
+            <a:endParaRPr lang="zh-CN" altLang="en-US" dirty="0"/>
           </a:p>
         </p:txBody>
       </p:sp>
@@ -9748,22 +9913,22 @@
         <p:nvPicPr>
           <p:cNvPr id="7" name="Content Placeholder 6" descr="Double-Buffering"/>
           <p:cNvPicPr>
-            <a:picLocks noChangeAspect="1"/>
+            <a:picLocks noGrp="1" noChangeAspect="1"/>
           </p:cNvPicPr>
           <p:nvPr>
-            <p:ph idx="1"/>
+            <p:ph idx="4294967295"/>
           </p:nvPr>
         </p:nvPicPr>
         <p:blipFill>
-          <a:blip r:embed="rId1"/>
+          <a:blip r:embed="rId2"/>
           <a:stretch>
             <a:fillRect/>
           </a:stretch>
         </p:blipFill>
         <p:spPr>
           <a:xfrm>
-            <a:off x="450850" y="2160270"/>
-            <a:ext cx="8231505" cy="2618105"/>
+            <a:off x="464023" y="2160588"/>
+            <a:ext cx="8231188" cy="2617787"/>
           </a:xfrm>
           <a:prstGeom prst="rect">
             <a:avLst/>
@@ -9772,80 +9937,13 @@
       </p:pic>
       <p:sp>
         <p:nvSpPr>
-          <p:cNvPr id="2" name="Date Placeholder 1"/>
-          <p:cNvSpPr>
-            <a:spLocks noGrp="1"/>
-          </p:cNvSpPr>
-          <p:nvPr>
-            <p:ph type="dt" sz="half" idx="10"/>
-          </p:nvPr>
-        </p:nvSpPr>
-        <p:spPr/>
-        <p:txBody>
-          <a:bodyPr/>
-          <a:p>
-            <a:pPr lvl="0" eaLnBrk="1" hangingPunct="1"/>
-            <a:fld id="{BB962C8B-B14F-4D97-AF65-F5344CB8AC3E}" type="datetime1">
-              <a:rPr lang="en-US" altLang="en-US" dirty="0"/>
-            </a:fld>
-            <a:endParaRPr lang="zh-CN" altLang="en-US" dirty="0"/>
-          </a:p>
-        </p:txBody>
-      </p:sp>
-      <p:sp>
-        <p:nvSpPr>
-          <p:cNvPr id="3" name="Footer Placeholder 2"/>
-          <p:cNvSpPr>
-            <a:spLocks noGrp="1"/>
-          </p:cNvSpPr>
-          <p:nvPr>
-            <p:ph type="ftr" sz="quarter" idx="11"/>
-          </p:nvPr>
-        </p:nvSpPr>
-        <p:spPr/>
-        <p:txBody>
-          <a:bodyPr/>
-          <a:p>
-            <a:pPr lvl="0" eaLnBrk="1" hangingPunct="1"/>
-            <a:r>
-              <a:rPr lang="zh-CN" altLang="en-US" dirty="0"/>
-              <a:t>Seminário de [EC 009] - Sistemas Operacionáis.</a:t>
-            </a:r>
-            <a:endParaRPr lang="zh-CN" altLang="en-US" dirty="0"/>
-          </a:p>
-        </p:txBody>
-      </p:sp>
-      <p:sp>
-        <p:nvSpPr>
-          <p:cNvPr id="4" name="Slide Number Placeholder 3"/>
-          <p:cNvSpPr>
-            <a:spLocks noGrp="1"/>
-          </p:cNvSpPr>
-          <p:nvPr>
-            <p:ph type="sldNum" sz="quarter" idx="12"/>
-          </p:nvPr>
-        </p:nvSpPr>
-        <p:spPr/>
-        <p:txBody>
-          <a:bodyPr/>
-          <a:p>
-            <a:pPr lvl="0" eaLnBrk="1" hangingPunct="1"/>
-            <a:fld id="{9A0DB2DC-4C9A-4742-B13C-FB6460FD3503}" type="slidenum">
-              <a:rPr lang="zh-CN" altLang="en-US" dirty="0"/>
-            </a:fld>
-            <a:endParaRPr lang="zh-CN" altLang="en-US" dirty="0"/>
-          </a:p>
-        </p:txBody>
-      </p:sp>
-      <p:sp>
-        <p:nvSpPr>
           <p:cNvPr id="8" name="TextBox 7"/>
           <p:cNvSpPr txBox="1"/>
           <p:nvPr/>
         </p:nvSpPr>
         <p:spPr>
           <a:xfrm>
-            <a:off x="2165985" y="4883150"/>
+            <a:off x="2179633" y="4883150"/>
             <a:ext cx="4788535" cy="365760"/>
           </a:xfrm>
           <a:prstGeom prst="rect">
@@ -9857,15 +9955,16 @@
           <a:bodyPr wrap="none" rtlCol="0">
             <a:spAutoFit/>
           </a:bodyPr>
+          <a:lstStyle/>
           <a:p>
             <a:pPr algn="l"/>
             <a:r>
-              <a:rPr lang="x-none">
+              <a:rPr lang="x-none" dirty="0">
                 <a:sym typeface="+mn-ea"/>
               </a:rPr>
               <a:t>Demonstração da técnica de double buffering</a:t>
             </a:r>
-            <a:endParaRPr lang="pt-BR" altLang="en-US"/>
+            <a:endParaRPr lang="pt-BR" altLang="en-US" dirty="0"/>
           </a:p>
         </p:txBody>
       </p:sp>
@@ -9886,11 +9985,20 @@
         <p:cNvGrpSpPr/>
         <p:nvPr/>
       </p:nvGrpSpPr>
-      <p:grpSpPr/>
+      <p:grpSpPr>
+        <a:xfrm>
+          <a:off x="0" y="0"/>
+          <a:ext cx="0" cy="0"/>
+          <a:chOff x="0" y="0"/>
+          <a:chExt cx="0" cy="0"/>
+        </a:xfrm>
+      </p:grpSpPr>
       <p:sp>
         <p:nvSpPr>
           <p:cNvPr id="5122" name="Rectangle 5"/>
-          <p:cNvSpPr/>
+          <p:cNvSpPr>
+            <a:spLocks noGrp="1"/>
+          </p:cNvSpPr>
           <p:nvPr>
             <p:ph type="title"/>
           </p:nvPr>
@@ -9898,6 +10006,7 @@
         <p:spPr/>
         <p:txBody>
           <a:bodyPr vert="horz" wrap="square" lIns="0" tIns="0" rIns="0" bIns="0" anchor="b"/>
+          <a:lstStyle/>
           <a:p>
             <a:pPr lvl="0" eaLnBrk="1" hangingPunct="1"/>
             <a:r>
@@ -9916,102 +10025,18 @@
       </p:sp>
       <p:sp>
         <p:nvSpPr>
-          <p:cNvPr id="3" name="Slide Number Placeholder 2"/>
-          <p:cNvSpPr>
-            <a:spLocks noGrp="1"/>
-          </p:cNvSpPr>
-          <p:nvPr>
-            <p:ph type="sldNum" sz="quarter" idx="12"/>
-          </p:nvPr>
-        </p:nvSpPr>
-        <p:spPr>
-          <a:xfrm>
-            <a:off x="6913880" y="6298565"/>
-            <a:ext cx="2106295" cy="476250"/>
-          </a:xfrm>
-        </p:spPr>
-        <p:txBody>
-          <a:bodyPr/>
-          <a:p>
-            <a:pPr lvl="0" eaLnBrk="1" hangingPunct="1"/>
-            <a:fld id="{9A0DB2DC-4C9A-4742-B13C-FB6460FD3503}" type="slidenum">
-              <a:rPr lang="zh-CN" altLang="en-US" sz="2400" dirty="0"/>
-            </a:fld>
-            <a:endParaRPr lang="zh-CN" altLang="en-US" sz="2400" dirty="0"/>
-          </a:p>
-        </p:txBody>
-      </p:sp>
-      <p:sp>
-        <p:nvSpPr>
-          <p:cNvPr id="5" name="Date Placeholder 4"/>
-          <p:cNvSpPr>
-            <a:spLocks noGrp="1"/>
-          </p:cNvSpPr>
-          <p:nvPr>
-            <p:ph type="dt" sz="half" idx="10"/>
-          </p:nvPr>
-        </p:nvSpPr>
-        <p:spPr/>
-        <p:txBody>
-          <a:bodyPr/>
-          <a:p>
-            <a:pPr lvl="0" eaLnBrk="1" hangingPunct="1"/>
-            <a:r>
-              <a:rPr lang="en-US" altLang="en-US" dirty="0"/>
-              <a:t>5/6/2017</a:t>
-            </a:r>
-            <a:endParaRPr lang="zh-CN" altLang="en-US" dirty="0"/>
-          </a:p>
-        </p:txBody>
-      </p:sp>
-      <p:sp>
-        <p:nvSpPr>
-          <p:cNvPr id="2" name="Footer Placeholder 1"/>
-          <p:cNvSpPr>
-            <a:spLocks noGrp="1"/>
-          </p:cNvSpPr>
-          <p:nvPr>
-            <p:ph type="ftr" sz="quarter" idx="11"/>
-          </p:nvPr>
-        </p:nvSpPr>
-        <p:spPr>
-          <a:xfrm>
-            <a:off x="2500630" y="6357620"/>
-            <a:ext cx="4140200" cy="365125"/>
-          </a:xfrm>
-        </p:spPr>
-        <p:txBody>
-          <a:bodyPr/>
-          <a:p>
-            <a:pPr lvl="0" eaLnBrk="1" hangingPunct="1"/>
-            <a:r>
-              <a:rPr lang="zh-CN" altLang="en-US" dirty="0"/>
-              <a:t>Seminário de [EC 009] - Sistemas Operacionáis</a:t>
-            </a:r>
-            <a:br>
-              <a:rPr lang="zh-CN" altLang="en-US" dirty="0"/>
-            </a:br>
-            <a:r>
-              <a:rPr lang="x-none" altLang="zh-CN" dirty="0"/>
-              <a:t>Institúto Nascional de Telecomunicações</a:t>
-            </a:r>
-            <a:endParaRPr lang="x-none" altLang="zh-CN" dirty="0"/>
-          </a:p>
-        </p:txBody>
-      </p:sp>
-      <p:sp>
-        <p:nvSpPr>
           <p:cNvPr id="6" name="Rectangle 6"/>
           <p:cNvSpPr>
             <a:spLocks noGrp="1"/>
           </p:cNvSpPr>
           <p:nvPr>
-            <p:ph type="body"/>
+            <p:ph idx="1"/>
           </p:nvPr>
         </p:nvSpPr>
         <p:spPr/>
         <p:txBody>
           <a:bodyPr vert="horz" wrap="square" anchor="t"/>
+          <a:lstStyle/>
           <a:p>
             <a:pPr lvl="0" eaLnBrk="1" hangingPunct="1"/>
             <a:r>
@@ -10020,9 +10045,6 @@
               </a:rPr>
               <a:t>Bootloader:</a:t>
             </a:r>
-            <a:endParaRPr lang="x-none" sz="2200" b="1">
-              <a:sym typeface="+mn-ea"/>
-            </a:endParaRPr>
           </a:p>
           <a:p>
             <a:pPr marL="800100" lvl="1" indent="-342900" algn="l" eaLnBrk="1" hangingPunct="1">
@@ -10046,7 +10068,6 @@
               <a:rPr lang="x-none" sz="2100"/>
               <a:t>(Grand Unified Bootloader) - Bootloader padrão na maioria dos sistemas operacionais;</a:t>
             </a:r>
-            <a:endParaRPr lang="x-none" sz="2100"/>
           </a:p>
           <a:p>
             <a:pPr lvl="0" eaLnBrk="1" hangingPunct="1"/>
@@ -10063,16 +10084,7 @@
                 </a:solidFill>
                 <a:sym typeface="+mn-ea"/>
               </a:rPr>
-              <a:t>InitRD - Initial Ram Disk</a:t>
-            </a:r>
-            <a:r>
-              <a:rPr lang="x-none" sz="2200" b="1">
-                <a:solidFill>
-                  <a:srgbClr val="4061AA"/>
-                </a:solidFill>
-                <a:sym typeface="+mn-ea"/>
-              </a:rPr>
-              <a:t>)</a:t>
+              <a:t>InitRD - Initial Ram Disk)</a:t>
             </a:r>
             <a:r>
               <a:rPr lang="x-none" sz="2200" b="1">
@@ -10080,9 +10092,6 @@
               </a:rPr>
               <a:t>:</a:t>
             </a:r>
-            <a:endParaRPr lang="x-none" sz="2200" b="1">
-              <a:sym typeface="+mn-ea"/>
-            </a:endParaRPr>
           </a:p>
           <a:p>
             <a:pPr marL="800100" lvl="1" indent="-342900" algn="l" eaLnBrk="1" hangingPunct="1">
@@ -10107,12 +10116,6 @@
               </a:rPr>
               <a:t>Um pequeno Sistema de Arquivos é carregado na RAM, com os drivers necessários para o sistema;</a:t>
             </a:r>
-            <a:endParaRPr lang="x-none" sz="2100">
-              <a:solidFill>
-                <a:srgbClr val="7D7D7D"/>
-              </a:solidFill>
-              <a:sym typeface="+mn-ea"/>
-            </a:endParaRPr>
           </a:p>
           <a:p>
             <a:pPr marL="457200" lvl="1" indent="0" eaLnBrk="1" hangingPunct="1">
@@ -10137,6 +10140,84 @@
           </a:p>
         </p:txBody>
       </p:sp>
+      <p:sp>
+        <p:nvSpPr>
+          <p:cNvPr id="5" name="Date Placeholder 4"/>
+          <p:cNvSpPr>
+            <a:spLocks noGrp="1"/>
+          </p:cNvSpPr>
+          <p:nvPr>
+            <p:ph type="dt" sz="half" idx="10"/>
+          </p:nvPr>
+        </p:nvSpPr>
+        <p:spPr/>
+        <p:txBody>
+          <a:bodyPr/>
+          <a:lstStyle/>
+          <a:p>
+            <a:pPr lvl="0" eaLnBrk="1" hangingPunct="1"/>
+            <a:r>
+              <a:rPr lang="en-US" altLang="en-US" dirty="0"/>
+              <a:t>5/6/2017</a:t>
+            </a:r>
+            <a:endParaRPr lang="zh-CN" altLang="en-US" dirty="0"/>
+          </a:p>
+        </p:txBody>
+      </p:sp>
+      <p:sp>
+        <p:nvSpPr>
+          <p:cNvPr id="2" name="Footer Placeholder 1"/>
+          <p:cNvSpPr>
+            <a:spLocks noGrp="1"/>
+          </p:cNvSpPr>
+          <p:nvPr>
+            <p:ph type="ftr" sz="quarter" idx="11"/>
+          </p:nvPr>
+        </p:nvSpPr>
+        <p:spPr/>
+        <p:txBody>
+          <a:bodyPr/>
+          <a:lstStyle/>
+          <a:p>
+            <a:pPr lvl="0" eaLnBrk="1" hangingPunct="1"/>
+            <a:r>
+              <a:rPr lang="zh-CN" altLang="en-US" dirty="0"/>
+              <a:t>Seminário de [EC 009] - Sistemas Operacionáis</a:t>
+            </a:r>
+            <a:br>
+              <a:rPr lang="zh-CN" altLang="en-US" dirty="0"/>
+            </a:br>
+            <a:r>
+              <a:rPr lang="x-none" altLang="zh-CN" dirty="0"/>
+              <a:t>Institúto Nascional de Telecomunicações</a:t>
+            </a:r>
+          </a:p>
+        </p:txBody>
+      </p:sp>
+      <p:sp>
+        <p:nvSpPr>
+          <p:cNvPr id="3" name="Slide Number Placeholder 2"/>
+          <p:cNvSpPr>
+            <a:spLocks noGrp="1"/>
+          </p:cNvSpPr>
+          <p:nvPr>
+            <p:ph type="sldNum" sz="quarter" idx="12"/>
+          </p:nvPr>
+        </p:nvSpPr>
+        <p:spPr/>
+        <p:txBody>
+          <a:bodyPr/>
+          <a:lstStyle/>
+          <a:p>
+            <a:pPr lvl="0" eaLnBrk="1" hangingPunct="1"/>
+            <a:fld id="{9A0DB2DC-4C9A-4742-B13C-FB6460FD3503}" type="slidenum">
+              <a:rPr lang="zh-CN" altLang="en-US" sz="2400" dirty="0"/>
+              <a:t>13</a:t>
+            </a:fld>
+            <a:endParaRPr lang="zh-CN" altLang="en-US" sz="2400" dirty="0"/>
+          </a:p>
+        </p:txBody>
+      </p:sp>
       <p:pic>
         <p:nvPicPr>
           <p:cNvPr id="7" name="Imagem 6" descr="InitRD"/>
@@ -10146,7 +10227,7 @@
           <p:nvPr/>
         </p:nvPicPr>
         <p:blipFill>
-          <a:blip r:embed="rId1"/>
+          <a:blip r:embed="rId3"/>
           <a:stretch>
             <a:fillRect/>
           </a:stretch>
@@ -10181,12 +10262,12 @@
           <a:bodyPr wrap="none" rtlCol="0">
             <a:spAutoFit/>
           </a:bodyPr>
+          <a:lstStyle/>
           <a:p>
             <a:r>
               <a:rPr lang="x-none" altLang="pt-BR"/>
               <a:t>Diagrama de Inicialização do sitema</a:t>
             </a:r>
-            <a:endParaRPr lang="x-none" altLang="pt-BR"/>
           </a:p>
         </p:txBody>
       </p:sp>
@@ -10243,6 +10324,7 @@
           <a:bodyPr wrap="none" rtlCol="0">
             <a:spAutoFit/>
           </a:bodyPr>
+          <a:lstStyle/>
           <a:p>
             <a:r>
               <a:rPr lang="x-none" altLang="pt-BR">
@@ -10252,11 +10334,6 @@
               </a:rPr>
               <a:t>Tempo</a:t>
             </a:r>
-            <a:endParaRPr lang="x-none" altLang="pt-BR">
-              <a:solidFill>
-                <a:srgbClr val="000000"/>
-              </a:solidFill>
-            </a:endParaRPr>
           </a:p>
         </p:txBody>
       </p:sp>
@@ -10277,11 +10354,20 @@
         <p:cNvGrpSpPr/>
         <p:nvPr/>
       </p:nvGrpSpPr>
-      <p:grpSpPr/>
+      <p:grpSpPr>
+        <a:xfrm>
+          <a:off x="0" y="0"/>
+          <a:ext cx="0" cy="0"/>
+          <a:chOff x="0" y="0"/>
+          <a:chExt cx="0" cy="0"/>
+        </a:xfrm>
+      </p:grpSpPr>
       <p:sp>
         <p:nvSpPr>
           <p:cNvPr id="5122" name="Rectangle 5"/>
-          <p:cNvSpPr/>
+          <p:cNvSpPr>
+            <a:spLocks noGrp="1"/>
+          </p:cNvSpPr>
           <p:nvPr>
             <p:ph type="title"/>
           </p:nvPr>
@@ -10289,6 +10375,7 @@
         <p:spPr/>
         <p:txBody>
           <a:bodyPr vert="horz" wrap="square" lIns="0" tIns="0" rIns="0" bIns="0" anchor="b"/>
+          <a:lstStyle/>
           <a:p>
             <a:pPr lvl="0" eaLnBrk="1" hangingPunct="1"/>
             <a:r>
@@ -10307,102 +10394,18 @@
       </p:sp>
       <p:sp>
         <p:nvSpPr>
-          <p:cNvPr id="3" name="Slide Number Placeholder 2"/>
-          <p:cNvSpPr>
-            <a:spLocks noGrp="1"/>
-          </p:cNvSpPr>
-          <p:nvPr>
-            <p:ph type="sldNum" sz="quarter" idx="12"/>
-          </p:nvPr>
-        </p:nvSpPr>
-        <p:spPr>
-          <a:xfrm>
-            <a:off x="6913880" y="6298565"/>
-            <a:ext cx="2106295" cy="476250"/>
-          </a:xfrm>
-        </p:spPr>
-        <p:txBody>
-          <a:bodyPr/>
-          <a:p>
-            <a:pPr lvl="0" eaLnBrk="1" hangingPunct="1"/>
-            <a:fld id="{9A0DB2DC-4C9A-4742-B13C-FB6460FD3503}" type="slidenum">
-              <a:rPr lang="zh-CN" altLang="en-US" sz="2400" dirty="0"/>
-            </a:fld>
-            <a:endParaRPr lang="zh-CN" altLang="en-US" sz="2400" dirty="0"/>
-          </a:p>
-        </p:txBody>
-      </p:sp>
-      <p:sp>
-        <p:nvSpPr>
-          <p:cNvPr id="5" name="Date Placeholder 4"/>
-          <p:cNvSpPr>
-            <a:spLocks noGrp="1"/>
-          </p:cNvSpPr>
-          <p:nvPr>
-            <p:ph type="dt" sz="half" idx="10"/>
-          </p:nvPr>
-        </p:nvSpPr>
-        <p:spPr/>
-        <p:txBody>
-          <a:bodyPr/>
-          <a:p>
-            <a:pPr lvl="0" eaLnBrk="1" hangingPunct="1"/>
-            <a:r>
-              <a:rPr lang="en-US" altLang="en-US" dirty="0"/>
-              <a:t>5/6/2017</a:t>
-            </a:r>
-            <a:endParaRPr lang="zh-CN" altLang="en-US" dirty="0"/>
-          </a:p>
-        </p:txBody>
-      </p:sp>
-      <p:sp>
-        <p:nvSpPr>
-          <p:cNvPr id="2" name="Footer Placeholder 1"/>
-          <p:cNvSpPr>
-            <a:spLocks noGrp="1"/>
-          </p:cNvSpPr>
-          <p:nvPr>
-            <p:ph type="ftr" sz="quarter" idx="11"/>
-          </p:nvPr>
-        </p:nvSpPr>
-        <p:spPr>
-          <a:xfrm>
-            <a:off x="2500630" y="6357620"/>
-            <a:ext cx="4140200" cy="365125"/>
-          </a:xfrm>
-        </p:spPr>
-        <p:txBody>
-          <a:bodyPr/>
-          <a:p>
-            <a:pPr lvl="0" eaLnBrk="1" hangingPunct="1"/>
-            <a:r>
-              <a:rPr lang="zh-CN" altLang="en-US" dirty="0"/>
-              <a:t>Seminário de [EC 009] - Sistemas Operacionáis</a:t>
-            </a:r>
-            <a:br>
-              <a:rPr lang="zh-CN" altLang="en-US" dirty="0"/>
-            </a:br>
-            <a:r>
-              <a:rPr lang="x-none" altLang="zh-CN" dirty="0"/>
-              <a:t>Institúto Nascional de Telecomunicações</a:t>
-            </a:r>
-            <a:endParaRPr lang="x-none" altLang="zh-CN" dirty="0"/>
-          </a:p>
-        </p:txBody>
-      </p:sp>
-      <p:sp>
-        <p:nvSpPr>
           <p:cNvPr id="6" name="Rectangle 6"/>
           <p:cNvSpPr>
             <a:spLocks noGrp="1"/>
           </p:cNvSpPr>
           <p:nvPr>
-            <p:ph type="body"/>
+            <p:ph idx="1"/>
           </p:nvPr>
         </p:nvSpPr>
         <p:spPr/>
         <p:txBody>
           <a:bodyPr vert="horz" wrap="square" anchor="t"/>
+          <a:lstStyle/>
           <a:p>
             <a:pPr lvl="0" algn="l" eaLnBrk="1" hangingPunct="1"/>
             <a:r>
@@ -10411,9 +10414,6 @@
               </a:rPr>
               <a:t>Os recursos são divididos em "anéis" de proteção:</a:t>
             </a:r>
-            <a:endParaRPr lang="x-none" sz="2200" b="1">
-              <a:sym typeface="+mn-ea"/>
-            </a:endParaRPr>
           </a:p>
           <a:p>
             <a:pPr marL="457200" lvl="1" indent="0" algn="l" eaLnBrk="1" hangingPunct="1">
@@ -10549,32 +10549,8 @@
                 </a:solidFill>
                 <a:sym typeface="+mn-ea"/>
               </a:rPr>
-              <a:t>Usuários diferentes tem acessos a anéis </a:t>
-            </a:r>
-            <a:r>
-              <a:rPr lang="x-none" sz="2100">
-                <a:solidFill>
-                  <a:srgbClr val="7D7D7D"/>
-                </a:solidFill>
-                <a:sym typeface="+mn-ea"/>
-              </a:rPr>
-              <a:t>diferentes</a:t>
-            </a:r>
-            <a:r>
-              <a:rPr lang="x-none" sz="2100">
-                <a:solidFill>
-                  <a:srgbClr val="7D7D7D"/>
-                </a:solidFill>
-                <a:sym typeface="+mn-ea"/>
-              </a:rPr>
-              <a:t>;</a:t>
-            </a:r>
-            <a:endParaRPr lang="x-none" sz="2100">
-              <a:solidFill>
-                <a:srgbClr val="7D7D7D"/>
-              </a:solidFill>
-              <a:sym typeface="+mn-ea"/>
-            </a:endParaRPr>
+              <a:t>Usuários diferentes tem acessos a anéis diferentes;</a:t>
+            </a:r>
           </a:p>
           <a:p>
             <a:pPr marL="800100" lvl="1" indent="-342900" eaLnBrk="1" hangingPunct="1">
@@ -10599,12 +10575,6 @@
               </a:rPr>
               <a:t>Senhas são criptografadas utilizando um hash MD5;</a:t>
             </a:r>
-            <a:endParaRPr lang="x-none" sz="2100">
-              <a:solidFill>
-                <a:srgbClr val="7D7D7D"/>
-              </a:solidFill>
-              <a:sym typeface="+mn-ea"/>
-            </a:endParaRPr>
           </a:p>
           <a:p>
             <a:pPr marL="800100" lvl="1" indent="-342900" algn="l" eaLnBrk="1" hangingPunct="1">
@@ -10629,12 +10599,6 @@
               </a:rPr>
               <a:t>Ao fazer login, a senha digitada é criptografada e comparada com a senha em disco;</a:t>
             </a:r>
-            <a:endParaRPr lang="x-none" sz="2100">
-              <a:solidFill>
-                <a:srgbClr val="7D7D7D"/>
-              </a:solidFill>
-              <a:sym typeface="+mn-ea"/>
-            </a:endParaRPr>
           </a:p>
           <a:p>
             <a:pPr marL="457200" lvl="1" indent="0" algn="l" eaLnBrk="1" hangingPunct="1">
@@ -10659,6 +10623,84 @@
           </a:p>
         </p:txBody>
       </p:sp>
+      <p:sp>
+        <p:nvSpPr>
+          <p:cNvPr id="5" name="Date Placeholder 4"/>
+          <p:cNvSpPr>
+            <a:spLocks noGrp="1"/>
+          </p:cNvSpPr>
+          <p:nvPr>
+            <p:ph type="dt" sz="half" idx="10"/>
+          </p:nvPr>
+        </p:nvSpPr>
+        <p:spPr/>
+        <p:txBody>
+          <a:bodyPr/>
+          <a:lstStyle/>
+          <a:p>
+            <a:pPr lvl="0" eaLnBrk="1" hangingPunct="1"/>
+            <a:r>
+              <a:rPr lang="en-US" altLang="en-US" dirty="0"/>
+              <a:t>5/6/2017</a:t>
+            </a:r>
+            <a:endParaRPr lang="zh-CN" altLang="en-US" dirty="0"/>
+          </a:p>
+        </p:txBody>
+      </p:sp>
+      <p:sp>
+        <p:nvSpPr>
+          <p:cNvPr id="2" name="Footer Placeholder 1"/>
+          <p:cNvSpPr>
+            <a:spLocks noGrp="1"/>
+          </p:cNvSpPr>
+          <p:nvPr>
+            <p:ph type="ftr" sz="quarter" idx="11"/>
+          </p:nvPr>
+        </p:nvSpPr>
+        <p:spPr/>
+        <p:txBody>
+          <a:bodyPr/>
+          <a:lstStyle/>
+          <a:p>
+            <a:pPr lvl="0" eaLnBrk="1" hangingPunct="1"/>
+            <a:r>
+              <a:rPr lang="zh-CN" altLang="en-US" dirty="0"/>
+              <a:t>Seminário de [EC 009] - Sistemas Operacionáis</a:t>
+            </a:r>
+            <a:br>
+              <a:rPr lang="zh-CN" altLang="en-US" dirty="0"/>
+            </a:br>
+            <a:r>
+              <a:rPr lang="x-none" altLang="zh-CN" dirty="0"/>
+              <a:t>Institúto Nascional de Telecomunicações</a:t>
+            </a:r>
+          </a:p>
+        </p:txBody>
+      </p:sp>
+      <p:sp>
+        <p:nvSpPr>
+          <p:cNvPr id="3" name="Slide Number Placeholder 2"/>
+          <p:cNvSpPr>
+            <a:spLocks noGrp="1"/>
+          </p:cNvSpPr>
+          <p:nvPr>
+            <p:ph type="sldNum" sz="quarter" idx="12"/>
+          </p:nvPr>
+        </p:nvSpPr>
+        <p:spPr/>
+        <p:txBody>
+          <a:bodyPr/>
+          <a:lstStyle/>
+          <a:p>
+            <a:pPr lvl="0" eaLnBrk="1" hangingPunct="1"/>
+            <a:fld id="{9A0DB2DC-4C9A-4742-B13C-FB6460FD3503}" type="slidenum">
+              <a:rPr lang="zh-CN" altLang="en-US" sz="2400" dirty="0"/>
+              <a:t>14</a:t>
+            </a:fld>
+            <a:endParaRPr lang="zh-CN" altLang="en-US" sz="2400" dirty="0"/>
+          </a:p>
+        </p:txBody>
+      </p:sp>
       <p:pic>
         <p:nvPicPr>
           <p:cNvPr id="4" name="Imagem 3" descr="Seg_rings.svg"/>
@@ -10668,7 +10710,7 @@
           <p:nvPr/>
         </p:nvPicPr>
         <p:blipFill>
-          <a:blip r:embed="rId1"/>
+          <a:blip r:embed="rId3"/>
           <a:stretch>
             <a:fillRect/>
           </a:stretch>
@@ -10700,7 +10742,68 @@
         <p:cNvGrpSpPr/>
         <p:nvPr/>
       </p:nvGrpSpPr>
-      <p:grpSpPr/>
+      <p:grpSpPr>
+        <a:xfrm>
+          <a:off x="0" y="0"/>
+          <a:ext cx="0" cy="0"/>
+          <a:chOff x="0" y="0"/>
+          <a:chExt cx="0" cy="0"/>
+        </a:xfrm>
+      </p:grpSpPr>
+      <p:sp>
+        <p:nvSpPr>
+          <p:cNvPr id="5" name="Date Placeholder 4"/>
+          <p:cNvSpPr>
+            <a:spLocks noGrp="1"/>
+          </p:cNvSpPr>
+          <p:nvPr>
+            <p:ph type="dt" sz="half" idx="10"/>
+          </p:nvPr>
+        </p:nvSpPr>
+        <p:spPr/>
+        <p:txBody>
+          <a:bodyPr/>
+          <a:lstStyle/>
+          <a:p>
+            <a:pPr lvl="0" eaLnBrk="1" hangingPunct="1"/>
+            <a:r>
+              <a:rPr lang="en-US" altLang="en-US" dirty="0"/>
+              <a:t>5/6/2017</a:t>
+            </a:r>
+            <a:endParaRPr lang="zh-CN" altLang="en-US" dirty="0"/>
+          </a:p>
+        </p:txBody>
+      </p:sp>
+      <p:sp>
+        <p:nvSpPr>
+          <p:cNvPr id="2" name="Footer Placeholder 1"/>
+          <p:cNvSpPr>
+            <a:spLocks noGrp="1"/>
+          </p:cNvSpPr>
+          <p:nvPr>
+            <p:ph type="ftr" sz="quarter" idx="11"/>
+          </p:nvPr>
+        </p:nvSpPr>
+        <p:spPr/>
+        <p:txBody>
+          <a:bodyPr/>
+          <a:lstStyle/>
+          <a:p>
+            <a:pPr lvl="0" eaLnBrk="1" hangingPunct="1"/>
+            <a:r>
+              <a:rPr lang="zh-CN" altLang="en-US" dirty="0"/>
+              <a:t>Seminário de [EC 009] - Sistemas Operacionáis</a:t>
+            </a:r>
+            <a:br>
+              <a:rPr lang="zh-CN" altLang="en-US" dirty="0"/>
+            </a:br>
+            <a:r>
+              <a:rPr lang="x-none" altLang="zh-CN" dirty="0"/>
+              <a:t>Institúto Nascional de Telecomunicações</a:t>
+            </a:r>
+          </a:p>
+        </p:txBody>
+      </p:sp>
       <p:sp>
         <p:nvSpPr>
           <p:cNvPr id="3" name="Slide Number Placeholder 2"/>
@@ -10711,78 +10814,17 @@
             <p:ph type="sldNum" sz="quarter" idx="12"/>
           </p:nvPr>
         </p:nvSpPr>
-        <p:spPr>
-          <a:xfrm>
-            <a:off x="6913880" y="6298565"/>
-            <a:ext cx="2106295" cy="476250"/>
-          </a:xfrm>
-        </p:spPr>
-        <p:txBody>
-          <a:bodyPr/>
+        <p:spPr/>
+        <p:txBody>
+          <a:bodyPr/>
+          <a:lstStyle/>
           <a:p>
             <a:pPr lvl="0" eaLnBrk="1" hangingPunct="1"/>
             <a:fld id="{9A0DB2DC-4C9A-4742-B13C-FB6460FD3503}" type="slidenum">
               <a:rPr lang="zh-CN" altLang="en-US" sz="2400" dirty="0"/>
+              <a:t>15</a:t>
             </a:fld>
             <a:endParaRPr lang="zh-CN" altLang="en-US" sz="2400" dirty="0"/>
-          </a:p>
-        </p:txBody>
-      </p:sp>
-      <p:sp>
-        <p:nvSpPr>
-          <p:cNvPr id="5" name="Date Placeholder 4"/>
-          <p:cNvSpPr>
-            <a:spLocks noGrp="1"/>
-          </p:cNvSpPr>
-          <p:nvPr>
-            <p:ph type="dt" sz="half" idx="10"/>
-          </p:nvPr>
-        </p:nvSpPr>
-        <p:spPr/>
-        <p:txBody>
-          <a:bodyPr/>
-          <a:p>
-            <a:pPr lvl="0" eaLnBrk="1" hangingPunct="1"/>
-            <a:r>
-              <a:rPr lang="en-US" altLang="en-US" dirty="0"/>
-              <a:t>5/6/2017</a:t>
-            </a:r>
-            <a:endParaRPr lang="zh-CN" altLang="en-US" dirty="0"/>
-          </a:p>
-        </p:txBody>
-      </p:sp>
-      <p:sp>
-        <p:nvSpPr>
-          <p:cNvPr id="2" name="Footer Placeholder 1"/>
-          <p:cNvSpPr>
-            <a:spLocks noGrp="1"/>
-          </p:cNvSpPr>
-          <p:nvPr>
-            <p:ph type="ftr" sz="quarter" idx="11"/>
-          </p:nvPr>
-        </p:nvSpPr>
-        <p:spPr>
-          <a:xfrm>
-            <a:off x="2500630" y="6357620"/>
-            <a:ext cx="4140200" cy="365125"/>
-          </a:xfrm>
-        </p:spPr>
-        <p:txBody>
-          <a:bodyPr/>
-          <a:p>
-            <a:pPr lvl="0" eaLnBrk="1" hangingPunct="1"/>
-            <a:r>
-              <a:rPr lang="zh-CN" altLang="en-US" dirty="0"/>
-              <a:t>Seminário de [EC 009] - Sistemas Operacionáis</a:t>
-            </a:r>
-            <a:br>
-              <a:rPr lang="zh-CN" altLang="en-US" dirty="0"/>
-            </a:br>
-            <a:r>
-              <a:rPr lang="x-none" altLang="zh-CN" dirty="0"/>
-              <a:t>Institúto Nascional de Telecomunicações</a:t>
-            </a:r>
-            <a:endParaRPr lang="x-none" altLang="zh-CN" dirty="0"/>
           </a:p>
         </p:txBody>
       </p:sp>
@@ -10795,7 +10837,7 @@
           <p:nvPr/>
         </p:nvPicPr>
         <p:blipFill>
-          <a:blip r:embed="rId1"/>
+          <a:blip r:embed="rId3"/>
           <a:stretch>
             <a:fillRect/>
           </a:stretch>
@@ -10827,7 +10869,14 @@
         <p:cNvGrpSpPr/>
         <p:nvPr/>
       </p:nvGrpSpPr>
-      <p:grpSpPr/>
+      <p:grpSpPr>
+        <a:xfrm>
+          <a:off x="0" y="0"/>
+          <a:ext cx="0" cy="0"/>
+          <a:chOff x="0" y="0"/>
+          <a:chExt cx="0" cy="0"/>
+        </a:xfrm>
+      </p:grpSpPr>
       <p:sp>
         <p:nvSpPr>
           <p:cNvPr id="6" name="Title 5"/>
@@ -10841,12 +10890,12 @@
         <p:spPr/>
         <p:txBody>
           <a:bodyPr/>
+          <a:lstStyle/>
           <a:p>
             <a:r>
               <a:rPr lang="x-none" altLang="pt-BR"/>
               <a:t>Obrigado!</a:t>
             </a:r>
-            <a:endParaRPr lang="x-none" altLang="pt-BR"/>
           </a:p>
         </p:txBody>
       </p:sp>
@@ -10863,12 +10912,12 @@
         <p:spPr/>
         <p:txBody>
           <a:bodyPr/>
+          <a:lstStyle/>
           <a:p>
             <a:r>
               <a:rPr lang="x-none" altLang="pt-BR"/>
               <a:t>ну почему ты такой тупой Андрюха?</a:t>
             </a:r>
-            <a:endParaRPr lang="x-none" altLang="pt-BR"/>
           </a:p>
         </p:txBody>
       </p:sp>
@@ -10885,10 +10934,12 @@
         <p:spPr/>
         <p:txBody>
           <a:bodyPr/>
+          <a:lstStyle/>
           <a:p>
             <a:pPr lvl="0" eaLnBrk="1" hangingPunct="1"/>
             <a:fld id="{9A0DB2DC-4C9A-4742-B13C-FB6460FD3503}" type="slidenum">
               <a:rPr lang="zh-CN" altLang="en-US" sz="2400" dirty="0"/>
+              <a:t>16</a:t>
             </a:fld>
             <a:endParaRPr lang="zh-CN" altLang="en-US" sz="2400" dirty="0"/>
           </a:p>
@@ -10907,6 +10958,7 @@
         <p:spPr/>
         <p:txBody>
           <a:bodyPr/>
+          <a:lstStyle/>
           <a:p>
             <a:pPr lvl="0" eaLnBrk="1" hangingPunct="1"/>
             <a:r>
@@ -10935,6 +10987,7 @@
         </p:spPr>
         <p:txBody>
           <a:bodyPr/>
+          <a:lstStyle/>
           <a:p>
             <a:pPr lvl="0" eaLnBrk="1" hangingPunct="1"/>
             <a:r>
@@ -10948,7 +11001,6 @@
               <a:rPr lang="x-none" altLang="zh-CN" dirty="0"/>
               <a:t>Institúto Nascional de Telecomunicações</a:t>
             </a:r>
-            <a:endParaRPr lang="x-none" altLang="zh-CN" dirty="0"/>
           </a:p>
         </p:txBody>
       </p:sp>
@@ -10969,11 +11021,20 @@
         <p:cNvGrpSpPr/>
         <p:nvPr/>
       </p:nvGrpSpPr>
-      <p:grpSpPr/>
+      <p:grpSpPr>
+        <a:xfrm>
+          <a:off x="0" y="0"/>
+          <a:ext cx="0" cy="0"/>
+          <a:chOff x="0" y="0"/>
+          <a:chExt cx="0" cy="0"/>
+        </a:xfrm>
+      </p:grpSpPr>
       <p:sp>
         <p:nvSpPr>
           <p:cNvPr id="5122" name="Rectangle 5"/>
-          <p:cNvSpPr/>
+          <p:cNvSpPr>
+            <a:spLocks noGrp="1"/>
+          </p:cNvSpPr>
           <p:nvPr>
             <p:ph type="title"/>
           </p:nvPr>
@@ -10981,13 +11042,13 @@
         <p:spPr/>
         <p:txBody>
           <a:bodyPr vert="horz" wrap="square" lIns="0" tIns="0" rIns="0" bIns="0" anchor="b"/>
+          <a:lstStyle/>
           <a:p>
             <a:pPr lvl="0" eaLnBrk="1" hangingPunct="1"/>
             <a:r>
               <a:rPr lang="x-none" altLang="zh-CN" dirty="0"/>
               <a:t>RTOS - Definição</a:t>
             </a:r>
-            <a:endParaRPr lang="x-none" altLang="zh-CN" dirty="0"/>
           </a:p>
         </p:txBody>
       </p:sp>
@@ -10998,63 +11059,87 @@
             <a:spLocks noGrp="1"/>
           </p:cNvSpPr>
           <p:nvPr>
-            <p:ph type="body"/>
+            <p:ph idx="1"/>
           </p:nvPr>
         </p:nvSpPr>
         <p:spPr/>
         <p:txBody>
           <a:bodyPr vert="horz" wrap="square" anchor="t"/>
+          <a:lstStyle/>
           <a:p>
             <a:pPr lvl="0" algn="l" eaLnBrk="1" hangingPunct="1"/>
             <a:r>
-              <a:rPr sz="2200" b="1"/>
-              <a:t>Sistema Operacional de Tempo Real</a:t>
-            </a:r>
-            <a:r>
-              <a:rPr sz="2200"/>
-              <a:t>, ou </a:t>
-            </a:r>
-            <a:r>
-              <a:rPr sz="2200" b="1"/>
+              <a:rPr sz="2200" b="1" dirty="0"/>
+              <a:t>Sistema </a:t>
+            </a:r>
+            <a:r>
+              <a:rPr sz="2200" b="1" dirty="0" err="1"/>
+              <a:t>Operacional</a:t>
+            </a:r>
+            <a:r>
+              <a:rPr sz="2200" b="1" dirty="0"/>
+              <a:t> de Tempo Real</a:t>
+            </a:r>
+            <a:r>
+              <a:rPr sz="2200" dirty="0"/>
+              <a:t>, </a:t>
+            </a:r>
+            <a:r>
+              <a:rPr sz="2200" dirty="0" err="1"/>
+              <a:t>ou</a:t>
+            </a:r>
+            <a:r>
+              <a:rPr sz="2200" dirty="0"/>
+              <a:t> </a:t>
+            </a:r>
+            <a:r>
+              <a:rPr sz="2200" b="1" dirty="0"/>
               <a:t>RTOS</a:t>
             </a:r>
             <a:r>
-              <a:rPr sz="2200"/>
+              <a:rPr sz="2200" dirty="0"/>
               <a:t> (</a:t>
             </a:r>
             <a:r>
-              <a:rPr sz="2200" i="1"/>
-              <a:t>Real Time Operatin</a:t>
-            </a:r>
-            <a:r>
-              <a:rPr lang="x-none" sz="2200" i="1"/>
+              <a:rPr sz="2200" i="1" dirty="0"/>
+              <a:t>Real Time </a:t>
+            </a:r>
+            <a:r>
+              <a:rPr sz="2200" i="1" dirty="0" err="1"/>
+              <a:t>Operatin</a:t>
+            </a:r>
+            <a:r>
+              <a:rPr lang="x-none" sz="2200" i="1" dirty="0"/>
               <a:t>g</a:t>
             </a:r>
             <a:r>
-              <a:rPr sz="2200" i="1"/>
+              <a:rPr sz="2200" i="1" dirty="0"/>
               <a:t> System</a:t>
             </a:r>
             <a:r>
-              <a:rPr sz="2200"/>
+              <a:rPr sz="2200" dirty="0"/>
               <a:t>)</a:t>
             </a:r>
             <a:r>
-              <a:rPr lang="x-none" sz="2200"/>
+              <a:rPr lang="x-none" sz="2200" dirty="0"/>
               <a:t>;</a:t>
             </a:r>
-            <a:endParaRPr sz="1200"/>
+            <a:endParaRPr sz="1200" dirty="0"/>
           </a:p>
           <a:p>
             <a:pPr lvl="0" eaLnBrk="1" hangingPunct="1"/>
             <a:r>
-              <a:rPr sz="2200" b="1"/>
-              <a:t>Definição:</a:t>
-            </a:r>
-            <a:r>
-              <a:rPr sz="2200"/>
+              <a:rPr sz="2200" b="1" dirty="0" err="1"/>
+              <a:t>Definição</a:t>
+            </a:r>
+            <a:r>
+              <a:rPr sz="2200" b="1" dirty="0"/>
+              <a:t>:</a:t>
+            </a:r>
+            <a:r>
+              <a:rPr sz="2200" dirty="0"/>
               <a:t> </a:t>
             </a:r>
-            <a:endParaRPr sz="2200"/>
           </a:p>
           <a:p>
             <a:pPr marL="800100" lvl="1" indent="-342900" eaLnBrk="1" hangingPunct="1">
@@ -11071,7 +11156,7 @@
               <a:buChar char="•"/>
             </a:pPr>
             <a:r>
-              <a:rPr lang="x-none" sz="2100">
+              <a:rPr lang="x-none" sz="2100" dirty="0">
                 <a:solidFill>
                   <a:srgbClr val="7D7D7D"/>
                 </a:solidFill>
@@ -11079,70 +11164,160 @@
               <a:t>RTOS é </a:t>
             </a:r>
             <a:r>
-              <a:rPr sz="2100">
+              <a:rPr sz="2100" dirty="0">
                 <a:solidFill>
                   <a:srgbClr val="7D7D7D"/>
                 </a:solidFill>
               </a:rPr>
-              <a:t>um sistema onde cada operação tem um tempo limite</a:t>
-            </a:r>
-            <a:r>
-              <a:rPr lang="x-none" sz="2100">
+              <a:t>um </a:t>
+            </a:r>
+            <a:r>
+              <a:rPr sz="2100" dirty="0" err="1">
                 <a:solidFill>
                   <a:srgbClr val="7D7D7D"/>
                 </a:solidFill>
               </a:rPr>
-              <a:t>, </a:t>
-            </a:r>
-            <a:r>
-              <a:rPr sz="2100" i="1">
+              <a:t>sistema</a:t>
+            </a:r>
+            <a:r>
+              <a:rPr sz="2100" dirty="0">
                 <a:solidFill>
                   <a:srgbClr val="7D7D7D"/>
                 </a:solidFill>
               </a:rPr>
-              <a:t>deadline</a:t>
-            </a:r>
-            <a:r>
-              <a:rPr lang="x-none" sz="2100">
+              <a:t> </a:t>
+            </a:r>
+            <a:r>
+              <a:rPr sz="2100" dirty="0" err="1">
                 <a:solidFill>
                   <a:srgbClr val="7D7D7D"/>
                 </a:solidFill>
               </a:rPr>
-              <a:t>, </a:t>
-            </a:r>
-            <a:r>
-              <a:rPr sz="2100">
+              <a:t>onde</a:t>
+            </a:r>
+            <a:r>
+              <a:rPr sz="2100" dirty="0">
                 <a:solidFill>
                   <a:srgbClr val="7D7D7D"/>
                 </a:solidFill>
               </a:rPr>
-              <a:t>para acontecer</a:t>
-            </a:r>
-            <a:r>
-              <a:rPr lang="x-none" sz="2100">
+              <a:t> </a:t>
+            </a:r>
+            <a:r>
+              <a:rPr sz="2100" dirty="0" err="1">
                 <a:solidFill>
                   <a:srgbClr val="7D7D7D"/>
                 </a:solidFill>
               </a:rPr>
+              <a:t>cada</a:t>
+            </a:r>
+            <a:r>
+              <a:rPr sz="2100" dirty="0">
+                <a:solidFill>
+                  <a:srgbClr val="7D7D7D"/>
+                </a:solidFill>
+              </a:rPr>
+              <a:t> </a:t>
+            </a:r>
+            <a:r>
+              <a:rPr sz="2100" dirty="0" err="1">
+                <a:solidFill>
+                  <a:srgbClr val="7D7D7D"/>
+                </a:solidFill>
+              </a:rPr>
+              <a:t>operação</a:t>
+            </a:r>
+            <a:r>
+              <a:rPr sz="2100" dirty="0">
+                <a:solidFill>
+                  <a:srgbClr val="7D7D7D"/>
+                </a:solidFill>
+              </a:rPr>
+              <a:t> </a:t>
+            </a:r>
+            <a:r>
+              <a:rPr sz="2100" dirty="0" err="1">
+                <a:solidFill>
+                  <a:srgbClr val="7D7D7D"/>
+                </a:solidFill>
+              </a:rPr>
+              <a:t>tem</a:t>
+            </a:r>
+            <a:r>
+              <a:rPr sz="2100" dirty="0">
+                <a:solidFill>
+                  <a:srgbClr val="7D7D7D"/>
+                </a:solidFill>
+              </a:rPr>
+              <a:t> um tempo </a:t>
+            </a:r>
+            <a:r>
+              <a:rPr sz="2100" dirty="0" err="1">
+                <a:solidFill>
+                  <a:srgbClr val="7D7D7D"/>
+                </a:solidFill>
+              </a:rPr>
+              <a:t>limite</a:t>
+            </a:r>
+            <a:r>
+              <a:rPr lang="x-none" sz="2100" dirty="0">
+                <a:solidFill>
+                  <a:srgbClr val="7D7D7D"/>
+                </a:solidFill>
+              </a:rPr>
+              <a:t>, </a:t>
+            </a:r>
+            <a:r>
+              <a:rPr sz="2100" i="1" dirty="0">
+                <a:solidFill>
+                  <a:srgbClr val="7D7D7D"/>
+                </a:solidFill>
+              </a:rPr>
+              <a:t>deadline</a:t>
+            </a:r>
+            <a:r>
+              <a:rPr lang="x-none" sz="2100" dirty="0">
+                <a:solidFill>
+                  <a:srgbClr val="7D7D7D"/>
+                </a:solidFill>
+              </a:rPr>
+              <a:t>, </a:t>
+            </a:r>
+            <a:r>
+              <a:rPr sz="2100" dirty="0">
+                <a:solidFill>
+                  <a:srgbClr val="7D7D7D"/>
+                </a:solidFill>
+              </a:rPr>
+              <a:t>para </a:t>
+            </a:r>
+            <a:r>
+              <a:rPr sz="2100" dirty="0" err="1">
+                <a:solidFill>
+                  <a:srgbClr val="7D7D7D"/>
+                </a:solidFill>
+              </a:rPr>
+              <a:t>acontecer</a:t>
+            </a:r>
+            <a:r>
+              <a:rPr lang="x-none" sz="2100" dirty="0">
+                <a:solidFill>
+                  <a:srgbClr val="7D7D7D"/>
+                </a:solidFill>
+              </a:rPr>
               <a:t>;</a:t>
             </a:r>
-            <a:endParaRPr lang="x-none" sz="2100">
-              <a:solidFill>
-                <a:srgbClr val="7D7D7D"/>
-              </a:solidFill>
-            </a:endParaRPr>
           </a:p>
           <a:p>
             <a:pPr lvl="0" eaLnBrk="1" hangingPunct="1"/>
             <a:r>
-              <a:rPr lang="x-none" sz="2200" b="1"/>
+              <a:rPr lang="x-none" sz="2200" b="1" dirty="0"/>
               <a:t>Classificação</a:t>
             </a:r>
             <a:r>
-              <a:rPr lang="x-none" sz="2200"/>
+              <a:rPr lang="x-none" sz="2200" dirty="0"/>
               <a:t>: </a:t>
             </a:r>
-            <a:endParaRPr lang="x-none" sz="2200"/>
           </a:p>
           <a:p>
             <a:pPr marL="800100" lvl="1" indent="-342900" eaLnBrk="1" hangingPunct="1">
@@ -11159,10 +11334,9 @@
               <a:buChar char="•"/>
             </a:pPr>
             <a:r>
-              <a:rPr lang="x-none" sz="2100" i="1"/>
+              <a:rPr lang="x-none" sz="2100" i="1" dirty="0"/>
               <a:t>Hard Real Time;</a:t>
             </a:r>
-            <a:endParaRPr lang="x-none" sz="2100" i="1"/>
           </a:p>
           <a:p>
             <a:pPr marL="800100" lvl="1" indent="-342900" eaLnBrk="1" hangingPunct="1">
@@ -11179,10 +11353,63 @@
               <a:buChar char="•"/>
             </a:pPr>
             <a:r>
-              <a:rPr lang="x-none" sz="2100" i="1"/>
+              <a:rPr lang="x-none" sz="2100" i="1" dirty="0"/>
               <a:t>Soft Real Time;</a:t>
             </a:r>
-            <a:endParaRPr lang="x-none" sz="2100" i="1"/>
+          </a:p>
+        </p:txBody>
+      </p:sp>
+      <p:sp>
+        <p:nvSpPr>
+          <p:cNvPr id="2" name="Date Placeholder 1"/>
+          <p:cNvSpPr>
+            <a:spLocks noGrp="1"/>
+          </p:cNvSpPr>
+          <p:nvPr>
+            <p:ph type="dt" sz="half" idx="10"/>
+          </p:nvPr>
+        </p:nvSpPr>
+        <p:spPr/>
+        <p:txBody>
+          <a:bodyPr/>
+          <a:lstStyle/>
+          <a:p>
+            <a:pPr lvl="0" eaLnBrk="1" hangingPunct="1"/>
+            <a:r>
+              <a:rPr lang="en-US" altLang="en-US" dirty="0"/>
+              <a:t>5/6/2017</a:t>
+            </a:r>
+            <a:endParaRPr lang="zh-CN" altLang="en-US" dirty="0"/>
+          </a:p>
+        </p:txBody>
+      </p:sp>
+      <p:sp>
+        <p:nvSpPr>
+          <p:cNvPr id="9" name="Footer Placeholder 8"/>
+          <p:cNvSpPr>
+            <a:spLocks noGrp="1"/>
+          </p:cNvSpPr>
+          <p:nvPr>
+            <p:ph type="ftr" sz="quarter" idx="11"/>
+          </p:nvPr>
+        </p:nvSpPr>
+        <p:spPr/>
+        <p:txBody>
+          <a:bodyPr/>
+          <a:lstStyle/>
+          <a:p>
+            <a:pPr lvl="0" eaLnBrk="1" hangingPunct="1"/>
+            <a:r>
+              <a:rPr lang="zh-CN" altLang="en-US" dirty="0"/>
+              <a:t>Seminário de [EC 009] - Sistemas Operacionáis</a:t>
+            </a:r>
+            <a:br>
+              <a:rPr lang="zh-CN" altLang="en-US" dirty="0"/>
+            </a:br>
+            <a:r>
+              <a:rPr lang="x-none" altLang="zh-CN" dirty="0"/>
+              <a:t>Institúto Nascional de Telecomunicações</a:t>
+            </a:r>
           </a:p>
         </p:txBody>
       </p:sp>
@@ -11196,43 +11423,17 @@
             <p:ph type="sldNum" sz="quarter" idx="12"/>
           </p:nvPr>
         </p:nvSpPr>
-        <p:spPr>
-          <a:xfrm>
-            <a:off x="6913880" y="6298565"/>
-            <a:ext cx="2106295" cy="476250"/>
-          </a:xfrm>
-        </p:spPr>
-        <p:txBody>
-          <a:bodyPr/>
+        <p:spPr/>
+        <p:txBody>
+          <a:bodyPr/>
+          <a:lstStyle/>
           <a:p>
             <a:pPr lvl="0" eaLnBrk="1" hangingPunct="1"/>
             <a:fld id="{9A0DB2DC-4C9A-4742-B13C-FB6460FD3503}" type="slidenum">
               <a:rPr lang="zh-CN" altLang="en-US" sz="2400" dirty="0"/>
+              <a:t>2</a:t>
             </a:fld>
             <a:endParaRPr lang="zh-CN" altLang="en-US" sz="2400" dirty="0"/>
-          </a:p>
-        </p:txBody>
-      </p:sp>
-      <p:sp>
-        <p:nvSpPr>
-          <p:cNvPr id="2" name="Date Placeholder 1"/>
-          <p:cNvSpPr>
-            <a:spLocks noGrp="1"/>
-          </p:cNvSpPr>
-          <p:nvPr>
-            <p:ph type="dt" sz="half" idx="10"/>
-          </p:nvPr>
-        </p:nvSpPr>
-        <p:spPr/>
-        <p:txBody>
-          <a:bodyPr/>
-          <a:p>
-            <a:pPr lvl="0" eaLnBrk="1" hangingPunct="1"/>
-            <a:r>
-              <a:rPr lang="en-US" altLang="en-US" dirty="0"/>
-              <a:t>5/6/2017</a:t>
-            </a:r>
-            <a:endParaRPr lang="zh-CN" altLang="en-US" dirty="0"/>
           </a:p>
         </p:txBody>
       </p:sp>
@@ -11245,7 +11446,7 @@
           <p:nvPr/>
         </p:nvPicPr>
         <p:blipFill>
-          <a:blip r:embed="rId1"/>
+          <a:blip r:embed="rId3"/>
           <a:stretch>
             <a:fillRect/>
           </a:stretch>
@@ -11269,7 +11470,7 @@
           <p:nvPr/>
         </p:nvPicPr>
         <p:blipFill>
-          <a:blip r:embed="rId2"/>
+          <a:blip r:embed="rId4"/>
           <a:stretch>
             <a:fillRect/>
           </a:stretch>
@@ -11293,7 +11494,7 @@
           <p:nvPr/>
         </p:nvPicPr>
         <p:blipFill>
-          <a:blip r:embed="rId3"/>
+          <a:blip r:embed="rId5"/>
           <a:stretch>
             <a:fillRect/>
           </a:stretch>
@@ -11308,41 +11509,6 @@
           </a:prstGeom>
         </p:spPr>
       </p:pic>
-      <p:sp>
-        <p:nvSpPr>
-          <p:cNvPr id="9" name="Footer Placeholder 8"/>
-          <p:cNvSpPr>
-            <a:spLocks noGrp="1"/>
-          </p:cNvSpPr>
-          <p:nvPr>
-            <p:ph type="ftr" sz="quarter" idx="11"/>
-          </p:nvPr>
-        </p:nvSpPr>
-        <p:spPr>
-          <a:xfrm>
-            <a:off x="2500630" y="6357620"/>
-            <a:ext cx="4140200" cy="365125"/>
-          </a:xfrm>
-        </p:spPr>
-        <p:txBody>
-          <a:bodyPr/>
-          <a:p>
-            <a:pPr lvl="0" eaLnBrk="1" hangingPunct="1"/>
-            <a:r>
-              <a:rPr lang="zh-CN" altLang="en-US" dirty="0"/>
-              <a:t>Seminário de [EC 009] - Sistemas Operacionáis</a:t>
-            </a:r>
-            <a:br>
-              <a:rPr lang="zh-CN" altLang="en-US" dirty="0"/>
-            </a:br>
-            <a:r>
-              <a:rPr lang="x-none" altLang="zh-CN" dirty="0"/>
-              <a:t>Institúto Nascional de Telecomunicações</a:t>
-            </a:r>
-            <a:endParaRPr lang="x-none" altLang="zh-CN" dirty="0"/>
-          </a:p>
-        </p:txBody>
-      </p:sp>
     </p:spTree>
   </p:cSld>
   <p:clrMapOvr>
@@ -11360,11 +11526,20 @@
         <p:cNvGrpSpPr/>
         <p:nvPr/>
       </p:nvGrpSpPr>
-      <p:grpSpPr/>
+      <p:grpSpPr>
+        <a:xfrm>
+          <a:off x="0" y="0"/>
+          <a:ext cx="0" cy="0"/>
+          <a:chOff x="0" y="0"/>
+          <a:chExt cx="0" cy="0"/>
+        </a:xfrm>
+      </p:grpSpPr>
       <p:sp>
         <p:nvSpPr>
           <p:cNvPr id="5122" name="Rectangle 5"/>
-          <p:cNvSpPr/>
+          <p:cNvSpPr>
+            <a:spLocks noGrp="1"/>
+          </p:cNvSpPr>
           <p:nvPr>
             <p:ph type="title"/>
           </p:nvPr>
@@ -11372,13 +11547,13 @@
         <p:spPr/>
         <p:txBody>
           <a:bodyPr vert="horz" wrap="square" lIns="0" tIns="0" rIns="0" bIns="0" anchor="b"/>
+          <a:lstStyle/>
           <a:p>
             <a:pPr lvl="0" eaLnBrk="1" hangingPunct="1"/>
             <a:r>
               <a:rPr lang="x-none" altLang="zh-CN" dirty="0"/>
               <a:t>RTOS - Classificações</a:t>
             </a:r>
-            <a:endParaRPr lang="x-none" altLang="zh-CN" dirty="0"/>
           </a:p>
         </p:txBody>
       </p:sp>
@@ -11389,19 +11564,19 @@
             <a:spLocks noGrp="1"/>
           </p:cNvSpPr>
           <p:nvPr>
-            <p:ph type="body"/>
+            <p:ph idx="1"/>
           </p:nvPr>
         </p:nvSpPr>
         <p:spPr/>
         <p:txBody>
           <a:bodyPr vert="horz" wrap="square" anchor="t"/>
+          <a:lstStyle/>
           <a:p>
             <a:pPr lvl="0" eaLnBrk="1" hangingPunct="1"/>
             <a:r>
-              <a:rPr lang="x-none" sz="2400" b="1"/>
+              <a:rPr lang="x-none" sz="2400" b="1" dirty="0"/>
               <a:t>Hard Real Time:</a:t>
             </a:r>
-            <a:endParaRPr lang="x-none" sz="2400" b="1"/>
           </a:p>
           <a:p>
             <a:pPr marL="742950" lvl="2" indent="-285750" algn="l" eaLnBrk="1" hangingPunct="1">
@@ -11415,18 +11590,13 @@
               <a:buChar char="•"/>
             </a:pPr>
             <a:r>
-              <a:rPr lang="x-none" sz="2000">
+              <a:rPr lang="x-none" sz="2000" dirty="0">
                 <a:solidFill>
                   <a:srgbClr val="7D7D7D"/>
                 </a:solidFill>
               </a:rPr>
               <a:t>Também conhecido como Tempo Real Rígido;</a:t>
             </a:r>
-            <a:endParaRPr lang="x-none" sz="2000">
-              <a:solidFill>
-                <a:srgbClr val="7D7D7D"/>
-              </a:solidFill>
-            </a:endParaRPr>
           </a:p>
           <a:p>
             <a:pPr marL="742950" lvl="2" indent="-285750" algn="l" eaLnBrk="1" hangingPunct="1">
@@ -11440,7 +11610,7 @@
               <a:buChar char="•"/>
             </a:pPr>
             <a:r>
-              <a:rPr lang="x-none" sz="2000">
+              <a:rPr lang="x-none" sz="2000" dirty="0">
                 <a:solidFill>
                   <a:srgbClr val="7D7D7D"/>
                 </a:solidFill>
@@ -11448,7 +11618,7 @@
               <a:t>Caso uma </a:t>
             </a:r>
             <a:r>
-              <a:rPr lang="x-none" sz="2000" i="1">
+              <a:rPr lang="x-none" sz="2000" i="1" dirty="0">
                 <a:solidFill>
                   <a:srgbClr val="7D7D7D"/>
                 </a:solidFill>
@@ -11456,18 +11626,13 @@
               <a:t>deadline </a:t>
             </a:r>
             <a:r>
-              <a:rPr lang="x-none" sz="2000">
+              <a:rPr lang="x-none" sz="2000" dirty="0">
                 <a:solidFill>
                   <a:srgbClr val="7D7D7D"/>
                 </a:solidFill>
               </a:rPr>
               <a:t>não seja respeitada, gera uma falha catastrófica;</a:t>
             </a:r>
-            <a:endParaRPr lang="x-none" sz="2000">
-              <a:solidFill>
-                <a:srgbClr val="7D7D7D"/>
-              </a:solidFill>
-            </a:endParaRPr>
           </a:p>
           <a:p>
             <a:pPr lvl="0" eaLnBrk="1" hangingPunct="1">
@@ -11482,10 +11647,9 @@
               </a:spcAft>
             </a:pPr>
             <a:r>
-              <a:rPr lang="x-none" sz="2400" b="1"/>
+              <a:rPr lang="x-none" sz="2400" b="1" dirty="0"/>
               <a:t>Soft Real Time:</a:t>
             </a:r>
-            <a:endParaRPr lang="x-none" sz="2400" b="1"/>
           </a:p>
           <a:p>
             <a:pPr marL="742950" lvl="2" indent="-285750" eaLnBrk="1" hangingPunct="1">
@@ -11499,18 +11663,13 @@
               <a:buChar char="•"/>
             </a:pPr>
             <a:r>
-              <a:rPr lang="x-none" sz="2000">
+              <a:rPr lang="x-none" sz="2000" dirty="0">
                 <a:solidFill>
                   <a:srgbClr val="7D7D7D"/>
                 </a:solidFill>
               </a:rPr>
               <a:t>Também conhecido como Tempo Real Flexível;</a:t>
             </a:r>
-            <a:endParaRPr lang="x-none" sz="2000">
-              <a:solidFill>
-                <a:srgbClr val="7D7D7D"/>
-              </a:solidFill>
-            </a:endParaRPr>
           </a:p>
           <a:p>
             <a:pPr marL="742950" lvl="2" indent="-285750" eaLnBrk="1" hangingPunct="1">
@@ -11524,7 +11683,7 @@
               <a:buChar char="•"/>
             </a:pPr>
             <a:r>
-              <a:rPr lang="x-none" sz="2000">
+              <a:rPr lang="x-none" sz="2000" dirty="0">
                 <a:solidFill>
                   <a:srgbClr val="7D7D7D"/>
                 </a:solidFill>
@@ -11532,7 +11691,7 @@
               <a:t>Caso uma </a:t>
             </a:r>
             <a:r>
-              <a:rPr lang="x-none" sz="2000" i="1">
+              <a:rPr lang="x-none" sz="2000" i="1" dirty="0">
                 <a:solidFill>
                   <a:srgbClr val="7D7D7D"/>
                 </a:solidFill>
@@ -11540,18 +11699,13 @@
               <a:t>deadline</a:t>
             </a:r>
             <a:r>
-              <a:rPr lang="x-none" sz="2000">
+              <a:rPr lang="x-none" sz="2000" dirty="0">
                 <a:solidFill>
                   <a:srgbClr val="7D7D7D"/>
                 </a:solidFill>
               </a:rPr>
               <a:t> não seja respeitada, gera uma falha não catastrófica;</a:t>
             </a:r>
-            <a:endParaRPr lang="x-none" sz="2000">
-              <a:solidFill>
-                <a:srgbClr val="7D7D7D"/>
-              </a:solidFill>
-            </a:endParaRPr>
           </a:p>
           <a:p>
             <a:pPr marL="742950" lvl="2" indent="-285750" eaLnBrk="1" hangingPunct="1">
@@ -11565,18 +11719,13 @@
               <a:buChar char="•"/>
             </a:pPr>
             <a:r>
-              <a:rPr lang="x-none" sz="2000">
+              <a:rPr lang="x-none" sz="2000" dirty="0">
                 <a:solidFill>
                   <a:srgbClr val="7D7D7D"/>
                 </a:solidFill>
               </a:rPr>
               <a:t>Uma falha costuma afetar:</a:t>
             </a:r>
-            <a:endParaRPr lang="x-none" sz="2000">
-              <a:solidFill>
-                <a:srgbClr val="7D7D7D"/>
-              </a:solidFill>
-            </a:endParaRPr>
           </a:p>
           <a:p>
             <a:pPr marL="1200150" lvl="3" indent="-285750" eaLnBrk="1" hangingPunct="1">
@@ -11593,18 +11742,13 @@
               <a:buChar char="•"/>
             </a:pPr>
             <a:r>
-              <a:rPr lang="x-none" sz="2000">
+              <a:rPr lang="x-none" sz="2000" dirty="0">
                 <a:solidFill>
                   <a:srgbClr val="7D7D7D"/>
                 </a:solidFill>
               </a:rPr>
               <a:t>Qualidade do Serviço;</a:t>
             </a:r>
-            <a:endParaRPr lang="x-none" sz="2000">
-              <a:solidFill>
-                <a:srgbClr val="7D7D7D"/>
-              </a:solidFill>
-            </a:endParaRPr>
           </a:p>
           <a:p>
             <a:pPr marL="1200150" lvl="3" indent="-285750" eaLnBrk="1" hangingPunct="1">
@@ -11621,18 +11765,67 @@
               <a:buChar char="•"/>
             </a:pPr>
             <a:r>
-              <a:rPr lang="x-none" sz="2000">
+              <a:rPr lang="x-none" sz="2000" dirty="0">
                 <a:solidFill>
                   <a:srgbClr val="7D7D7D"/>
                 </a:solidFill>
               </a:rPr>
               <a:t>Experiência do Usuário;</a:t>
             </a:r>
-            <a:endParaRPr lang="x-none" sz="2000">
-              <a:solidFill>
-                <a:srgbClr val="7D7D7D"/>
-              </a:solidFill>
-            </a:endParaRPr>
+          </a:p>
+        </p:txBody>
+      </p:sp>
+      <p:sp>
+        <p:nvSpPr>
+          <p:cNvPr id="5" name="Date Placeholder 4"/>
+          <p:cNvSpPr>
+            <a:spLocks noGrp="1"/>
+          </p:cNvSpPr>
+          <p:nvPr>
+            <p:ph type="dt" sz="half" idx="10"/>
+          </p:nvPr>
+        </p:nvSpPr>
+        <p:spPr/>
+        <p:txBody>
+          <a:bodyPr/>
+          <a:lstStyle/>
+          <a:p>
+            <a:pPr lvl="0" eaLnBrk="1" hangingPunct="1"/>
+            <a:r>
+              <a:rPr lang="en-US" altLang="en-US" dirty="0"/>
+              <a:t>5/6/2017</a:t>
+            </a:r>
+            <a:endParaRPr lang="zh-CN" altLang="en-US" dirty="0"/>
+          </a:p>
+        </p:txBody>
+      </p:sp>
+      <p:sp>
+        <p:nvSpPr>
+          <p:cNvPr id="7" name="Footer Placeholder 6"/>
+          <p:cNvSpPr>
+            <a:spLocks noGrp="1"/>
+          </p:cNvSpPr>
+          <p:nvPr>
+            <p:ph type="ftr" sz="quarter" idx="11"/>
+          </p:nvPr>
+        </p:nvSpPr>
+        <p:spPr/>
+        <p:txBody>
+          <a:bodyPr/>
+          <a:lstStyle/>
+          <a:p>
+            <a:pPr lvl="0" eaLnBrk="1" hangingPunct="1"/>
+            <a:r>
+              <a:rPr lang="zh-CN" altLang="en-US" dirty="0"/>
+              <a:t>Seminário de [EC 009] - Sistemas Operacionáis</a:t>
+            </a:r>
+            <a:br>
+              <a:rPr lang="zh-CN" altLang="en-US" dirty="0"/>
+            </a:br>
+            <a:r>
+              <a:rPr lang="x-none" altLang="zh-CN" dirty="0"/>
+              <a:t>Institúto Nascional de Telecomunicações</a:t>
+            </a:r>
           </a:p>
         </p:txBody>
       </p:sp>
@@ -11646,78 +11839,17 @@
             <p:ph type="sldNum" sz="quarter" idx="12"/>
           </p:nvPr>
         </p:nvSpPr>
-        <p:spPr>
-          <a:xfrm>
-            <a:off x="6913880" y="6298565"/>
-            <a:ext cx="2106295" cy="476250"/>
-          </a:xfrm>
-        </p:spPr>
-        <p:txBody>
-          <a:bodyPr/>
+        <p:spPr/>
+        <p:txBody>
+          <a:bodyPr/>
+          <a:lstStyle/>
           <a:p>
             <a:pPr lvl="0" eaLnBrk="1" hangingPunct="1"/>
             <a:fld id="{9A0DB2DC-4C9A-4742-B13C-FB6460FD3503}" type="slidenum">
               <a:rPr lang="zh-CN" altLang="en-US" sz="2400" dirty="0"/>
+              <a:t>3</a:t>
             </a:fld>
             <a:endParaRPr lang="zh-CN" altLang="en-US" sz="2400" dirty="0"/>
-          </a:p>
-        </p:txBody>
-      </p:sp>
-      <p:sp>
-        <p:nvSpPr>
-          <p:cNvPr id="5" name="Date Placeholder 4"/>
-          <p:cNvSpPr>
-            <a:spLocks noGrp="1"/>
-          </p:cNvSpPr>
-          <p:nvPr>
-            <p:ph type="dt" sz="half" idx="10"/>
-          </p:nvPr>
-        </p:nvSpPr>
-        <p:spPr/>
-        <p:txBody>
-          <a:bodyPr/>
-          <a:p>
-            <a:pPr lvl="0" eaLnBrk="1" hangingPunct="1"/>
-            <a:r>
-              <a:rPr lang="en-US" altLang="en-US" dirty="0"/>
-              <a:t>5/6/2017</a:t>
-            </a:r>
-            <a:endParaRPr lang="zh-CN" altLang="en-US" dirty="0"/>
-          </a:p>
-        </p:txBody>
-      </p:sp>
-      <p:sp>
-        <p:nvSpPr>
-          <p:cNvPr id="7" name="Footer Placeholder 6"/>
-          <p:cNvSpPr>
-            <a:spLocks noGrp="1"/>
-          </p:cNvSpPr>
-          <p:nvPr>
-            <p:ph type="ftr" sz="quarter" idx="11"/>
-          </p:nvPr>
-        </p:nvSpPr>
-        <p:spPr>
-          <a:xfrm>
-            <a:off x="2500630" y="6357620"/>
-            <a:ext cx="4140200" cy="365125"/>
-          </a:xfrm>
-        </p:spPr>
-        <p:txBody>
-          <a:bodyPr/>
-          <a:p>
-            <a:pPr lvl="0" eaLnBrk="1" hangingPunct="1"/>
-            <a:r>
-              <a:rPr lang="zh-CN" altLang="en-US" dirty="0"/>
-              <a:t>Seminário de [EC 009] - Sistemas Operacionáis</a:t>
-            </a:r>
-            <a:br>
-              <a:rPr lang="zh-CN" altLang="en-US" dirty="0"/>
-            </a:br>
-            <a:r>
-              <a:rPr lang="x-none" altLang="zh-CN" dirty="0"/>
-              <a:t>Institúto Nascional de Telecomunicações</a:t>
-            </a:r>
-            <a:endParaRPr lang="x-none" altLang="zh-CN" dirty="0"/>
           </a:p>
         </p:txBody>
       </p:sp>
@@ -11738,11 +11870,20 @@
         <p:cNvGrpSpPr/>
         <p:nvPr/>
       </p:nvGrpSpPr>
-      <p:grpSpPr/>
+      <p:grpSpPr>
+        <a:xfrm>
+          <a:off x="0" y="0"/>
+          <a:ext cx="0" cy="0"/>
+          <a:chOff x="0" y="0"/>
+          <a:chExt cx="0" cy="0"/>
+        </a:xfrm>
+      </p:grpSpPr>
       <p:sp>
         <p:nvSpPr>
           <p:cNvPr id="5122" name="Rectangle 5"/>
-          <p:cNvSpPr/>
+          <p:cNvSpPr>
+            <a:spLocks noGrp="1"/>
+          </p:cNvSpPr>
           <p:nvPr>
             <p:ph type="title"/>
           </p:nvPr>
@@ -11750,13 +11891,13 @@
         <p:spPr/>
         <p:txBody>
           <a:bodyPr vert="horz" wrap="square" lIns="0" tIns="0" rIns="0" bIns="0" anchor="b"/>
+          <a:lstStyle/>
           <a:p>
             <a:pPr lvl="0" eaLnBrk="1" hangingPunct="1"/>
             <a:r>
               <a:rPr lang="x-none" altLang="zh-CN" dirty="0"/>
               <a:t>RTOS - Exemplos </a:t>
             </a:r>
-            <a:endParaRPr lang="x-none" altLang="zh-CN" dirty="0"/>
           </a:p>
         </p:txBody>
       </p:sp>
@@ -11767,24 +11908,33 @@
             <a:spLocks noGrp="1"/>
           </p:cNvSpPr>
           <p:nvPr>
-            <p:ph type="body"/>
+            <p:ph idx="1"/>
           </p:nvPr>
         </p:nvSpPr>
         <p:spPr>
           <a:xfrm>
             <a:off x="469900" y="1358900"/>
-            <a:ext cx="4117340" cy="5193030"/>
+            <a:ext cx="4322445" cy="5192713"/>
           </a:xfrm>
         </p:spPr>
         <p:txBody>
           <a:bodyPr vert="horz" wrap="square" anchor="t"/>
-          <a:p>
-            <a:pPr lvl="0" eaLnBrk="1" hangingPunct="1"/>
-            <a:r>
-              <a:rPr lang="x-none" b="1"/>
+          <a:lstStyle/>
+          <a:p>
+            <a:pPr lvl="0" eaLnBrk="1" hangingPunct="1">
+              <a:spcAft>
+                <a:spcPts val="1500"/>
+              </a:spcAft>
+            </a:pPr>
+            <a:r>
+              <a:rPr lang="x-none" b="1" dirty="0"/>
               <a:t>FreeRTOS</a:t>
             </a:r>
-            <a:endParaRPr lang="x-none" b="1"/>
+            <a:endParaRPr lang="x-none" b="1" dirty="0">
+              <a:solidFill>
+                <a:srgbClr val="7D7D7D"/>
+              </a:solidFill>
+            </a:endParaRPr>
           </a:p>
           <a:p>
             <a:pPr marL="374650" lvl="1" indent="260350" algn="l" defTabSz="914400" eaLnBrk="1" hangingPunct="1">
@@ -11806,11 +11956,29 @@
                 <a:tab pos="895350" algn="l"/>
               </a:tabLst>
             </a:pPr>
-            <a:endParaRPr lang="x-none" b="1">
-              <a:solidFill>
-                <a:srgbClr val="7D7D7D"/>
-              </a:solidFill>
-            </a:endParaRPr>
+            <a:r>
+              <a:rPr lang="x-none" sz="1800" dirty="0">
+                <a:solidFill>
+                  <a:srgbClr val="7D7D7D"/>
+                </a:solidFill>
+              </a:rPr>
+              <a:t>Começou como um </a:t>
+            </a:r>
+            <a:br>
+              <a:rPr lang="x-none" sz="1800" dirty="0">
+                <a:solidFill>
+                  <a:srgbClr val="7D7D7D"/>
+                </a:solidFill>
+              </a:rPr>
+            </a:br>
+            <a:r>
+              <a:rPr lang="x-none" sz="1800" dirty="0">
+                <a:solidFill>
+                  <a:srgbClr val="7D7D7D"/>
+                </a:solidFill>
+              </a:rPr>
+              <a:t>    sistema academico;</a:t>
+            </a:r>
           </a:p>
           <a:p>
             <a:pPr marL="374650" lvl="1" indent="260350" algn="l" defTabSz="914400" eaLnBrk="1" hangingPunct="1">
@@ -11833,33 +12001,48 @@
               </a:tabLst>
             </a:pPr>
             <a:r>
-              <a:rPr lang="x-none" b="1">
+              <a:rPr lang="x-none" sz="1800" dirty="0">
                 <a:solidFill>
                   <a:srgbClr val="7D7D7D"/>
                 </a:solidFill>
               </a:rPr>
-              <a:t>Começou como um </a:t>
+              <a:t>Um dos RTOSs mais largamente </a:t>
             </a:r>
             <a:br>
-              <a:rPr lang="x-none" b="1">
+              <a:rPr lang="x-none" sz="1800" dirty="0">
                 <a:solidFill>
                   <a:srgbClr val="7D7D7D"/>
                 </a:solidFill>
               </a:rPr>
             </a:br>
             <a:r>
-              <a:rPr lang="x-none" b="1">
+              <a:rPr lang="x-none" sz="1800" dirty="0">
                 <a:solidFill>
                   <a:srgbClr val="7D7D7D"/>
                 </a:solidFill>
               </a:rPr>
-              <a:t>    sistema academico;</a:t>
-            </a:r>
-            <a:endParaRPr lang="x-none" b="1">
-              <a:solidFill>
-                <a:srgbClr val="7D7D7D"/>
-              </a:solidFill>
-            </a:endParaRPr>
+              <a:t>    utilizados;</a:t>
+            </a:r>
+            <a:endParaRPr lang="x-none" sz="400" dirty="0"/>
+          </a:p>
+          <a:p>
+            <a:pPr lvl="0" eaLnBrk="1" hangingPunct="1">
+              <a:lnSpc>
+                <a:spcPct val="110000"/>
+              </a:lnSpc>
+              <a:spcBef>
+                <a:spcPts val="1300"/>
+              </a:spcBef>
+              <a:spcAft>
+                <a:spcPts val="200"/>
+              </a:spcAft>
+            </a:pPr>
+            <a:r>
+              <a:rPr lang="x-none" dirty="0">
+                <a:noFill/>
+              </a:rPr>
+              <a:t>QNX</a:t>
+            </a:r>
           </a:p>
           <a:p>
             <a:pPr marL="374650" lvl="1" indent="260350" algn="l" defTabSz="914400" eaLnBrk="1" hangingPunct="1">
@@ -11882,67 +12065,28 @@
               </a:tabLst>
             </a:pPr>
             <a:r>
-              <a:rPr lang="x-none" b="1">
+              <a:rPr lang="x-none" sz="1800" dirty="0">
                 <a:solidFill>
                   <a:srgbClr val="7D7D7D"/>
                 </a:solidFill>
               </a:rPr>
-              <a:t>Um dos RTOSs mais largamente </a:t>
+              <a:t>Utilizado por diversos fabricantes </a:t>
             </a:r>
             <a:br>
-              <a:rPr lang="x-none" b="1">
+              <a:rPr lang="x-none" sz="1800" dirty="0">
                 <a:solidFill>
                   <a:srgbClr val="7D7D7D"/>
                 </a:solidFill>
               </a:rPr>
             </a:br>
             <a:r>
-              <a:rPr lang="x-none" b="1">
+              <a:rPr lang="x-none" sz="1800" dirty="0">
                 <a:solidFill>
                   <a:srgbClr val="7D7D7D"/>
                 </a:solidFill>
               </a:rPr>
-              <a:t>    utilizados;</a:t>
-            </a:r>
-            <a:endParaRPr lang="x-none" b="1"/>
-          </a:p>
-          <a:p>
-            <a:pPr marL="457200" lvl="1" indent="0" eaLnBrk="1" hangingPunct="1">
-              <a:lnSpc>
-                <a:spcPct val="100000"/>
-              </a:lnSpc>
-              <a:spcBef>
-                <a:spcPts val="0"/>
-              </a:spcBef>
-              <a:spcAft>
-                <a:spcPts val="400"/>
-              </a:spcAft>
-              <a:buFont typeface="Arial" charset="0"/>
-              <a:buNone/>
-            </a:pPr>
-            <a:endParaRPr lang="x-none" sz="400" b="1"/>
-          </a:p>
-          <a:p>
-            <a:pPr lvl="0" eaLnBrk="1" hangingPunct="1">
-              <a:lnSpc>
-                <a:spcPct val="110000"/>
-              </a:lnSpc>
-              <a:spcBef>
-                <a:spcPts val="1300"/>
-              </a:spcBef>
-              <a:spcAft>
-                <a:spcPts val="200"/>
-              </a:spcAft>
-            </a:pPr>
-            <a:r>
-              <a:rPr lang="x-none" b="1">
-                <a:noFill/>
-              </a:rPr>
-              <a:t>QNX</a:t>
-            </a:r>
-            <a:endParaRPr lang="x-none" b="1">
-              <a:noFill/>
-            </a:endParaRPr>
+              <a:t>    de carros;</a:t>
+            </a:r>
           </a:p>
           <a:p>
             <a:pPr marL="374650" lvl="1" indent="260350" algn="l" defTabSz="914400" eaLnBrk="1" hangingPunct="1">
@@ -11965,94 +12109,45 @@
               </a:tabLst>
             </a:pPr>
             <a:r>
-              <a:rPr lang="x-none" b="1">
+              <a:rPr lang="x-none" sz="1800" dirty="0">
                 <a:solidFill>
                   <a:srgbClr val="7D7D7D"/>
                 </a:solidFill>
               </a:rPr>
-              <a:t>Utilizado por diversos fabricantes </a:t>
+              <a:t>Exemonia inabalada até mesmo</a:t>
             </a:r>
             <a:br>
-              <a:rPr lang="x-none" b="1">
+              <a:rPr lang="x-none" sz="1800" dirty="0">
                 <a:solidFill>
                   <a:srgbClr val="7D7D7D"/>
                 </a:solidFill>
               </a:rPr>
             </a:br>
             <a:r>
-              <a:rPr lang="x-none" b="1">
+              <a:rPr lang="x-none" sz="1800" dirty="0">
                 <a:solidFill>
                   <a:srgbClr val="7D7D7D"/>
                 </a:solidFill>
               </a:rPr>
-              <a:t>    de carros;</a:t>
-            </a:r>
-            <a:endParaRPr lang="x-none" b="1">
-              <a:solidFill>
-                <a:srgbClr val="7D7D7D"/>
-              </a:solidFill>
-            </a:endParaRPr>
-          </a:p>
-          <a:p>
-            <a:pPr marL="374650" lvl="1" indent="260350" algn="l" defTabSz="914400" eaLnBrk="1" hangingPunct="1">
-              <a:lnSpc>
-                <a:spcPct val="110000"/>
-              </a:lnSpc>
-              <a:spcBef>
-                <a:spcPts val="0"/>
-              </a:spcBef>
-              <a:spcAft>
-                <a:spcPts val="200"/>
-              </a:spcAft>
-              <a:buClr>
-                <a:srgbClr val="A9B9DF"/>
-              </a:buClr>
-              <a:buFont typeface="Arial" charset="0"/>
-              <a:buChar char="•"/>
-              <a:tabLst>
-                <a:tab pos="895350" algn="l"/>
-              </a:tabLst>
-            </a:pPr>
-            <a:r>
-              <a:rPr lang="x-none" b="1">
+              <a:t>    p</a:t>
+            </a:r>
+            <a:r>
+              <a:rPr lang="pt-BR" sz="1800" dirty="0">
                 <a:solidFill>
                   <a:srgbClr val="7D7D7D"/>
                 </a:solidFill>
               </a:rPr>
-              <a:t>Exemonia inabalada até mesmo</a:t>
-            </a:r>
-            <a:br>
-              <a:rPr lang="x-none" b="1">
+              <a:t>e</a:t>
+            </a:r>
+            <a:r>
+              <a:rPr lang="x-none" sz="1800" dirty="0">
                 <a:solidFill>
                   <a:srgbClr val="7D7D7D"/>
                 </a:solidFill>
               </a:rPr>
-            </a:br>
-            <a:r>
-              <a:rPr lang="x-none" b="1">
-                <a:solidFill>
-                  <a:srgbClr val="7D7D7D"/>
-                </a:solidFill>
-              </a:rPr>
-              <a:t>    pola Google e Apple;</a:t>
-            </a:r>
-            <a:endParaRPr lang="x-none" b="1"/>
-          </a:p>
-          <a:p>
-            <a:pPr marL="457200" lvl="1" indent="0" eaLnBrk="1" hangingPunct="1">
-              <a:lnSpc>
-                <a:spcPct val="100000"/>
-              </a:lnSpc>
-              <a:spcBef>
-                <a:spcPts val="0"/>
-              </a:spcBef>
-              <a:spcAft>
-                <a:spcPts val="400"/>
-              </a:spcAft>
-              <a:buFont typeface="Arial" charset="0"/>
-              <a:buNone/>
-            </a:pPr>
-            <a:endParaRPr lang="x-none" sz="400" b="1"/>
+              <a:t>la Google e Apple;</a:t>
+            </a:r>
+            <a:endParaRPr lang="x-none" sz="2000" dirty="0"/>
           </a:p>
           <a:p>
             <a:pPr lvl="0" eaLnBrk="1" hangingPunct="1">
@@ -12067,14 +12162,11 @@
               </a:spcAft>
             </a:pPr>
             <a:r>
-              <a:rPr lang="x-none" b="1">
+              <a:rPr lang="x-none" dirty="0">
                 <a:noFill/>
               </a:rPr>
               <a:t>μC/OS</a:t>
             </a:r>
-            <a:endParaRPr lang="x-none" b="1">
-              <a:noFill/>
-            </a:endParaRPr>
           </a:p>
           <a:p>
             <a:pPr marL="374650" lvl="1" indent="260350" defTabSz="914400" eaLnBrk="1" hangingPunct="1">
@@ -12094,10 +12186,9 @@
               </a:tabLst>
             </a:pPr>
             <a:r>
-              <a:rPr lang="x-none" b="1"/>
+              <a:rPr lang="x-none" sz="1800" dirty="0"/>
               <a:t>Real-time scheduler;</a:t>
             </a:r>
-            <a:endParaRPr lang="x-none" b="1"/>
           </a:p>
           <a:p>
             <a:pPr marL="374650" lvl="1" indent="260350" defTabSz="914400" eaLnBrk="1" hangingPunct="1">
@@ -12117,10 +12208,9 @@
               </a:tabLst>
             </a:pPr>
             <a:r>
-              <a:rPr lang="x-none" b="1"/>
+              <a:rPr lang="x-none" sz="1800" dirty="0"/>
               <a:t>Prevents deadlocks;</a:t>
             </a:r>
-            <a:endParaRPr lang="x-none" b="1"/>
           </a:p>
           <a:p>
             <a:pPr lvl="0" eaLnBrk="1" hangingPunct="1">
@@ -12131,7 +12221,61 @@
                 <a:spcPts val="1000"/>
               </a:spcBef>
             </a:pPr>
-            <a:endParaRPr lang="x-none" b="1"/>
+            <a:endParaRPr lang="x-none" b="1" dirty="0"/>
+          </a:p>
+        </p:txBody>
+      </p:sp>
+      <p:sp>
+        <p:nvSpPr>
+          <p:cNvPr id="5" name="Date Placeholder 4"/>
+          <p:cNvSpPr>
+            <a:spLocks noGrp="1"/>
+          </p:cNvSpPr>
+          <p:nvPr>
+            <p:ph type="dt" sz="half" idx="10"/>
+          </p:nvPr>
+        </p:nvSpPr>
+        <p:spPr/>
+        <p:txBody>
+          <a:bodyPr/>
+          <a:lstStyle/>
+          <a:p>
+            <a:pPr lvl="0" eaLnBrk="1" hangingPunct="1"/>
+            <a:r>
+              <a:rPr lang="en-US" altLang="en-US" dirty="0"/>
+              <a:t>5/6/2017</a:t>
+            </a:r>
+            <a:endParaRPr lang="zh-CN" altLang="en-US" dirty="0"/>
+          </a:p>
+        </p:txBody>
+      </p:sp>
+      <p:sp>
+        <p:nvSpPr>
+          <p:cNvPr id="13" name="Footer Placeholder 12"/>
+          <p:cNvSpPr>
+            <a:spLocks noGrp="1"/>
+          </p:cNvSpPr>
+          <p:nvPr>
+            <p:ph type="ftr" sz="quarter" idx="11"/>
+          </p:nvPr>
+        </p:nvSpPr>
+        <p:spPr/>
+        <p:txBody>
+          <a:bodyPr/>
+          <a:lstStyle/>
+          <a:p>
+            <a:pPr lvl="0" eaLnBrk="1" hangingPunct="1"/>
+            <a:r>
+              <a:rPr lang="zh-CN" altLang="en-US" dirty="0"/>
+              <a:t>Seminário de [EC 009] - Sistemas Operacionáis</a:t>
+            </a:r>
+            <a:br>
+              <a:rPr lang="zh-CN" altLang="en-US" dirty="0"/>
+            </a:br>
+            <a:r>
+              <a:rPr lang="x-none" altLang="zh-CN" dirty="0"/>
+              <a:t>Institúto Nascional de Telecomunicações</a:t>
+            </a:r>
           </a:p>
         </p:txBody>
       </p:sp>
@@ -12145,43 +12289,17 @@
             <p:ph type="sldNum" sz="quarter" idx="12"/>
           </p:nvPr>
         </p:nvSpPr>
-        <p:spPr>
-          <a:xfrm>
-            <a:off x="6913880" y="6298565"/>
-            <a:ext cx="2106295" cy="476250"/>
-          </a:xfrm>
-        </p:spPr>
-        <p:txBody>
-          <a:bodyPr/>
+        <p:spPr/>
+        <p:txBody>
+          <a:bodyPr/>
+          <a:lstStyle/>
           <a:p>
             <a:pPr lvl="0" eaLnBrk="1" hangingPunct="1"/>
             <a:fld id="{9A0DB2DC-4C9A-4742-B13C-FB6460FD3503}" type="slidenum">
               <a:rPr lang="zh-CN" altLang="en-US" sz="2400" dirty="0"/>
+              <a:t>4</a:t>
             </a:fld>
             <a:endParaRPr lang="zh-CN" altLang="en-US" sz="2400" dirty="0"/>
-          </a:p>
-        </p:txBody>
-      </p:sp>
-      <p:sp>
-        <p:nvSpPr>
-          <p:cNvPr id="5" name="Date Placeholder 4"/>
-          <p:cNvSpPr>
-            <a:spLocks noGrp="1"/>
-          </p:cNvSpPr>
-          <p:nvPr>
-            <p:ph type="dt" sz="half" idx="10"/>
-          </p:nvPr>
-        </p:nvSpPr>
-        <p:spPr/>
-        <p:txBody>
-          <a:bodyPr/>
-          <a:p>
-            <a:pPr lvl="0" eaLnBrk="1" hangingPunct="1"/>
-            <a:r>
-              <a:rPr lang="en-US" altLang="en-US" dirty="0"/>
-              <a:t>5/6/2017</a:t>
-            </a:r>
-            <a:endParaRPr lang="zh-CN" altLang="en-US" dirty="0"/>
           </a:p>
         </p:txBody>
       </p:sp>
@@ -12322,7 +12440,7 @@
                 <a:cs typeface="+mn-cs"/>
               </a:defRPr>
             </a:lvl5pPr>
-            <a:lvl6pPr marL="2514600" lvl="5" indent="-2147483640" algn="l" defTabSz="914400" eaLnBrk="0" fontAlgn="base" latinLnBrk="0" hangingPunct="0">
+            <a:lvl6pPr marL="2514600" lvl="5" indent="-51206400" algn="l" defTabSz="914400" eaLnBrk="0" fontAlgn="base" latinLnBrk="0" hangingPunct="0">
               <a:lnSpc>
                 <a:spcPct val="90000"/>
               </a:lnSpc>
@@ -12343,7 +12461,7 @@
                 <a:cs typeface="+mn-cs"/>
               </a:defRPr>
             </a:lvl6pPr>
-            <a:lvl7pPr marL="2971800" lvl="6" indent="-2147483640" algn="l" defTabSz="914400" eaLnBrk="0" fontAlgn="base" latinLnBrk="0" hangingPunct="0">
+            <a:lvl7pPr marL="2971800" lvl="6" indent="-51206400" algn="l" defTabSz="914400" eaLnBrk="0" fontAlgn="base" latinLnBrk="0" hangingPunct="0">
               <a:lnSpc>
                 <a:spcPct val="90000"/>
               </a:lnSpc>
@@ -12364,7 +12482,7 @@
                 <a:cs typeface="+mn-cs"/>
               </a:defRPr>
             </a:lvl7pPr>
-            <a:lvl8pPr marL="3429000" lvl="7" indent="-2147483640" algn="l" defTabSz="914400" eaLnBrk="0" fontAlgn="base" latinLnBrk="0" hangingPunct="0">
+            <a:lvl8pPr marL="3429000" lvl="7" indent="-51206400" algn="l" defTabSz="914400" eaLnBrk="0" fontAlgn="base" latinLnBrk="0" hangingPunct="0">
               <a:lnSpc>
                 <a:spcPct val="90000"/>
               </a:lnSpc>
@@ -12385,7 +12503,7 @@
                 <a:cs typeface="+mn-cs"/>
               </a:defRPr>
             </a:lvl8pPr>
-            <a:lvl9pPr marL="3886200" lvl="8" indent="-2147483640" algn="l" defTabSz="914400" eaLnBrk="0" fontAlgn="base" latinLnBrk="0" hangingPunct="0">
+            <a:lvl9pPr marL="3886200" lvl="8" indent="-51206400" algn="l" defTabSz="914400" eaLnBrk="0" fontAlgn="base" latinLnBrk="0" hangingPunct="0">
               <a:lnSpc>
                 <a:spcPct val="90000"/>
               </a:lnSpc>
@@ -12410,12 +12528,12 @@
           <a:p>
             <a:pPr marL="17145" lvl="0" indent="291465" eaLnBrk="1" hangingPunct="1"/>
             <a:r>
-              <a:rPr lang="x-none" b="1">
+              <a:rPr lang="x-none" b="1" dirty="0">
                 <a:sym typeface="+mn-ea"/>
               </a:rPr>
               <a:t>μLipeRTOS </a:t>
             </a:r>
-            <a:endParaRPr lang="x-none" b="1"/>
+            <a:endParaRPr lang="x-none" b="1" dirty="0"/>
           </a:p>
           <a:p>
             <a:pPr marL="374650" lvl="1" indent="260350" algn="l" defTabSz="914400" eaLnBrk="1" hangingPunct="1">
@@ -12435,17 +12553,16 @@
               </a:tabLst>
             </a:pPr>
             <a:r>
-              <a:rPr lang="x-none" b="1"/>
+              <a:rPr lang="x-none" b="1" dirty="0"/>
               <a:t>Sistema 100% </a:t>
             </a:r>
             <a:br>
-              <a:rPr lang="x-none" b="1"/>
+              <a:rPr lang="x-none" b="1" dirty="0"/>
             </a:br>
             <a:r>
-              <a:rPr lang="x-none" b="1"/>
+              <a:rPr lang="x-none" b="1" dirty="0"/>
               <a:t>    brasileiro;</a:t>
             </a:r>
-            <a:endParaRPr lang="x-none" b="1"/>
           </a:p>
           <a:p>
             <a:pPr marL="374650" lvl="1" indent="260350" algn="just" defTabSz="914400" eaLnBrk="1" hangingPunct="1">
@@ -12465,10 +12582,9 @@
               </a:tabLst>
             </a:pPr>
             <a:r>
-              <a:rPr lang="x-none" b="1"/>
+              <a:rPr lang="x-none" b="1" dirty="0"/>
               <a:t>OpenSource;</a:t>
             </a:r>
-            <a:endParaRPr lang="x-none" b="1"/>
           </a:p>
           <a:p>
             <a:pPr marL="457200" lvl="1" indent="0" eaLnBrk="1" hangingPunct="1">
@@ -12478,7 +12594,7 @@
               <a:buFont typeface="Arial" charset="0"/>
               <a:buNone/>
             </a:pPr>
-            <a:endParaRPr lang="x-none" sz="400" b="1"/>
+            <a:endParaRPr lang="x-none" sz="400" b="1" dirty="0"/>
           </a:p>
           <a:p>
             <a:pPr lvl="0" eaLnBrk="1" hangingPunct="1">
@@ -12489,20 +12605,16 @@
                 <a:spcPts val="1300"/>
               </a:spcBef>
               <a:spcAft>
-                <a:spcPts val="500"/>
+                <a:spcPts val="800"/>
               </a:spcAft>
             </a:pPr>
             <a:r>
-              <a:rPr lang="x-none" b="1">
+              <a:rPr lang="x-none" b="1" dirty="0">
                 <a:noFill/>
                 <a:sym typeface="+mn-ea"/>
               </a:rPr>
               <a:t>HeartOS</a:t>
             </a:r>
-            <a:endParaRPr lang="x-none" b="1">
-              <a:noFill/>
-              <a:sym typeface="+mn-ea"/>
-            </a:endParaRPr>
           </a:p>
           <a:p>
             <a:pPr marL="374650" lvl="1" indent="260350" algn="l" defTabSz="914400" eaLnBrk="1" hangingPunct="1">
@@ -12522,23 +12634,22 @@
               </a:tabLst>
             </a:pPr>
             <a:r>
-              <a:rPr lang="x-none" b="1"/>
+              <a:rPr lang="x-none" b="1" dirty="0"/>
               <a:t>A POSIX-based Hard Real-time</a:t>
             </a:r>
             <a:br>
-              <a:rPr lang="x-none" b="1"/>
+              <a:rPr lang="x-none" b="1" dirty="0"/>
             </a:br>
             <a:r>
-              <a:rPr lang="x-none" b="1">
+              <a:rPr lang="x-none" b="1" dirty="0">
                 <a:noFill/>
               </a:rPr>
               <a:t>II</a:t>
             </a:r>
             <a:r>
-              <a:rPr lang="x-none" b="1"/>
+              <a:rPr lang="x-none" b="1" dirty="0"/>
               <a:t>  Operating System</a:t>
             </a:r>
-            <a:endParaRPr lang="x-none" b="1"/>
           </a:p>
           <a:p>
             <a:pPr marL="374650" lvl="1" indent="260350" algn="l" defTabSz="914400" eaLnBrk="1" hangingPunct="1">
@@ -12558,17 +12669,16 @@
               </a:tabLst>
             </a:pPr>
             <a:r>
-              <a:rPr lang="x-none" b="1"/>
+              <a:rPr lang="x-none" b="1" dirty="0"/>
               <a:t>Amplamente utilizado na industria</a:t>
             </a:r>
             <a:br>
-              <a:rPr lang="x-none" b="1"/>
+              <a:rPr lang="x-none" b="1" dirty="0"/>
             </a:br>
             <a:r>
-              <a:rPr lang="x-none" b="1"/>
+              <a:rPr lang="x-none" b="1" dirty="0"/>
               <a:t>    aeronautica;</a:t>
             </a:r>
-            <a:endParaRPr lang="x-none" b="1"/>
           </a:p>
           <a:p>
             <a:pPr marL="374650" lvl="1" indent="260350" algn="l" defTabSz="914400" eaLnBrk="1" hangingPunct="1">
@@ -12587,7 +12697,7 @@
                 <a:tab pos="895350" algn="l"/>
               </a:tabLst>
             </a:pPr>
-            <a:endParaRPr lang="x-none" sz="700" b="1"/>
+            <a:endParaRPr lang="x-none" sz="700" b="1" dirty="0"/>
           </a:p>
           <a:p>
             <a:pPr lvl="0" eaLnBrk="1" hangingPunct="1">
@@ -12602,16 +12712,12 @@
               </a:spcAft>
             </a:pPr>
             <a:r>
-              <a:rPr lang="x-none" b="1">
+              <a:rPr lang="x-none" b="1" dirty="0">
                 <a:noFill/>
                 <a:sym typeface="+mn-ea"/>
               </a:rPr>
               <a:t>VxWorks</a:t>
             </a:r>
-            <a:endParaRPr lang="x-none" b="1">
-              <a:noFill/>
-              <a:sym typeface="+mn-ea"/>
-            </a:endParaRPr>
           </a:p>
           <a:p>
             <a:pPr marL="374650" lvl="1" indent="260350" algn="l" defTabSz="914400" eaLnBrk="1" hangingPunct="1">
@@ -12631,27 +12737,26 @@
               </a:tabLst>
             </a:pPr>
             <a:r>
-              <a:rPr lang="x-none" b="1"/>
+              <a:rPr lang="x-none" b="1" dirty="0"/>
               <a:t>Utilizado pela NASA, Boeing,</a:t>
             </a:r>
             <a:br>
-              <a:rPr lang="x-none" b="1"/>
+              <a:rPr lang="x-none" b="1" dirty="0"/>
             </a:br>
             <a:r>
-              <a:rPr lang="x-none" b="1"/>
+              <a:rPr lang="x-none" b="1" dirty="0"/>
               <a:t> </a:t>
             </a:r>
             <a:r>
-              <a:rPr lang="x-none" b="1">
+              <a:rPr lang="x-none" b="1" dirty="0">
                 <a:noFill/>
               </a:rPr>
               <a:t>..</a:t>
             </a:r>
             <a:r>
-              <a:rPr lang="x-none" b="1"/>
+              <a:rPr lang="x-none" b="1" dirty="0"/>
               <a:t> exército americano;</a:t>
             </a:r>
-            <a:endParaRPr lang="x-none" b="1"/>
           </a:p>
           <a:p>
             <a:pPr marL="374650" lvl="1" indent="260350" algn="l" defTabSz="914400" eaLnBrk="1" hangingPunct="1">
@@ -12671,10 +12776,9 @@
               </a:tabLst>
             </a:pPr>
             <a:r>
-              <a:rPr lang="x-none" b="1"/>
+              <a:rPr lang="x-none" b="1" dirty="0"/>
               <a:t>Utilizado na Sonda Curiosity;</a:t>
             </a:r>
-            <a:endParaRPr lang="x-none" b="1"/>
           </a:p>
           <a:p>
             <a:pPr lvl="0" eaLnBrk="1" hangingPunct="1">
@@ -12685,7 +12789,7 @@
                 <a:spcPts val="1000"/>
               </a:spcBef>
             </a:pPr>
-            <a:endParaRPr lang="x-none" b="1"/>
+            <a:endParaRPr lang="x-none" b="1" dirty="0"/>
           </a:p>
         </p:txBody>
       </p:sp>
@@ -12698,7 +12802,7 @@
           <p:nvPr/>
         </p:nvPicPr>
         <p:blipFill>
-          <a:blip r:embed="rId1">
+          <a:blip r:embed="rId3">
             <a:lum bright="-12000" contrast="24000"/>
           </a:blip>
           <a:srcRect/>
@@ -12729,7 +12833,7 @@
           <p:nvPr/>
         </p:nvPicPr>
         <p:blipFill>
-          <a:blip r:embed="rId2"/>
+          <a:blip r:embed="rId4"/>
           <a:stretch>
             <a:fillRect/>
           </a:stretch>
@@ -12753,14 +12857,14 @@
           <p:nvPr/>
         </p:nvPicPr>
         <p:blipFill>
-          <a:blip r:embed="rId3"/>
+          <a:blip r:embed="rId5"/>
           <a:stretch>
             <a:fillRect/>
           </a:stretch>
         </p:blipFill>
         <p:spPr>
           <a:xfrm>
-            <a:off x="836295" y="1377315"/>
+            <a:off x="836295" y="1295427"/>
             <a:ext cx="1664970" cy="623570"/>
           </a:xfrm>
           <a:prstGeom prst="rect">
@@ -12777,7 +12881,7 @@
           <p:nvPr/>
         </p:nvPicPr>
         <p:blipFill>
-          <a:blip r:embed="rId4"/>
+          <a:blip r:embed="rId6"/>
           <a:srcRect r="3871"/>
           <a:stretch>
             <a:fillRect/>
@@ -12785,7 +12889,7 @@
         </p:blipFill>
         <p:spPr>
           <a:xfrm>
-            <a:off x="779780" y="3451225"/>
+            <a:off x="779780" y="3355689"/>
             <a:ext cx="1754505" cy="335280"/>
           </a:xfrm>
           <a:prstGeom prst="rect">
@@ -12816,7 +12920,7 @@
             <p:nvPr/>
           </p:nvPicPr>
           <p:blipFill>
-            <a:blip r:embed="rId5"/>
+            <a:blip r:embed="rId7"/>
             <a:stretch>
               <a:fillRect/>
             </a:stretch>
@@ -12851,6 +12955,7 @@
             <a:bodyPr wrap="square" rtlCol="0">
               <a:spAutoFit/>
             </a:bodyPr>
+            <a:lstStyle/>
             <a:p>
               <a:pPr lvl="0" algn="ctr" fontAlgn="ctr"/>
               <a:r>
@@ -12861,46 +12966,10 @@
                 <a:rPr lang="x-none" altLang="pt-BR" sz="1400" b="1"/>
                 <a:t>LipeRTOS</a:t>
               </a:r>
-              <a:endParaRPr lang="x-none" altLang="pt-BR" sz="1400" b="1"/>
             </a:p>
           </p:txBody>
         </p:sp>
       </p:grpSp>
-      <p:sp>
-        <p:nvSpPr>
-          <p:cNvPr id="13" name="Footer Placeholder 12"/>
-          <p:cNvSpPr>
-            <a:spLocks noGrp="1"/>
-          </p:cNvSpPr>
-          <p:nvPr>
-            <p:ph type="ftr" sz="quarter" idx="11"/>
-          </p:nvPr>
-        </p:nvSpPr>
-        <p:spPr>
-          <a:xfrm>
-            <a:off x="2500630" y="6357620"/>
-            <a:ext cx="4140200" cy="365125"/>
-          </a:xfrm>
-        </p:spPr>
-        <p:txBody>
-          <a:bodyPr/>
-          <a:p>
-            <a:pPr lvl="0" eaLnBrk="1" hangingPunct="1"/>
-            <a:r>
-              <a:rPr lang="zh-CN" altLang="en-US" dirty="0"/>
-              <a:t>Seminário de [EC 009] - Sistemas Operacionáis</a:t>
-            </a:r>
-            <a:br>
-              <a:rPr lang="zh-CN" altLang="en-US" dirty="0"/>
-            </a:br>
-            <a:r>
-              <a:rPr lang="x-none" altLang="zh-CN" dirty="0"/>
-              <a:t>Institúto Nascional de Telecomunicações</a:t>
-            </a:r>
-            <a:endParaRPr lang="x-none" altLang="zh-CN" dirty="0"/>
-          </a:p>
-        </p:txBody>
-      </p:sp>
       <p:pic>
         <p:nvPicPr>
           <p:cNvPr id="15" name="Imagem 14" descr="uC-OS Logo"/>
@@ -12910,14 +12979,14 @@
           <p:nvPr/>
         </p:nvPicPr>
         <p:blipFill>
-          <a:blip r:embed="rId6"/>
+          <a:blip r:embed="rId8"/>
           <a:stretch>
             <a:fillRect/>
           </a:stretch>
         </p:blipFill>
         <p:spPr>
           <a:xfrm>
-            <a:off x="773430" y="5189855"/>
+            <a:off x="773430" y="5135263"/>
             <a:ext cx="1842770" cy="392430"/>
           </a:xfrm>
           <a:prstGeom prst="rect">
@@ -12942,11 +13011,20 @@
         <p:cNvGrpSpPr/>
         <p:nvPr/>
       </p:nvGrpSpPr>
-      <p:grpSpPr/>
+      <p:grpSpPr>
+        <a:xfrm>
+          <a:off x="0" y="0"/>
+          <a:ext cx="0" cy="0"/>
+          <a:chOff x="0" y="0"/>
+          <a:chExt cx="0" cy="0"/>
+        </a:xfrm>
+      </p:grpSpPr>
       <p:sp>
         <p:nvSpPr>
           <p:cNvPr id="5122" name="Rectangle 5"/>
-          <p:cNvSpPr/>
+          <p:cNvSpPr>
+            <a:spLocks noGrp="1"/>
+          </p:cNvSpPr>
           <p:nvPr>
             <p:ph type="title"/>
           </p:nvPr>
@@ -12954,13 +13032,13 @@
         <p:spPr/>
         <p:txBody>
           <a:bodyPr vert="horz" wrap="square" lIns="0" tIns="0" rIns="0" bIns="0" anchor="b"/>
+          <a:lstStyle/>
           <a:p>
             <a:pPr lvl="0" eaLnBrk="1" hangingPunct="1"/>
             <a:r>
               <a:rPr lang="x-none" altLang="zh-CN" dirty="0"/>
               <a:t>RTOS - SIRTOS</a:t>
             </a:r>
-            <a:endParaRPr lang="x-none" altLang="zh-CN" dirty="0"/>
           </a:p>
         </p:txBody>
       </p:sp>
@@ -12971,12 +13049,13 @@
             <a:spLocks noGrp="1"/>
           </p:cNvSpPr>
           <p:nvPr>
-            <p:ph type="body"/>
+            <p:ph idx="1"/>
           </p:nvPr>
         </p:nvSpPr>
         <p:spPr/>
         <p:txBody>
           <a:bodyPr vert="horz" wrap="square" anchor="t"/>
+          <a:lstStyle/>
           <a:p>
             <a:pPr lvl="0" algn="l" eaLnBrk="1" hangingPunct="1"/>
             <a:r>
@@ -12987,7 +13066,6 @@
               <a:rPr lang="x-none"/>
               <a:t>: </a:t>
             </a:r>
-            <a:endParaRPr lang="x-none"/>
           </a:p>
           <a:p>
             <a:pPr lvl="0" algn="l" eaLnBrk="1" hangingPunct="1"/>
@@ -13014,11 +13092,6 @@
               </a:rPr>
               <a:t>"TEI of Thessaly" e "University of Ioannina";</a:t>
             </a:r>
-            <a:endParaRPr lang="x-none">
-              <a:solidFill>
-                <a:srgbClr val="7D7D7D"/>
-              </a:solidFill>
-            </a:endParaRPr>
           </a:p>
           <a:p>
             <a:pPr lvl="0" algn="l" eaLnBrk="1" hangingPunct="1">
@@ -13047,12 +13120,6 @@
               </a:rPr>
               <a:t>Educacional, visando auxiliar no estudo de RTOS;</a:t>
             </a:r>
-            <a:endParaRPr lang="x-none">
-              <a:solidFill>
-                <a:srgbClr val="7D7D7D"/>
-              </a:solidFill>
-              <a:sym typeface="+mn-ea"/>
-            </a:endParaRPr>
           </a:p>
           <a:p>
             <a:pPr lvl="0" algn="l" eaLnBrk="1" hangingPunct="1">
@@ -13078,11 +13145,6 @@
               </a:rPr>
               <a:t>x86, multitarefa, com interface gráfica. Visando a facilidade de uso dos alunos;</a:t>
             </a:r>
-            <a:endParaRPr lang="x-none">
-              <a:solidFill>
-                <a:srgbClr val="7D7D7D"/>
-              </a:solidFill>
-            </a:endParaRPr>
           </a:p>
           <a:p>
             <a:pPr lvl="0" algn="l" eaLnBrk="1" hangingPunct="1">
@@ -13116,11 +13178,6 @@
               </a:rPr>
               <a:t>Disponível" no GitHub, porém não é compilável por faltar parte dos códigos;</a:t>
             </a:r>
-            <a:endParaRPr lang="x-none">
-              <a:solidFill>
-                <a:srgbClr val="7D7D7D"/>
-              </a:solidFill>
-            </a:endParaRPr>
           </a:p>
           <a:p>
             <a:pPr lvl="0" algn="l" eaLnBrk="1" hangingPunct="1">
@@ -13163,11 +13220,6 @@
               </a:rPr>
               <a:t> e C++;</a:t>
             </a:r>
-            <a:endParaRPr lang="x-none">
-              <a:solidFill>
-                <a:srgbClr val="7D7D7D"/>
-              </a:solidFill>
-            </a:endParaRPr>
           </a:p>
           <a:p>
             <a:pPr lvl="0" algn="l" eaLnBrk="1" hangingPunct="1">
@@ -13195,6 +13247,60 @@
       </p:sp>
       <p:sp>
         <p:nvSpPr>
+          <p:cNvPr id="5" name="Date Placeholder 4"/>
+          <p:cNvSpPr>
+            <a:spLocks noGrp="1"/>
+          </p:cNvSpPr>
+          <p:nvPr>
+            <p:ph type="dt" sz="half" idx="10"/>
+          </p:nvPr>
+        </p:nvSpPr>
+        <p:spPr/>
+        <p:txBody>
+          <a:bodyPr/>
+          <a:lstStyle/>
+          <a:p>
+            <a:pPr lvl="0" eaLnBrk="1" hangingPunct="1"/>
+            <a:r>
+              <a:rPr lang="en-US" altLang="en-US" dirty="0"/>
+              <a:t>5/6/2017</a:t>
+            </a:r>
+            <a:endParaRPr lang="zh-CN" altLang="en-US" dirty="0"/>
+          </a:p>
+        </p:txBody>
+      </p:sp>
+      <p:sp>
+        <p:nvSpPr>
+          <p:cNvPr id="6" name="Footer Placeholder 5"/>
+          <p:cNvSpPr>
+            <a:spLocks noGrp="1"/>
+          </p:cNvSpPr>
+          <p:nvPr>
+            <p:ph type="ftr" sz="quarter" idx="11"/>
+          </p:nvPr>
+        </p:nvSpPr>
+        <p:spPr/>
+        <p:txBody>
+          <a:bodyPr/>
+          <a:lstStyle/>
+          <a:p>
+            <a:pPr lvl="0" eaLnBrk="1" hangingPunct="1"/>
+            <a:r>
+              <a:rPr lang="zh-CN" altLang="en-US" dirty="0"/>
+              <a:t>Seminário de [EC 009] - Sistemas Operacionáis</a:t>
+            </a:r>
+            <a:br>
+              <a:rPr lang="zh-CN" altLang="en-US" dirty="0"/>
+            </a:br>
+            <a:r>
+              <a:rPr lang="x-none" altLang="zh-CN" dirty="0"/>
+              <a:t>Institúto Nascional de Telecomunicações</a:t>
+            </a:r>
+          </a:p>
+        </p:txBody>
+      </p:sp>
+      <p:sp>
+        <p:nvSpPr>
           <p:cNvPr id="3" name="Slide Number Placeholder 2"/>
           <p:cNvSpPr>
             <a:spLocks noGrp="1"/>
@@ -13203,43 +13309,17 @@
             <p:ph type="sldNum" sz="quarter" idx="12"/>
           </p:nvPr>
         </p:nvSpPr>
-        <p:spPr>
-          <a:xfrm>
-            <a:off x="6913880" y="6298565"/>
-            <a:ext cx="2106295" cy="476250"/>
-          </a:xfrm>
-        </p:spPr>
-        <p:txBody>
-          <a:bodyPr/>
+        <p:spPr/>
+        <p:txBody>
+          <a:bodyPr/>
+          <a:lstStyle/>
           <a:p>
             <a:pPr lvl="0" eaLnBrk="1" hangingPunct="1"/>
             <a:fld id="{9A0DB2DC-4C9A-4742-B13C-FB6460FD3503}" type="slidenum">
               <a:rPr lang="zh-CN" altLang="en-US" sz="2400" dirty="0"/>
+              <a:t>5</a:t>
             </a:fld>
             <a:endParaRPr lang="zh-CN" altLang="en-US" sz="2400" dirty="0"/>
-          </a:p>
-        </p:txBody>
-      </p:sp>
-      <p:sp>
-        <p:nvSpPr>
-          <p:cNvPr id="5" name="Date Placeholder 4"/>
-          <p:cNvSpPr>
-            <a:spLocks noGrp="1"/>
-          </p:cNvSpPr>
-          <p:nvPr>
-            <p:ph type="dt" sz="half" idx="10"/>
-          </p:nvPr>
-        </p:nvSpPr>
-        <p:spPr/>
-        <p:txBody>
-          <a:bodyPr/>
-          <a:p>
-            <a:pPr lvl="0" eaLnBrk="1" hangingPunct="1"/>
-            <a:r>
-              <a:rPr lang="en-US" altLang="en-US" dirty="0"/>
-              <a:t>5/6/2017</a:t>
-            </a:r>
-            <a:endParaRPr lang="zh-CN" altLang="en-US" dirty="0"/>
           </a:p>
         </p:txBody>
       </p:sp>
@@ -13263,6 +13343,7 @@
           <a:bodyPr wrap="square" rtlCol="0">
             <a:spAutoFit/>
           </a:bodyPr>
+          <a:lstStyle/>
           <a:p>
             <a:r>
               <a:rPr lang="x-none" sz="2000">
@@ -13273,12 +13354,6 @@
               </a:rPr>
               <a:t>Vasileios Kouliaridis;</a:t>
             </a:r>
-            <a:endParaRPr lang="x-none" sz="2000">
-              <a:solidFill>
-                <a:srgbClr val="7D7D7D"/>
-              </a:solidFill>
-              <a:sym typeface="+mn-ea"/>
-            </a:endParaRPr>
           </a:p>
           <a:p>
             <a:r>
@@ -13290,12 +13365,6 @@
               </a:rPr>
               <a:t>Vasileios Vlachos;</a:t>
             </a:r>
-            <a:endParaRPr lang="x-none" sz="2000">
-              <a:solidFill>
-                <a:srgbClr val="7D7D7D"/>
-              </a:solidFill>
-              <a:sym typeface="+mn-ea"/>
-            </a:endParaRPr>
           </a:p>
           <a:p>
             <a:r>
@@ -13307,12 +13376,6 @@
               </a:rPr>
               <a:t>Ilias Savvas;</a:t>
             </a:r>
-            <a:endParaRPr lang="x-none" sz="2000">
-              <a:solidFill>
-                <a:srgbClr val="7D7D7D"/>
-              </a:solidFill>
-              <a:sym typeface="+mn-ea"/>
-            </a:endParaRPr>
           </a:p>
           <a:p>
             <a:r>
@@ -13324,50 +13387,9 @@
               </a:rPr>
               <a:t>Iosif Androulidakis.</a:t>
             </a:r>
-            <a:endParaRPr lang="x-none" sz="2000">
-              <a:solidFill>
-                <a:srgbClr val="7D7D7D"/>
-              </a:solidFill>
-              <a:sym typeface="+mn-ea"/>
-            </a:endParaRPr>
           </a:p>
           <a:p>
             <a:endParaRPr lang="pt-BR" altLang="en-US"/>
-          </a:p>
-        </p:txBody>
-      </p:sp>
-      <p:sp>
-        <p:nvSpPr>
-          <p:cNvPr id="6" name="Footer Placeholder 5"/>
-          <p:cNvSpPr>
-            <a:spLocks noGrp="1"/>
-          </p:cNvSpPr>
-          <p:nvPr>
-            <p:ph type="ftr" sz="quarter" idx="11"/>
-          </p:nvPr>
-        </p:nvSpPr>
-        <p:spPr>
-          <a:xfrm>
-            <a:off x="2500630" y="6357620"/>
-            <a:ext cx="4140200" cy="365125"/>
-          </a:xfrm>
-        </p:spPr>
-        <p:txBody>
-          <a:bodyPr/>
-          <a:p>
-            <a:pPr lvl="0" eaLnBrk="1" hangingPunct="1"/>
-            <a:r>
-              <a:rPr lang="zh-CN" altLang="en-US" dirty="0"/>
-              <a:t>Seminário de [EC 009] - Sistemas Operacionáis</a:t>
-            </a:r>
-            <a:br>
-              <a:rPr lang="zh-CN" altLang="en-US" dirty="0"/>
-            </a:br>
-            <a:r>
-              <a:rPr lang="x-none" altLang="zh-CN" dirty="0"/>
-              <a:t>Institúto Nascional de Telecomunicações</a:t>
-            </a:r>
-            <a:endParaRPr lang="x-none" altLang="zh-CN" dirty="0"/>
           </a:p>
         </p:txBody>
       </p:sp>
@@ -13388,11 +13410,20 @@
         <p:cNvGrpSpPr/>
         <p:nvPr/>
       </p:nvGrpSpPr>
-      <p:grpSpPr/>
+      <p:grpSpPr>
+        <a:xfrm>
+          <a:off x="0" y="0"/>
+          <a:ext cx="0" cy="0"/>
+          <a:chOff x="0" y="0"/>
+          <a:chExt cx="0" cy="0"/>
+        </a:xfrm>
+      </p:grpSpPr>
       <p:sp>
         <p:nvSpPr>
           <p:cNvPr id="5122" name="Rectangle 5"/>
-          <p:cNvSpPr/>
+          <p:cNvSpPr>
+            <a:spLocks noGrp="1"/>
+          </p:cNvSpPr>
           <p:nvPr>
             <p:ph type="title"/>
           </p:nvPr>
@@ -13400,13 +13431,13 @@
         <p:spPr/>
         <p:txBody>
           <a:bodyPr vert="horz" wrap="square" lIns="0" tIns="0" rIns="0" bIns="0" anchor="b"/>
+          <a:lstStyle/>
           <a:p>
             <a:pPr lvl="0" eaLnBrk="1" hangingPunct="1"/>
             <a:r>
               <a:rPr lang="x-none" altLang="zh-CN" dirty="0"/>
               <a:t>SIRTOS - Interrupção</a:t>
             </a:r>
-            <a:endParaRPr lang="x-none" altLang="zh-CN" dirty="0"/>
           </a:p>
         </p:txBody>
       </p:sp>
@@ -13417,12 +13448,13 @@
             <a:spLocks noGrp="1"/>
           </p:cNvSpPr>
           <p:nvPr>
-            <p:ph type="body"/>
+            <p:ph idx="1"/>
           </p:nvPr>
         </p:nvSpPr>
         <p:spPr/>
         <p:txBody>
           <a:bodyPr vert="horz" wrap="square" anchor="t"/>
+          <a:lstStyle/>
           <a:p>
             <a:pPr lvl="0" eaLnBrk="1" hangingPunct="1"/>
             <a:r>
@@ -13451,9 +13483,6 @@
               </a:rPr>
               <a:t>Manter a maior simplicidade possível;</a:t>
             </a:r>
-            <a:endParaRPr lang="x-none" sz="2100">
-              <a:sym typeface="+mn-ea"/>
-            </a:endParaRPr>
           </a:p>
           <a:p>
             <a:pPr marL="800100" lvl="1" indent="-342900" eaLnBrk="1" hangingPunct="1">
@@ -13475,9 +13504,6 @@
               </a:rPr>
               <a:t>Atender as requisições o mais rápido;</a:t>
             </a:r>
-            <a:endParaRPr lang="x-none" sz="2100">
-              <a:sym typeface="+mn-ea"/>
-            </a:endParaRPr>
           </a:p>
           <a:p>
             <a:pPr marL="800100" lvl="1" indent="-342900" eaLnBrk="1" hangingPunct="1">
@@ -13499,9 +13525,6 @@
               </a:rPr>
               <a:t>Evitar problemas de concorrência;</a:t>
             </a:r>
-            <a:endParaRPr lang="x-none" sz="2100">
-              <a:sym typeface="+mn-ea"/>
-            </a:endParaRPr>
           </a:p>
           <a:p>
             <a:pPr marL="800100" lvl="1" indent="-342900" eaLnBrk="1" hangingPunct="1">
@@ -13531,7 +13554,6 @@
               <a:rPr lang="x-none" b="1"/>
               <a:t>: </a:t>
             </a:r>
-            <a:endParaRPr lang="x-none" b="1"/>
           </a:p>
           <a:p>
             <a:pPr marL="800100" lvl="1" indent="-342900" algn="l" eaLnBrk="1" hangingPunct="1">
@@ -13551,7 +13573,6 @@
               <a:rPr lang="x-none" sz="2100"/>
               <a:t>Interrupções com maior prioridade que tarefas do sistema;</a:t>
             </a:r>
-            <a:endParaRPr lang="x-none" sz="2100"/>
           </a:p>
           <a:p>
             <a:pPr marL="800100" lvl="1" indent="-342900" algn="l" eaLnBrk="1" hangingPunct="1">
@@ -13571,7 +13592,6 @@
               <a:rPr lang="x-none" sz="2100"/>
               <a:t>Não existe encadeamento de interrupções;</a:t>
             </a:r>
-            <a:endParaRPr lang="x-none" sz="2100"/>
           </a:p>
           <a:p>
             <a:pPr marL="800100" lvl="1" indent="-342900" algn="l" eaLnBrk="1" hangingPunct="1">
@@ -13591,7 +13611,6 @@
               <a:rPr lang="x-none" sz="2100"/>
               <a:t>Não existe interrupção enquanto uma tarefa utiliza alguma estrutura do Kernel;</a:t>
             </a:r>
-            <a:endParaRPr lang="x-none" sz="2100"/>
           </a:p>
           <a:p>
             <a:pPr marL="800100" lvl="1" indent="-342900" eaLnBrk="1" hangingPunct="1">
@@ -13604,6 +13623,60 @@
       </p:sp>
       <p:sp>
         <p:nvSpPr>
+          <p:cNvPr id="5" name="Date Placeholder 4"/>
+          <p:cNvSpPr>
+            <a:spLocks noGrp="1"/>
+          </p:cNvSpPr>
+          <p:nvPr>
+            <p:ph type="dt" sz="half" idx="10"/>
+          </p:nvPr>
+        </p:nvSpPr>
+        <p:spPr/>
+        <p:txBody>
+          <a:bodyPr/>
+          <a:lstStyle/>
+          <a:p>
+            <a:pPr lvl="0" eaLnBrk="1" hangingPunct="1"/>
+            <a:r>
+              <a:rPr lang="en-US" altLang="en-US" dirty="0"/>
+              <a:t>5/6/2017</a:t>
+            </a:r>
+            <a:endParaRPr lang="zh-CN" altLang="en-US" dirty="0"/>
+          </a:p>
+        </p:txBody>
+      </p:sp>
+      <p:sp>
+        <p:nvSpPr>
+          <p:cNvPr id="6" name="Footer Placeholder 5"/>
+          <p:cNvSpPr>
+            <a:spLocks noGrp="1"/>
+          </p:cNvSpPr>
+          <p:nvPr>
+            <p:ph type="ftr" sz="quarter" idx="11"/>
+          </p:nvPr>
+        </p:nvSpPr>
+        <p:spPr/>
+        <p:txBody>
+          <a:bodyPr/>
+          <a:lstStyle/>
+          <a:p>
+            <a:pPr lvl="0" eaLnBrk="1" hangingPunct="1"/>
+            <a:r>
+              <a:rPr lang="zh-CN" altLang="en-US" dirty="0"/>
+              <a:t>Seminário de [EC 009] - Sistemas Operacionáis</a:t>
+            </a:r>
+            <a:br>
+              <a:rPr lang="zh-CN" altLang="en-US" dirty="0"/>
+            </a:br>
+            <a:r>
+              <a:rPr lang="x-none" altLang="zh-CN" dirty="0"/>
+              <a:t>Institúto Nascional de Telecomunicações</a:t>
+            </a:r>
+          </a:p>
+        </p:txBody>
+      </p:sp>
+      <p:sp>
+        <p:nvSpPr>
           <p:cNvPr id="3" name="Slide Number Placeholder 2"/>
           <p:cNvSpPr>
             <a:spLocks noGrp="1"/>
@@ -13612,78 +13685,17 @@
             <p:ph type="sldNum" sz="quarter" idx="12"/>
           </p:nvPr>
         </p:nvSpPr>
-        <p:spPr>
-          <a:xfrm>
-            <a:off x="6913880" y="6298565"/>
-            <a:ext cx="2106295" cy="476250"/>
-          </a:xfrm>
-        </p:spPr>
-        <p:txBody>
-          <a:bodyPr/>
+        <p:spPr/>
+        <p:txBody>
+          <a:bodyPr/>
+          <a:lstStyle/>
           <a:p>
             <a:pPr lvl="0" eaLnBrk="1" hangingPunct="1"/>
             <a:fld id="{9A0DB2DC-4C9A-4742-B13C-FB6460FD3503}" type="slidenum">
               <a:rPr lang="zh-CN" altLang="en-US" sz="2400" dirty="0"/>
+              <a:t>6</a:t>
             </a:fld>
             <a:endParaRPr lang="zh-CN" altLang="en-US" sz="2400" dirty="0"/>
-          </a:p>
-        </p:txBody>
-      </p:sp>
-      <p:sp>
-        <p:nvSpPr>
-          <p:cNvPr id="5" name="Date Placeholder 4"/>
-          <p:cNvSpPr>
-            <a:spLocks noGrp="1"/>
-          </p:cNvSpPr>
-          <p:nvPr>
-            <p:ph type="dt" sz="half" idx="10"/>
-          </p:nvPr>
-        </p:nvSpPr>
-        <p:spPr/>
-        <p:txBody>
-          <a:bodyPr/>
-          <a:p>
-            <a:pPr lvl="0" eaLnBrk="1" hangingPunct="1"/>
-            <a:r>
-              <a:rPr lang="en-US" altLang="en-US" dirty="0"/>
-              <a:t>5/6/2017</a:t>
-            </a:r>
-            <a:endParaRPr lang="zh-CN" altLang="en-US" dirty="0"/>
-          </a:p>
-        </p:txBody>
-      </p:sp>
-      <p:sp>
-        <p:nvSpPr>
-          <p:cNvPr id="6" name="Footer Placeholder 5"/>
-          <p:cNvSpPr>
-            <a:spLocks noGrp="1"/>
-          </p:cNvSpPr>
-          <p:nvPr>
-            <p:ph type="ftr" sz="quarter" idx="11"/>
-          </p:nvPr>
-        </p:nvSpPr>
-        <p:spPr>
-          <a:xfrm>
-            <a:off x="2500630" y="6357620"/>
-            <a:ext cx="4140200" cy="365125"/>
-          </a:xfrm>
-        </p:spPr>
-        <p:txBody>
-          <a:bodyPr/>
-          <a:p>
-            <a:pPr lvl="0" eaLnBrk="1" hangingPunct="1"/>
-            <a:r>
-              <a:rPr lang="zh-CN" altLang="en-US" dirty="0"/>
-              <a:t>Seminário de [EC 009] - Sistemas Operacionáis</a:t>
-            </a:r>
-            <a:br>
-              <a:rPr lang="zh-CN" altLang="en-US" dirty="0"/>
-            </a:br>
-            <a:r>
-              <a:rPr lang="x-none" altLang="zh-CN" dirty="0"/>
-              <a:t>Institúto Nascional de Telecomunicações</a:t>
-            </a:r>
-            <a:endParaRPr lang="x-none" altLang="zh-CN" dirty="0"/>
           </a:p>
         </p:txBody>
       </p:sp>
@@ -13704,11 +13716,20 @@
         <p:cNvGrpSpPr/>
         <p:nvPr/>
       </p:nvGrpSpPr>
-      <p:grpSpPr/>
+      <p:grpSpPr>
+        <a:xfrm>
+          <a:off x="0" y="0"/>
+          <a:ext cx="0" cy="0"/>
+          <a:chOff x="0" y="0"/>
+          <a:chExt cx="0" cy="0"/>
+        </a:xfrm>
+      </p:grpSpPr>
       <p:sp>
         <p:nvSpPr>
           <p:cNvPr id="5122" name="Rectangle 5"/>
-          <p:cNvSpPr/>
+          <p:cNvSpPr>
+            <a:spLocks noGrp="1"/>
+          </p:cNvSpPr>
           <p:nvPr>
             <p:ph type="title"/>
           </p:nvPr>
@@ -13716,13 +13737,13 @@
         <p:spPr/>
         <p:txBody>
           <a:bodyPr vert="horz" wrap="square" lIns="0" tIns="0" rIns="0" bIns="0" anchor="b"/>
+          <a:lstStyle/>
           <a:p>
             <a:pPr lvl="0" eaLnBrk="1" hangingPunct="1"/>
             <a:r>
               <a:rPr lang="x-none" altLang="zh-CN" dirty="0"/>
               <a:t>SIRTOS - Gerenciamento de Memória</a:t>
             </a:r>
-            <a:endParaRPr lang="x-none" altLang="zh-CN" dirty="0"/>
           </a:p>
         </p:txBody>
       </p:sp>
@@ -13733,12 +13754,13 @@
             <a:spLocks noGrp="1"/>
           </p:cNvSpPr>
           <p:nvPr>
-            <p:ph type="body"/>
+            <p:ph idx="1"/>
           </p:nvPr>
         </p:nvSpPr>
         <p:spPr/>
         <p:txBody>
           <a:bodyPr vert="horz" wrap="square" anchor="t"/>
+          <a:lstStyle/>
           <a:p>
             <a:pPr lvl="0" eaLnBrk="1" hangingPunct="1"/>
             <a:r>
@@ -13747,9 +13769,6 @@
               </a:rPr>
               <a:t>Premissas:</a:t>
             </a:r>
-            <a:endParaRPr lang="x-none" sz="2200" b="1">
-              <a:sym typeface="+mn-ea"/>
-            </a:endParaRPr>
           </a:p>
           <a:p>
             <a:pPr marL="800100" lvl="1" indent="-342900" algn="l" eaLnBrk="1" hangingPunct="1">
@@ -13793,9 +13812,6 @@
               </a:rPr>
               <a:t>Permitir a implementação de um sistema multitarefa com interface gráfica;</a:t>
             </a:r>
-            <a:endParaRPr lang="x-none" sz="2100">
-              <a:sym typeface="+mn-ea"/>
-            </a:endParaRPr>
           </a:p>
           <a:p>
             <a:pPr marL="457200" lvl="1" indent="0" eaLnBrk="1" hangingPunct="1">
@@ -13821,9 +13837,6 @@
               </a:rPr>
               <a:t>Concepção:</a:t>
             </a:r>
-            <a:endParaRPr lang="x-none" sz="2200" b="1">
-              <a:sym typeface="+mn-ea"/>
-            </a:endParaRPr>
           </a:p>
           <a:p>
             <a:pPr marL="800100" lvl="1" indent="-342900" eaLnBrk="1" hangingPunct="1">
@@ -13866,12 +13879,6 @@
               </a:rPr>
               <a:t>de memória;</a:t>
             </a:r>
-            <a:endParaRPr lang="x-none" sz="2100">
-              <a:solidFill>
-                <a:srgbClr val="7D7D7D"/>
-              </a:solidFill>
-              <a:sym typeface="+mn-ea"/>
-            </a:endParaRPr>
           </a:p>
           <a:p>
             <a:pPr marL="800100" lvl="1" indent="-342900" eaLnBrk="1" hangingPunct="1">
@@ -13896,12 +13903,6 @@
               </a:rPr>
               <a:t>Suporte a paginação e segmentação;</a:t>
             </a:r>
-            <a:endParaRPr lang="x-none" sz="2100">
-              <a:solidFill>
-                <a:srgbClr val="7D7D7D"/>
-              </a:solidFill>
-              <a:sym typeface="+mn-ea"/>
-            </a:endParaRPr>
           </a:p>
           <a:p>
             <a:pPr marL="800100" lvl="1" indent="-342900" algn="l" eaLnBrk="1" hangingPunct="1">
@@ -13926,12 +13927,60 @@
               </a:rPr>
               <a:t>Permite a implementação de Swapping e Memória Virtual;</a:t>
             </a:r>
-            <a:endParaRPr lang="x-none" sz="2100">
-              <a:solidFill>
-                <a:srgbClr val="7D7D7D"/>
-              </a:solidFill>
-              <a:sym typeface="+mn-ea"/>
-            </a:endParaRPr>
+          </a:p>
+        </p:txBody>
+      </p:sp>
+      <p:sp>
+        <p:nvSpPr>
+          <p:cNvPr id="5" name="Date Placeholder 4"/>
+          <p:cNvSpPr>
+            <a:spLocks noGrp="1"/>
+          </p:cNvSpPr>
+          <p:nvPr>
+            <p:ph type="dt" sz="half" idx="10"/>
+          </p:nvPr>
+        </p:nvSpPr>
+        <p:spPr/>
+        <p:txBody>
+          <a:bodyPr/>
+          <a:lstStyle/>
+          <a:p>
+            <a:pPr lvl="0" eaLnBrk="1" hangingPunct="1"/>
+            <a:r>
+              <a:rPr lang="en-US" altLang="en-US" dirty="0"/>
+              <a:t>5/6/2017</a:t>
+            </a:r>
+            <a:endParaRPr lang="zh-CN" altLang="en-US" dirty="0"/>
+          </a:p>
+        </p:txBody>
+      </p:sp>
+      <p:sp>
+        <p:nvSpPr>
+          <p:cNvPr id="2" name="Footer Placeholder 1"/>
+          <p:cNvSpPr>
+            <a:spLocks noGrp="1"/>
+          </p:cNvSpPr>
+          <p:nvPr>
+            <p:ph type="ftr" sz="quarter" idx="11"/>
+          </p:nvPr>
+        </p:nvSpPr>
+        <p:spPr/>
+        <p:txBody>
+          <a:bodyPr/>
+          <a:lstStyle/>
+          <a:p>
+            <a:pPr lvl="0" eaLnBrk="1" hangingPunct="1"/>
+            <a:r>
+              <a:rPr lang="zh-CN" altLang="en-US" dirty="0"/>
+              <a:t>Seminário de [EC 009] - Sistemas Operacionáis</a:t>
+            </a:r>
+            <a:br>
+              <a:rPr lang="zh-CN" altLang="en-US" dirty="0"/>
+            </a:br>
+            <a:r>
+              <a:rPr lang="x-none" altLang="zh-CN" dirty="0"/>
+              <a:t>Institúto Nascional de Telecomunicações</a:t>
+            </a:r>
           </a:p>
         </p:txBody>
       </p:sp>
@@ -13945,78 +13994,17 @@
             <p:ph type="sldNum" sz="quarter" idx="12"/>
           </p:nvPr>
         </p:nvSpPr>
-        <p:spPr>
-          <a:xfrm>
-            <a:off x="6913880" y="6298565"/>
-            <a:ext cx="2106295" cy="476250"/>
-          </a:xfrm>
-        </p:spPr>
-        <p:txBody>
-          <a:bodyPr/>
+        <p:spPr/>
+        <p:txBody>
+          <a:bodyPr/>
+          <a:lstStyle/>
           <a:p>
             <a:pPr lvl="0" eaLnBrk="1" hangingPunct="1"/>
             <a:fld id="{9A0DB2DC-4C9A-4742-B13C-FB6460FD3503}" type="slidenum">
               <a:rPr lang="zh-CN" altLang="en-US" sz="2400" dirty="0"/>
+              <a:t>7</a:t>
             </a:fld>
             <a:endParaRPr lang="zh-CN" altLang="en-US" sz="2400" dirty="0"/>
-          </a:p>
-        </p:txBody>
-      </p:sp>
-      <p:sp>
-        <p:nvSpPr>
-          <p:cNvPr id="5" name="Date Placeholder 4"/>
-          <p:cNvSpPr>
-            <a:spLocks noGrp="1"/>
-          </p:cNvSpPr>
-          <p:nvPr>
-            <p:ph type="dt" sz="half" idx="10"/>
-          </p:nvPr>
-        </p:nvSpPr>
-        <p:spPr/>
-        <p:txBody>
-          <a:bodyPr/>
-          <a:p>
-            <a:pPr lvl="0" eaLnBrk="1" hangingPunct="1"/>
-            <a:r>
-              <a:rPr lang="en-US" altLang="en-US" dirty="0"/>
-              <a:t>5/6/2017</a:t>
-            </a:r>
-            <a:endParaRPr lang="zh-CN" altLang="en-US" dirty="0"/>
-          </a:p>
-        </p:txBody>
-      </p:sp>
-      <p:sp>
-        <p:nvSpPr>
-          <p:cNvPr id="2" name="Footer Placeholder 1"/>
-          <p:cNvSpPr>
-            <a:spLocks noGrp="1"/>
-          </p:cNvSpPr>
-          <p:nvPr>
-            <p:ph type="ftr" sz="quarter" idx="11"/>
-          </p:nvPr>
-        </p:nvSpPr>
-        <p:spPr>
-          <a:xfrm>
-            <a:off x="2500630" y="6357620"/>
-            <a:ext cx="4140200" cy="365125"/>
-          </a:xfrm>
-        </p:spPr>
-        <p:txBody>
-          <a:bodyPr/>
-          <a:p>
-            <a:pPr lvl="0" eaLnBrk="1" hangingPunct="1"/>
-            <a:r>
-              <a:rPr lang="zh-CN" altLang="en-US" dirty="0"/>
-              <a:t>Seminário de [EC 009] - Sistemas Operacionáis</a:t>
-            </a:r>
-            <a:br>
-              <a:rPr lang="zh-CN" altLang="en-US" dirty="0"/>
-            </a:br>
-            <a:r>
-              <a:rPr lang="x-none" altLang="zh-CN" dirty="0"/>
-              <a:t>Institúto Nascional de Telecomunicações</a:t>
-            </a:r>
-            <a:endParaRPr lang="x-none" altLang="zh-CN" dirty="0"/>
           </a:p>
         </p:txBody>
       </p:sp>
@@ -14037,11 +14025,20 @@
         <p:cNvGrpSpPr/>
         <p:nvPr/>
       </p:nvGrpSpPr>
-      <p:grpSpPr/>
+      <p:grpSpPr>
+        <a:xfrm>
+          <a:off x="0" y="0"/>
+          <a:ext cx="0" cy="0"/>
+          <a:chOff x="0" y="0"/>
+          <a:chExt cx="0" cy="0"/>
+        </a:xfrm>
+      </p:grpSpPr>
       <p:sp>
         <p:nvSpPr>
           <p:cNvPr id="5122" name="Rectangle 5"/>
-          <p:cNvSpPr/>
+          <p:cNvSpPr>
+            <a:spLocks noGrp="1"/>
+          </p:cNvSpPr>
           <p:nvPr>
             <p:ph type="title"/>
           </p:nvPr>
@@ -14049,98 +14046,13 @@
         <p:spPr/>
         <p:txBody>
           <a:bodyPr vert="horz" wrap="square" lIns="0" tIns="0" rIns="0" bIns="0" anchor="b"/>
+          <a:lstStyle/>
           <a:p>
             <a:pPr lvl="0" eaLnBrk="1" hangingPunct="1"/>
             <a:r>
               <a:rPr lang="x-none" altLang="zh-CN" dirty="0"/>
               <a:t>SIRTOS - Multitasking</a:t>
             </a:r>
-            <a:endParaRPr lang="x-none" altLang="zh-CN" dirty="0"/>
-          </a:p>
-        </p:txBody>
-      </p:sp>
-      <p:sp>
-        <p:nvSpPr>
-          <p:cNvPr id="3" name="Slide Number Placeholder 2"/>
-          <p:cNvSpPr>
-            <a:spLocks noGrp="1"/>
-          </p:cNvSpPr>
-          <p:nvPr>
-            <p:ph type="sldNum" sz="quarter" idx="12"/>
-          </p:nvPr>
-        </p:nvSpPr>
-        <p:spPr>
-          <a:xfrm>
-            <a:off x="6913880" y="6298565"/>
-            <a:ext cx="2106295" cy="476250"/>
-          </a:xfrm>
-        </p:spPr>
-        <p:txBody>
-          <a:bodyPr/>
-          <a:p>
-            <a:pPr lvl="0" eaLnBrk="1" hangingPunct="1"/>
-            <a:fld id="{9A0DB2DC-4C9A-4742-B13C-FB6460FD3503}" type="slidenum">
-              <a:rPr lang="zh-CN" altLang="en-US" sz="2400" dirty="0"/>
-            </a:fld>
-            <a:endParaRPr lang="zh-CN" altLang="en-US" sz="2400" dirty="0"/>
-          </a:p>
-        </p:txBody>
-      </p:sp>
-      <p:sp>
-        <p:nvSpPr>
-          <p:cNvPr id="5" name="Date Placeholder 4"/>
-          <p:cNvSpPr>
-            <a:spLocks noGrp="1"/>
-          </p:cNvSpPr>
-          <p:nvPr>
-            <p:ph type="dt" sz="half" idx="10"/>
-          </p:nvPr>
-        </p:nvSpPr>
-        <p:spPr/>
-        <p:txBody>
-          <a:bodyPr/>
-          <a:p>
-            <a:pPr lvl="0" eaLnBrk="1" hangingPunct="1"/>
-            <a:r>
-              <a:rPr lang="en-US" altLang="en-US" dirty="0"/>
-              <a:t>5/6/2017</a:t>
-            </a:r>
-            <a:endParaRPr lang="zh-CN" altLang="en-US" dirty="0"/>
-          </a:p>
-        </p:txBody>
-      </p:sp>
-      <p:sp>
-        <p:nvSpPr>
-          <p:cNvPr id="6" name="Footer Placeholder 5"/>
-          <p:cNvSpPr>
-            <a:spLocks noGrp="1"/>
-          </p:cNvSpPr>
-          <p:nvPr>
-            <p:ph type="ftr" sz="quarter" idx="11"/>
-          </p:nvPr>
-        </p:nvSpPr>
-        <p:spPr>
-          <a:xfrm>
-            <a:off x="2500630" y="6357620"/>
-            <a:ext cx="4140200" cy="365125"/>
-          </a:xfrm>
-        </p:spPr>
-        <p:txBody>
-          <a:bodyPr/>
-          <a:p>
-            <a:pPr lvl="0" eaLnBrk="1" hangingPunct="1"/>
-            <a:r>
-              <a:rPr lang="zh-CN" altLang="en-US" dirty="0"/>
-              <a:t>Seminário de [EC 009] - Sistemas Operacionáis</a:t>
-            </a:r>
-            <a:br>
-              <a:rPr lang="zh-CN" altLang="en-US" dirty="0"/>
-            </a:br>
-            <a:r>
-              <a:rPr lang="x-none" altLang="zh-CN" dirty="0"/>
-              <a:t>Institúto Nascional de Telecomunicações</a:t>
-            </a:r>
-            <a:endParaRPr lang="x-none" altLang="zh-CN" dirty="0"/>
           </a:p>
         </p:txBody>
       </p:sp>
@@ -14151,12 +14063,13 @@
             <a:spLocks noGrp="1"/>
           </p:cNvSpPr>
           <p:nvPr>
-            <p:ph type="body"/>
+            <p:ph idx="1"/>
           </p:nvPr>
         </p:nvSpPr>
         <p:spPr/>
         <p:txBody>
           <a:bodyPr vert="horz" wrap="square" anchor="t"/>
+          <a:lstStyle/>
           <a:p>
             <a:pPr lvl="0" eaLnBrk="1" hangingPunct="1"/>
             <a:r>
@@ -14165,9 +14078,6 @@
               </a:rPr>
               <a:t>Premissas:</a:t>
             </a:r>
-            <a:endParaRPr lang="x-none" sz="2200" b="1">
-              <a:sym typeface="+mn-ea"/>
-            </a:endParaRPr>
           </a:p>
           <a:p>
             <a:pPr marL="800100" lvl="1" indent="-342900" algn="l" eaLnBrk="1" hangingPunct="1">
@@ -14211,9 +14121,6 @@
               </a:rPr>
               <a:t>Permitir a implementação de um sistema com GUI;</a:t>
             </a:r>
-            <a:endParaRPr lang="x-none" sz="2100">
-              <a:sym typeface="+mn-ea"/>
-            </a:endParaRPr>
           </a:p>
           <a:p>
             <a:pPr marL="800100" lvl="1" indent="-342900" algn="l" eaLnBrk="1" hangingPunct="1">
@@ -14247,9 +14154,6 @@
               </a:rPr>
               <a:t>;</a:t>
             </a:r>
-            <a:endParaRPr lang="x-none" sz="2100">
-              <a:sym typeface="+mn-ea"/>
-            </a:endParaRPr>
           </a:p>
           <a:p>
             <a:pPr lvl="0" eaLnBrk="1" hangingPunct="1"/>
@@ -14259,9 +14163,6 @@
               </a:rPr>
               <a:t>Concepção:</a:t>
             </a:r>
-            <a:endParaRPr lang="x-none" sz="2200" b="1">
-              <a:sym typeface="+mn-ea"/>
-            </a:endParaRPr>
           </a:p>
           <a:p>
             <a:pPr marL="800100" lvl="1" indent="-342900" algn="l" eaLnBrk="1" hangingPunct="1">
@@ -14302,23 +14203,8 @@
                 </a:solidFill>
                 <a:sym typeface="+mn-ea"/>
               </a:rPr>
-              <a:t>"</a:t>
-            </a:r>
-            <a:r>
-              <a:rPr lang="x-none" sz="2100">
-                <a:solidFill>
-                  <a:srgbClr val="7D7D7D"/>
-                </a:solidFill>
-                <a:sym typeface="+mn-ea"/>
-              </a:rPr>
-              <a:t>, com duração definida em TICKS;</a:t>
-            </a:r>
-            <a:endParaRPr lang="x-none" sz="2100">
-              <a:solidFill>
-                <a:srgbClr val="7D7D7D"/>
-              </a:solidFill>
-              <a:sym typeface="+mn-ea"/>
-            </a:endParaRPr>
+              <a:t>", com duração definida em TICKS;</a:t>
+            </a:r>
           </a:p>
           <a:p>
             <a:pPr marL="800100" lvl="1" indent="-342900" algn="l" eaLnBrk="1" hangingPunct="1">
@@ -14361,12 +14247,6 @@
               </a:rPr>
               <a:t>;</a:t>
             </a:r>
-            <a:endParaRPr lang="x-none" sz="2100">
-              <a:solidFill>
-                <a:srgbClr val="7D7D7D"/>
-              </a:solidFill>
-              <a:sym typeface="+mn-ea"/>
-            </a:endParaRPr>
           </a:p>
           <a:p>
             <a:pPr marL="800100" lvl="1" indent="-342900" algn="l" eaLnBrk="1" hangingPunct="1">
@@ -14409,12 +14289,84 @@
               </a:rPr>
               <a:t> a menos que ela seja a única tarefa restante;</a:t>
             </a:r>
-            <a:endParaRPr lang="x-none" sz="2100">
-              <a:solidFill>
-                <a:srgbClr val="7D7D7D"/>
-              </a:solidFill>
-              <a:sym typeface="+mn-ea"/>
-            </a:endParaRPr>
+          </a:p>
+        </p:txBody>
+      </p:sp>
+      <p:sp>
+        <p:nvSpPr>
+          <p:cNvPr id="5" name="Date Placeholder 4"/>
+          <p:cNvSpPr>
+            <a:spLocks noGrp="1"/>
+          </p:cNvSpPr>
+          <p:nvPr>
+            <p:ph type="dt" sz="half" idx="10"/>
+          </p:nvPr>
+        </p:nvSpPr>
+        <p:spPr/>
+        <p:txBody>
+          <a:bodyPr/>
+          <a:lstStyle/>
+          <a:p>
+            <a:pPr lvl="0" eaLnBrk="1" hangingPunct="1"/>
+            <a:r>
+              <a:rPr lang="en-US" altLang="en-US" dirty="0"/>
+              <a:t>5/6/2017</a:t>
+            </a:r>
+            <a:endParaRPr lang="zh-CN" altLang="en-US" dirty="0"/>
+          </a:p>
+        </p:txBody>
+      </p:sp>
+      <p:sp>
+        <p:nvSpPr>
+          <p:cNvPr id="6" name="Footer Placeholder 5"/>
+          <p:cNvSpPr>
+            <a:spLocks noGrp="1"/>
+          </p:cNvSpPr>
+          <p:nvPr>
+            <p:ph type="ftr" sz="quarter" idx="11"/>
+          </p:nvPr>
+        </p:nvSpPr>
+        <p:spPr/>
+        <p:txBody>
+          <a:bodyPr/>
+          <a:lstStyle/>
+          <a:p>
+            <a:pPr lvl="0" eaLnBrk="1" hangingPunct="1"/>
+            <a:r>
+              <a:rPr lang="zh-CN" altLang="en-US" dirty="0"/>
+              <a:t>Seminário de [EC 009] - Sistemas Operacionáis</a:t>
+            </a:r>
+            <a:br>
+              <a:rPr lang="zh-CN" altLang="en-US" dirty="0"/>
+            </a:br>
+            <a:r>
+              <a:rPr lang="x-none" altLang="zh-CN" dirty="0"/>
+              <a:t>Institúto Nascional de Telecomunicações</a:t>
+            </a:r>
+          </a:p>
+        </p:txBody>
+      </p:sp>
+      <p:sp>
+        <p:nvSpPr>
+          <p:cNvPr id="3" name="Slide Number Placeholder 2"/>
+          <p:cNvSpPr>
+            <a:spLocks noGrp="1"/>
+          </p:cNvSpPr>
+          <p:nvPr>
+            <p:ph type="sldNum" sz="quarter" idx="12"/>
+          </p:nvPr>
+        </p:nvSpPr>
+        <p:spPr/>
+        <p:txBody>
+          <a:bodyPr/>
+          <a:lstStyle/>
+          <a:p>
+            <a:pPr lvl="0" eaLnBrk="1" hangingPunct="1"/>
+            <a:fld id="{9A0DB2DC-4C9A-4742-B13C-FB6460FD3503}" type="slidenum">
+              <a:rPr lang="zh-CN" altLang="en-US" sz="2400" dirty="0"/>
+              <a:t>8</a:t>
+            </a:fld>
+            <a:endParaRPr lang="zh-CN" altLang="en-US" sz="2400" dirty="0"/>
           </a:p>
         </p:txBody>
       </p:sp>
@@ -14427,7 +14379,7 @@
           <p:nvPr/>
         </p:nvPicPr>
         <p:blipFill>
-          <a:blip r:embed="rId1"/>
+          <a:blip r:embed="rId3"/>
           <a:stretch>
             <a:fillRect/>
           </a:stretch>
@@ -14459,11 +14411,20 @@
         <p:cNvGrpSpPr/>
         <p:nvPr/>
       </p:nvGrpSpPr>
-      <p:grpSpPr/>
+      <p:grpSpPr>
+        <a:xfrm>
+          <a:off x="0" y="0"/>
+          <a:ext cx="0" cy="0"/>
+          <a:chOff x="0" y="0"/>
+          <a:chExt cx="0" cy="0"/>
+        </a:xfrm>
+      </p:grpSpPr>
       <p:sp>
         <p:nvSpPr>
           <p:cNvPr id="5122" name="Rectangle 5"/>
-          <p:cNvSpPr/>
+          <p:cNvSpPr>
+            <a:spLocks noGrp="1"/>
+          </p:cNvSpPr>
           <p:nvPr>
             <p:ph type="title"/>
           </p:nvPr>
@@ -14471,6 +14432,7 @@
         <p:spPr/>
         <p:txBody>
           <a:bodyPr vert="horz" wrap="square" lIns="0" tIns="0" rIns="0" bIns="0" anchor="b"/>
+          <a:lstStyle/>
           <a:p>
             <a:pPr lvl="0" eaLnBrk="1" hangingPunct="1"/>
             <a:r>
@@ -14481,92 +14443,6 @@
               <a:rPr lang="x-none" dirty="0"/>
               <a:t>Multitasking</a:t>
             </a:r>
-            <a:endParaRPr lang="x-none" dirty="0"/>
-          </a:p>
-        </p:txBody>
-      </p:sp>
-      <p:sp>
-        <p:nvSpPr>
-          <p:cNvPr id="3" name="Slide Number Placeholder 2"/>
-          <p:cNvSpPr>
-            <a:spLocks noGrp="1"/>
-          </p:cNvSpPr>
-          <p:nvPr>
-            <p:ph type="sldNum" sz="quarter" idx="12"/>
-          </p:nvPr>
-        </p:nvSpPr>
-        <p:spPr>
-          <a:xfrm>
-            <a:off x="6913880" y="6298565"/>
-            <a:ext cx="2106295" cy="476250"/>
-          </a:xfrm>
-        </p:spPr>
-        <p:txBody>
-          <a:bodyPr/>
-          <a:p>
-            <a:pPr lvl="0" eaLnBrk="1" hangingPunct="1"/>
-            <a:fld id="{9A0DB2DC-4C9A-4742-B13C-FB6460FD3503}" type="slidenum">
-              <a:rPr lang="zh-CN" altLang="en-US" sz="2400" dirty="0"/>
-            </a:fld>
-            <a:endParaRPr lang="zh-CN" altLang="en-US" sz="2400" dirty="0"/>
-          </a:p>
-        </p:txBody>
-      </p:sp>
-      <p:sp>
-        <p:nvSpPr>
-          <p:cNvPr id="5" name="Date Placeholder 4"/>
-          <p:cNvSpPr>
-            <a:spLocks noGrp="1"/>
-          </p:cNvSpPr>
-          <p:nvPr>
-            <p:ph type="dt" sz="half" idx="10"/>
-          </p:nvPr>
-        </p:nvSpPr>
-        <p:spPr/>
-        <p:txBody>
-          <a:bodyPr/>
-          <a:p>
-            <a:pPr lvl="0" eaLnBrk="1" hangingPunct="1"/>
-            <a:r>
-              <a:rPr lang="en-US" altLang="en-US" dirty="0"/>
-              <a:t>5/6/2017</a:t>
-            </a:r>
-            <a:endParaRPr lang="zh-CN" altLang="en-US" dirty="0"/>
-          </a:p>
-        </p:txBody>
-      </p:sp>
-      <p:sp>
-        <p:nvSpPr>
-          <p:cNvPr id="7" name="Footer Placeholder 6"/>
-          <p:cNvSpPr>
-            <a:spLocks noGrp="1"/>
-          </p:cNvSpPr>
-          <p:nvPr>
-            <p:ph type="ftr" sz="quarter" idx="11"/>
-          </p:nvPr>
-        </p:nvSpPr>
-        <p:spPr>
-          <a:xfrm>
-            <a:off x="2500630" y="6357620"/>
-            <a:ext cx="4140200" cy="365125"/>
-          </a:xfrm>
-        </p:spPr>
-        <p:txBody>
-          <a:bodyPr/>
-          <a:p>
-            <a:pPr lvl="0" eaLnBrk="1" hangingPunct="1"/>
-            <a:r>
-              <a:rPr lang="zh-CN" altLang="en-US" dirty="0"/>
-              <a:t>Seminário de [EC 009] - Sistemas Operacionáis</a:t>
-            </a:r>
-            <a:br>
-              <a:rPr lang="zh-CN" altLang="en-US" dirty="0"/>
-            </a:br>
-            <a:r>
-              <a:rPr lang="x-none" altLang="zh-CN" dirty="0"/>
-              <a:t>Institúto Nascional de Telecomunicações</a:t>
-            </a:r>
-            <a:endParaRPr lang="x-none" altLang="zh-CN" dirty="0"/>
           </a:p>
         </p:txBody>
       </p:sp>
@@ -14577,12 +14453,13 @@
             <a:spLocks noGrp="1"/>
           </p:cNvSpPr>
           <p:nvPr>
-            <p:ph type="body"/>
+            <p:ph idx="1"/>
           </p:nvPr>
         </p:nvSpPr>
         <p:spPr/>
         <p:txBody>
           <a:bodyPr vert="horz" wrap="square" anchor="t"/>
+          <a:lstStyle/>
           <a:p>
             <a:pPr lvl="0" eaLnBrk="1" hangingPunct="1"/>
             <a:r>
@@ -14591,9 +14468,6 @@
               </a:rPr>
               <a:t>Problemas:</a:t>
             </a:r>
-            <a:endParaRPr lang="x-none" sz="2200" b="1">
-              <a:sym typeface="+mn-ea"/>
-            </a:endParaRPr>
           </a:p>
           <a:p>
             <a:pPr marL="800100" lvl="1" indent="-342900" algn="l" eaLnBrk="1" hangingPunct="1">
@@ -14657,9 +14531,6 @@
               </a:rPr>
               <a:t>A ocorrência de interrupções pode fazer com que uma tarefa não finalize dentro de sua deadline;</a:t>
             </a:r>
-            <a:endParaRPr lang="x-none" sz="2100">
-              <a:sym typeface="+mn-ea"/>
-            </a:endParaRPr>
           </a:p>
           <a:p>
             <a:pPr lvl="0" eaLnBrk="1" hangingPunct="1"/>
@@ -14771,9 +14642,6 @@
               </a:rPr>
               <a:t>;</a:t>
             </a:r>
-            <a:endParaRPr lang="x-none" sz="2100">
-              <a:sym typeface="+mn-ea"/>
-            </a:endParaRPr>
           </a:p>
           <a:p>
             <a:pPr marL="800100" lvl="1" indent="-342900" algn="l" eaLnBrk="1" hangingPunct="1">
@@ -14804,6 +14672,84 @@
           </a:p>
         </p:txBody>
       </p:sp>
+      <p:sp>
+        <p:nvSpPr>
+          <p:cNvPr id="5" name="Date Placeholder 4"/>
+          <p:cNvSpPr>
+            <a:spLocks noGrp="1"/>
+          </p:cNvSpPr>
+          <p:nvPr>
+            <p:ph type="dt" sz="half" idx="10"/>
+          </p:nvPr>
+        </p:nvSpPr>
+        <p:spPr/>
+        <p:txBody>
+          <a:bodyPr/>
+          <a:lstStyle/>
+          <a:p>
+            <a:pPr lvl="0" eaLnBrk="1" hangingPunct="1"/>
+            <a:r>
+              <a:rPr lang="en-US" altLang="en-US" dirty="0"/>
+              <a:t>5/6/2017</a:t>
+            </a:r>
+            <a:endParaRPr lang="zh-CN" altLang="en-US" dirty="0"/>
+          </a:p>
+        </p:txBody>
+      </p:sp>
+      <p:sp>
+        <p:nvSpPr>
+          <p:cNvPr id="7" name="Footer Placeholder 6"/>
+          <p:cNvSpPr>
+            <a:spLocks noGrp="1"/>
+          </p:cNvSpPr>
+          <p:nvPr>
+            <p:ph type="ftr" sz="quarter" idx="11"/>
+          </p:nvPr>
+        </p:nvSpPr>
+        <p:spPr/>
+        <p:txBody>
+          <a:bodyPr/>
+          <a:lstStyle/>
+          <a:p>
+            <a:pPr lvl="0" eaLnBrk="1" hangingPunct="1"/>
+            <a:r>
+              <a:rPr lang="zh-CN" altLang="en-US" dirty="0"/>
+              <a:t>Seminário de [EC 009] - Sistemas Operacionáis</a:t>
+            </a:r>
+            <a:br>
+              <a:rPr lang="zh-CN" altLang="en-US" dirty="0"/>
+            </a:br>
+            <a:r>
+              <a:rPr lang="x-none" altLang="zh-CN" dirty="0"/>
+              <a:t>Institúto Nascional de Telecomunicações</a:t>
+            </a:r>
+          </a:p>
+        </p:txBody>
+      </p:sp>
+      <p:sp>
+        <p:nvSpPr>
+          <p:cNvPr id="3" name="Slide Number Placeholder 2"/>
+          <p:cNvSpPr>
+            <a:spLocks noGrp="1"/>
+          </p:cNvSpPr>
+          <p:nvPr>
+            <p:ph type="sldNum" sz="quarter" idx="12"/>
+          </p:nvPr>
+        </p:nvSpPr>
+        <p:spPr/>
+        <p:txBody>
+          <a:bodyPr/>
+          <a:lstStyle/>
+          <a:p>
+            <a:pPr lvl="0" eaLnBrk="1" hangingPunct="1"/>
+            <a:fld id="{9A0DB2DC-4C9A-4742-B13C-FB6460FD3503}" type="slidenum">
+              <a:rPr lang="zh-CN" altLang="en-US" sz="2400" dirty="0"/>
+              <a:t>9</a:t>
+            </a:fld>
+            <a:endParaRPr lang="zh-CN" altLang="en-US" sz="2400" dirty="0"/>
+          </a:p>
+        </p:txBody>
+      </p:sp>
       <p:pic>
         <p:nvPicPr>
           <p:cNvPr id="19" name="Imagem 18" descr="/home/vitor/Imagens/Seminario SO/Scheduling_ERRO.pngScheduling_ERRO"/>
@@ -14813,7 +14759,7 @@
           <p:nvPr/>
         </p:nvPicPr>
         <p:blipFill>
-          <a:blip r:embed="rId1"/>
+          <a:blip r:embed="rId3"/>
           <a:srcRect/>
           <a:stretch>
             <a:fillRect/>

--- a/Seminario-PPTX.pptx
+++ b/Seminario-PPTX.pptx
@@ -6,7 +6,7 @@
     <p:sldMasterId id="2147483660" r:id="rId2"/>
   </p:sldMasterIdLst>
   <p:notesMasterIdLst>
-    <p:notesMasterId r:id="rId19"/>
+    <p:notesMasterId r:id="rId20"/>
   </p:notesMasterIdLst>
   <p:sldIdLst>
     <p:sldId id="256" r:id="rId3"/>
@@ -24,10 +24,11 @@
     <p:sldId id="270" r:id="rId15"/>
     <p:sldId id="281" r:id="rId16"/>
     <p:sldId id="282" r:id="rId17"/>
-    <p:sldId id="283" r:id="rId18"/>
+    <p:sldId id="284" r:id="rId18"/>
+    <p:sldId id="283" r:id="rId19"/>
   </p:sldIdLst>
   <p:sldSz cx="9144000" cy="6858000" type="screen4x3"/>
-  <p:notesSz cx="6858000" cy="9144000"/>
+  <p:notesSz cx="7104063" cy="10234613"/>
   <p:defaultTextStyle>
     <a:defPPr>
       <a:defRPr lang="zh-CN"/>
@@ -275,8 +276,8 @@
         </p:nvSpPr>
         <p:spPr>
           <a:xfrm>
-            <a:off x="0" y="0"/>
-            <a:ext cx="2971800" cy="458788"/>
+            <a:off x="0" y="1"/>
+            <a:ext cx="3078427" cy="513508"/>
           </a:xfrm>
           <a:prstGeom prst="rect">
             <a:avLst/>
@@ -288,11 +289,11 @@
           </a:ln>
         </p:spPr>
         <p:txBody>
-          <a:bodyPr/>
+          <a:bodyPr lIns="99075" tIns="49538" rIns="99075" bIns="49538"/>
           <a:lstStyle/>
           <a:p>
             <a:pPr lvl="0" eaLnBrk="1" hangingPunct="1"/>
-            <a:endParaRPr lang="zh-CN" altLang="en-US" sz="1200" dirty="0">
+            <a:endParaRPr lang="zh-CN" altLang="en-US" sz="1300" dirty="0">
               <a:ea typeface="宋体" charset="-122"/>
             </a:endParaRPr>
           </a:p>
@@ -310,8 +311,8 @@
         </p:nvSpPr>
         <p:spPr>
           <a:xfrm>
-            <a:off x="3884613" y="0"/>
-            <a:ext cx="2971800" cy="458788"/>
+            <a:off x="4023992" y="1"/>
+            <a:ext cx="3078427" cy="513508"/>
           </a:xfrm>
           <a:prstGeom prst="rect">
             <a:avLst/>
@@ -323,17 +324,17 @@
           </a:ln>
         </p:spPr>
         <p:txBody>
-          <a:bodyPr/>
+          <a:bodyPr lIns="99075" tIns="49538" rIns="99075" bIns="49538"/>
           <a:lstStyle/>
           <a:p>
             <a:pPr lvl="0" algn="r" eaLnBrk="1" hangingPunct="1"/>
             <a:fld id="{BB962C8B-B14F-4D97-AF65-F5344CB8AC3E}" type="datetimeFigureOut">
-              <a:rPr lang="zh-CN" altLang="en-US" sz="1200" dirty="0">
+              <a:rPr lang="zh-CN" altLang="en-US" sz="1300" dirty="0">
                 <a:ea typeface="宋体" charset="-122"/>
               </a:rPr>
               <a:t>2017/6/5</a:t>
             </a:fld>
-            <a:endParaRPr lang="zh-CN" altLang="en-US" sz="1200" dirty="0">
+            <a:endParaRPr lang="zh-CN" altLang="en-US" sz="1300" dirty="0">
               <a:ea typeface="宋体" charset="-122"/>
             </a:endParaRPr>
           </a:p>
@@ -351,8 +352,8 @@
         </p:nvSpPr>
         <p:spPr>
           <a:xfrm>
-            <a:off x="1371600" y="1143000"/>
-            <a:ext cx="4114800" cy="3086100"/>
+            <a:off x="1249363" y="1279525"/>
+            <a:ext cx="4605337" cy="3454400"/>
           </a:xfrm>
           <a:prstGeom prst="rect">
             <a:avLst/>
@@ -364,10 +365,10 @@
           </a:ln>
         </p:spPr>
         <p:txBody>
-          <a:bodyPr/>
-          <a:lstStyle/>
-          <a:p>
-            <a:endParaRPr lang="pt-BR" altLang="en-US"/>
+          <a:bodyPr lIns="99075" tIns="49538" rIns="99075" bIns="49538"/>
+          <a:lstStyle/>
+          <a:p>
+            <a:endParaRPr lang="pt-BR" altLang="en-US" dirty="0"/>
           </a:p>
         </p:txBody>
       </p:sp>
@@ -383,8 +384,8 @@
         </p:nvSpPr>
         <p:spPr>
           <a:xfrm>
-            <a:off x="685800" y="4400550"/>
-            <a:ext cx="5486400" cy="3600450"/>
+            <a:off x="710407" y="4925407"/>
+            <a:ext cx="5683250" cy="4029880"/>
           </a:xfrm>
           <a:prstGeom prst="rect">
             <a:avLst/>
@@ -396,7 +397,7 @@
           </a:ln>
         </p:spPr>
         <p:txBody>
-          <a:bodyPr anchor="ctr"/>
+          <a:bodyPr lIns="99075" tIns="49538" rIns="99075" bIns="49538" anchor="ctr"/>
           <a:lstStyle/>
           <a:p>
             <a:pPr lvl="0"/>
@@ -424,8 +425,8 @@
         </p:nvSpPr>
         <p:spPr>
           <a:xfrm>
-            <a:off x="0" y="8685213"/>
-            <a:ext cx="2971800" cy="458787"/>
+            <a:off x="0" y="9721107"/>
+            <a:ext cx="3078427" cy="513507"/>
           </a:xfrm>
           <a:prstGeom prst="rect">
             <a:avLst/>
@@ -437,11 +438,11 @@
           </a:ln>
         </p:spPr>
         <p:txBody>
-          <a:bodyPr anchor="b"/>
+          <a:bodyPr lIns="99075" tIns="49538" rIns="99075" bIns="49538" anchor="b"/>
           <a:lstStyle/>
           <a:p>
             <a:pPr lvl="0" eaLnBrk="1" hangingPunct="1"/>
-            <a:endParaRPr lang="zh-CN" altLang="en-US" sz="1200" dirty="0">
+            <a:endParaRPr lang="zh-CN" altLang="en-US" sz="1300" dirty="0">
               <a:ea typeface="宋体" charset="-122"/>
             </a:endParaRPr>
           </a:p>
@@ -459,8 +460,8 @@
         </p:nvSpPr>
         <p:spPr>
           <a:xfrm>
-            <a:off x="3884613" y="8685213"/>
-            <a:ext cx="2971800" cy="458787"/>
+            <a:off x="4023992" y="9721107"/>
+            <a:ext cx="3078427" cy="513507"/>
           </a:xfrm>
           <a:prstGeom prst="rect">
             <a:avLst/>
@@ -472,17 +473,17 @@
           </a:ln>
         </p:spPr>
         <p:txBody>
-          <a:bodyPr anchor="b"/>
+          <a:bodyPr lIns="99075" tIns="49538" rIns="99075" bIns="49538" anchor="b"/>
           <a:lstStyle/>
           <a:p>
             <a:pPr lvl="0" algn="r" eaLnBrk="1" hangingPunct="1"/>
             <a:fld id="{9A0DB2DC-4C9A-4742-B13C-FB6460FD3503}" type="slidenum">
-              <a:rPr lang="zh-CN" altLang="en-US" sz="1200" dirty="0">
+              <a:rPr lang="zh-CN" altLang="en-US" sz="1300" dirty="0">
                 <a:ea typeface="宋体" charset="-122"/>
               </a:rPr>
               <a:t>‹nº›</a:t>
             </a:fld>
-            <a:endParaRPr lang="zh-CN" altLang="en-US" sz="1200" dirty="0">
+            <a:endParaRPr lang="zh-CN" altLang="en-US" sz="1300" dirty="0">
               <a:ea typeface="宋体" charset="-122"/>
             </a:endParaRPr>
           </a:p>
@@ -730,7 +731,7 @@
           <a:bodyPr/>
           <a:lstStyle/>
           <a:p>
-            <a:endParaRPr lang="pt-BR" altLang="en-US"/>
+            <a:endParaRPr lang="pt-BR" altLang="en-US" dirty="0"/>
           </a:p>
         </p:txBody>
       </p:sp>
@@ -751,12 +752,12 @@
           <a:p>
             <a:pPr lvl="0" algn="r" eaLnBrk="1" hangingPunct="1"/>
             <a:fld id="{9A0DB2DC-4C9A-4742-B13C-FB6460FD3503}" type="slidenum">
-              <a:rPr lang="zh-CN" altLang="en-US" sz="1200" dirty="0">
+              <a:rPr lang="zh-CN" altLang="en-US" sz="1300" dirty="0">
                 <a:ea typeface="宋体" charset="-122"/>
               </a:rPr>
               <a:t>1</a:t>
             </a:fld>
-            <a:endParaRPr lang="zh-CN" altLang="en-US" sz="1200" dirty="0">
+            <a:endParaRPr lang="zh-CN" altLang="en-US" sz="1300" dirty="0">
               <a:ea typeface="宋体" charset="-122"/>
             </a:endParaRPr>
           </a:p>
@@ -814,10 +815,7 @@
           <a:bodyPr/>
           <a:lstStyle/>
           <a:p>
-            <a:r>
-              <a:rPr lang="x-none" altLang="pt-BR"/>
-              <a:t>a</a:t>
-            </a:r>
+            <a:endParaRPr lang="x-none" altLang="pt-BR" dirty="0"/>
           </a:p>
         </p:txBody>
       </p:sp>
@@ -838,12 +836,12 @@
           <a:p>
             <a:pPr lvl="0" algn="r" eaLnBrk="1" hangingPunct="1"/>
             <a:fld id="{9A0DB2DC-4C9A-4742-B13C-FB6460FD3503}" type="slidenum">
-              <a:rPr lang="zh-CN" altLang="en-US" sz="1200" dirty="0">
+              <a:rPr lang="zh-CN" altLang="en-US" sz="1300" dirty="0">
                 <a:ea typeface="宋体" charset="-122"/>
               </a:rPr>
               <a:t>10</a:t>
             </a:fld>
-            <a:endParaRPr lang="zh-CN" altLang="en-US" sz="1200" dirty="0">
+            <a:endParaRPr lang="zh-CN" altLang="en-US" sz="1300" dirty="0">
               <a:ea typeface="宋体" charset="-122"/>
             </a:endParaRPr>
           </a:p>
@@ -901,10 +899,7 @@
           <a:bodyPr/>
           <a:lstStyle/>
           <a:p>
-            <a:r>
-              <a:rPr lang="x-none" altLang="pt-BR"/>
-              <a:t>a</a:t>
-            </a:r>
+            <a:endParaRPr lang="x-none" altLang="pt-BR" dirty="0"/>
           </a:p>
         </p:txBody>
       </p:sp>
@@ -925,12 +920,12 @@
           <a:p>
             <a:pPr lvl="0" algn="r" eaLnBrk="1" hangingPunct="1"/>
             <a:fld id="{9A0DB2DC-4C9A-4742-B13C-FB6460FD3503}" type="slidenum">
-              <a:rPr lang="zh-CN" altLang="en-US" sz="1200" dirty="0">
+              <a:rPr lang="zh-CN" altLang="en-US" sz="1300" dirty="0">
                 <a:ea typeface="宋体" charset="-122"/>
               </a:rPr>
               <a:t>11</a:t>
             </a:fld>
-            <a:endParaRPr lang="zh-CN" altLang="en-US" sz="1200" dirty="0">
+            <a:endParaRPr lang="zh-CN" altLang="en-US" sz="1300" dirty="0">
               <a:ea typeface="宋体" charset="-122"/>
             </a:endParaRPr>
           </a:p>
@@ -963,67 +958,41 @@
       </p:grpSpPr>
       <p:sp>
         <p:nvSpPr>
-          <p:cNvPr id="2" name="Slide Image Placeholder 1"/>
+          <p:cNvPr id="2" name="Espaço Reservado para Imagem de Slide 1"/>
           <p:cNvSpPr>
             <a:spLocks noGrp="1" noRot="1" noChangeAspect="1"/>
           </p:cNvSpPr>
           <p:nvPr>
-            <p:ph type="sldImg" idx="2"/>
-          </p:nvPr>
-        </p:nvSpPr>
-        <p:spPr/>
-      </p:sp>
-      <p:sp>
-        <p:nvSpPr>
-          <p:cNvPr id="3" name="Text Placeholder 2"/>
-          <p:cNvSpPr>
-            <a:spLocks noGrp="1"/>
-          </p:cNvSpPr>
-          <p:nvPr>
-            <p:ph type="body" idx="3"/>
-          </p:nvPr>
-        </p:nvSpPr>
-        <p:spPr/>
-        <p:txBody>
-          <a:bodyPr/>
-          <a:lstStyle/>
-          <a:p>
-            <a:r>
-              <a:rPr lang="x-none" altLang="pt-BR"/>
-              <a:t>// Linux usa um sistema parecido (initramfs.gz)</a:t>
-            </a:r>
-          </a:p>
-        </p:txBody>
-      </p:sp>
-      <p:sp>
-        <p:nvSpPr>
-          <p:cNvPr id="4" name="Slide Number Placeholder 3"/>
-          <p:cNvSpPr>
-            <a:spLocks noGrp="1"/>
-          </p:cNvSpPr>
-          <p:nvPr>
-            <p:ph type="sldNum" sz="quarter" idx="5"/>
-          </p:nvPr>
-        </p:nvSpPr>
-        <p:spPr/>
-        <p:txBody>
-          <a:bodyPr/>
-          <a:lstStyle/>
-          <a:p>
-            <a:pPr lvl="0" algn="r" eaLnBrk="1" hangingPunct="1"/>
-            <a:fld id="{9A0DB2DC-4C9A-4742-B13C-FB6460FD3503}" type="slidenum">
-              <a:rPr lang="zh-CN" altLang="en-US" sz="1200" dirty="0">
-                <a:ea typeface="宋体" charset="-122"/>
-              </a:rPr>
-              <a:t>13</a:t>
-            </a:fld>
-            <a:endParaRPr lang="zh-CN" altLang="en-US" sz="1200" dirty="0">
-              <a:ea typeface="宋体" charset="-122"/>
-            </a:endParaRPr>
+            <p:ph type="sldImg"/>
+          </p:nvPr>
+        </p:nvSpPr>
+        <p:spPr/>
+      </p:sp>
+      <p:sp>
+        <p:nvSpPr>
+          <p:cNvPr id="3" name="Espaço Reservado para Anotações 2"/>
+          <p:cNvSpPr>
+            <a:spLocks noGrp="1"/>
+          </p:cNvSpPr>
+          <p:nvPr>
+            <p:ph type="body" idx="1"/>
+          </p:nvPr>
+        </p:nvSpPr>
+        <p:spPr/>
+        <p:txBody>
+          <a:bodyPr/>
+          <a:lstStyle/>
+          <a:p>
+            <a:endParaRPr lang="pt-BR" dirty="0"/>
           </a:p>
         </p:txBody>
       </p:sp>
     </p:spTree>
+    <p:extLst>
+      <p:ext uri="{BB962C8B-B14F-4D97-AF65-F5344CB8AC3E}">
+        <p14:creationId xmlns:p14="http://schemas.microsoft.com/office/powerpoint/2010/main" val="1695549652"/>
+      </p:ext>
+    </p:extLst>
   </p:cSld>
   <p:clrMapOvr>
     <a:masterClrMapping/>
@@ -1077,7 +1046,7 @@
           <a:p>
             <a:r>
               <a:rPr lang="x-none" altLang="pt-BR"/>
-              <a:t>a</a:t>
+              <a:t>// Linux usa um sistema parecido (initramfs.gz)</a:t>
             </a:r>
           </a:p>
         </p:txBody>
@@ -1099,12 +1068,12 @@
           <a:p>
             <a:pPr lvl="0" algn="r" eaLnBrk="1" hangingPunct="1"/>
             <a:fld id="{9A0DB2DC-4C9A-4742-B13C-FB6460FD3503}" type="slidenum">
-              <a:rPr lang="zh-CN" altLang="en-US" sz="1200" dirty="0">
+              <a:rPr lang="zh-CN" altLang="en-US" sz="1300" dirty="0">
                 <a:ea typeface="宋体" charset="-122"/>
               </a:rPr>
-              <a:t>14</a:t>
+              <a:t>13</a:t>
             </a:fld>
-            <a:endParaRPr lang="zh-CN" altLang="en-US" sz="1200" dirty="0">
+            <a:endParaRPr lang="zh-CN" altLang="en-US" sz="1300" dirty="0">
               <a:ea typeface="宋体" charset="-122"/>
             </a:endParaRPr>
           </a:p>
@@ -1162,10 +1131,7 @@
           <a:bodyPr/>
           <a:lstStyle/>
           <a:p>
-            <a:r>
-              <a:rPr lang="x-none" altLang="pt-BR"/>
-              <a:t>a</a:t>
-            </a:r>
+            <a:endParaRPr lang="x-none" altLang="pt-BR" dirty="0"/>
           </a:p>
         </p:txBody>
       </p:sp>
@@ -1186,12 +1152,12 @@
           <a:p>
             <a:pPr lvl="0" algn="r" eaLnBrk="1" hangingPunct="1"/>
             <a:fld id="{9A0DB2DC-4C9A-4742-B13C-FB6460FD3503}" type="slidenum">
-              <a:rPr lang="zh-CN" altLang="en-US" sz="1200" dirty="0">
+              <a:rPr lang="zh-CN" altLang="en-US" sz="1300" dirty="0">
                 <a:ea typeface="宋体" charset="-122"/>
               </a:rPr>
-              <a:t>15</a:t>
+              <a:t>14</a:t>
             </a:fld>
-            <a:endParaRPr lang="zh-CN" altLang="en-US" sz="1200" dirty="0">
+            <a:endParaRPr lang="zh-CN" altLang="en-US" sz="1300" dirty="0">
               <a:ea typeface="宋体" charset="-122"/>
             </a:endParaRPr>
           </a:p>
@@ -1249,10 +1215,7 @@
           <a:bodyPr/>
           <a:lstStyle/>
           <a:p>
-            <a:r>
-              <a:rPr lang="x-none" altLang="pt-BR"/>
-              <a:t>a</a:t>
-            </a:r>
+            <a:endParaRPr lang="x-none" altLang="pt-BR" dirty="0"/>
           </a:p>
         </p:txBody>
       </p:sp>
@@ -1273,12 +1236,157 @@
           <a:p>
             <a:pPr lvl="0" algn="r" eaLnBrk="1" hangingPunct="1"/>
             <a:fld id="{9A0DB2DC-4C9A-4742-B13C-FB6460FD3503}" type="slidenum">
-              <a:rPr lang="zh-CN" altLang="en-US" sz="1200" dirty="0">
+              <a:rPr lang="zh-CN" altLang="en-US" sz="1300" dirty="0">
                 <a:ea typeface="宋体" charset="-122"/>
               </a:rPr>
-              <a:t>16</a:t>
+              <a:t>15</a:t>
             </a:fld>
-            <a:endParaRPr lang="zh-CN" altLang="en-US" sz="1200" dirty="0">
+            <a:endParaRPr lang="zh-CN" altLang="en-US" sz="1300" dirty="0">
+              <a:ea typeface="宋体" charset="-122"/>
+            </a:endParaRPr>
+          </a:p>
+        </p:txBody>
+      </p:sp>
+    </p:spTree>
+  </p:cSld>
+  <p:clrMapOvr>
+    <a:masterClrMapping/>
+  </p:clrMapOvr>
+</p:notes>
+</file>
+
+<file path=ppt/notesSlides/notesSlide16.xml><?xml version="1.0" encoding="utf-8"?>
+<p:notes xmlns:a="http://schemas.openxmlformats.org/drawingml/2006/main" xmlns:r="http://schemas.openxmlformats.org/officeDocument/2006/relationships" xmlns:p="http://schemas.openxmlformats.org/presentationml/2006/main">
+  <p:cSld>
+    <p:spTree>
+      <p:nvGrpSpPr>
+        <p:cNvPr id="1" name=""/>
+        <p:cNvGrpSpPr/>
+        <p:nvPr/>
+      </p:nvGrpSpPr>
+      <p:grpSpPr>
+        <a:xfrm>
+          <a:off x="0" y="0"/>
+          <a:ext cx="0" cy="0"/>
+          <a:chOff x="0" y="0"/>
+          <a:chExt cx="0" cy="0"/>
+        </a:xfrm>
+      </p:grpSpPr>
+      <p:sp>
+        <p:nvSpPr>
+          <p:cNvPr id="2" name="Espaço Reservado para Imagem de Slide 1"/>
+          <p:cNvSpPr>
+            <a:spLocks noGrp="1" noRot="1" noChangeAspect="1"/>
+          </p:cNvSpPr>
+          <p:nvPr>
+            <p:ph type="sldImg"/>
+          </p:nvPr>
+        </p:nvSpPr>
+        <p:spPr/>
+      </p:sp>
+      <p:sp>
+        <p:nvSpPr>
+          <p:cNvPr id="3" name="Espaço Reservado para Anotações 2"/>
+          <p:cNvSpPr>
+            <a:spLocks noGrp="1"/>
+          </p:cNvSpPr>
+          <p:nvPr>
+            <p:ph type="body" idx="1"/>
+          </p:nvPr>
+        </p:nvSpPr>
+        <p:spPr/>
+        <p:txBody>
+          <a:bodyPr/>
+          <a:lstStyle/>
+          <a:p>
+            <a:endParaRPr lang="pt-BR"/>
+          </a:p>
+        </p:txBody>
+      </p:sp>
+    </p:spTree>
+    <p:extLst>
+      <p:ext uri="{BB962C8B-B14F-4D97-AF65-F5344CB8AC3E}">
+        <p14:creationId xmlns:p14="http://schemas.microsoft.com/office/powerpoint/2010/main" val="1053653214"/>
+      </p:ext>
+    </p:extLst>
+  </p:cSld>
+  <p:clrMapOvr>
+    <a:masterClrMapping/>
+  </p:clrMapOvr>
+</p:notes>
+</file>
+
+<file path=ppt/notesSlides/notesSlide17.xml><?xml version="1.0" encoding="utf-8"?>
+<p:notes xmlns:a="http://schemas.openxmlformats.org/drawingml/2006/main" xmlns:r="http://schemas.openxmlformats.org/officeDocument/2006/relationships" xmlns:p="http://schemas.openxmlformats.org/presentationml/2006/main">
+  <p:cSld>
+    <p:spTree>
+      <p:nvGrpSpPr>
+        <p:cNvPr id="1" name=""/>
+        <p:cNvGrpSpPr/>
+        <p:nvPr/>
+      </p:nvGrpSpPr>
+      <p:grpSpPr>
+        <a:xfrm>
+          <a:off x="0" y="0"/>
+          <a:ext cx="0" cy="0"/>
+          <a:chOff x="0" y="0"/>
+          <a:chExt cx="0" cy="0"/>
+        </a:xfrm>
+      </p:grpSpPr>
+      <p:sp>
+        <p:nvSpPr>
+          <p:cNvPr id="2" name="Slide Image Placeholder 1"/>
+          <p:cNvSpPr>
+            <a:spLocks noGrp="1" noRot="1" noChangeAspect="1"/>
+          </p:cNvSpPr>
+          <p:nvPr>
+            <p:ph type="sldImg" idx="2"/>
+          </p:nvPr>
+        </p:nvSpPr>
+        <p:spPr/>
+      </p:sp>
+      <p:sp>
+        <p:nvSpPr>
+          <p:cNvPr id="3" name="Text Placeholder 2"/>
+          <p:cNvSpPr>
+            <a:spLocks noGrp="1"/>
+          </p:cNvSpPr>
+          <p:nvPr>
+            <p:ph type="body" idx="3"/>
+          </p:nvPr>
+        </p:nvSpPr>
+        <p:spPr/>
+        <p:txBody>
+          <a:bodyPr/>
+          <a:lstStyle/>
+          <a:p>
+            <a:endParaRPr lang="x-none" altLang="pt-BR" dirty="0"/>
+          </a:p>
+        </p:txBody>
+      </p:sp>
+      <p:sp>
+        <p:nvSpPr>
+          <p:cNvPr id="4" name="Slide Number Placeholder 3"/>
+          <p:cNvSpPr>
+            <a:spLocks noGrp="1"/>
+          </p:cNvSpPr>
+          <p:nvPr>
+            <p:ph type="sldNum" sz="quarter" idx="5"/>
+          </p:nvPr>
+        </p:nvSpPr>
+        <p:spPr/>
+        <p:txBody>
+          <a:bodyPr/>
+          <a:lstStyle/>
+          <a:p>
+            <a:pPr lvl="0" algn="r" eaLnBrk="1" hangingPunct="1"/>
+            <a:fld id="{9A0DB2DC-4C9A-4742-B13C-FB6460FD3503}" type="slidenum">
+              <a:rPr lang="zh-CN" altLang="en-US" sz="1300" dirty="0">
+                <a:ea typeface="宋体" charset="-122"/>
+              </a:rPr>
+              <a:t>17</a:t>
+            </a:fld>
+            <a:endParaRPr lang="zh-CN" altLang="en-US" sz="1300" dirty="0">
               <a:ea typeface="宋体" charset="-122"/>
             </a:endParaRPr>
           </a:p>
@@ -1337,49 +1445,60 @@
           <a:lstStyle/>
           <a:p>
             <a:r>
-              <a:rPr lang="x-none" altLang="pt-BR"/>
-              <a:t>--&gt; </a:t>
-            </a:r>
-            <a:r>
-              <a:rPr lang="pt-BR" altLang="en-US"/>
-              <a:t>Tempo real não tem nada haver com o tempo de execução de uma tarefa</a:t>
-            </a:r>
-            <a:r>
-              <a:rPr lang="x-none" altLang="pt-BR"/>
+              <a:rPr lang="pt-BR" altLang="pt-BR" dirty="0">
+                <a:sym typeface="Wingdings" panose="05000000000000000000" pitchFamily="2" charset="2"/>
+              </a:rPr>
+              <a:t> T</a:t>
+            </a:r>
+            <a:r>
+              <a:rPr lang="pt-BR" altLang="en-US" dirty="0"/>
+              <a:t>empo real não tem nada haver com o tempo de execução de uma tarefa</a:t>
+            </a:r>
+            <a:r>
+              <a:rPr lang="x-none" altLang="pt-BR" dirty="0"/>
               <a:t>, </a:t>
             </a:r>
             <a:r>
-              <a:rPr lang="pt-BR" altLang="en-US"/>
+              <a:rPr lang="pt-BR" altLang="en-US" dirty="0"/>
               <a:t>executada imediatamente</a:t>
             </a:r>
             <a:r>
-              <a:rPr lang="x-none" altLang="pt-BR"/>
+              <a:rPr lang="x-none" altLang="pt-BR" dirty="0"/>
               <a:t>; (</a:t>
             </a:r>
             <a:r>
-              <a:rPr lang="pt-BR" altLang="en-US">
+              <a:rPr lang="pt-BR" altLang="en-US" dirty="0">
                 <a:sym typeface="+mn-ea"/>
               </a:rPr>
               <a:t>como costuma-se pensar</a:t>
             </a:r>
             <a:r>
-              <a:rPr lang="x-none" altLang="pt-BR">
+              <a:rPr lang="x-none" altLang="pt-BR" dirty="0">
                 <a:sym typeface="+mn-ea"/>
               </a:rPr>
               <a:t>)</a:t>
             </a:r>
-          </a:p>
-          <a:p>
-            <a:r>
-              <a:rPr lang="x-none" altLang="pt-BR"/>
-              <a:t>      M</a:t>
-            </a:r>
-            <a:r>
-              <a:rPr lang="pt-BR" altLang="en-US"/>
+            <a:br>
+              <a:rPr lang="pt-BR" altLang="pt-BR" dirty="0">
+                <a:sym typeface="+mn-ea"/>
+              </a:rPr>
+            </a:br>
+            <a:r>
+              <a:rPr lang="pt-BR" altLang="pt-BR" dirty="0">
+                <a:sym typeface="Wingdings" panose="05000000000000000000" pitchFamily="2" charset="2"/>
+              </a:rPr>
+              <a:t> </a:t>
+            </a:r>
+            <a:r>
+              <a:rPr lang="x-none" altLang="pt-BR" dirty="0"/>
+              <a:t>M</a:t>
+            </a:r>
+            <a:r>
+              <a:rPr lang="pt-BR" altLang="en-US" dirty="0"/>
               <a:t>as sim com o tempo de resposta pré-definido à um evento</a:t>
             </a:r>
             <a:r>
-              <a:rPr lang="x-none" altLang="pt-BR"/>
+              <a:rPr lang="x-none" altLang="pt-BR" dirty="0"/>
               <a:t>; Sistema Deterministico;</a:t>
             </a:r>
           </a:p>
@@ -1402,12 +1521,12 @@
           <a:p>
             <a:pPr lvl="0" algn="r" eaLnBrk="1" hangingPunct="1"/>
             <a:fld id="{9A0DB2DC-4C9A-4742-B13C-FB6460FD3503}" type="slidenum">
-              <a:rPr lang="zh-CN" altLang="en-US" sz="1200" dirty="0">
+              <a:rPr lang="zh-CN" altLang="en-US" sz="1300" dirty="0">
                 <a:ea typeface="宋体" charset="-122"/>
               </a:rPr>
               <a:t>2</a:t>
             </a:fld>
-            <a:endParaRPr lang="zh-CN" altLang="en-US" sz="1200" dirty="0">
+            <a:endParaRPr lang="zh-CN" altLang="en-US" sz="1300" dirty="0">
               <a:ea typeface="宋体" charset="-122"/>
             </a:endParaRPr>
           </a:p>
@@ -1466,58 +1585,52 @@
           <a:lstStyle/>
           <a:p>
             <a:r>
-              <a:rPr lang="x-none" altLang="pt-BR"/>
+              <a:rPr lang="x-none" altLang="pt-BR" dirty="0"/>
               <a:t>## HARD</a:t>
             </a:r>
           </a:p>
           <a:p>
             <a:r>
-              <a:rPr lang="x-none" altLang="pt-BR"/>
+              <a:rPr lang="x-none" altLang="pt-BR" dirty="0"/>
               <a:t>  - Sistemas de segurança, como o Airbag de carros e Ejeção de Jatos;</a:t>
             </a:r>
           </a:p>
           <a:p>
             <a:r>
-              <a:rPr lang="x-none" altLang="pt-BR"/>
+              <a:rPr lang="x-none" altLang="pt-BR" dirty="0"/>
               <a:t>  - Sistemas de controle de aeronave;</a:t>
             </a:r>
           </a:p>
           <a:p>
             <a:r>
-              <a:rPr lang="x-none" altLang="pt-BR"/>
+              <a:rPr lang="x-none" altLang="pt-BR" dirty="0"/>
               <a:t>  - Sistema de controle do fluxo de conbustível de foguetes e jatos;</a:t>
             </a:r>
           </a:p>
           <a:p>
-            <a:r>
-              <a:rPr lang="x-none" altLang="pt-BR"/>
-              <a:t>  - </a:t>
-            </a:r>
-          </a:p>
-          <a:p>
-            <a:endParaRPr lang="x-none" altLang="pt-BR"/>
-          </a:p>
-          <a:p>
-            <a:r>
-              <a:rPr lang="x-none" altLang="pt-BR"/>
+            <a:endParaRPr lang="x-none" altLang="pt-BR" dirty="0"/>
+          </a:p>
+          <a:p>
+            <a:r>
+              <a:rPr lang="x-none" altLang="pt-BR" dirty="0"/>
               <a:t>## SOFT</a:t>
             </a:r>
           </a:p>
           <a:p>
             <a:r>
-              <a:rPr lang="x-none" altLang="pt-BR"/>
+              <a:rPr lang="x-none" altLang="pt-BR" dirty="0"/>
               <a:t>  - Tocador de Música de um Carro;</a:t>
             </a:r>
           </a:p>
           <a:p>
             <a:r>
-              <a:rPr lang="x-none" altLang="pt-BR"/>
+              <a:rPr lang="x-none" altLang="pt-BR" dirty="0"/>
               <a:t>  - Driver de CD do PC;</a:t>
             </a:r>
           </a:p>
           <a:p>
             <a:r>
-              <a:rPr lang="x-none" altLang="pt-BR"/>
+              <a:rPr lang="x-none" altLang="pt-BR" dirty="0"/>
               <a:t>  - Alguns sistemas de controle Fuzzy;</a:t>
             </a:r>
           </a:p>
@@ -1540,12 +1653,12 @@
           <a:p>
             <a:pPr lvl="0" algn="r" eaLnBrk="1" hangingPunct="1"/>
             <a:fld id="{9A0DB2DC-4C9A-4742-B13C-FB6460FD3503}" type="slidenum">
-              <a:rPr lang="zh-CN" altLang="en-US" sz="1200" dirty="0">
+              <a:rPr lang="zh-CN" altLang="en-US" sz="1300" dirty="0">
                 <a:ea typeface="宋体" charset="-122"/>
               </a:rPr>
               <a:t>3</a:t>
             </a:fld>
-            <a:endParaRPr lang="zh-CN" altLang="en-US" sz="1200" dirty="0">
+            <a:endParaRPr lang="zh-CN" altLang="en-US" sz="1300" dirty="0">
               <a:ea typeface="宋体" charset="-122"/>
             </a:endParaRPr>
           </a:p>
@@ -1604,196 +1717,222 @@
           <a:lstStyle/>
           <a:p>
             <a:r>
-              <a:rPr lang="x-none" altLang="pt-BR"/>
+              <a:rPr lang="x-none" altLang="pt-BR" dirty="0"/>
               <a:t>## FreeRTOS</a:t>
             </a:r>
-          </a:p>
-          <a:p>
-            <a:r>
-              <a:rPr lang="x-none" altLang="pt-BR"/>
+            <a:br>
+              <a:rPr lang="pt-BR" altLang="pt-BR" dirty="0"/>
+            </a:br>
+            <a:r>
+              <a:rPr lang="x-none" altLang="pt-BR" dirty="0"/>
               <a:t>  -  Começou como um sistema acadêmico e totalemnte gratuito;</a:t>
             </a:r>
-          </a:p>
-          <a:p>
-            <a:r>
-              <a:rPr lang="x-none" altLang="pt-BR">
+            <a:br>
+              <a:rPr lang="pt-BR" altLang="pt-BR" dirty="0"/>
+            </a:br>
+            <a:r>
+              <a:rPr lang="x-none" altLang="pt-BR" dirty="0">
                 <a:sym typeface="+mn-ea"/>
               </a:rPr>
               <a:t>  - Hoje em dia possui licença para usos comerciais;</a:t>
             </a:r>
-            <a:endParaRPr lang="x-none" altLang="pt-BR"/>
-          </a:p>
-          <a:p>
-            <a:r>
-              <a:rPr lang="x-none" altLang="pt-BR"/>
+            <a:br>
+              <a:rPr lang="pt-BR" altLang="pt-BR" dirty="0">
+                <a:sym typeface="+mn-ea"/>
+              </a:rPr>
+            </a:br>
+            <a:r>
+              <a:rPr lang="x-none" altLang="pt-BR" dirty="0"/>
               <a:t>  - Largamente utilizado pela industria de produtos e bens de consumo;</a:t>
             </a:r>
-          </a:p>
-          <a:p>
-            <a:r>
-              <a:rPr lang="x-none" altLang="pt-BR"/>
+            <a:br>
+              <a:rPr lang="pt-BR" altLang="pt-BR" dirty="0"/>
+            </a:br>
+            <a:r>
+              <a:rPr lang="x-none" altLang="pt-BR" dirty="0"/>
               <a:t>  - Utilizado desde equipamentos de segurança e monitoramento, à robos, passando por diversos eletrônicos e eletroeletrônicos (Geladeira e SmartCoisas);</a:t>
             </a:r>
-          </a:p>
-          <a:p>
-            <a:endParaRPr lang="x-none" altLang="pt-BR"/>
-          </a:p>
-          <a:p>
-            <a:r>
-              <a:rPr lang="x-none" altLang="pt-BR"/>
+            <a:br>
+              <a:rPr lang="pt-BR" altLang="pt-BR" dirty="0"/>
+            </a:br>
+            <a:br>
+              <a:rPr lang="pt-BR" altLang="pt-BR" dirty="0"/>
+            </a:br>
+            <a:r>
+              <a:rPr lang="x-none" altLang="pt-BR" dirty="0"/>
               <a:t>## QNX</a:t>
             </a:r>
-          </a:p>
-          <a:p>
-            <a:r>
-              <a:rPr lang="x-none" altLang="pt-BR"/>
+            <a:br>
+              <a:rPr lang="pt-BR" altLang="pt-BR" dirty="0"/>
+            </a:br>
+            <a:r>
+              <a:rPr lang="x-none" altLang="pt-BR" dirty="0"/>
               <a:t>   - Comprado pela BlackBerry em 2010;</a:t>
             </a:r>
-          </a:p>
-          <a:p>
-            <a:r>
-              <a:rPr lang="x-none" altLang="pt-BR"/>
+            <a:br>
+              <a:rPr lang="pt-BR" altLang="pt-BR" dirty="0"/>
+            </a:br>
+            <a:r>
+              <a:rPr lang="x-none" altLang="pt-BR" dirty="0"/>
               <a:t>   - Utilizado por marcas como: Ford, BMW, Mercedes-Benz, Honda, Audi, Ferrari, Volvo, Jeep, Jaguar, Lexus, Dodge, entre outras.</a:t>
             </a:r>
-          </a:p>
-          <a:p>
-            <a:endParaRPr lang="x-none" altLang="pt-BR"/>
-          </a:p>
-          <a:p>
-            <a:r>
-              <a:rPr lang="x-none" altLang="pt-BR"/>
+            <a:br>
+              <a:rPr lang="pt-BR" altLang="pt-BR" dirty="0"/>
+            </a:br>
+            <a:br>
+              <a:rPr lang="pt-BR" altLang="pt-BR" dirty="0"/>
+            </a:br>
+            <a:r>
+              <a:rPr lang="x-none" altLang="pt-BR" dirty="0"/>
               <a:t>## uC/OS</a:t>
             </a:r>
-          </a:p>
-          <a:p>
-            <a:r>
-              <a:rPr lang="x-none" altLang="pt-BR"/>
+            <a:br>
+              <a:rPr lang="pt-BR" altLang="pt-BR" dirty="0"/>
+            </a:br>
+            <a:r>
+              <a:rPr lang="x-none" altLang="pt-BR" dirty="0"/>
               <a:t>   - Scheduler de Tempo Real;</a:t>
             </a:r>
-          </a:p>
-          <a:p>
-            <a:r>
-              <a:rPr lang="x-none" altLang="pt-BR"/>
+            <a:br>
+              <a:rPr lang="pt-BR" altLang="pt-BR" dirty="0"/>
+            </a:br>
+            <a:r>
+              <a:rPr lang="x-none" altLang="pt-BR" dirty="0"/>
               <a:t>   - Utiliza </a:t>
             </a:r>
             <a:r>
-              <a:rPr lang="x-none">
+              <a:rPr lang="x-none" dirty="0">
                 <a:sym typeface="+mn-ea"/>
               </a:rPr>
               <a:t>Round-robin;</a:t>
             </a:r>
-          </a:p>
-          <a:p>
-            <a:r>
-              <a:rPr lang="x-none">
+            <a:br>
+              <a:rPr lang="pt-BR" dirty="0">
                 <a:sym typeface="+mn-ea"/>
               </a:rPr>
+            </a:br>
+            <a:r>
+              <a:rPr lang="x-none" dirty="0">
+                <a:sym typeface="+mn-ea"/>
+              </a:rPr>
               <a:t>   - Prevents deadlocks (Proceço);</a:t>
             </a:r>
-          </a:p>
-          <a:p>
-            <a:r>
-              <a:rPr lang="x-none">
+            <a:br>
+              <a:rPr lang="pt-BR" dirty="0">
                 <a:sym typeface="+mn-ea"/>
               </a:rPr>
+            </a:br>
+            <a:r>
+              <a:rPr lang="x-none" dirty="0">
+                <a:sym typeface="+mn-ea"/>
+              </a:rPr>
               <a:t>   - Prevents morory fragmentation;</a:t>
             </a:r>
-            <a:endParaRPr lang="x-none" altLang="pt-BR">
-              <a:sym typeface="+mn-ea"/>
-            </a:endParaRPr>
-          </a:p>
-          <a:p>
-            <a:endParaRPr lang="x-none" altLang="pt-BR"/>
-          </a:p>
-          <a:p>
-            <a:r>
-              <a:rPr lang="x-none" altLang="pt-BR"/>
+            <a:br>
+              <a:rPr lang="pt-BR" dirty="0">
+                <a:sym typeface="+mn-ea"/>
+              </a:rPr>
+            </a:br>
+            <a:br>
+              <a:rPr lang="pt-BR" dirty="0">
+                <a:sym typeface="+mn-ea"/>
+              </a:rPr>
+            </a:br>
+            <a:r>
+              <a:rPr lang="x-none" altLang="pt-BR" dirty="0"/>
               <a:t>## u</a:t>
             </a:r>
             <a:r>
-              <a:rPr lang="x-none">
+              <a:rPr lang="x-none" dirty="0">
                 <a:sym typeface="+mn-ea"/>
               </a:rPr>
               <a:t>LipeRTOS </a:t>
             </a:r>
-          </a:p>
-          <a:p>
-            <a:r>
-              <a:rPr lang="x-none" altLang="pt-BR"/>
+            <a:br>
+              <a:rPr lang="pt-BR" dirty="0">
+                <a:sym typeface="+mn-ea"/>
+              </a:rPr>
+            </a:br>
+            <a:r>
+              <a:rPr lang="x-none" altLang="pt-BR" dirty="0"/>
               <a:t>   - 100% Nascional;</a:t>
             </a:r>
-          </a:p>
-          <a:p>
-            <a:r>
-              <a:rPr lang="x-none" altLang="pt-BR"/>
+            <a:br>
+              <a:rPr lang="pt-BR" altLang="pt-BR" dirty="0"/>
+            </a:br>
+            <a:r>
+              <a:rPr lang="x-none" altLang="pt-BR" dirty="0"/>
               <a:t>   - OpenSource;</a:t>
             </a:r>
             <a:br>
-              <a:rPr lang="x-none" altLang="pt-BR"/>
+              <a:rPr lang="pt-BR" altLang="pt-BR" dirty="0"/>
             </a:br>
             <a:r>
-              <a:rPr lang="x-none" altLang="pt-BR"/>
+              <a:rPr lang="x-none" altLang="pt-BR" dirty="0"/>
               <a:t>   - Disponível no GitHub;</a:t>
             </a:r>
-          </a:p>
-          <a:p>
-            <a:endParaRPr lang="x-none" altLang="pt-BR"/>
-          </a:p>
-          <a:p>
-            <a:r>
-              <a:rPr lang="x-none" altLang="pt-BR"/>
+            <a:br>
+              <a:rPr lang="pt-BR" altLang="pt-BR" dirty="0"/>
+            </a:br>
+            <a:br>
+              <a:rPr lang="pt-BR" altLang="pt-BR" dirty="0"/>
+            </a:br>
+            <a:r>
+              <a:rPr lang="x-none" altLang="pt-BR" dirty="0"/>
               <a:t>## HeartOS ##</a:t>
             </a:r>
-          </a:p>
-          <a:p>
-            <a:r>
-              <a:rPr lang="x-none" altLang="pt-BR"/>
+            <a:br>
+              <a:rPr lang="pt-BR" altLang="pt-BR" dirty="0"/>
+            </a:br>
+            <a:r>
+              <a:rPr lang="x-none" altLang="pt-BR" dirty="0"/>
               <a:t>   - Amplamente utilizado na industria aeronautica;</a:t>
             </a:r>
-          </a:p>
-          <a:p>
-            <a:r>
-              <a:rPr lang="x-none" altLang="pt-BR"/>
+            <a:br>
+              <a:rPr lang="pt-BR" altLang="pt-BR" dirty="0"/>
+            </a:br>
+            <a:r>
+              <a:rPr lang="x-none" altLang="pt-BR" dirty="0"/>
               <a:t>   - Como em sistemas de controle de fluxo de combustível;</a:t>
             </a:r>
-          </a:p>
-          <a:p>
-            <a:r>
-              <a:rPr lang="x-none" altLang="pt-BR"/>
+            <a:br>
+              <a:rPr lang="pt-BR" altLang="pt-BR" dirty="0"/>
+            </a:br>
+            <a:r>
+              <a:rPr lang="x-none" altLang="pt-BR" dirty="0"/>
               <a:t>   - Programação em C, C++  e  ADA.</a:t>
             </a:r>
-          </a:p>
-          <a:p>
-            <a:endParaRPr lang="x-none" altLang="pt-BR"/>
-          </a:p>
-          <a:p>
-            <a:r>
-              <a:rPr lang="x-none" altLang="pt-BR"/>
+            <a:br>
+              <a:rPr lang="pt-BR" altLang="pt-BR" dirty="0"/>
+            </a:br>
+            <a:br>
+              <a:rPr lang="pt-BR" altLang="pt-BR" dirty="0"/>
+            </a:br>
+            <a:r>
+              <a:rPr lang="x-none" altLang="pt-BR" dirty="0"/>
               <a:t>## VxWorks</a:t>
             </a:r>
-          </a:p>
-          <a:p>
-            <a:r>
-              <a:rPr lang="x-none" altLang="pt-BR"/>
+            <a:br>
+              <a:rPr lang="pt-BR" altLang="pt-BR" dirty="0"/>
+            </a:br>
+            <a:r>
+              <a:rPr lang="x-none" altLang="pt-BR" dirty="0"/>
               <a:t>   - Utilizado pela NASA,</a:t>
             </a:r>
-          </a:p>
-          <a:p>
-            <a:r>
-              <a:rPr lang="x-none" altLang="pt-BR"/>
-              <a:t>      Exercito Americano e Boeing;</a:t>
-            </a:r>
-          </a:p>
-          <a:p>
-            <a:r>
-              <a:rPr lang="x-none" altLang="pt-BR"/>
-              <a:t>   - Utilizado na Sonda Curiosity;</a:t>
-            </a:r>
-          </a:p>
-          <a:p>
-            <a:r>
-              <a:rPr lang="x-none" altLang="pt-BR"/>
-              <a:t>   </a:t>
+            <a:r>
+              <a:rPr lang="pt-BR" altLang="pt-BR" dirty="0"/>
+              <a:t> </a:t>
+            </a:r>
+            <a:r>
+              <a:rPr lang="x-none" altLang="pt-BR" dirty="0"/>
+              <a:t>Exercito Americano e Boeing;</a:t>
+            </a:r>
+            <a:br>
+              <a:rPr lang="pt-BR" altLang="pt-BR" dirty="0"/>
+            </a:br>
+            <a:r>
+              <a:rPr lang="x-none" altLang="pt-BR" dirty="0"/>
+              <a:t>   - Utilizado na Sonda Curiosity;   </a:t>
             </a:r>
           </a:p>
         </p:txBody>
@@ -1815,12 +1954,12 @@
           <a:p>
             <a:pPr lvl="0" algn="r" eaLnBrk="1" hangingPunct="1"/>
             <a:fld id="{9A0DB2DC-4C9A-4742-B13C-FB6460FD3503}" type="slidenum">
-              <a:rPr lang="zh-CN" altLang="en-US" sz="1200" dirty="0">
+              <a:rPr lang="zh-CN" altLang="en-US" sz="1300" dirty="0">
                 <a:ea typeface="宋体" charset="-122"/>
               </a:rPr>
               <a:t>4</a:t>
             </a:fld>
-            <a:endParaRPr lang="zh-CN" altLang="en-US" sz="1200" dirty="0">
+            <a:endParaRPr lang="zh-CN" altLang="en-US" sz="1300" dirty="0">
               <a:ea typeface="宋体" charset="-122"/>
             </a:endParaRPr>
           </a:p>
@@ -1879,106 +2018,124 @@
           <a:lstStyle/>
           <a:p>
             <a:r>
-              <a:rPr lang="x-none">
+              <a:rPr lang="x-none" dirty="0">
                 <a:sym typeface="+mn-ea"/>
               </a:rPr>
-              <a:t>## TEI --&gt;</a:t>
+              <a:t>## TEI</a:t>
+            </a:r>
+            <a:r>
+              <a:rPr lang="pt-BR" dirty="0">
+                <a:sym typeface="+mn-ea"/>
+              </a:rPr>
+              <a:t> </a:t>
+            </a:r>
+            <a:r>
+              <a:rPr lang="pt-BR" dirty="0">
+                <a:sym typeface="Wingdings" panose="05000000000000000000" pitchFamily="2" charset="2"/>
+              </a:rPr>
+              <a:t></a:t>
+            </a:r>
+            <a:r>
+              <a:rPr lang="x-none" dirty="0">
+                <a:sym typeface="+mn-ea"/>
+              </a:rPr>
+              <a:t> Technological Educational Institute</a:t>
             </a:r>
             <a:br>
-              <a:rPr lang="x-none">
+              <a:rPr lang="pt-BR" dirty="0">
                 <a:sym typeface="+mn-ea"/>
               </a:rPr>
             </a:br>
-            <a:r>
-              <a:rPr lang="x-none">
+            <a:br>
+              <a:rPr lang="pt-BR" dirty="0">
                 <a:sym typeface="+mn-ea"/>
               </a:rPr>
-              <a:t> Significado: Technological Educational Institute</a:t>
-            </a:r>
-            <a:endParaRPr lang="x-none" altLang="pt-BR"/>
-          </a:p>
-          <a:p>
-            <a:endParaRPr lang="x-none" altLang="pt-BR"/>
-          </a:p>
-          <a:p>
-            <a:r>
-              <a:rPr lang="x-none" altLang="pt-BR"/>
+            </a:br>
+            <a:r>
+              <a:rPr lang="x-none" altLang="pt-BR" dirty="0"/>
               <a:t>## Sobre os Autores</a:t>
             </a:r>
-          </a:p>
-          <a:p>
-            <a:r>
-              <a:rPr lang="x-none" altLang="pt-BR"/>
+            <a:br>
+              <a:rPr lang="pt-BR" altLang="pt-BR" dirty="0"/>
+            </a:br>
+            <a:r>
+              <a:rPr lang="x-none" altLang="pt-BR" dirty="0"/>
               <a:t> - O 3 primeiros são da 1ª universidade </a:t>
             </a:r>
             <a:br>
-              <a:rPr lang="x-none" altLang="pt-BR"/>
+              <a:rPr lang="pt-BR" altLang="pt-BR" dirty="0"/>
             </a:br>
             <a:r>
-              <a:rPr lang="x-none" altLang="pt-BR"/>
+              <a:rPr lang="x-none" altLang="pt-BR" dirty="0"/>
               <a:t> - O utimo é da 2ª univercidade</a:t>
             </a:r>
-          </a:p>
-          <a:p>
-            <a:endParaRPr lang="x-none" altLang="pt-BR"/>
-          </a:p>
-          <a:p>
-            <a:r>
-              <a:rPr lang="x-none" altLang="pt-BR"/>
+            <a:br>
+              <a:rPr lang="pt-BR" altLang="pt-BR" dirty="0"/>
+            </a:br>
+            <a:endParaRPr lang="x-none" altLang="pt-BR" dirty="0"/>
+          </a:p>
+          <a:p>
+            <a:r>
+              <a:rPr lang="x-none" altLang="pt-BR" dirty="0"/>
               <a:t>## OpenSource:</a:t>
             </a:r>
             <a:br>
-              <a:rPr lang="x-none" altLang="pt-BR"/>
+              <a:rPr lang="pt-BR" altLang="pt-BR" dirty="0"/>
             </a:br>
             <a:r>
-              <a:rPr lang="x-none" altLang="pt-BR"/>
+              <a:rPr lang="x-none" altLang="pt-BR" dirty="0"/>
               <a:t>Apenar de disponível no GitHub, parte do cogido encontra-se ausente. Como a MAIN.C</a:t>
             </a:r>
-          </a:p>
-          <a:p>
-            <a:r>
-              <a:rPr lang="x-none" altLang="pt-BR"/>
-              <a:t>Segundo os autores, o SIRTOS seria compilável em Windows, Linux e MAC;</a:t>
-            </a:r>
-          </a:p>
-          <a:p>
-            <a:r>
-              <a:rPr lang="x-none" altLang="pt-BR"/>
+            <a:r>
+              <a:rPr lang="pt-BR" altLang="pt-BR" dirty="0"/>
+              <a:t>;</a:t>
+            </a:r>
+            <a:br>
+              <a:rPr lang="pt-BR" altLang="pt-BR" dirty="0"/>
+            </a:br>
+            <a:r>
+              <a:rPr lang="x-none" altLang="pt-BR" dirty="0"/>
+              <a:t>Segundo os autores, seria compilável em Windows, Linux e MAC;</a:t>
+            </a:r>
+            <a:endParaRPr lang="pt-BR" altLang="pt-BR" dirty="0"/>
+          </a:p>
+          <a:p>
+            <a:r>
+              <a:rPr lang="x-none" altLang="pt-BR" dirty="0"/>
               <a:t>C  - 90.8% </a:t>
             </a:r>
             <a:br>
-              <a:rPr lang="x-none" altLang="pt-BR"/>
+              <a:rPr lang="pt-BR" altLang="pt-BR" dirty="0"/>
             </a:br>
             <a:r>
-              <a:rPr lang="x-none" altLang="pt-BR"/>
-              <a:t>Assembly - 4.7% </a:t>
+              <a:rPr lang="x-none" altLang="pt-BR" dirty="0"/>
+              <a:t>Assembly - 4.7%</a:t>
             </a:r>
             <a:br>
-              <a:rPr lang="x-none" altLang="pt-BR"/>
+              <a:rPr lang="pt-BR" altLang="pt-BR" dirty="0"/>
             </a:br>
             <a:r>
-              <a:rPr lang="x-none" altLang="pt-BR"/>
-              <a:t>Makefile - 3.1% </a:t>
-            </a:r>
-          </a:p>
-          <a:p>
-            <a:r>
-              <a:rPr lang="x-none" altLang="pt-BR"/>
-              <a:t>C++ - 1.4% </a:t>
-            </a:r>
-          </a:p>
-          <a:p>
-            <a:r>
-              <a:rPr lang="x-none" altLang="pt-BR"/>
+              <a:rPr lang="x-none" altLang="pt-BR" dirty="0"/>
+              <a:t>Makefile - 3.1%</a:t>
+            </a:r>
+            <a:br>
+              <a:rPr lang="pt-BR" altLang="pt-BR" dirty="0"/>
+            </a:br>
+            <a:r>
+              <a:rPr lang="x-none" altLang="pt-BR" dirty="0"/>
+              <a:t>C++ - 1.4%</a:t>
+            </a:r>
+            <a:r>
+              <a:rPr lang="pt-BR" altLang="pt-BR" dirty="0"/>
+              <a:t>-</a:t>
+            </a:r>
+            <a:br>
+              <a:rPr lang="pt-BR" altLang="pt-BR" dirty="0"/>
+            </a:br>
+            <a:r>
+              <a:rPr lang="x-none" altLang="pt-BR" dirty="0"/>
               <a:t>(Fonte: GitHub) COM ADAPTAÇÕES!!!!!!</a:t>
             </a:r>
-            <a:br>
-              <a:rPr lang="x-none" altLang="pt-BR"/>
-            </a:br>
-            <a:endParaRPr lang="x-none" altLang="pt-BR"/>
-          </a:p>
-          <a:p>
-            <a:endParaRPr lang="x-none" altLang="pt-BR"/>
           </a:p>
         </p:txBody>
       </p:sp>
@@ -1999,12 +2156,12 @@
           <a:p>
             <a:pPr lvl="0" algn="r" eaLnBrk="1" hangingPunct="1"/>
             <a:fld id="{9A0DB2DC-4C9A-4742-B13C-FB6460FD3503}" type="slidenum">
-              <a:rPr lang="zh-CN" altLang="en-US" sz="1200" dirty="0">
+              <a:rPr lang="zh-CN" altLang="en-US" sz="1300" dirty="0">
                 <a:ea typeface="宋体" charset="-122"/>
               </a:rPr>
               <a:t>5</a:t>
             </a:fld>
-            <a:endParaRPr lang="zh-CN" altLang="en-US" sz="1200" dirty="0">
+            <a:endParaRPr lang="zh-CN" altLang="en-US" sz="1300" dirty="0">
               <a:ea typeface="宋体" charset="-122"/>
             </a:endParaRPr>
           </a:p>
@@ -2064,13 +2221,13 @@
           <a:p>
             <a:pPr lvl="0" eaLnBrk="1" hangingPunct="1"/>
             <a:r>
-              <a:rPr lang="x-none" b="1">
+              <a:rPr lang="x-none" b="1" dirty="0">
                 <a:sym typeface="+mn-ea"/>
               </a:rPr>
               <a:t>Crucial </a:t>
             </a:r>
             <a:r>
-              <a:rPr lang="x-none">
+              <a:rPr lang="x-none" dirty="0">
                 <a:sym typeface="+mn-ea"/>
               </a:rPr>
               <a:t>em qualquer Sistema Operacional</a:t>
@@ -2078,49 +2235,49 @@
           </a:p>
           <a:p>
             <a:pPr lvl="0" eaLnBrk="1" hangingPunct="1"/>
-            <a:endParaRPr lang="x-none">
+            <a:endParaRPr lang="x-none" dirty="0">
               <a:sym typeface="+mn-ea"/>
             </a:endParaRPr>
           </a:p>
           <a:p>
             <a:pPr lvl="0" eaLnBrk="1" hangingPunct="1"/>
             <a:r>
-              <a:rPr lang="x-none">
+              <a:rPr lang="x-none" dirty="0">
                 <a:sym typeface="+mn-ea"/>
               </a:rPr>
               <a:t>Indica que algum </a:t>
             </a:r>
             <a:r>
-              <a:rPr lang="x-none" b="1">
+              <a:rPr lang="x-none" b="1" dirty="0">
                 <a:sym typeface="+mn-ea"/>
               </a:rPr>
               <a:t>SW </a:t>
             </a:r>
             <a:r>
-              <a:rPr lang="x-none">
+              <a:rPr lang="x-none" dirty="0">
                 <a:sym typeface="+mn-ea"/>
               </a:rPr>
               <a:t>ou </a:t>
             </a:r>
             <a:r>
-              <a:rPr lang="x-none" b="1">
+              <a:rPr lang="x-none" b="1" dirty="0">
                 <a:sym typeface="+mn-ea"/>
               </a:rPr>
               <a:t>HW </a:t>
             </a:r>
             <a:r>
-              <a:rPr lang="x-none">
+              <a:rPr lang="x-none" dirty="0">
                 <a:sym typeface="+mn-ea"/>
               </a:rPr>
               <a:t>precisa de</a:t>
             </a:r>
             <a:r>
-              <a:rPr lang="x-none" b="1">
+              <a:rPr lang="x-none" b="1" dirty="0">
                 <a:sym typeface="+mn-ea"/>
               </a:rPr>
               <a:t> atenção Imediata;</a:t>
             </a:r>
-            <a:endParaRPr lang="x-none" altLang="pt-BR" b="1"/>
+            <a:endParaRPr lang="x-none" altLang="pt-BR" b="1" dirty="0"/>
           </a:p>
         </p:txBody>
       </p:sp>
@@ -2141,12 +2298,12 @@
           <a:p>
             <a:pPr lvl="0" algn="r" eaLnBrk="1" hangingPunct="1"/>
             <a:fld id="{9A0DB2DC-4C9A-4742-B13C-FB6460FD3503}" type="slidenum">
-              <a:rPr lang="zh-CN" altLang="en-US" sz="1200" dirty="0">
+              <a:rPr lang="zh-CN" altLang="en-US" sz="1300" dirty="0">
                 <a:ea typeface="宋体" charset="-122"/>
               </a:rPr>
               <a:t>6</a:t>
             </a:fld>
-            <a:endParaRPr lang="zh-CN" altLang="en-US" sz="1200" dirty="0">
+            <a:endParaRPr lang="zh-CN" altLang="en-US" sz="1300" dirty="0">
               <a:ea typeface="宋体" charset="-122"/>
             </a:endParaRPr>
           </a:p>
@@ -2228,12 +2385,12 @@
           <a:p>
             <a:pPr lvl="0" algn="r" eaLnBrk="1" hangingPunct="1"/>
             <a:fld id="{9A0DB2DC-4C9A-4742-B13C-FB6460FD3503}" type="slidenum">
-              <a:rPr lang="zh-CN" altLang="en-US" sz="1200" dirty="0">
+              <a:rPr lang="zh-CN" altLang="en-US" sz="1300" dirty="0">
                 <a:ea typeface="宋体" charset="-122"/>
               </a:rPr>
               <a:t>7</a:t>
             </a:fld>
-            <a:endParaRPr lang="zh-CN" altLang="en-US" sz="1200" dirty="0">
+            <a:endParaRPr lang="zh-CN" altLang="en-US" sz="1300" dirty="0">
               <a:ea typeface="宋体" charset="-122"/>
             </a:endParaRPr>
           </a:p>
@@ -2292,44 +2449,52 @@
           <a:lstStyle/>
           <a:p>
             <a:r>
-              <a:rPr lang="x-none" altLang="pt-BR"/>
+              <a:rPr lang="x-none" altLang="pt-BR" dirty="0"/>
               <a:t>- Parte mais difícil de ser implementada no SIRTOS;</a:t>
             </a:r>
-          </a:p>
-          <a:p>
-            <a:r>
-              <a:rPr lang="x-none" altLang="pt-BR"/>
-              <a:t>    --&gt; Por isso há muito espaço para melhoras.</a:t>
-            </a:r>
-          </a:p>
-          <a:p>
-            <a:endParaRPr lang="x-none" altLang="pt-BR"/>
-          </a:p>
-          <a:p>
-            <a:r>
-              <a:rPr lang="x-none" altLang="pt-BR"/>
+            <a:br>
+              <a:rPr lang="pt-BR" altLang="pt-BR" dirty="0"/>
+            </a:br>
+            <a:r>
+              <a:rPr lang="pt-BR" altLang="pt-BR" dirty="0"/>
+              <a:t>- </a:t>
+            </a:r>
+            <a:r>
+              <a:rPr lang="x-none" altLang="pt-BR" dirty="0"/>
+              <a:t>Por isso há muito espaço para melhoras.</a:t>
+            </a:r>
+            <a:br>
+              <a:rPr lang="pt-BR" altLang="pt-BR" dirty="0"/>
+            </a:br>
+            <a:br>
+              <a:rPr lang="pt-BR" altLang="pt-BR" dirty="0"/>
+            </a:br>
+            <a:r>
+              <a:rPr lang="x-none" altLang="pt-BR" dirty="0"/>
               <a:t>## Exemplo de tarefas com deadlines curtas:</a:t>
             </a:r>
-          </a:p>
-          <a:p>
-            <a:r>
-              <a:rPr lang="x-none" altLang="pt-BR"/>
+            <a:br>
+              <a:rPr lang="pt-BR" altLang="pt-BR" dirty="0"/>
+            </a:br>
+            <a:r>
+              <a:rPr lang="x-none" altLang="pt-BR" dirty="0"/>
               <a:t>  - GUI (manter a sensação de estabilidade);</a:t>
             </a:r>
-          </a:p>
-          <a:p>
-            <a:endParaRPr lang="x-none" altLang="pt-BR"/>
-          </a:p>
-          <a:p>
-            <a:r>
-              <a:rPr lang="x-none" altLang="pt-BR"/>
+            <a:br>
+              <a:rPr lang="pt-BR" altLang="pt-BR" dirty="0"/>
+            </a:br>
+            <a:br>
+              <a:rPr lang="pt-BR" altLang="pt-BR" dirty="0"/>
+            </a:br>
+            <a:r>
+              <a:rPr lang="x-none" altLang="pt-BR" dirty="0"/>
               <a:t>## Time Periods</a:t>
             </a:r>
             <a:br>
-              <a:rPr lang="x-none" altLang="pt-BR"/>
+              <a:rPr lang="pt-BR" altLang="pt-BR" dirty="0"/>
             </a:br>
             <a:r>
-              <a:rPr lang="x-none" altLang="pt-BR"/>
+              <a:rPr lang="x-none" altLang="pt-BR" dirty="0"/>
               <a:t>  - Garante também que tarefas com prioridade menor sejam executadas</a:t>
             </a:r>
           </a:p>
@@ -2352,12 +2517,12 @@
           <a:p>
             <a:pPr lvl="0" algn="r" eaLnBrk="1" hangingPunct="1"/>
             <a:fld id="{9A0DB2DC-4C9A-4742-B13C-FB6460FD3503}" type="slidenum">
-              <a:rPr lang="zh-CN" altLang="en-US" sz="1200" dirty="0">
+              <a:rPr lang="zh-CN" altLang="en-US" sz="1300" dirty="0">
                 <a:ea typeface="宋体" charset="-122"/>
               </a:rPr>
               <a:t>8</a:t>
             </a:fld>
-            <a:endParaRPr lang="zh-CN" altLang="en-US" sz="1200" dirty="0">
+            <a:endParaRPr lang="zh-CN" altLang="en-US" sz="1300" dirty="0">
               <a:ea typeface="宋体" charset="-122"/>
             </a:endParaRPr>
           </a:p>
@@ -2457,12 +2622,12 @@
           <a:p>
             <a:pPr lvl="0" algn="r" eaLnBrk="1" hangingPunct="1"/>
             <a:fld id="{9A0DB2DC-4C9A-4742-B13C-FB6460FD3503}" type="slidenum">
-              <a:rPr lang="zh-CN" altLang="en-US" sz="1200" dirty="0">
+              <a:rPr lang="zh-CN" altLang="en-US" sz="1300" dirty="0">
                 <a:ea typeface="宋体" charset="-122"/>
               </a:rPr>
               <a:t>9</a:t>
             </a:fld>
-            <a:endParaRPr lang="zh-CN" altLang="en-US" sz="1200" dirty="0">
+            <a:endParaRPr lang="zh-CN" altLang="en-US" sz="1300" dirty="0">
               <a:ea typeface="宋体" charset="-122"/>
             </a:endParaRPr>
           </a:p>
@@ -2604,8 +2769,8 @@
           <a:lstStyle/>
           <a:p>
             <a:pPr lvl="0" eaLnBrk="1" hangingPunct="1"/>
-            <a:fld id="{BB962C8B-B14F-4D97-AF65-F5344CB8AC3E}" type="datetime1">
-              <a:rPr lang="en-US" altLang="en-US" dirty="0"/>
+            <a:fld id="{B2956479-12F0-434B-996D-A5E581AAACDB}" type="datetime1">
+              <a:rPr lang="en-US" altLang="en-US" smtClean="0"/>
               <a:t>6/5/2017</a:t>
             </a:fld>
             <a:endParaRPr lang="zh-CN" altLang="en-US" dirty="0"/>
@@ -2629,9 +2794,10 @@
           <a:p>
             <a:pPr lvl="0" eaLnBrk="1" hangingPunct="1"/>
             <a:r>
-              <a:rPr lang="zh-CN" altLang="en-US" dirty="0"/>
-              <a:t>Seminário de [EC 009] - Sistemas Operacionáis.</a:t>
-            </a:r>
+              <a:rPr lang="pt-BR" altLang="zh-CN"/>
+              <a:t>Seminário de [EC 009] - Sistemas Operacionáis Institúto Nacional de Telecomunicações</a:t>
+            </a:r>
+            <a:endParaRPr lang="zh-CN" altLang="en-US" dirty="0"/>
           </a:p>
         </p:txBody>
       </p:sp>
@@ -2664,7 +2830,6 @@
   <p:clrMapOvr>
     <a:masterClrMapping/>
   </p:clrMapOvr>
-  <p:hf hdr="0"/>
 </p:sldLayout>
 </file>
 
@@ -2774,8 +2939,8 @@
           <a:lstStyle/>
           <a:p>
             <a:pPr lvl="0" eaLnBrk="1" hangingPunct="1"/>
-            <a:fld id="{BB962C8B-B14F-4D97-AF65-F5344CB8AC3E}" type="datetime1">
-              <a:rPr lang="en-US" altLang="en-US" dirty="0"/>
+            <a:fld id="{D1A49A7B-65BC-48CC-A90A-9D57DB67367B}" type="datetime1">
+              <a:rPr lang="en-US" altLang="en-US" smtClean="0"/>
               <a:t>6/5/2017</a:t>
             </a:fld>
             <a:endParaRPr lang="zh-CN" altLang="en-US" dirty="0"/>
@@ -2799,9 +2964,10 @@
           <a:p>
             <a:pPr lvl="0" eaLnBrk="1" hangingPunct="1"/>
             <a:r>
-              <a:rPr lang="zh-CN" altLang="en-US" dirty="0"/>
-              <a:t>Seminário de [EC 009] - Sistemas Operacionáis.</a:t>
-            </a:r>
+              <a:rPr lang="pt-BR" altLang="zh-CN"/>
+              <a:t>Seminário de [EC 009] - Sistemas Operacionáis Institúto Nacional de Telecomunicações</a:t>
+            </a:r>
+            <a:endParaRPr lang="zh-CN" altLang="en-US" dirty="0"/>
           </a:p>
         </p:txBody>
       </p:sp>
@@ -2834,7 +3000,6 @@
   <p:clrMapOvr>
     <a:masterClrMapping/>
   </p:clrMapOvr>
-  <p:hf hdr="0"/>
 </p:sldLayout>
 </file>
 
@@ -2954,8 +3119,8 @@
           <a:lstStyle/>
           <a:p>
             <a:pPr lvl="0" eaLnBrk="1" hangingPunct="1"/>
-            <a:fld id="{BB962C8B-B14F-4D97-AF65-F5344CB8AC3E}" type="datetime1">
-              <a:rPr lang="en-US" altLang="en-US" dirty="0"/>
+            <a:fld id="{39CF702A-BC67-45ED-B69E-905D4C236C4D}" type="datetime1">
+              <a:rPr lang="en-US" altLang="en-US" smtClean="0"/>
               <a:t>6/5/2017</a:t>
             </a:fld>
             <a:endParaRPr lang="zh-CN" altLang="en-US" dirty="0"/>
@@ -2979,9 +3144,10 @@
           <a:p>
             <a:pPr lvl="0" eaLnBrk="1" hangingPunct="1"/>
             <a:r>
-              <a:rPr lang="zh-CN" altLang="en-US" dirty="0"/>
-              <a:t>Seminário de [EC 009] - Sistemas Operacionáis.</a:t>
-            </a:r>
+              <a:rPr lang="pt-BR" altLang="zh-CN"/>
+              <a:t>Seminário de [EC 009] - Sistemas Operacionáis Institúto Nacional de Telecomunicações</a:t>
+            </a:r>
+            <a:endParaRPr lang="zh-CN" altLang="en-US" dirty="0"/>
           </a:p>
         </p:txBody>
       </p:sp>
@@ -3014,7 +3180,6 @@
   <p:clrMapOvr>
     <a:masterClrMapping/>
   </p:clrMapOvr>
-  <p:hf hdr="0"/>
 </p:sldLayout>
 </file>
 
@@ -3146,8 +3311,8 @@
           <a:lstStyle/>
           <a:p>
             <a:pPr lvl="0" eaLnBrk="1" hangingPunct="1"/>
-            <a:fld id="{BB962C8B-B14F-4D97-AF65-F5344CB8AC3E}" type="datetime1">
-              <a:rPr lang="en-US" altLang="en-US" dirty="0"/>
+            <a:fld id="{F5E15246-BE1F-419E-A01D-64E989818E6D}" type="datetime1">
+              <a:rPr lang="en-US" altLang="en-US" smtClean="0"/>
               <a:t>6/5/2017</a:t>
             </a:fld>
             <a:endParaRPr lang="zh-CN" altLang="en-US" dirty="0"/>
@@ -3171,9 +3336,10 @@
           <a:p>
             <a:pPr lvl="0" eaLnBrk="1" hangingPunct="1"/>
             <a:r>
-              <a:rPr lang="zh-CN" altLang="en-US" dirty="0"/>
-              <a:t>Seminário de [EC 009] - Sistemas Operacionáis.</a:t>
-            </a:r>
+              <a:rPr lang="pt-BR" altLang="zh-CN"/>
+              <a:t>Seminário de [EC 009] - Sistemas Operacionáis Institúto Nacional de Telecomunicações</a:t>
+            </a:r>
+            <a:endParaRPr lang="zh-CN" altLang="en-US" dirty="0"/>
           </a:p>
         </p:txBody>
       </p:sp>
@@ -3206,7 +3372,6 @@
   <p:clrMapOvr>
     <a:masterClrMapping/>
   </p:clrMapOvr>
-  <p:hf hdr="0"/>
 </p:sldLayout>
 </file>
 
@@ -3316,8 +3481,8 @@
           <a:lstStyle/>
           <a:p>
             <a:pPr lvl="0" eaLnBrk="1" hangingPunct="1"/>
-            <a:fld id="{BB962C8B-B14F-4D97-AF65-F5344CB8AC3E}" type="datetime1">
-              <a:rPr lang="en-US" altLang="en-US" dirty="0"/>
+            <a:fld id="{EED96767-84C4-4880-AC58-DCF1A0D7A755}" type="datetime1">
+              <a:rPr lang="en-US" altLang="en-US" smtClean="0"/>
               <a:t>6/5/2017</a:t>
             </a:fld>
             <a:endParaRPr lang="zh-CN" altLang="en-US" dirty="0"/>
@@ -3341,9 +3506,10 @@
           <a:p>
             <a:pPr lvl="0" eaLnBrk="1" hangingPunct="1"/>
             <a:r>
-              <a:rPr lang="zh-CN" altLang="en-US" dirty="0"/>
-              <a:t>Seminário de [EC 009] - Sistemas Operacionáis.</a:t>
-            </a:r>
+              <a:rPr lang="pt-BR" altLang="zh-CN"/>
+              <a:t>Seminário de [EC 009] - Sistemas Operacionáis Institúto Nacional de Telecomunicações</a:t>
+            </a:r>
+            <a:endParaRPr lang="zh-CN" altLang="en-US" dirty="0"/>
           </a:p>
         </p:txBody>
       </p:sp>
@@ -3376,7 +3542,6 @@
   <p:clrMapOvr>
     <a:masterClrMapping/>
   </p:clrMapOvr>
-  <p:hf hdr="0"/>
 </p:sldLayout>
 </file>
 
@@ -3563,8 +3728,8 @@
           <a:lstStyle/>
           <a:p>
             <a:pPr lvl="0" eaLnBrk="1" hangingPunct="1"/>
-            <a:fld id="{BB962C8B-B14F-4D97-AF65-F5344CB8AC3E}" type="datetime1">
-              <a:rPr lang="en-US" altLang="en-US" dirty="0"/>
+            <a:fld id="{65C0B2C4-8F59-4A04-A3E5-891935F3A687}" type="datetime1">
+              <a:rPr lang="en-US" altLang="en-US" smtClean="0"/>
               <a:t>6/5/2017</a:t>
             </a:fld>
             <a:endParaRPr lang="zh-CN" altLang="en-US" dirty="0"/>
@@ -3588,9 +3753,10 @@
           <a:p>
             <a:pPr lvl="0" eaLnBrk="1" hangingPunct="1"/>
             <a:r>
-              <a:rPr lang="zh-CN" altLang="en-US" dirty="0"/>
-              <a:t>Seminário de [EC 009] - Sistemas Operacionáis.</a:t>
-            </a:r>
+              <a:rPr lang="pt-BR" altLang="zh-CN"/>
+              <a:t>Seminário de [EC 009] - Sistemas Operacionáis Institúto Nacional de Telecomunicações</a:t>
+            </a:r>
+            <a:endParaRPr lang="zh-CN" altLang="en-US" dirty="0"/>
           </a:p>
         </p:txBody>
       </p:sp>
@@ -3623,7 +3789,6 @@
   <p:clrMapOvr>
     <a:masterClrMapping/>
   </p:clrMapOvr>
-  <p:hf hdr="0"/>
 </p:sldLayout>
 </file>
 
@@ -3794,8 +3959,8 @@
           <a:lstStyle/>
           <a:p>
             <a:pPr lvl="0" eaLnBrk="1" hangingPunct="1"/>
-            <a:fld id="{BB962C8B-B14F-4D97-AF65-F5344CB8AC3E}" type="datetime1">
-              <a:rPr lang="en-US" altLang="en-US" dirty="0"/>
+            <a:fld id="{7001806F-4D08-496B-8637-4B4C0D9F9927}" type="datetime1">
+              <a:rPr lang="en-US" altLang="en-US" smtClean="0"/>
               <a:t>6/5/2017</a:t>
             </a:fld>
             <a:endParaRPr lang="zh-CN" altLang="en-US" dirty="0"/>
@@ -3819,9 +3984,10 @@
           <a:p>
             <a:pPr lvl="0" eaLnBrk="1" hangingPunct="1"/>
             <a:r>
-              <a:rPr lang="zh-CN" altLang="en-US" dirty="0"/>
-              <a:t>Seminário de [EC 009] - Sistemas Operacionáis.</a:t>
-            </a:r>
+              <a:rPr lang="pt-BR" altLang="zh-CN"/>
+              <a:t>Seminário de [EC 009] - Sistemas Operacionáis Institúto Nacional de Telecomunicações</a:t>
+            </a:r>
+            <a:endParaRPr lang="zh-CN" altLang="en-US" dirty="0"/>
           </a:p>
         </p:txBody>
       </p:sp>
@@ -3854,7 +4020,6 @@
   <p:clrMapOvr>
     <a:masterClrMapping/>
   </p:clrMapOvr>
-  <p:hf hdr="0"/>
 </p:sldLayout>
 </file>
 
@@ -4160,8 +4325,8 @@
           <a:lstStyle/>
           <a:p>
             <a:pPr lvl="0" eaLnBrk="1" hangingPunct="1"/>
-            <a:fld id="{BB962C8B-B14F-4D97-AF65-F5344CB8AC3E}" type="datetime1">
-              <a:rPr lang="en-US" altLang="en-US" dirty="0"/>
+            <a:fld id="{E398B61A-12BA-4877-BB8A-0DAF97D38459}" type="datetime1">
+              <a:rPr lang="en-US" altLang="en-US" smtClean="0"/>
               <a:t>6/5/2017</a:t>
             </a:fld>
             <a:endParaRPr lang="zh-CN" altLang="en-US" dirty="0"/>
@@ -4185,9 +4350,10 @@
           <a:p>
             <a:pPr lvl="0" eaLnBrk="1" hangingPunct="1"/>
             <a:r>
-              <a:rPr lang="zh-CN" altLang="en-US" dirty="0"/>
-              <a:t>Seminário de [EC 009] - Sistemas Operacionáis.</a:t>
-            </a:r>
+              <a:rPr lang="pt-BR" altLang="zh-CN"/>
+              <a:t>Seminário de [EC 009] - Sistemas Operacionáis Institúto Nacional de Telecomunicações</a:t>
+            </a:r>
+            <a:endParaRPr lang="zh-CN" altLang="en-US" dirty="0"/>
           </a:p>
         </p:txBody>
       </p:sp>
@@ -4220,7 +4386,6 @@
   <p:clrMapOvr>
     <a:masterClrMapping/>
   </p:clrMapOvr>
-  <p:hf hdr="0"/>
 </p:sldLayout>
 </file>
 
@@ -4279,8 +4444,8 @@
           <a:lstStyle/>
           <a:p>
             <a:pPr lvl="0" eaLnBrk="1" hangingPunct="1"/>
-            <a:fld id="{BB962C8B-B14F-4D97-AF65-F5344CB8AC3E}" type="datetime1">
-              <a:rPr lang="en-US" altLang="en-US" dirty="0"/>
+            <a:fld id="{2E663025-DE0C-49E1-A658-F4504671BEDC}" type="datetime1">
+              <a:rPr lang="en-US" altLang="en-US" smtClean="0"/>
               <a:t>6/5/2017</a:t>
             </a:fld>
             <a:endParaRPr lang="zh-CN" altLang="en-US" dirty="0"/>
@@ -4304,9 +4469,10 @@
           <a:p>
             <a:pPr lvl="0" eaLnBrk="1" hangingPunct="1"/>
             <a:r>
-              <a:rPr lang="zh-CN" altLang="en-US" dirty="0"/>
-              <a:t>Seminário de [EC 009] - Sistemas Operacionáis.</a:t>
-            </a:r>
+              <a:rPr lang="pt-BR" altLang="zh-CN"/>
+              <a:t>Seminário de [EC 009] - Sistemas Operacionáis Institúto Nacional de Telecomunicações</a:t>
+            </a:r>
+            <a:endParaRPr lang="zh-CN" altLang="en-US" dirty="0"/>
           </a:p>
         </p:txBody>
       </p:sp>
@@ -4339,7 +4505,6 @@
   <p:clrMapOvr>
     <a:masterClrMapping/>
   </p:clrMapOvr>
-  <p:hf hdr="0"/>
 </p:sldLayout>
 </file>
 
@@ -4376,8 +4541,8 @@
           <a:lstStyle/>
           <a:p>
             <a:pPr lvl="0" eaLnBrk="1" hangingPunct="1"/>
-            <a:fld id="{BB962C8B-B14F-4D97-AF65-F5344CB8AC3E}" type="datetime1">
-              <a:rPr lang="en-US" altLang="en-US" dirty="0"/>
+            <a:fld id="{491BA3C7-34BF-410D-B630-ACB620C923C9}" type="datetime1">
+              <a:rPr lang="en-US" altLang="en-US" smtClean="0"/>
               <a:t>6/5/2017</a:t>
             </a:fld>
             <a:endParaRPr lang="zh-CN" altLang="en-US" dirty="0"/>
@@ -4401,9 +4566,10 @@
           <a:p>
             <a:pPr lvl="0" eaLnBrk="1" hangingPunct="1"/>
             <a:r>
-              <a:rPr lang="zh-CN" altLang="en-US" dirty="0"/>
-              <a:t>Seminário de [EC 009] - Sistemas Operacionáis.</a:t>
-            </a:r>
+              <a:rPr lang="pt-BR" altLang="zh-CN"/>
+              <a:t>Seminário de [EC 009] - Sistemas Operacionáis Institúto Nacional de Telecomunicações</a:t>
+            </a:r>
+            <a:endParaRPr lang="zh-CN" altLang="en-US" dirty="0"/>
           </a:p>
         </p:txBody>
       </p:sp>
@@ -4436,7 +4602,6 @@
   <p:clrMapOvr>
     <a:masterClrMapping/>
   </p:clrMapOvr>
-  <p:hf hdr="0"/>
 </p:sldLayout>
 </file>
 
@@ -4653,8 +4818,8 @@
           <a:lstStyle/>
           <a:p>
             <a:pPr lvl="0" eaLnBrk="1" hangingPunct="1"/>
-            <a:fld id="{BB962C8B-B14F-4D97-AF65-F5344CB8AC3E}" type="datetime1">
-              <a:rPr lang="en-US" altLang="en-US" dirty="0"/>
+            <a:fld id="{A4763409-5891-4732-92AE-3535157C51D9}" type="datetime1">
+              <a:rPr lang="en-US" altLang="en-US" smtClean="0"/>
               <a:t>6/5/2017</a:t>
             </a:fld>
             <a:endParaRPr lang="zh-CN" altLang="en-US" dirty="0"/>
@@ -4678,9 +4843,10 @@
           <a:p>
             <a:pPr lvl="0" eaLnBrk="1" hangingPunct="1"/>
             <a:r>
-              <a:rPr lang="zh-CN" altLang="en-US" dirty="0"/>
-              <a:t>Seminário de [EC 009] - Sistemas Operacionáis.</a:t>
-            </a:r>
+              <a:rPr lang="pt-BR" altLang="zh-CN"/>
+              <a:t>Seminário de [EC 009] - Sistemas Operacionáis Institúto Nacional de Telecomunicações</a:t>
+            </a:r>
+            <a:endParaRPr lang="zh-CN" altLang="en-US" dirty="0"/>
           </a:p>
         </p:txBody>
       </p:sp>
@@ -4713,7 +4879,6 @@
   <p:clrMapOvr>
     <a:masterClrMapping/>
   </p:clrMapOvr>
-  <p:hf hdr="0"/>
 </p:sldLayout>
 </file>
 
@@ -4823,8 +4988,8 @@
           <a:lstStyle/>
           <a:p>
             <a:pPr lvl="0" eaLnBrk="1" hangingPunct="1"/>
-            <a:fld id="{BB962C8B-B14F-4D97-AF65-F5344CB8AC3E}" type="datetime1">
-              <a:rPr lang="en-US" altLang="en-US" dirty="0"/>
+            <a:fld id="{D8AD1668-6FF7-4683-900E-7593C8EDE92E}" type="datetime1">
+              <a:rPr lang="en-US" altLang="en-US" smtClean="0"/>
               <a:t>6/5/2017</a:t>
             </a:fld>
             <a:endParaRPr lang="zh-CN" altLang="en-US" dirty="0"/>
@@ -4848,9 +5013,10 @@
           <a:p>
             <a:pPr lvl="0" eaLnBrk="1" hangingPunct="1"/>
             <a:r>
-              <a:rPr lang="zh-CN" altLang="en-US" dirty="0"/>
-              <a:t>Seminário de [EC 009] - Sistemas Operacionáis.</a:t>
-            </a:r>
+              <a:rPr lang="pt-BR" altLang="zh-CN"/>
+              <a:t>Seminário de [EC 009] - Sistemas Operacionáis Institúto Nacional de Telecomunicações</a:t>
+            </a:r>
+            <a:endParaRPr lang="zh-CN" altLang="en-US" dirty="0"/>
           </a:p>
         </p:txBody>
       </p:sp>
@@ -4883,7 +5049,6 @@
   <p:clrMapOvr>
     <a:masterClrMapping/>
   </p:clrMapOvr>
-  <p:hf hdr="0"/>
 </p:sldLayout>
 </file>
 
@@ -4992,7 +5157,7 @@
             </a:lvl9pPr>
           </a:lstStyle>
           <a:p>
-            <a:endParaRPr lang="en-US"/>
+            <a:endParaRPr lang="en-US" dirty="0"/>
           </a:p>
         </p:txBody>
       </p:sp>
@@ -5077,8 +5242,8 @@
           <a:lstStyle/>
           <a:p>
             <a:pPr lvl="0" eaLnBrk="1" hangingPunct="1"/>
-            <a:fld id="{BB962C8B-B14F-4D97-AF65-F5344CB8AC3E}" type="datetime1">
-              <a:rPr lang="en-US" altLang="en-US" dirty="0"/>
+            <a:fld id="{77CDC957-D816-46EB-8F06-D194F50544EC}" type="datetime1">
+              <a:rPr lang="en-US" altLang="en-US" smtClean="0"/>
               <a:t>6/5/2017</a:t>
             </a:fld>
             <a:endParaRPr lang="zh-CN" altLang="en-US" dirty="0"/>
@@ -5102,9 +5267,10 @@
           <a:p>
             <a:pPr lvl="0" eaLnBrk="1" hangingPunct="1"/>
             <a:r>
-              <a:rPr lang="zh-CN" altLang="en-US" dirty="0"/>
-              <a:t>Seminário de [EC 009] - Sistemas Operacionáis.</a:t>
-            </a:r>
+              <a:rPr lang="pt-BR" altLang="zh-CN"/>
+              <a:t>Seminário de [EC 009] - Sistemas Operacionáis Institúto Nacional de Telecomunicações</a:t>
+            </a:r>
+            <a:endParaRPr lang="zh-CN" altLang="en-US" dirty="0"/>
           </a:p>
         </p:txBody>
       </p:sp>
@@ -5137,7 +5303,6 @@
   <p:clrMapOvr>
     <a:masterClrMapping/>
   </p:clrMapOvr>
-  <p:hf hdr="0"/>
 </p:sldLayout>
 </file>
 
@@ -5247,8 +5412,8 @@
           <a:lstStyle/>
           <a:p>
             <a:pPr lvl="0" eaLnBrk="1" hangingPunct="1"/>
-            <a:fld id="{BB962C8B-B14F-4D97-AF65-F5344CB8AC3E}" type="datetime1">
-              <a:rPr lang="en-US" altLang="en-US" dirty="0"/>
+            <a:fld id="{2CDCAA17-80E1-48A9-B7FF-BEBFB38B26CE}" type="datetime1">
+              <a:rPr lang="en-US" altLang="en-US" smtClean="0"/>
               <a:t>6/5/2017</a:t>
             </a:fld>
             <a:endParaRPr lang="zh-CN" altLang="en-US" dirty="0"/>
@@ -5272,9 +5437,10 @@
           <a:p>
             <a:pPr lvl="0" eaLnBrk="1" hangingPunct="1"/>
             <a:r>
-              <a:rPr lang="zh-CN" altLang="en-US" dirty="0"/>
-              <a:t>Seminário de [EC 009] - Sistemas Operacionáis.</a:t>
-            </a:r>
+              <a:rPr lang="pt-BR" altLang="zh-CN"/>
+              <a:t>Seminário de [EC 009] - Sistemas Operacionáis Institúto Nacional de Telecomunicações</a:t>
+            </a:r>
+            <a:endParaRPr lang="zh-CN" altLang="en-US" dirty="0"/>
           </a:p>
         </p:txBody>
       </p:sp>
@@ -5307,7 +5473,6 @@
   <p:clrMapOvr>
     <a:masterClrMapping/>
   </p:clrMapOvr>
-  <p:hf hdr="0"/>
 </p:sldLayout>
 </file>
 
@@ -5427,8 +5592,8 @@
           <a:lstStyle/>
           <a:p>
             <a:pPr lvl="0" eaLnBrk="1" hangingPunct="1"/>
-            <a:fld id="{BB962C8B-B14F-4D97-AF65-F5344CB8AC3E}" type="datetime1">
-              <a:rPr lang="en-US" altLang="en-US" dirty="0"/>
+            <a:fld id="{5CB4B617-6A17-4DB9-8DD7-0AAA41031277}" type="datetime1">
+              <a:rPr lang="en-US" altLang="en-US" smtClean="0"/>
               <a:t>6/5/2017</a:t>
             </a:fld>
             <a:endParaRPr lang="zh-CN" altLang="en-US" dirty="0"/>
@@ -5452,9 +5617,10 @@
           <a:p>
             <a:pPr lvl="0" eaLnBrk="1" hangingPunct="1"/>
             <a:r>
-              <a:rPr lang="zh-CN" altLang="en-US" dirty="0"/>
-              <a:t>Seminário de [EC 009] - Sistemas Operacionáis.</a:t>
-            </a:r>
+              <a:rPr lang="pt-BR" altLang="zh-CN"/>
+              <a:t>Seminário de [EC 009] - Sistemas Operacionáis Institúto Nacional de Telecomunicações</a:t>
+            </a:r>
+            <a:endParaRPr lang="zh-CN" altLang="en-US" dirty="0"/>
           </a:p>
         </p:txBody>
       </p:sp>
@@ -5487,7 +5653,6 @@
   <p:clrMapOvr>
     <a:masterClrMapping/>
   </p:clrMapOvr>
-  <p:hf hdr="0"/>
 </p:sldLayout>
 </file>
 
@@ -5674,8 +5839,8 @@
           <a:lstStyle/>
           <a:p>
             <a:pPr lvl="0" eaLnBrk="1" hangingPunct="1"/>
-            <a:fld id="{BB962C8B-B14F-4D97-AF65-F5344CB8AC3E}" type="datetime1">
-              <a:rPr lang="en-US" altLang="en-US" dirty="0"/>
+            <a:fld id="{5A47310C-0627-4584-B1C5-C2C6F87DFB6D}" type="datetime1">
+              <a:rPr lang="en-US" altLang="en-US" smtClean="0"/>
               <a:t>6/5/2017</a:t>
             </a:fld>
             <a:endParaRPr lang="zh-CN" altLang="en-US" dirty="0"/>
@@ -5699,9 +5864,10 @@
           <a:p>
             <a:pPr lvl="0" eaLnBrk="1" hangingPunct="1"/>
             <a:r>
-              <a:rPr lang="zh-CN" altLang="en-US" dirty="0"/>
-              <a:t>Seminário de [EC 009] - Sistemas Operacionáis.</a:t>
-            </a:r>
+              <a:rPr lang="pt-BR" altLang="zh-CN"/>
+              <a:t>Seminário de [EC 009] - Sistemas Operacionáis Institúto Nacional de Telecomunicações</a:t>
+            </a:r>
+            <a:endParaRPr lang="zh-CN" altLang="en-US" dirty="0"/>
           </a:p>
         </p:txBody>
       </p:sp>
@@ -5734,7 +5900,6 @@
   <p:clrMapOvr>
     <a:masterClrMapping/>
   </p:clrMapOvr>
-  <p:hf hdr="0"/>
 </p:sldLayout>
 </file>
 
@@ -5905,8 +6070,8 @@
           <a:lstStyle/>
           <a:p>
             <a:pPr lvl="0" eaLnBrk="1" hangingPunct="1"/>
-            <a:fld id="{BB962C8B-B14F-4D97-AF65-F5344CB8AC3E}" type="datetime1">
-              <a:rPr lang="en-US" altLang="en-US" dirty="0"/>
+            <a:fld id="{F3C3FA77-3273-4A76-B1F2-89B72BDB6B51}" type="datetime1">
+              <a:rPr lang="en-US" altLang="en-US" smtClean="0"/>
               <a:t>6/5/2017</a:t>
             </a:fld>
             <a:endParaRPr lang="zh-CN" altLang="en-US" dirty="0"/>
@@ -5930,9 +6095,10 @@
           <a:p>
             <a:pPr lvl="0" eaLnBrk="1" hangingPunct="1"/>
             <a:r>
-              <a:rPr lang="zh-CN" altLang="en-US" dirty="0"/>
-              <a:t>Seminário de [EC 009] - Sistemas Operacionáis.</a:t>
-            </a:r>
+              <a:rPr lang="pt-BR" altLang="zh-CN"/>
+              <a:t>Seminário de [EC 009] - Sistemas Operacionáis Institúto Nacional de Telecomunicações</a:t>
+            </a:r>
+            <a:endParaRPr lang="zh-CN" altLang="en-US" dirty="0"/>
           </a:p>
         </p:txBody>
       </p:sp>
@@ -5965,7 +6131,6 @@
   <p:clrMapOvr>
     <a:masterClrMapping/>
   </p:clrMapOvr>
-  <p:hf hdr="0"/>
 </p:sldLayout>
 </file>
 
@@ -6271,8 +6436,8 @@
           <a:lstStyle/>
           <a:p>
             <a:pPr lvl="0" eaLnBrk="1" hangingPunct="1"/>
-            <a:fld id="{BB962C8B-B14F-4D97-AF65-F5344CB8AC3E}" type="datetime1">
-              <a:rPr lang="en-US" altLang="en-US" dirty="0"/>
+            <a:fld id="{F85848E1-C682-4005-B3B4-9614B1C64BAF}" type="datetime1">
+              <a:rPr lang="en-US" altLang="en-US" smtClean="0"/>
               <a:t>6/5/2017</a:t>
             </a:fld>
             <a:endParaRPr lang="zh-CN" altLang="en-US" dirty="0"/>
@@ -6296,9 +6461,10 @@
           <a:p>
             <a:pPr lvl="0" eaLnBrk="1" hangingPunct="1"/>
             <a:r>
-              <a:rPr lang="zh-CN" altLang="en-US" dirty="0"/>
-              <a:t>Seminário de [EC 009] - Sistemas Operacionáis.</a:t>
-            </a:r>
+              <a:rPr lang="pt-BR" altLang="zh-CN"/>
+              <a:t>Seminário de [EC 009] - Sistemas Operacionáis Institúto Nacional de Telecomunicações</a:t>
+            </a:r>
+            <a:endParaRPr lang="zh-CN" altLang="en-US" dirty="0"/>
           </a:p>
         </p:txBody>
       </p:sp>
@@ -6331,7 +6497,6 @@
   <p:clrMapOvr>
     <a:masterClrMapping/>
   </p:clrMapOvr>
-  <p:hf hdr="0"/>
 </p:sldLayout>
 </file>
 
@@ -6390,8 +6555,8 @@
           <a:lstStyle/>
           <a:p>
             <a:pPr lvl="0" eaLnBrk="1" hangingPunct="1"/>
-            <a:fld id="{BB962C8B-B14F-4D97-AF65-F5344CB8AC3E}" type="datetime1">
-              <a:rPr lang="en-US" altLang="en-US" dirty="0"/>
+            <a:fld id="{A191E075-3D95-4AC8-B111-552E98D819B9}" type="datetime1">
+              <a:rPr lang="en-US" altLang="en-US" smtClean="0"/>
               <a:t>6/5/2017</a:t>
             </a:fld>
             <a:endParaRPr lang="zh-CN" altLang="en-US" dirty="0"/>
@@ -6415,9 +6580,10 @@
           <a:p>
             <a:pPr lvl="0" eaLnBrk="1" hangingPunct="1"/>
             <a:r>
-              <a:rPr lang="zh-CN" altLang="en-US" dirty="0"/>
-              <a:t>Seminário de [EC 009] - Sistemas Operacionáis.</a:t>
-            </a:r>
+              <a:rPr lang="pt-BR" altLang="zh-CN"/>
+              <a:t>Seminário de [EC 009] - Sistemas Operacionáis Institúto Nacional de Telecomunicações</a:t>
+            </a:r>
+            <a:endParaRPr lang="zh-CN" altLang="en-US" dirty="0"/>
           </a:p>
         </p:txBody>
       </p:sp>
@@ -6450,7 +6616,6 @@
   <p:clrMapOvr>
     <a:masterClrMapping/>
   </p:clrMapOvr>
-  <p:hf hdr="0"/>
 </p:sldLayout>
 </file>
 
@@ -6487,8 +6652,8 @@
           <a:lstStyle/>
           <a:p>
             <a:pPr lvl="0" eaLnBrk="1" hangingPunct="1"/>
-            <a:fld id="{BB962C8B-B14F-4D97-AF65-F5344CB8AC3E}" type="datetime1">
-              <a:rPr lang="en-US" altLang="en-US" dirty="0"/>
+            <a:fld id="{90FA3E41-9FC0-4102-8C79-E559E607FBFA}" type="datetime1">
+              <a:rPr lang="en-US" altLang="en-US" smtClean="0"/>
               <a:t>6/5/2017</a:t>
             </a:fld>
             <a:endParaRPr lang="zh-CN" altLang="en-US" dirty="0"/>
@@ -6512,9 +6677,10 @@
           <a:p>
             <a:pPr lvl="0" eaLnBrk="1" hangingPunct="1"/>
             <a:r>
-              <a:rPr lang="zh-CN" altLang="en-US" dirty="0"/>
-              <a:t>Seminário de [EC 009] - Sistemas Operacionáis.</a:t>
-            </a:r>
+              <a:rPr lang="pt-BR" altLang="zh-CN"/>
+              <a:t>Seminário de [EC 009] - Sistemas Operacionáis Institúto Nacional de Telecomunicações</a:t>
+            </a:r>
+            <a:endParaRPr lang="zh-CN" altLang="en-US" dirty="0"/>
           </a:p>
         </p:txBody>
       </p:sp>
@@ -6547,7 +6713,6 @@
   <p:clrMapOvr>
     <a:masterClrMapping/>
   </p:clrMapOvr>
-  <p:hf hdr="0"/>
 </p:sldLayout>
 </file>
 
@@ -6764,8 +6929,8 @@
           <a:lstStyle/>
           <a:p>
             <a:pPr lvl="0" eaLnBrk="1" hangingPunct="1"/>
-            <a:fld id="{BB962C8B-B14F-4D97-AF65-F5344CB8AC3E}" type="datetime1">
-              <a:rPr lang="en-US" altLang="en-US" dirty="0"/>
+            <a:fld id="{A95B4298-FEB5-4004-B8AE-625E7318CCA6}" type="datetime1">
+              <a:rPr lang="en-US" altLang="en-US" smtClean="0"/>
               <a:t>6/5/2017</a:t>
             </a:fld>
             <a:endParaRPr lang="zh-CN" altLang="en-US" dirty="0"/>
@@ -6789,9 +6954,10 @@
           <a:p>
             <a:pPr lvl="0" eaLnBrk="1" hangingPunct="1"/>
             <a:r>
-              <a:rPr lang="zh-CN" altLang="en-US" dirty="0"/>
-              <a:t>Seminário de [EC 009] - Sistemas Operacionáis.</a:t>
-            </a:r>
+              <a:rPr lang="pt-BR" altLang="zh-CN"/>
+              <a:t>Seminário de [EC 009] - Sistemas Operacionáis Institúto Nacional de Telecomunicações</a:t>
+            </a:r>
+            <a:endParaRPr lang="zh-CN" altLang="en-US" dirty="0"/>
           </a:p>
         </p:txBody>
       </p:sp>
@@ -6824,7 +6990,6 @@
   <p:clrMapOvr>
     <a:masterClrMapping/>
   </p:clrMapOvr>
-  <p:hf hdr="0"/>
 </p:sldLayout>
 </file>
 
@@ -6933,7 +7098,7 @@
             </a:lvl9pPr>
           </a:lstStyle>
           <a:p>
-            <a:endParaRPr lang="en-US"/>
+            <a:endParaRPr lang="en-US" dirty="0"/>
           </a:p>
         </p:txBody>
       </p:sp>
@@ -7018,8 +7183,8 @@
           <a:lstStyle/>
           <a:p>
             <a:pPr lvl="0" eaLnBrk="1" hangingPunct="1"/>
-            <a:fld id="{BB962C8B-B14F-4D97-AF65-F5344CB8AC3E}" type="datetime1">
-              <a:rPr lang="en-US" altLang="en-US" dirty="0"/>
+            <a:fld id="{635FC149-D6FC-4863-B9EF-2409438620E9}" type="datetime1">
+              <a:rPr lang="en-US" altLang="en-US" smtClean="0"/>
               <a:t>6/5/2017</a:t>
             </a:fld>
             <a:endParaRPr lang="zh-CN" altLang="en-US" dirty="0"/>
@@ -7043,9 +7208,10 @@
           <a:p>
             <a:pPr lvl="0" eaLnBrk="1" hangingPunct="1"/>
             <a:r>
-              <a:rPr lang="zh-CN" altLang="en-US" dirty="0"/>
-              <a:t>Seminário de [EC 009] - Sistemas Operacionáis.</a:t>
-            </a:r>
+              <a:rPr lang="pt-BR" altLang="zh-CN"/>
+              <a:t>Seminário de [EC 009] - Sistemas Operacionáis Institúto Nacional de Telecomunicações</a:t>
+            </a:r>
+            <a:endParaRPr lang="zh-CN" altLang="en-US" dirty="0"/>
           </a:p>
         </p:txBody>
       </p:sp>
@@ -7078,7 +7244,6 @@
   <p:clrMapOvr>
     <a:masterClrMapping/>
   </p:clrMapOvr>
-  <p:hf hdr="0"/>
 </p:sldLayout>
 </file>
 
@@ -7319,8 +7484,8 @@
           </a:lstStyle>
           <a:p>
             <a:pPr lvl="0" eaLnBrk="1" hangingPunct="1"/>
-            <a:fld id="{BB962C8B-B14F-4D97-AF65-F5344CB8AC3E}" type="datetime1">
-              <a:rPr lang="en-US" altLang="en-US" dirty="0"/>
+            <a:fld id="{27CC694F-B527-4E1A-83D7-C65531D23FD7}" type="datetime1">
+              <a:rPr lang="en-US" altLang="en-US" smtClean="0"/>
               <a:t>6/5/2017</a:t>
             </a:fld>
             <a:endParaRPr lang="zh-CN" altLang="en-US" dirty="0"/>
@@ -7365,9 +7530,10 @@
           <a:p>
             <a:pPr lvl="0" eaLnBrk="1" hangingPunct="1"/>
             <a:r>
-              <a:rPr lang="zh-CN" altLang="en-US" dirty="0"/>
-              <a:t>Seminário de [EC 009] - Sistemas Operacionáis.</a:t>
-            </a:r>
+              <a:rPr lang="pt-BR" altLang="zh-CN"/>
+              <a:t>Seminário de [EC 009] - Sistemas Operacionáis Institúto Nacional de Telecomunicações</a:t>
+            </a:r>
+            <a:endParaRPr lang="zh-CN" altLang="en-US" dirty="0"/>
           </a:p>
         </p:txBody>
       </p:sp>
@@ -7432,7 +7598,7 @@
     <p:sldLayoutId id="2147483658" r:id="rId10"/>
     <p:sldLayoutId id="2147483659" r:id="rId11"/>
   </p:sldLayoutIdLst>
-  <p:hf hdr="0"/>
+  <p:hf hdr="0" dt="0"/>
   <p:txStyles>
     <p:titleStyle>
       <a:lvl1pPr marL="0" lvl="0" indent="0" algn="l" defTabSz="914400" eaLnBrk="0" fontAlgn="base" latinLnBrk="0" hangingPunct="0">
@@ -8095,8 +8261,8 @@
           </a:lstStyle>
           <a:p>
             <a:pPr lvl="0" eaLnBrk="1" hangingPunct="1"/>
-            <a:fld id="{BB962C8B-B14F-4D97-AF65-F5344CB8AC3E}" type="datetime1">
-              <a:rPr lang="en-US" altLang="en-US" dirty="0"/>
+            <a:fld id="{C4ED2A90-5AF5-468F-BE0E-40A889761794}" type="datetime1">
+              <a:rPr lang="en-US" altLang="en-US" smtClean="0"/>
               <a:t>6/5/2017</a:t>
             </a:fld>
             <a:endParaRPr lang="zh-CN" altLang="en-US" dirty="0"/>
@@ -8141,9 +8307,10 @@
           <a:p>
             <a:pPr lvl="0" eaLnBrk="1" hangingPunct="1"/>
             <a:r>
-              <a:rPr lang="zh-CN" altLang="en-US" dirty="0"/>
-              <a:t>Seminário de [EC 009] - Sistemas Operacionáis.</a:t>
-            </a:r>
+              <a:rPr lang="pt-BR" altLang="zh-CN"/>
+              <a:t>Seminário de [EC 009] - Sistemas Operacionáis Institúto Nacional de Telecomunicações</a:t>
+            </a:r>
+            <a:endParaRPr lang="zh-CN" altLang="en-US" dirty="0"/>
           </a:p>
         </p:txBody>
       </p:sp>
@@ -8208,7 +8375,7 @@
     <p:sldLayoutId id="2147483670" r:id="rId10"/>
     <p:sldLayoutId id="2147483671" r:id="rId11"/>
   </p:sldLayoutIdLst>
-  <p:hf hdr="0"/>
+  <p:hf hdr="0" dt="0"/>
   <p:txStyles>
     <p:titleStyle>
       <a:lvl1pPr marL="0" lvl="0" indent="0" algn="l" defTabSz="914400" eaLnBrk="0" fontAlgn="base" latinLnBrk="0" hangingPunct="0">
@@ -9118,16 +9285,10 @@
           <a:p>
             <a:pPr lvl="0" eaLnBrk="1" hangingPunct="1"/>
             <a:r>
-              <a:rPr lang="zh-CN" altLang="en-US" dirty="0"/>
-              <a:t>Seminário de [EC 009] - Sistemas Operacionáis</a:t>
-            </a:r>
-            <a:br>
-              <a:rPr lang="zh-CN" altLang="en-US" dirty="0"/>
-            </a:br>
-            <a:r>
-              <a:rPr lang="x-none" altLang="zh-CN" dirty="0"/>
-              <a:t>Institúto Nascional de Telecomunicações</a:t>
-            </a:r>
+              <a:rPr lang="pt-BR" altLang="zh-CN"/>
+              <a:t>Seminário de [EC 009] - Sistemas Operacionáis Institúto Nacional de Telecomunicações</a:t>
+            </a:r>
+            <a:endParaRPr lang="x-none" altLang="zh-CN" dirty="0"/>
           </a:p>
         </p:txBody>
       </p:sp>
@@ -9203,7 +9364,7 @@
           <a:p>
             <a:pPr lvl="0" eaLnBrk="1" hangingPunct="1"/>
             <a:r>
-              <a:rPr lang="x-none" sz="2200" b="1">
+              <a:rPr lang="x-none" sz="2200" b="1" dirty="0">
                 <a:sym typeface="+mn-ea"/>
               </a:rPr>
               <a:t>Modo Real:</a:t>
@@ -9224,12 +9385,12 @@
               <a:buChar char="•"/>
             </a:pPr>
             <a:r>
-              <a:rPr lang="x-none" sz="2100">
+              <a:rPr lang="x-none" sz="2100" dirty="0">
                 <a:sym typeface="+mn-ea"/>
               </a:rPr>
               <a:t>Modo de Compatibilidade com programas 16-bits;</a:t>
             </a:r>
-            <a:endParaRPr lang="x-none" sz="2100"/>
+            <a:endParaRPr lang="x-none" sz="2100" dirty="0"/>
           </a:p>
           <a:p>
             <a:pPr marL="800100" lvl="1" indent="-342900" algn="l" eaLnBrk="1" hangingPunct="1">
@@ -9246,7 +9407,7 @@
               <a:buChar char="•"/>
             </a:pPr>
             <a:r>
-              <a:rPr lang="x-none" sz="2100">
+              <a:rPr lang="x-none" sz="2100" dirty="0">
                 <a:sym typeface="+mn-ea"/>
               </a:rPr>
               <a:t>Acesso a somente 1MB de memória;</a:t>
@@ -9267,7 +9428,7 @@
               <a:buChar char="•"/>
             </a:pPr>
             <a:r>
-              <a:rPr lang="x-none" sz="2100">
+              <a:rPr lang="x-none" sz="2100" dirty="0">
                 <a:sym typeface="+mn-ea"/>
               </a:rPr>
               <a:t>Acesso direto a funções da BIOS;</a:t>
@@ -9288,7 +9449,7 @@
               <a:buChar char="•"/>
             </a:pPr>
             <a:r>
-              <a:rPr lang="x-none" sz="2100">
+              <a:rPr lang="x-none" sz="2100" dirty="0">
                 <a:sym typeface="+mn-ea"/>
               </a:rPr>
               <a:t>Sem suporte a paginação ou gerenciamento de memória;</a:t>
@@ -9308,12 +9469,12 @@
               <a:buFont typeface="Arial" charset="0"/>
               <a:buChar char="•"/>
             </a:pPr>
-            <a:endParaRPr lang="x-none" sz="1000"/>
+            <a:endParaRPr lang="x-none" sz="1000" dirty="0"/>
           </a:p>
           <a:p>
             <a:pPr lvl="0" eaLnBrk="1" hangingPunct="1"/>
             <a:r>
-              <a:rPr lang="x-none" sz="2200" b="1">
+              <a:rPr lang="x-none" sz="2200" b="1" dirty="0">
                 <a:sym typeface="+mn-ea"/>
               </a:rPr>
               <a:t>Modo Protegido:</a:t>
@@ -9334,7 +9495,7 @@
               <a:buChar char="•"/>
             </a:pPr>
             <a:r>
-              <a:rPr lang="x-none" sz="2100">
+              <a:rPr lang="x-none" sz="2100" dirty="0">
                 <a:solidFill>
                   <a:srgbClr val="7D7D7D"/>
                 </a:solidFill>
@@ -9343,7 +9504,7 @@
               <a:t>Acesso somente a funções do SO (</a:t>
             </a:r>
             <a:r>
-              <a:rPr lang="x-none" sz="2100" i="1">
+              <a:rPr lang="x-none" sz="2100" i="1" dirty="0">
                 <a:solidFill>
                   <a:srgbClr val="7D7D7D"/>
                 </a:solidFill>
@@ -9352,7 +9513,7 @@
               <a:t>System Calls</a:t>
             </a:r>
             <a:r>
-              <a:rPr lang="x-none" sz="2100">
+              <a:rPr lang="x-none" sz="2100" dirty="0">
                 <a:solidFill>
                   <a:srgbClr val="7D7D7D"/>
                 </a:solidFill>
@@ -9376,7 +9537,7 @@
               <a:buChar char="•"/>
             </a:pPr>
             <a:r>
-              <a:rPr lang="x-none" sz="2100">
+              <a:rPr lang="x-none" sz="2100" dirty="0">
                 <a:solidFill>
                   <a:srgbClr val="7D7D7D"/>
                 </a:solidFill>
@@ -9399,7 +9560,7 @@
               <a:buFont typeface="Arial" charset="0"/>
               <a:buNone/>
             </a:pPr>
-            <a:endParaRPr lang="x-none" sz="2100">
+            <a:endParaRPr lang="x-none" sz="2100" dirty="0">
               <a:solidFill>
                 <a:srgbClr val="7D7D7D"/>
               </a:solidFill>
@@ -9410,12 +9571,12 @@
       </p:sp>
       <p:sp>
         <p:nvSpPr>
-          <p:cNvPr id="5" name="Date Placeholder 4"/>
-          <p:cNvSpPr>
-            <a:spLocks noGrp="1"/>
-          </p:cNvSpPr>
-          <p:nvPr>
-            <p:ph type="dt" sz="half" idx="10"/>
+          <p:cNvPr id="2" name="Footer Placeholder 1"/>
+          <p:cNvSpPr>
+            <a:spLocks noGrp="1"/>
+          </p:cNvSpPr>
+          <p:nvPr>
+            <p:ph type="ftr" sz="quarter" idx="11"/>
           </p:nvPr>
         </p:nvSpPr>
         <p:spPr/>
@@ -9425,40 +9586,10 @@
           <a:p>
             <a:pPr lvl="0" eaLnBrk="1" hangingPunct="1"/>
             <a:r>
-              <a:rPr lang="en-US" altLang="en-US" dirty="0"/>
-              <a:t>5/6/2017</a:t>
-            </a:r>
-            <a:endParaRPr lang="zh-CN" altLang="en-US" dirty="0"/>
-          </a:p>
-        </p:txBody>
-      </p:sp>
-      <p:sp>
-        <p:nvSpPr>
-          <p:cNvPr id="2" name="Footer Placeholder 1"/>
-          <p:cNvSpPr>
-            <a:spLocks noGrp="1"/>
-          </p:cNvSpPr>
-          <p:nvPr>
-            <p:ph type="ftr" sz="quarter" idx="11"/>
-          </p:nvPr>
-        </p:nvSpPr>
-        <p:spPr/>
-        <p:txBody>
-          <a:bodyPr/>
-          <a:lstStyle/>
-          <a:p>
-            <a:pPr lvl="0" eaLnBrk="1" hangingPunct="1"/>
-            <a:r>
-              <a:rPr lang="zh-CN" altLang="en-US" dirty="0"/>
-              <a:t>Seminário de [EC 009] - Sistemas Operacionáis</a:t>
-            </a:r>
-            <a:br>
-              <a:rPr lang="zh-CN" altLang="en-US" dirty="0"/>
-            </a:br>
-            <a:r>
-              <a:rPr lang="x-none" altLang="zh-CN" dirty="0"/>
-              <a:t>Institúto Nascional de Telecomunicações</a:t>
-            </a:r>
+              <a:rPr lang="pt-BR" altLang="zh-CN"/>
+              <a:t>Seminário de [EC 009] - Sistemas Operacionáis Institúto Nacional de Telecomunicações</a:t>
+            </a:r>
+            <a:endParaRPr lang="x-none" altLang="zh-CN" dirty="0"/>
           </a:p>
         </p:txBody>
       </p:sp>
@@ -9562,15 +9693,21 @@
               </a:spcAft>
             </a:pPr>
             <a:r>
-              <a:rPr lang="x-none" sz="2100" b="1"/>
+              <a:rPr lang="x-none" sz="2200" b="1" dirty="0">
+                <a:latin typeface="+mj-lt"/>
+              </a:rPr>
               <a:t>VBE (</a:t>
             </a:r>
             <a:r>
-              <a:rPr lang="x-none" sz="2100" b="1" i="1"/>
+              <a:rPr lang="x-none" sz="2200" b="1" i="1" dirty="0">
+                <a:latin typeface="+mj-lt"/>
+              </a:rPr>
               <a:t>VESA Bios Extensions</a:t>
             </a:r>
             <a:r>
-              <a:rPr lang="x-none" sz="2100" b="1"/>
+              <a:rPr lang="x-none" sz="2200" b="1" dirty="0">
+                <a:latin typeface="+mj-lt"/>
+              </a:rPr>
               <a:t>):</a:t>
             </a:r>
           </a:p>
@@ -9589,12 +9726,12 @@
               <a:buChar char="•"/>
             </a:pPr>
             <a:r>
-              <a:rPr lang="x-none" sz="2100">
+              <a:rPr lang="x-none" sz="2100" dirty="0">
                 <a:sym typeface="+mn-ea"/>
               </a:rPr>
               <a:t>Compatível com qualquer BIOS ou placa gráfica, mas com recursos limitados;</a:t>
             </a:r>
-            <a:endParaRPr lang="x-none" sz="2100"/>
+            <a:endParaRPr lang="x-none" sz="2100" dirty="0"/>
           </a:p>
           <a:p>
             <a:pPr marL="800100" lvl="1" indent="-342900" algn="l" eaLnBrk="1" hangingPunct="1">
@@ -9611,7 +9748,7 @@
               <a:buChar char="•"/>
             </a:pPr>
             <a:r>
-              <a:rPr lang="x-none" sz="2100"/>
+              <a:rPr lang="x-none" sz="2100" dirty="0"/>
               <a:t>Exige um context switch para o modo real para ser executado;</a:t>
             </a:r>
           </a:p>
@@ -9622,11 +9759,15 @@
               </a:spcAft>
             </a:pPr>
             <a:r>
-              <a:rPr lang="x-none" sz="2100" b="1"/>
+              <a:rPr lang="x-none" sz="2200" b="1" dirty="0">
+                <a:latin typeface="+mj-lt"/>
+              </a:rPr>
               <a:t>Drivers específicos</a:t>
             </a:r>
             <a:r>
-              <a:rPr lang="x-none" sz="2100"/>
+              <a:rPr lang="x-none" sz="2200" dirty="0">
+                <a:latin typeface="+mj-lt"/>
+              </a:rPr>
               <a:t>:</a:t>
             </a:r>
           </a:p>
@@ -9645,12 +9786,12 @@
               <a:buChar char="•"/>
             </a:pPr>
             <a:r>
-              <a:rPr lang="x-none" sz="2100">
+              <a:rPr lang="x-none" sz="2100" dirty="0">
                 <a:sym typeface="+mn-ea"/>
               </a:rPr>
               <a:t>Permite acessar todos os recursos da placa gráfica, mas necessita de um driver específico para cada placa</a:t>
             </a:r>
-            <a:endParaRPr lang="x-none" sz="2100"/>
+            <a:endParaRPr lang="x-none" sz="2100" dirty="0"/>
           </a:p>
           <a:p>
             <a:pPr marL="800100" lvl="1" indent="-342900" algn="l" eaLnBrk="1" hangingPunct="1">
@@ -9667,14 +9808,14 @@
               <a:buChar char="•"/>
             </a:pPr>
             <a:r>
-              <a:rPr lang="x-none" sz="2100"/>
+              <a:rPr lang="x-none" sz="2100" dirty="0"/>
               <a:t>Necessita da implementação de um Double Buffer, para evitar cintilação da tela;</a:t>
             </a:r>
-            <a:endParaRPr lang="x-none" sz="1000"/>
+            <a:endParaRPr lang="x-none" sz="1000" dirty="0"/>
           </a:p>
           <a:p>
             <a:pPr lvl="0" eaLnBrk="1" hangingPunct="1"/>
-            <a:endParaRPr lang="x-none" sz="2100">
+            <a:endParaRPr lang="x-none" sz="2100" dirty="0">
               <a:solidFill>
                 <a:srgbClr val="7D7D7D"/>
               </a:solidFill>
@@ -9695,7 +9836,7 @@
               <a:buFont typeface="Arial" charset="0"/>
               <a:buNone/>
             </a:pPr>
-            <a:endParaRPr lang="x-none" sz="2100">
+            <a:endParaRPr lang="x-none" sz="2100" dirty="0">
               <a:solidFill>
                 <a:srgbClr val="7D7D7D"/>
               </a:solidFill>
@@ -9706,12 +9847,12 @@
       </p:sp>
       <p:sp>
         <p:nvSpPr>
-          <p:cNvPr id="5" name="Date Placeholder 4"/>
-          <p:cNvSpPr>
-            <a:spLocks noGrp="1"/>
-          </p:cNvSpPr>
-          <p:nvPr>
-            <p:ph type="dt" sz="half" idx="10"/>
+          <p:cNvPr id="2" name="Footer Placeholder 1"/>
+          <p:cNvSpPr>
+            <a:spLocks noGrp="1"/>
+          </p:cNvSpPr>
+          <p:nvPr>
+            <p:ph type="ftr" sz="quarter" idx="11"/>
           </p:nvPr>
         </p:nvSpPr>
         <p:spPr/>
@@ -9721,40 +9862,10 @@
           <a:p>
             <a:pPr lvl="0" eaLnBrk="1" hangingPunct="1"/>
             <a:r>
-              <a:rPr lang="en-US" altLang="en-US" dirty="0"/>
-              <a:t>5/6/2017</a:t>
-            </a:r>
-            <a:endParaRPr lang="zh-CN" altLang="en-US" dirty="0"/>
-          </a:p>
-        </p:txBody>
-      </p:sp>
-      <p:sp>
-        <p:nvSpPr>
-          <p:cNvPr id="2" name="Footer Placeholder 1"/>
-          <p:cNvSpPr>
-            <a:spLocks noGrp="1"/>
-          </p:cNvSpPr>
-          <p:nvPr>
-            <p:ph type="ftr" sz="quarter" idx="11"/>
-          </p:nvPr>
-        </p:nvSpPr>
-        <p:spPr/>
-        <p:txBody>
-          <a:bodyPr/>
-          <a:lstStyle/>
-          <a:p>
-            <a:pPr lvl="0" eaLnBrk="1" hangingPunct="1"/>
-            <a:r>
-              <a:rPr lang="zh-CN" altLang="en-US" dirty="0"/>
-              <a:t>Seminário de [EC 009] - Sistemas Operacionáis</a:t>
-            </a:r>
-            <a:br>
-              <a:rPr lang="zh-CN" altLang="en-US" dirty="0"/>
-            </a:br>
-            <a:r>
-              <a:rPr lang="x-none" altLang="zh-CN" dirty="0"/>
-              <a:t>Institúto Nascional de Telecomunicações</a:t>
-            </a:r>
+              <a:rPr lang="pt-BR" altLang="zh-CN"/>
+              <a:t>Seminário de [EC 009] - Sistemas Operacionáis Institúto Nacional de Telecomunicações</a:t>
+            </a:r>
+            <a:endParaRPr lang="x-none" altLang="zh-CN" dirty="0"/>
           </a:p>
         </p:txBody>
       </p:sp>
@@ -9840,12 +9951,12 @@
       </p:sp>
       <p:sp>
         <p:nvSpPr>
-          <p:cNvPr id="2" name="Date Placeholder 1"/>
-          <p:cNvSpPr>
-            <a:spLocks noGrp="1"/>
-          </p:cNvSpPr>
-          <p:nvPr>
-            <p:ph type="dt" sz="half" idx="10"/>
+          <p:cNvPr id="3" name="Footer Placeholder 2"/>
+          <p:cNvSpPr>
+            <a:spLocks noGrp="1"/>
+          </p:cNvSpPr>
+          <p:nvPr>
+            <p:ph type="ftr" sz="quarter" idx="11"/>
           </p:nvPr>
         </p:nvSpPr>
         <p:spPr/>
@@ -9854,34 +9965,11 @@
           <a:lstStyle/>
           <a:p>
             <a:pPr lvl="0" eaLnBrk="1" hangingPunct="1"/>
-            <a:fld id="{BB962C8B-B14F-4D97-AF65-F5344CB8AC3E}" type="datetime1">
-              <a:rPr lang="en-US" altLang="en-US" dirty="0"/>
-              <a:t>6/5/2017</a:t>
-            </a:fld>
+            <a:r>
+              <a:rPr lang="pt-BR" altLang="zh-CN"/>
+              <a:t>Seminário de [EC 009] - Sistemas Operacionáis Institúto Nacional de Telecomunicações</a:t>
+            </a:r>
             <a:endParaRPr lang="zh-CN" altLang="en-US" dirty="0"/>
-          </a:p>
-        </p:txBody>
-      </p:sp>
-      <p:sp>
-        <p:nvSpPr>
-          <p:cNvPr id="3" name="Footer Placeholder 2"/>
-          <p:cNvSpPr>
-            <a:spLocks noGrp="1"/>
-          </p:cNvSpPr>
-          <p:nvPr>
-            <p:ph type="ftr" sz="quarter" idx="11"/>
-          </p:nvPr>
-        </p:nvSpPr>
-        <p:spPr/>
-        <p:txBody>
-          <a:bodyPr/>
-          <a:lstStyle/>
-          <a:p>
-            <a:pPr lvl="0" eaLnBrk="1" hangingPunct="1"/>
-            <a:r>
-              <a:rPr lang="zh-CN" altLang="en-US" dirty="0"/>
-              <a:t>Seminário de [EC 009] - Sistemas Operacionáis.</a:t>
-            </a:r>
           </a:p>
         </p:txBody>
       </p:sp>
@@ -9920,7 +10008,7 @@
           </p:nvPr>
         </p:nvPicPr>
         <p:blipFill>
-          <a:blip r:embed="rId2"/>
+          <a:blip r:embed="rId3"/>
           <a:stretch>
             <a:fillRect/>
           </a:stretch>
@@ -10040,7 +10128,7 @@
           <a:p>
             <a:pPr lvl="0" eaLnBrk="1" hangingPunct="1"/>
             <a:r>
-              <a:rPr lang="x-none" sz="2200" b="1">
+              <a:rPr lang="x-none" sz="2200" b="1" dirty="0">
                 <a:sym typeface="+mn-ea"/>
               </a:rPr>
               <a:t>Bootloader:</a:t>
@@ -10061,24 +10149,24 @@
               <a:buChar char="•"/>
             </a:pPr>
             <a:r>
-              <a:rPr lang="x-none" sz="2100" b="1"/>
+              <a:rPr lang="x-none" sz="2100" b="1" dirty="0"/>
               <a:t>GRUB </a:t>
             </a:r>
             <a:r>
-              <a:rPr lang="x-none" sz="2100"/>
+              <a:rPr lang="x-none" sz="2100" dirty="0"/>
               <a:t>(Grand Unified Bootloader) - Bootloader padrão na maioria dos sistemas operacionais;</a:t>
             </a:r>
           </a:p>
           <a:p>
             <a:pPr lvl="0" eaLnBrk="1" hangingPunct="1"/>
             <a:r>
-              <a:rPr lang="x-none" sz="2200" b="1">
+              <a:rPr lang="x-none" sz="2200" b="1" dirty="0">
                 <a:sym typeface="+mn-ea"/>
               </a:rPr>
               <a:t>InitRD (</a:t>
             </a:r>
             <a:r>
-              <a:rPr lang="x-none" sz="2200" b="1">
+              <a:rPr lang="x-none" sz="2200" b="1" dirty="0">
                 <a:solidFill>
                   <a:srgbClr val="4061AA"/>
                 </a:solidFill>
@@ -10087,7 +10175,7 @@
               <a:t>InitRD - Initial Ram Disk)</a:t>
             </a:r>
             <a:r>
-              <a:rPr lang="x-none" sz="2200" b="1">
+              <a:rPr lang="x-none" sz="2200" b="1" dirty="0">
                 <a:sym typeface="+mn-ea"/>
               </a:rPr>
               <a:t>:</a:t>
@@ -10108,7 +10196,7 @@
               <a:buChar char="•"/>
             </a:pPr>
             <a:r>
-              <a:rPr lang="x-none" sz="2100">
+              <a:rPr lang="x-none" sz="2100" dirty="0">
                 <a:solidFill>
                   <a:srgbClr val="7D7D7D"/>
                 </a:solidFill>
@@ -10131,7 +10219,7 @@
               <a:buFont typeface="Arial" charset="0"/>
               <a:buNone/>
             </a:pPr>
-            <a:endParaRPr lang="x-none" sz="2100">
+            <a:endParaRPr lang="x-none" sz="2100" dirty="0">
               <a:solidFill>
                 <a:srgbClr val="7D7D7D"/>
               </a:solidFill>
@@ -10142,12 +10230,12 @@
       </p:sp>
       <p:sp>
         <p:nvSpPr>
-          <p:cNvPr id="5" name="Date Placeholder 4"/>
-          <p:cNvSpPr>
-            <a:spLocks noGrp="1"/>
-          </p:cNvSpPr>
-          <p:nvPr>
-            <p:ph type="dt" sz="half" idx="10"/>
+          <p:cNvPr id="2" name="Footer Placeholder 1"/>
+          <p:cNvSpPr>
+            <a:spLocks noGrp="1"/>
+          </p:cNvSpPr>
+          <p:nvPr>
+            <p:ph type="ftr" sz="quarter" idx="11"/>
           </p:nvPr>
         </p:nvSpPr>
         <p:spPr/>
@@ -10157,40 +10245,10 @@
           <a:p>
             <a:pPr lvl="0" eaLnBrk="1" hangingPunct="1"/>
             <a:r>
-              <a:rPr lang="en-US" altLang="en-US" dirty="0"/>
-              <a:t>5/6/2017</a:t>
-            </a:r>
-            <a:endParaRPr lang="zh-CN" altLang="en-US" dirty="0"/>
-          </a:p>
-        </p:txBody>
-      </p:sp>
-      <p:sp>
-        <p:nvSpPr>
-          <p:cNvPr id="2" name="Footer Placeholder 1"/>
-          <p:cNvSpPr>
-            <a:spLocks noGrp="1"/>
-          </p:cNvSpPr>
-          <p:nvPr>
-            <p:ph type="ftr" sz="quarter" idx="11"/>
-          </p:nvPr>
-        </p:nvSpPr>
-        <p:spPr/>
-        <p:txBody>
-          <a:bodyPr/>
-          <a:lstStyle/>
-          <a:p>
-            <a:pPr lvl="0" eaLnBrk="1" hangingPunct="1"/>
-            <a:r>
-              <a:rPr lang="zh-CN" altLang="en-US" dirty="0"/>
-              <a:t>Seminário de [EC 009] - Sistemas Operacionáis</a:t>
-            </a:r>
-            <a:br>
-              <a:rPr lang="zh-CN" altLang="en-US" dirty="0"/>
-            </a:br>
-            <a:r>
-              <a:rPr lang="x-none" altLang="zh-CN" dirty="0"/>
-              <a:t>Institúto Nascional de Telecomunicações</a:t>
-            </a:r>
+              <a:rPr lang="pt-BR" altLang="zh-CN"/>
+              <a:t>Seminário de [EC 009] - Sistemas Operacionáis Institúto Nacional de Telecomunicações</a:t>
+            </a:r>
+            <a:endParaRPr lang="x-none" altLang="zh-CN" dirty="0"/>
           </a:p>
         </p:txBody>
       </p:sp>
@@ -10409,7 +10467,7 @@
           <a:p>
             <a:pPr lvl="0" algn="l" eaLnBrk="1" hangingPunct="1"/>
             <a:r>
-              <a:rPr lang="x-none" sz="2200" b="1">
+              <a:rPr lang="x-none" sz="2200" b="1" dirty="0">
                 <a:sym typeface="+mn-ea"/>
               </a:rPr>
               <a:t>Os recursos são divididos em "anéis" de proteção:</a:t>
@@ -10429,7 +10487,7 @@
               <a:buFont typeface="Arial" charset="0"/>
               <a:buNone/>
             </a:pPr>
-            <a:endParaRPr lang="x-none">
+            <a:endParaRPr lang="x-none" dirty="0">
               <a:sym typeface="+mn-ea"/>
             </a:endParaRPr>
           </a:p>
@@ -10447,7 +10505,7 @@
               <a:buFont typeface="Arial" charset="0"/>
               <a:buNone/>
             </a:pPr>
-            <a:endParaRPr lang="x-none" sz="1900">
+            <a:endParaRPr lang="x-none" sz="1900" dirty="0">
               <a:sym typeface="+mn-ea"/>
             </a:endParaRPr>
           </a:p>
@@ -10465,7 +10523,7 @@
               <a:buFont typeface="Arial" charset="0"/>
               <a:buNone/>
             </a:pPr>
-            <a:endParaRPr lang="x-none" sz="1900">
+            <a:endParaRPr lang="x-none" sz="1900" dirty="0">
               <a:sym typeface="+mn-ea"/>
             </a:endParaRPr>
           </a:p>
@@ -10483,7 +10541,7 @@
               <a:buFont typeface="Arial" charset="0"/>
               <a:buNone/>
             </a:pPr>
-            <a:endParaRPr lang="x-none" sz="1200">
+            <a:endParaRPr lang="x-none" sz="1200" dirty="0">
               <a:sym typeface="+mn-ea"/>
             </a:endParaRPr>
           </a:p>
@@ -10501,7 +10559,7 @@
               <a:buFont typeface="Arial" charset="0"/>
               <a:buNone/>
             </a:pPr>
-            <a:endParaRPr lang="x-none">
+            <a:endParaRPr lang="x-none" dirty="0">
               <a:sym typeface="+mn-ea"/>
             </a:endParaRPr>
           </a:p>
@@ -10520,11 +10578,11 @@
               <a:buNone/>
             </a:pPr>
             <a:br>
-              <a:rPr lang="x-none" sz="2200" b="1">
+              <a:rPr lang="x-none" sz="2200" b="1" dirty="0">
                 <a:sym typeface="+mn-ea"/>
               </a:rPr>
             </a:br>
-            <a:endParaRPr lang="x-none" sz="2200" b="1">
+            <a:endParaRPr lang="x-none" sz="2200" b="1" dirty="0">
               <a:sym typeface="+mn-ea"/>
             </a:endParaRPr>
           </a:p>
@@ -10543,7 +10601,7 @@
               <a:buChar char="•"/>
             </a:pPr>
             <a:r>
-              <a:rPr lang="x-none" sz="2100">
+              <a:rPr lang="x-none" sz="2100" dirty="0">
                 <a:solidFill>
                   <a:srgbClr val="7D7D7D"/>
                 </a:solidFill>
@@ -10567,7 +10625,7 @@
               <a:buChar char="•"/>
             </a:pPr>
             <a:r>
-              <a:rPr lang="x-none" sz="2100">
+              <a:rPr lang="x-none" sz="2100" dirty="0">
                 <a:solidFill>
                   <a:srgbClr val="7D7D7D"/>
                 </a:solidFill>
@@ -10591,7 +10649,7 @@
               <a:buChar char="•"/>
             </a:pPr>
             <a:r>
-              <a:rPr lang="x-none" sz="2100">
+              <a:rPr lang="x-none" sz="2100" dirty="0">
                 <a:solidFill>
                   <a:srgbClr val="7D7D7D"/>
                 </a:solidFill>
@@ -10614,7 +10672,7 @@
               <a:buFont typeface="Arial" charset="0"/>
               <a:buNone/>
             </a:pPr>
-            <a:endParaRPr lang="x-none" sz="2100">
+            <a:endParaRPr lang="x-none" sz="2100" dirty="0">
               <a:solidFill>
                 <a:srgbClr val="7D7D7D"/>
               </a:solidFill>
@@ -10625,12 +10683,12 @@
       </p:sp>
       <p:sp>
         <p:nvSpPr>
-          <p:cNvPr id="5" name="Date Placeholder 4"/>
-          <p:cNvSpPr>
-            <a:spLocks noGrp="1"/>
-          </p:cNvSpPr>
-          <p:nvPr>
-            <p:ph type="dt" sz="half" idx="10"/>
+          <p:cNvPr id="2" name="Footer Placeholder 1"/>
+          <p:cNvSpPr>
+            <a:spLocks noGrp="1"/>
+          </p:cNvSpPr>
+          <p:nvPr>
+            <p:ph type="ftr" sz="quarter" idx="11"/>
           </p:nvPr>
         </p:nvSpPr>
         <p:spPr/>
@@ -10640,40 +10698,10 @@
           <a:p>
             <a:pPr lvl="0" eaLnBrk="1" hangingPunct="1"/>
             <a:r>
-              <a:rPr lang="en-US" altLang="en-US" dirty="0"/>
-              <a:t>5/6/2017</a:t>
-            </a:r>
-            <a:endParaRPr lang="zh-CN" altLang="en-US" dirty="0"/>
-          </a:p>
-        </p:txBody>
-      </p:sp>
-      <p:sp>
-        <p:nvSpPr>
-          <p:cNvPr id="2" name="Footer Placeholder 1"/>
-          <p:cNvSpPr>
-            <a:spLocks noGrp="1"/>
-          </p:cNvSpPr>
-          <p:nvPr>
-            <p:ph type="ftr" sz="quarter" idx="11"/>
-          </p:nvPr>
-        </p:nvSpPr>
-        <p:spPr/>
-        <p:txBody>
-          <a:bodyPr/>
-          <a:lstStyle/>
-          <a:p>
-            <a:pPr lvl="0" eaLnBrk="1" hangingPunct="1"/>
-            <a:r>
-              <a:rPr lang="zh-CN" altLang="en-US" dirty="0"/>
-              <a:t>Seminário de [EC 009] - Sistemas Operacionáis</a:t>
-            </a:r>
-            <a:br>
-              <a:rPr lang="zh-CN" altLang="en-US" dirty="0"/>
-            </a:br>
-            <a:r>
-              <a:rPr lang="x-none" altLang="zh-CN" dirty="0"/>
-              <a:t>Institúto Nascional de Telecomunicações</a:t>
-            </a:r>
+              <a:rPr lang="pt-BR" altLang="zh-CN"/>
+              <a:t>Seminário de [EC 009] - Sistemas Operacionáis Institúto Nacional de Telecomunicações</a:t>
+            </a:r>
+            <a:endParaRPr lang="x-none" altLang="zh-CN" dirty="0"/>
           </a:p>
         </p:txBody>
       </p:sp>
@@ -10752,12 +10780,12 @@
       </p:grpSpPr>
       <p:sp>
         <p:nvSpPr>
-          <p:cNvPr id="5" name="Date Placeholder 4"/>
-          <p:cNvSpPr>
-            <a:spLocks noGrp="1"/>
-          </p:cNvSpPr>
-          <p:nvPr>
-            <p:ph type="dt" sz="half" idx="10"/>
+          <p:cNvPr id="2" name="Footer Placeholder 1"/>
+          <p:cNvSpPr>
+            <a:spLocks noGrp="1"/>
+          </p:cNvSpPr>
+          <p:nvPr>
+            <p:ph type="ftr" sz="quarter" idx="11"/>
           </p:nvPr>
         </p:nvSpPr>
         <p:spPr/>
@@ -10767,40 +10795,10 @@
           <a:p>
             <a:pPr lvl="0" eaLnBrk="1" hangingPunct="1"/>
             <a:r>
-              <a:rPr lang="en-US" altLang="en-US" dirty="0"/>
-              <a:t>5/6/2017</a:t>
-            </a:r>
-            <a:endParaRPr lang="zh-CN" altLang="en-US" dirty="0"/>
-          </a:p>
-        </p:txBody>
-      </p:sp>
-      <p:sp>
-        <p:nvSpPr>
-          <p:cNvPr id="2" name="Footer Placeholder 1"/>
-          <p:cNvSpPr>
-            <a:spLocks noGrp="1"/>
-          </p:cNvSpPr>
-          <p:nvPr>
-            <p:ph type="ftr" sz="quarter" idx="11"/>
-          </p:nvPr>
-        </p:nvSpPr>
-        <p:spPr/>
-        <p:txBody>
-          <a:bodyPr/>
-          <a:lstStyle/>
-          <a:p>
-            <a:pPr lvl="0" eaLnBrk="1" hangingPunct="1"/>
-            <a:r>
-              <a:rPr lang="zh-CN" altLang="en-US" dirty="0"/>
-              <a:t>Seminário de [EC 009] - Sistemas Operacionáis</a:t>
-            </a:r>
-            <a:br>
-              <a:rPr lang="zh-CN" altLang="en-US" dirty="0"/>
-            </a:br>
-            <a:r>
-              <a:rPr lang="x-none" altLang="zh-CN" dirty="0"/>
-              <a:t>Institúto Nascional de Telecomunicações</a:t>
-            </a:r>
+              <a:rPr lang="pt-BR" altLang="zh-CN"/>
+              <a:t>Seminário de [EC 009] - Sistemas Operacionáis Institúto Nacional de Telecomunicações</a:t>
+            </a:r>
+            <a:endParaRPr lang="x-none" altLang="zh-CN" dirty="0"/>
           </a:p>
         </p:txBody>
       </p:sp>
@@ -10879,6 +10877,231 @@
       </p:grpSpPr>
       <p:sp>
         <p:nvSpPr>
+          <p:cNvPr id="2" name="Título 1">
+            <a:extLst>
+              <a:ext uri="{FF2B5EF4-FFF2-40B4-BE49-F238E27FC236}">
+                <a16:creationId xmlns:a16="http://schemas.microsoft.com/office/drawing/2014/main" id="{122E63B7-DC2F-47D6-BE65-A57894E3397A}"/>
+              </a:ext>
+            </a:extLst>
+          </p:cNvPr>
+          <p:cNvSpPr>
+            <a:spLocks noGrp="1"/>
+          </p:cNvSpPr>
+          <p:nvPr>
+            <p:ph type="title"/>
+          </p:nvPr>
+        </p:nvSpPr>
+        <p:spPr/>
+        <p:txBody>
+          <a:bodyPr/>
+          <a:lstStyle/>
+          <a:p>
+            <a:r>
+              <a:rPr lang="pt-BR" dirty="0"/>
+              <a:t>Exemplo Prático</a:t>
+            </a:r>
+          </a:p>
+        </p:txBody>
+      </p:sp>
+      <p:pic>
+        <p:nvPicPr>
+          <p:cNvPr id="8" name="Espaço Reservado para Conteúdo 7">
+            <a:extLst>
+              <a:ext uri="{FF2B5EF4-FFF2-40B4-BE49-F238E27FC236}">
+                <a16:creationId xmlns:a16="http://schemas.microsoft.com/office/drawing/2014/main" id="{228C5BD3-9EEF-46B0-9B49-0536CA08BF19}"/>
+              </a:ext>
+            </a:extLst>
+          </p:cNvPr>
+          <p:cNvPicPr>
+            <a:picLocks noGrp="1" noChangeAspect="1"/>
+          </p:cNvPicPr>
+          <p:nvPr>
+            <p:ph idx="1"/>
+          </p:nvPr>
+        </p:nvPicPr>
+        <p:blipFill>
+          <a:blip r:embed="rId3">
+            <a:extLst>
+              <a:ext uri="{28A0092B-C50C-407E-A947-70E740481C1C}">
+                <a14:useLocalDpi xmlns:a14="http://schemas.microsoft.com/office/drawing/2010/main" val="0"/>
+              </a:ext>
+            </a:extLst>
+          </a:blip>
+          <a:stretch>
+            <a:fillRect/>
+          </a:stretch>
+        </p:blipFill>
+        <p:spPr>
+          <a:xfrm>
+            <a:off x="382944" y="1604514"/>
+            <a:ext cx="4868883" cy="1850883"/>
+          </a:xfrm>
+        </p:spPr>
+      </p:pic>
+      <p:sp>
+        <p:nvSpPr>
+          <p:cNvPr id="5" name="Espaço Reservado para Rodapé 4">
+            <a:extLst>
+              <a:ext uri="{FF2B5EF4-FFF2-40B4-BE49-F238E27FC236}">
+                <a16:creationId xmlns:a16="http://schemas.microsoft.com/office/drawing/2014/main" id="{9797FB66-7570-4D9D-97D3-05D911810637}"/>
+              </a:ext>
+            </a:extLst>
+          </p:cNvPr>
+          <p:cNvSpPr>
+            <a:spLocks noGrp="1"/>
+          </p:cNvSpPr>
+          <p:nvPr>
+            <p:ph type="ftr" sz="quarter" idx="11"/>
+          </p:nvPr>
+        </p:nvSpPr>
+        <p:spPr/>
+        <p:txBody>
+          <a:bodyPr/>
+          <a:lstStyle/>
+          <a:p>
+            <a:pPr lvl="0" eaLnBrk="1" hangingPunct="1"/>
+            <a:r>
+              <a:rPr lang="pt-BR" altLang="zh-CN"/>
+              <a:t>Seminário de [EC 009] - Sistemas Operacionáis Institúto Nacional de Telecomunicações</a:t>
+            </a:r>
+            <a:endParaRPr lang="zh-CN" altLang="en-US" dirty="0"/>
+          </a:p>
+        </p:txBody>
+      </p:sp>
+      <p:sp>
+        <p:nvSpPr>
+          <p:cNvPr id="6" name="Espaço Reservado para Número de Slide 5">
+            <a:extLst>
+              <a:ext uri="{FF2B5EF4-FFF2-40B4-BE49-F238E27FC236}">
+                <a16:creationId xmlns:a16="http://schemas.microsoft.com/office/drawing/2014/main" id="{C64457BD-98E4-4021-9635-0DB402DD79FF}"/>
+              </a:ext>
+            </a:extLst>
+          </p:cNvPr>
+          <p:cNvSpPr>
+            <a:spLocks noGrp="1"/>
+          </p:cNvSpPr>
+          <p:nvPr>
+            <p:ph type="sldNum" sz="quarter" idx="12"/>
+          </p:nvPr>
+        </p:nvSpPr>
+        <p:spPr/>
+        <p:txBody>
+          <a:bodyPr/>
+          <a:lstStyle/>
+          <a:p>
+            <a:pPr lvl="0" eaLnBrk="1" hangingPunct="1"/>
+            <a:fld id="{9A0DB2DC-4C9A-4742-B13C-FB6460FD3503}" type="slidenum">
+              <a:rPr lang="zh-CN" altLang="en-US" smtClean="0"/>
+              <a:t>16</a:t>
+            </a:fld>
+            <a:endParaRPr lang="zh-CN" altLang="en-US" dirty="0"/>
+          </a:p>
+        </p:txBody>
+      </p:sp>
+      <p:pic>
+        <p:nvPicPr>
+          <p:cNvPr id="10" name="Imagem 9">
+            <a:extLst>
+              <a:ext uri="{FF2B5EF4-FFF2-40B4-BE49-F238E27FC236}">
+                <a16:creationId xmlns:a16="http://schemas.microsoft.com/office/drawing/2014/main" id="{1187590C-780A-4953-8A30-34E8F2B62AD0}"/>
+              </a:ext>
+            </a:extLst>
+          </p:cNvPr>
+          <p:cNvPicPr>
+            <a:picLocks noChangeAspect="1"/>
+          </p:cNvPicPr>
+          <p:nvPr/>
+        </p:nvPicPr>
+        <p:blipFill>
+          <a:blip r:embed="rId4">
+            <a:extLst>
+              <a:ext uri="{28A0092B-C50C-407E-A947-70E740481C1C}">
+                <a14:useLocalDpi xmlns:a14="http://schemas.microsoft.com/office/drawing/2010/main" val="0"/>
+              </a:ext>
+            </a:extLst>
+          </a:blip>
+          <a:stretch>
+            <a:fillRect/>
+          </a:stretch>
+        </p:blipFill>
+        <p:spPr>
+          <a:xfrm rot="1376024">
+            <a:off x="5131497" y="2795518"/>
+            <a:ext cx="3825602" cy="2458770"/>
+          </a:xfrm>
+          <a:prstGeom prst="rect">
+            <a:avLst/>
+          </a:prstGeom>
+        </p:spPr>
+      </p:pic>
+      <p:pic>
+        <p:nvPicPr>
+          <p:cNvPr id="12" name="Imagem 11">
+            <a:extLst>
+              <a:ext uri="{FF2B5EF4-FFF2-40B4-BE49-F238E27FC236}">
+                <a16:creationId xmlns:a16="http://schemas.microsoft.com/office/drawing/2014/main" id="{CBF91335-CD4D-402F-8BE3-23FCC7514C61}"/>
+              </a:ext>
+            </a:extLst>
+          </p:cNvPr>
+          <p:cNvPicPr>
+            <a:picLocks noChangeAspect="1"/>
+          </p:cNvPicPr>
+          <p:nvPr/>
+        </p:nvPicPr>
+        <p:blipFill>
+          <a:blip r:embed="rId5">
+            <a:extLst>
+              <a:ext uri="{28A0092B-C50C-407E-A947-70E740481C1C}">
+                <a14:useLocalDpi xmlns:a14="http://schemas.microsoft.com/office/drawing/2010/main" val="0"/>
+              </a:ext>
+            </a:extLst>
+          </a:blip>
+          <a:stretch>
+            <a:fillRect/>
+          </a:stretch>
+        </p:blipFill>
+        <p:spPr>
+          <a:xfrm>
+            <a:off x="1403502" y="3812951"/>
+            <a:ext cx="3713619" cy="2386797"/>
+          </a:xfrm>
+          <a:prstGeom prst="rect">
+            <a:avLst/>
+          </a:prstGeom>
+        </p:spPr>
+      </p:pic>
+    </p:spTree>
+    <p:extLst>
+      <p:ext uri="{BB962C8B-B14F-4D97-AF65-F5344CB8AC3E}">
+        <p14:creationId xmlns:p14="http://schemas.microsoft.com/office/powerpoint/2010/main" val="3468617913"/>
+      </p:ext>
+    </p:extLst>
+  </p:cSld>
+  <p:clrMapOvr>
+    <a:masterClrMapping/>
+  </p:clrMapOvr>
+</p:sld>
+</file>
+
+<file path=ppt/slides/slide17.xml><?xml version="1.0" encoding="utf-8"?>
+<p:sld xmlns:a="http://schemas.openxmlformats.org/drawingml/2006/main" xmlns:r="http://schemas.openxmlformats.org/officeDocument/2006/relationships" xmlns:p="http://schemas.openxmlformats.org/presentationml/2006/main">
+  <p:cSld>
+    <p:spTree>
+      <p:nvGrpSpPr>
+        <p:cNvPr id="1" name=""/>
+        <p:cNvGrpSpPr/>
+        <p:nvPr/>
+      </p:nvGrpSpPr>
+      <p:grpSpPr>
+        <a:xfrm>
+          <a:off x="0" y="0"/>
+          <a:ext cx="0" cy="0"/>
+          <a:chOff x="0" y="0"/>
+          <a:chExt cx="0" cy="0"/>
+        </a:xfrm>
+      </p:grpSpPr>
+      <p:sp>
+        <p:nvSpPr>
           <p:cNvPr id="6" name="Title 5"/>
           <p:cNvSpPr>
             <a:spLocks noGrp="1"/>
@@ -10939,33 +11162,9 @@
             <a:pPr lvl="0" eaLnBrk="1" hangingPunct="1"/>
             <a:fld id="{9A0DB2DC-4C9A-4742-B13C-FB6460FD3503}" type="slidenum">
               <a:rPr lang="zh-CN" altLang="en-US" sz="2400" dirty="0"/>
-              <a:t>16</a:t>
+              <a:t>17</a:t>
             </a:fld>
             <a:endParaRPr lang="zh-CN" altLang="en-US" sz="2400" dirty="0"/>
-          </a:p>
-        </p:txBody>
-      </p:sp>
-      <p:sp>
-        <p:nvSpPr>
-          <p:cNvPr id="5" name="Date Placeholder 4"/>
-          <p:cNvSpPr>
-            <a:spLocks noGrp="1"/>
-          </p:cNvSpPr>
-          <p:nvPr>
-            <p:ph type="dt" sz="half" idx="10"/>
-          </p:nvPr>
-        </p:nvSpPr>
-        <p:spPr/>
-        <p:txBody>
-          <a:bodyPr/>
-          <a:lstStyle/>
-          <a:p>
-            <a:pPr lvl="0" eaLnBrk="1" hangingPunct="1"/>
-            <a:r>
-              <a:rPr lang="en-US" altLang="en-US" dirty="0"/>
-              <a:t>5/6/2017</a:t>
-            </a:r>
-            <a:endParaRPr lang="zh-CN" altLang="en-US" dirty="0"/>
           </a:p>
         </p:txBody>
       </p:sp>
@@ -10991,16 +11190,10 @@
           <a:p>
             <a:pPr lvl="0" eaLnBrk="1" hangingPunct="1"/>
             <a:r>
-              <a:rPr lang="zh-CN" altLang="en-US" dirty="0"/>
-              <a:t>Seminário de [EC 009] - Sistemas Operacionáis</a:t>
-            </a:r>
-            <a:br>
-              <a:rPr lang="zh-CN" altLang="en-US" dirty="0"/>
-            </a:br>
-            <a:r>
-              <a:rPr lang="x-none" altLang="zh-CN" dirty="0"/>
-              <a:t>Institúto Nascional de Telecomunicações</a:t>
-            </a:r>
+              <a:rPr lang="pt-BR" altLang="zh-CN"/>
+              <a:t>Seminário de [EC 009] - Sistemas Operacionáis Institúto Nacional de Telecomunicações</a:t>
+            </a:r>
+            <a:endParaRPr lang="x-none" altLang="zh-CN" dirty="0"/>
           </a:p>
         </p:txBody>
       </p:sp>
@@ -11073,7 +11266,7 @@
               <a:t>Sistema </a:t>
             </a:r>
             <a:r>
-              <a:rPr sz="2200" b="1" dirty="0" err="1"/>
+              <a:rPr lang="pt-BR" sz="2200" b="1" dirty="0"/>
               <a:t>Operacional</a:t>
             </a:r>
             <a:r>
@@ -11085,7 +11278,7 @@
               <a:t>, </a:t>
             </a:r>
             <a:r>
-              <a:rPr sz="2200" dirty="0" err="1"/>
+              <a:rPr lang="pt-BR" sz="2200" dirty="0"/>
               <a:t>ou</a:t>
             </a:r>
             <a:r>
@@ -11129,7 +11322,7 @@
           <a:p>
             <a:pPr lvl="0" eaLnBrk="1" hangingPunct="1"/>
             <a:r>
-              <a:rPr sz="2200" b="1" dirty="0" err="1"/>
+              <a:rPr lang="pt-BR" sz="2200" b="1" dirty="0"/>
               <a:t>Definição</a:t>
             </a:r>
             <a:r>
@@ -11169,26 +11362,10 @@
                   <a:srgbClr val="7D7D7D"/>
                 </a:solidFill>
               </a:rPr>
-              <a:t>um </a:t>
-            </a:r>
-            <a:r>
-              <a:rPr sz="2100" dirty="0" err="1">
-                <a:solidFill>
-                  <a:srgbClr val="7D7D7D"/>
-                </a:solidFill>
-              </a:rPr>
-              <a:t>sistema</a:t>
-            </a:r>
-            <a:r>
-              <a:rPr sz="2100" dirty="0">
-                <a:solidFill>
-                  <a:srgbClr val="7D7D7D"/>
-                </a:solidFill>
-              </a:rPr>
-              <a:t> </a:t>
-            </a:r>
-            <a:r>
-              <a:rPr sz="2100" dirty="0" err="1">
+              <a:t>um sistema </a:t>
+            </a:r>
+            <a:r>
+              <a:rPr lang="pt-BR" sz="2100" dirty="0">
                 <a:solidFill>
                   <a:srgbClr val="7D7D7D"/>
                 </a:solidFill>
@@ -11361,12 +11538,12 @@
       </p:sp>
       <p:sp>
         <p:nvSpPr>
-          <p:cNvPr id="2" name="Date Placeholder 1"/>
-          <p:cNvSpPr>
-            <a:spLocks noGrp="1"/>
-          </p:cNvSpPr>
-          <p:nvPr>
-            <p:ph type="dt" sz="half" idx="10"/>
+          <p:cNvPr id="9" name="Footer Placeholder 8"/>
+          <p:cNvSpPr>
+            <a:spLocks noGrp="1"/>
+          </p:cNvSpPr>
+          <p:nvPr>
+            <p:ph type="ftr" sz="quarter" idx="11"/>
           </p:nvPr>
         </p:nvSpPr>
         <p:spPr/>
@@ -11376,40 +11553,10 @@
           <a:p>
             <a:pPr lvl="0" eaLnBrk="1" hangingPunct="1"/>
             <a:r>
-              <a:rPr lang="en-US" altLang="en-US" dirty="0"/>
-              <a:t>5/6/2017</a:t>
-            </a:r>
-            <a:endParaRPr lang="zh-CN" altLang="en-US" dirty="0"/>
-          </a:p>
-        </p:txBody>
-      </p:sp>
-      <p:sp>
-        <p:nvSpPr>
-          <p:cNvPr id="9" name="Footer Placeholder 8"/>
-          <p:cNvSpPr>
-            <a:spLocks noGrp="1"/>
-          </p:cNvSpPr>
-          <p:nvPr>
-            <p:ph type="ftr" sz="quarter" idx="11"/>
-          </p:nvPr>
-        </p:nvSpPr>
-        <p:spPr/>
-        <p:txBody>
-          <a:bodyPr/>
-          <a:lstStyle/>
-          <a:p>
-            <a:pPr lvl="0" eaLnBrk="1" hangingPunct="1"/>
-            <a:r>
-              <a:rPr lang="zh-CN" altLang="en-US" dirty="0"/>
-              <a:t>Seminário de [EC 009] - Sistemas Operacionáis</a:t>
-            </a:r>
-            <a:br>
-              <a:rPr lang="zh-CN" altLang="en-US" dirty="0"/>
-            </a:br>
-            <a:r>
-              <a:rPr lang="x-none" altLang="zh-CN" dirty="0"/>
-              <a:t>Institúto Nascional de Telecomunicações</a:t>
-            </a:r>
+              <a:rPr lang="pt-BR" altLang="zh-CN"/>
+              <a:t>Seminário de [EC 009] - Sistemas Operacionáis Institúto Nacional de Telecomunicações</a:t>
+            </a:r>
+            <a:endParaRPr lang="x-none" altLang="zh-CN" dirty="0"/>
           </a:p>
         </p:txBody>
       </p:sp>
@@ -11584,13 +11731,13 @@
                 <a:spcPct val="100000"/>
               </a:lnSpc>
               <a:spcAft>
-                <a:spcPts val="1200"/>
+                <a:spcPts val="500"/>
               </a:spcAft>
               <a:buFont typeface="Arial" charset="0"/>
               <a:buChar char="•"/>
             </a:pPr>
             <a:r>
-              <a:rPr lang="x-none" sz="2000" dirty="0">
+              <a:rPr lang="x-none" sz="2100" dirty="0">
                 <a:solidFill>
                   <a:srgbClr val="7D7D7D"/>
                 </a:solidFill>
@@ -11604,13 +11751,13 @@
                 <a:spcPct val="100000"/>
               </a:lnSpc>
               <a:spcAft>
-                <a:spcPts val="800"/>
+                <a:spcPts val="500"/>
               </a:spcAft>
               <a:buFont typeface="Arial" charset="0"/>
               <a:buChar char="•"/>
             </a:pPr>
             <a:r>
-              <a:rPr lang="x-none" sz="2000" dirty="0">
+              <a:rPr lang="x-none" sz="2100" dirty="0">
                 <a:solidFill>
                   <a:srgbClr val="7D7D7D"/>
                 </a:solidFill>
@@ -11618,7 +11765,7 @@
               <a:t>Caso uma </a:t>
             </a:r>
             <a:r>
-              <a:rPr lang="x-none" sz="2000" i="1" dirty="0">
+              <a:rPr lang="x-none" sz="2100" i="1" dirty="0">
                 <a:solidFill>
                   <a:srgbClr val="7D7D7D"/>
                 </a:solidFill>
@@ -11626,7 +11773,7 @@
               <a:t>deadline </a:t>
             </a:r>
             <a:r>
-              <a:rPr lang="x-none" sz="2000" dirty="0">
+              <a:rPr lang="x-none" sz="2100" dirty="0">
                 <a:solidFill>
                   <a:srgbClr val="7D7D7D"/>
                 </a:solidFill>
@@ -11657,13 +11804,13 @@
                 <a:spcPct val="100000"/>
               </a:lnSpc>
               <a:spcAft>
-                <a:spcPts val="1200"/>
+                <a:spcPts val="500"/>
               </a:spcAft>
               <a:buFont typeface="Arial" charset="0"/>
               <a:buChar char="•"/>
             </a:pPr>
             <a:r>
-              <a:rPr lang="x-none" sz="2000" dirty="0">
+              <a:rPr lang="x-none" sz="2100" dirty="0">
                 <a:solidFill>
                   <a:srgbClr val="7D7D7D"/>
                 </a:solidFill>
@@ -11677,13 +11824,13 @@
                 <a:spcPct val="100000"/>
               </a:lnSpc>
               <a:spcAft>
-                <a:spcPts val="1200"/>
+                <a:spcPts val="500"/>
               </a:spcAft>
               <a:buFont typeface="Arial" charset="0"/>
               <a:buChar char="•"/>
             </a:pPr>
             <a:r>
-              <a:rPr lang="x-none" sz="2000" dirty="0">
+              <a:rPr lang="x-none" sz="2100" dirty="0">
                 <a:solidFill>
                   <a:srgbClr val="7D7D7D"/>
                 </a:solidFill>
@@ -11691,7 +11838,7 @@
               <a:t>Caso uma </a:t>
             </a:r>
             <a:r>
-              <a:rPr lang="x-none" sz="2000" i="1" dirty="0">
+              <a:rPr lang="x-none" sz="2100" i="1" dirty="0">
                 <a:solidFill>
                   <a:srgbClr val="7D7D7D"/>
                 </a:solidFill>
@@ -11699,7 +11846,7 @@
               <a:t>deadline</a:t>
             </a:r>
             <a:r>
-              <a:rPr lang="x-none" sz="2000" dirty="0">
+              <a:rPr lang="x-none" sz="2100" dirty="0">
                 <a:solidFill>
                   <a:srgbClr val="7D7D7D"/>
                 </a:solidFill>
@@ -11713,76 +11860,78 @@
                 <a:spcPct val="100000"/>
               </a:lnSpc>
               <a:spcAft>
-                <a:spcPts val="800"/>
+                <a:spcPts val="500"/>
               </a:spcAft>
               <a:buFont typeface="Arial" charset="0"/>
               <a:buChar char="•"/>
             </a:pPr>
             <a:r>
+              <a:rPr lang="x-none" sz="2100" dirty="0">
+                <a:solidFill>
+                  <a:srgbClr val="7D7D7D"/>
+                </a:solidFill>
+              </a:rPr>
+              <a:t>Uma falha costuma afetar:</a:t>
+            </a:r>
+          </a:p>
+          <a:p>
+            <a:pPr marL="1200150" lvl="3" indent="-285750" eaLnBrk="1" hangingPunct="1">
+              <a:lnSpc>
+                <a:spcPct val="100000"/>
+              </a:lnSpc>
+              <a:spcAft>
+                <a:spcPts val="500"/>
+              </a:spcAft>
+              <a:buFont typeface="Arial" charset="0"/>
+              <a:buChar char="•"/>
+            </a:pPr>
+            <a:r>
+              <a:rPr lang="x-none" sz="2100" dirty="0">
+                <a:solidFill>
+                  <a:srgbClr val="7D7D7D"/>
+                </a:solidFill>
+              </a:rPr>
+              <a:t>Qualidade do Serviço;</a:t>
+            </a:r>
+          </a:p>
+          <a:p>
+            <a:pPr marL="1200150" lvl="3" indent="-285750" eaLnBrk="1" hangingPunct="1">
+              <a:lnSpc>
+                <a:spcPct val="100000"/>
+              </a:lnSpc>
+              <a:spcAft>
+                <a:spcPts val="500"/>
+              </a:spcAft>
+              <a:buFont typeface="Arial" charset="0"/>
+              <a:buChar char="•"/>
+            </a:pPr>
+            <a:r>
+              <a:rPr lang="x-none" sz="2100" dirty="0">
+                <a:solidFill>
+                  <a:srgbClr val="7D7D7D"/>
+                </a:solidFill>
+              </a:rPr>
+              <a:t>Experiência do Usuário</a:t>
+            </a:r>
+            <a:r>
               <a:rPr lang="x-none" sz="2000" dirty="0">
                 <a:solidFill>
                   <a:srgbClr val="7D7D7D"/>
                 </a:solidFill>
               </a:rPr>
-              <a:t>Uma falha costuma afetar:</a:t>
-            </a:r>
-          </a:p>
-          <a:p>
-            <a:pPr marL="1200150" lvl="3" indent="-285750" eaLnBrk="1" hangingPunct="1">
-              <a:lnSpc>
-                <a:spcPct val="100000"/>
-              </a:lnSpc>
-              <a:spcBef>
-                <a:spcPts val="200"/>
-              </a:spcBef>
-              <a:spcAft>
-                <a:spcPts val="200"/>
-              </a:spcAft>
-              <a:buFont typeface="Arial" charset="0"/>
-              <a:buChar char="•"/>
-            </a:pPr>
-            <a:r>
-              <a:rPr lang="x-none" sz="2000" dirty="0">
-                <a:solidFill>
-                  <a:srgbClr val="7D7D7D"/>
-                </a:solidFill>
-              </a:rPr>
-              <a:t>Qualidade do Serviço;</a:t>
-            </a:r>
-          </a:p>
-          <a:p>
-            <a:pPr marL="1200150" lvl="3" indent="-285750" eaLnBrk="1" hangingPunct="1">
-              <a:lnSpc>
-                <a:spcPct val="100000"/>
-              </a:lnSpc>
-              <a:spcBef>
-                <a:spcPts val="200"/>
-              </a:spcBef>
-              <a:spcAft>
-                <a:spcPts val="200"/>
-              </a:spcAft>
-              <a:buFont typeface="Arial" charset="0"/>
-              <a:buChar char="•"/>
-            </a:pPr>
-            <a:r>
-              <a:rPr lang="x-none" sz="2000" dirty="0">
-                <a:solidFill>
-                  <a:srgbClr val="7D7D7D"/>
-                </a:solidFill>
-              </a:rPr>
-              <a:t>Experiência do Usuário;</a:t>
-            </a:r>
-          </a:p>
-        </p:txBody>
-      </p:sp>
-      <p:sp>
-        <p:nvSpPr>
-          <p:cNvPr id="5" name="Date Placeholder 4"/>
-          <p:cNvSpPr>
-            <a:spLocks noGrp="1"/>
-          </p:cNvSpPr>
-          <p:nvPr>
-            <p:ph type="dt" sz="half" idx="10"/>
+              <a:t>;</a:t>
+            </a:r>
+          </a:p>
+        </p:txBody>
+      </p:sp>
+      <p:sp>
+        <p:nvSpPr>
+          <p:cNvPr id="7" name="Footer Placeholder 6"/>
+          <p:cNvSpPr>
+            <a:spLocks noGrp="1"/>
+          </p:cNvSpPr>
+          <p:nvPr>
+            <p:ph type="ftr" sz="quarter" idx="11"/>
           </p:nvPr>
         </p:nvSpPr>
         <p:spPr/>
@@ -11792,40 +11941,10 @@
           <a:p>
             <a:pPr lvl="0" eaLnBrk="1" hangingPunct="1"/>
             <a:r>
-              <a:rPr lang="en-US" altLang="en-US" dirty="0"/>
-              <a:t>5/6/2017</a:t>
-            </a:r>
-            <a:endParaRPr lang="zh-CN" altLang="en-US" dirty="0"/>
-          </a:p>
-        </p:txBody>
-      </p:sp>
-      <p:sp>
-        <p:nvSpPr>
-          <p:cNvPr id="7" name="Footer Placeholder 6"/>
-          <p:cNvSpPr>
-            <a:spLocks noGrp="1"/>
-          </p:cNvSpPr>
-          <p:nvPr>
-            <p:ph type="ftr" sz="quarter" idx="11"/>
-          </p:nvPr>
-        </p:nvSpPr>
-        <p:spPr/>
-        <p:txBody>
-          <a:bodyPr/>
-          <a:lstStyle/>
-          <a:p>
-            <a:pPr lvl="0" eaLnBrk="1" hangingPunct="1"/>
-            <a:r>
-              <a:rPr lang="zh-CN" altLang="en-US" dirty="0"/>
-              <a:t>Seminário de [EC 009] - Sistemas Operacionáis</a:t>
-            </a:r>
-            <a:br>
-              <a:rPr lang="zh-CN" altLang="en-US" dirty="0"/>
-            </a:br>
-            <a:r>
-              <a:rPr lang="x-none" altLang="zh-CN" dirty="0"/>
-              <a:t>Institúto Nascional de Telecomunicações</a:t>
-            </a:r>
+              <a:rPr lang="pt-BR" altLang="zh-CN"/>
+              <a:t>Seminário de [EC 009] - Sistemas Operacionáis Institúto Nacional de Telecomunicações</a:t>
+            </a:r>
+            <a:endParaRPr lang="x-none" altLang="zh-CN" dirty="0"/>
           </a:p>
         </p:txBody>
       </p:sp>
@@ -12227,12 +12346,12 @@
       </p:sp>
       <p:sp>
         <p:nvSpPr>
-          <p:cNvPr id="5" name="Date Placeholder 4"/>
-          <p:cNvSpPr>
-            <a:spLocks noGrp="1"/>
-          </p:cNvSpPr>
-          <p:nvPr>
-            <p:ph type="dt" sz="half" idx="10"/>
+          <p:cNvPr id="13" name="Footer Placeholder 12"/>
+          <p:cNvSpPr>
+            <a:spLocks noGrp="1"/>
+          </p:cNvSpPr>
+          <p:nvPr>
+            <p:ph type="ftr" sz="quarter" idx="11"/>
           </p:nvPr>
         </p:nvSpPr>
         <p:spPr/>
@@ -12242,40 +12361,10 @@
           <a:p>
             <a:pPr lvl="0" eaLnBrk="1" hangingPunct="1"/>
             <a:r>
-              <a:rPr lang="en-US" altLang="en-US" dirty="0"/>
-              <a:t>5/6/2017</a:t>
-            </a:r>
-            <a:endParaRPr lang="zh-CN" altLang="en-US" dirty="0"/>
-          </a:p>
-        </p:txBody>
-      </p:sp>
-      <p:sp>
-        <p:nvSpPr>
-          <p:cNvPr id="13" name="Footer Placeholder 12"/>
-          <p:cNvSpPr>
-            <a:spLocks noGrp="1"/>
-          </p:cNvSpPr>
-          <p:nvPr>
-            <p:ph type="ftr" sz="quarter" idx="11"/>
-          </p:nvPr>
-        </p:nvSpPr>
-        <p:spPr/>
-        <p:txBody>
-          <a:bodyPr/>
-          <a:lstStyle/>
-          <a:p>
-            <a:pPr lvl="0" eaLnBrk="1" hangingPunct="1"/>
-            <a:r>
-              <a:rPr lang="zh-CN" altLang="en-US" dirty="0"/>
-              <a:t>Seminário de [EC 009] - Sistemas Operacionáis</a:t>
-            </a:r>
-            <a:br>
-              <a:rPr lang="zh-CN" altLang="en-US" dirty="0"/>
-            </a:br>
-            <a:r>
-              <a:rPr lang="x-none" altLang="zh-CN" dirty="0"/>
-              <a:t>Institúto Nascional de Telecomunicações</a:t>
-            </a:r>
+              <a:rPr lang="pt-BR" altLang="zh-CN"/>
+              <a:t>Seminário de [EC 009] - Sistemas Operacionáis Institúto Nacional de Telecomunicações</a:t>
+            </a:r>
+            <a:endParaRPr lang="x-none" altLang="zh-CN" dirty="0"/>
           </a:p>
         </p:txBody>
       </p:sp>
@@ -12553,15 +12642,8 @@
               </a:tabLst>
             </a:pPr>
             <a:r>
-              <a:rPr lang="x-none" b="1" dirty="0"/>
-              <a:t>Sistema 100% </a:t>
-            </a:r>
-            <a:br>
-              <a:rPr lang="x-none" b="1" dirty="0"/>
-            </a:br>
-            <a:r>
-              <a:rPr lang="x-none" b="1" dirty="0"/>
-              <a:t>    brasileiro;</a:t>
+              <a:rPr lang="x-none" sz="1800" dirty="0"/>
+              <a:t>100% brasileiro;</a:t>
             </a:r>
           </a:p>
           <a:p>
@@ -12582,19 +12664,10 @@
               </a:tabLst>
             </a:pPr>
             <a:r>
-              <a:rPr lang="x-none" b="1" dirty="0"/>
+              <a:rPr lang="x-none" sz="1800" dirty="0"/>
               <a:t>OpenSource;</a:t>
             </a:r>
-          </a:p>
-          <a:p>
-            <a:pPr marL="457200" lvl="1" indent="0" eaLnBrk="1" hangingPunct="1">
-              <a:lnSpc>
-                <a:spcPct val="100000"/>
-              </a:lnSpc>
-              <a:buFont typeface="Arial" charset="0"/>
-              <a:buNone/>
-            </a:pPr>
-            <a:endParaRPr lang="x-none" sz="400" b="1" dirty="0"/>
+            <a:endParaRPr lang="x-none" sz="400" dirty="0"/>
           </a:p>
           <a:p>
             <a:pPr lvl="0" eaLnBrk="1" hangingPunct="1">
@@ -12634,20 +12707,20 @@
               </a:tabLst>
             </a:pPr>
             <a:r>
-              <a:rPr lang="x-none" b="1" dirty="0"/>
+              <a:rPr lang="x-none" sz="1800" dirty="0"/>
               <a:t>A POSIX-based Hard Real-time</a:t>
             </a:r>
             <a:br>
-              <a:rPr lang="x-none" b="1" dirty="0"/>
+              <a:rPr lang="x-none" sz="1800" dirty="0"/>
             </a:br>
             <a:r>
-              <a:rPr lang="x-none" b="1" dirty="0">
+              <a:rPr lang="x-none" sz="1800" dirty="0">
                 <a:noFill/>
               </a:rPr>
               <a:t>II</a:t>
             </a:r>
             <a:r>
-              <a:rPr lang="x-none" b="1" dirty="0"/>
+              <a:rPr lang="x-none" sz="1800" dirty="0"/>
               <a:t>  Operating System</a:t>
             </a:r>
           </a:p>
@@ -12669,15 +12742,35 @@
               </a:tabLst>
             </a:pPr>
             <a:r>
-              <a:rPr lang="x-none" b="1" dirty="0"/>
-              <a:t>Amplamente utilizado na industria</a:t>
+              <a:rPr lang="x-none" sz="1800" dirty="0"/>
+              <a:t>Amplamente utilizado na</a:t>
             </a:r>
             <a:br>
-              <a:rPr lang="x-none" b="1" dirty="0"/>
+              <a:rPr lang="pt-BR" sz="1800" dirty="0"/>
             </a:br>
             <a:r>
-              <a:rPr lang="x-none" b="1" dirty="0"/>
-              <a:t>    aeronautica;</a:t>
+              <a:rPr lang="pt-BR" sz="1800" dirty="0"/>
+              <a:t>    </a:t>
+            </a:r>
+            <a:r>
+              <a:rPr lang="x-none" sz="1800" dirty="0"/>
+              <a:t>ind</a:t>
+            </a:r>
+            <a:r>
+              <a:rPr lang="pt-BR" sz="1800" dirty="0"/>
+              <a:t>ú</a:t>
+            </a:r>
+            <a:r>
+              <a:rPr lang="x-none" sz="1800" dirty="0"/>
+              <a:t>stria</a:t>
+            </a:r>
+            <a:r>
+              <a:rPr lang="pt-BR" sz="1800" dirty="0"/>
+              <a:t> </a:t>
+            </a:r>
+            <a:r>
+              <a:rPr lang="x-none" sz="1800" dirty="0"/>
+              <a:t>aeronautica;</a:t>
             </a:r>
           </a:p>
           <a:p>
@@ -12708,7 +12801,7 @@
                 <a:spcPts val="1300"/>
               </a:spcBef>
               <a:spcAft>
-                <a:spcPts val="0"/>
+                <a:spcPts val="800"/>
               </a:spcAft>
             </a:pPr>
             <a:r>
@@ -12737,24 +12830,24 @@
               </a:tabLst>
             </a:pPr>
             <a:r>
-              <a:rPr lang="x-none" b="1" dirty="0"/>
+              <a:rPr lang="x-none" sz="1800" dirty="0"/>
               <a:t>Utilizado pela NASA, Boeing,</a:t>
             </a:r>
             <a:br>
-              <a:rPr lang="x-none" b="1" dirty="0"/>
+              <a:rPr lang="x-none" sz="1800" dirty="0"/>
             </a:br>
             <a:r>
-              <a:rPr lang="x-none" b="1" dirty="0"/>
+              <a:rPr lang="x-none" sz="1800" dirty="0"/>
               <a:t> </a:t>
             </a:r>
             <a:r>
-              <a:rPr lang="x-none" b="1" dirty="0">
+              <a:rPr lang="x-none" sz="1800" dirty="0">
                 <a:noFill/>
               </a:rPr>
               <a:t>..</a:t>
             </a:r>
             <a:r>
-              <a:rPr lang="x-none" b="1" dirty="0"/>
+              <a:rPr lang="x-none" sz="1800" dirty="0"/>
               <a:t> exército americano;</a:t>
             </a:r>
           </a:p>
@@ -12776,7 +12869,7 @@
               </a:tabLst>
             </a:pPr>
             <a:r>
-              <a:rPr lang="x-none" b="1" dirty="0"/>
+              <a:rPr lang="x-none" sz="1800" dirty="0"/>
               <a:t>Utilizado na Sonda Curiosity;</a:t>
             </a:r>
           </a:p>
@@ -12812,7 +12905,7 @@
         </p:blipFill>
         <p:spPr>
           <a:xfrm>
-            <a:off x="4953635" y="4438650"/>
+            <a:off x="4953635" y="4296760"/>
             <a:ext cx="1961515" cy="853440"/>
           </a:xfrm>
           <a:prstGeom prst="rect">
@@ -12840,7 +12933,7 @@
         </p:blipFill>
         <p:spPr>
           <a:xfrm>
-            <a:off x="4951095" y="2756535"/>
+            <a:off x="4951095" y="2441227"/>
             <a:ext cx="1143000" cy="590550"/>
           </a:xfrm>
           <a:prstGeom prst="rect">
@@ -12905,7 +12998,7 @@
         </p:nvGrpSpPr>
         <p:grpSpPr>
           <a:xfrm>
-            <a:off x="6885305" y="1487170"/>
+            <a:off x="7032384" y="1399540"/>
             <a:ext cx="1151890" cy="1083945"/>
             <a:chOff x="10447" y="2138"/>
             <a:chExt cx="1814" cy="1707"/>
@@ -12959,7 +13052,7 @@
             <a:p>
               <a:pPr lvl="0" algn="ctr" fontAlgn="ctr"/>
               <a:r>
-                <a:rPr lang="pt-BR" altLang="en-US" sz="1400" b="1"/>
+                <a:rPr lang="pt-BR" altLang="en-US" sz="1400" b="1" dirty="0"/>
                 <a:t>µ</a:t>
               </a:r>
               <a:r>
@@ -12986,7 +13079,7 @@
         </p:blipFill>
         <p:spPr>
           <a:xfrm>
-            <a:off x="773430" y="5135263"/>
+            <a:off x="773430" y="5119497"/>
             <a:ext cx="1842770" cy="392430"/>
           </a:xfrm>
           <a:prstGeom prst="rect">
@@ -13059,17 +13152,21 @@
           <a:p>
             <a:pPr lvl="0" algn="l" eaLnBrk="1" hangingPunct="1"/>
             <a:r>
-              <a:rPr lang="x-none" b="1"/>
+              <a:rPr lang="x-none" sz="2100" b="1" dirty="0"/>
               <a:t>Criado por</a:t>
             </a:r>
             <a:r>
-              <a:rPr lang="x-none"/>
-              <a:t>: </a:t>
+              <a:rPr lang="x-none" sz="2100" dirty="0"/>
+              <a:t>:</a:t>
+            </a:r>
+            <a:r>
+              <a:rPr lang="x-none" dirty="0"/>
+              <a:t> </a:t>
             </a:r>
           </a:p>
           <a:p>
             <a:pPr lvl="0" algn="l" eaLnBrk="1" hangingPunct="1"/>
-            <a:endParaRPr lang="x-none" sz="3800"/>
+            <a:endParaRPr lang="x-none" sz="3500" dirty="0"/>
           </a:p>
           <a:p>
             <a:pPr lvl="0" algn="l" eaLnBrk="1" hangingPunct="1">
@@ -13081,11 +13178,15 @@
               </a:spcAft>
             </a:pPr>
             <a:r>
-              <a:rPr lang="x-none" b="1"/>
-              <a:t>Universidades: </a:t>
-            </a:r>
-            <a:r>
-              <a:rPr lang="x-none">
+              <a:rPr lang="x-none" sz="2100" b="1" dirty="0"/>
+              <a:t>Universidades:</a:t>
+            </a:r>
+            <a:r>
+              <a:rPr lang="x-none" sz="2200" b="1" dirty="0"/>
+              <a:t> </a:t>
+            </a:r>
+            <a:r>
+              <a:rPr lang="x-none" dirty="0">
                 <a:solidFill>
                   <a:srgbClr val="7D7D7D"/>
                 </a:solidFill>
@@ -13106,13 +13207,19 @@
               </a:spcAft>
             </a:pPr>
             <a:r>
-              <a:rPr lang="x-none" b="1">
+              <a:rPr lang="x-none" sz="2100" b="1" dirty="0">
                 <a:sym typeface="+mn-ea"/>
               </a:rPr>
-              <a:t>Propósito: </a:t>
-            </a:r>
-            <a:r>
-              <a:rPr lang="x-none">
+              <a:t>Propósito:</a:t>
+            </a:r>
+            <a:r>
+              <a:rPr lang="x-none" sz="2200" b="1" dirty="0">
+                <a:sym typeface="+mn-ea"/>
+              </a:rPr>
+              <a:t> </a:t>
+            </a:r>
+            <a:r>
+              <a:rPr lang="x-none" dirty="0">
                 <a:solidFill>
                   <a:srgbClr val="7D7D7D"/>
                 </a:solidFill>
@@ -13134,11 +13241,15 @@
               </a:spcAft>
             </a:pPr>
             <a:r>
-              <a:rPr lang="x-none" b="1"/>
-              <a:t>Arquitetura: </a:t>
-            </a:r>
-            <a:r>
-              <a:rPr lang="x-none">
+              <a:rPr lang="x-none" sz="2100" b="1" dirty="0"/>
+              <a:t>Arquitetura:</a:t>
+            </a:r>
+            <a:r>
+              <a:rPr lang="x-none" sz="2200" b="1" dirty="0"/>
+              <a:t> </a:t>
+            </a:r>
+            <a:r>
+              <a:rPr lang="x-none" dirty="0">
                 <a:solidFill>
                   <a:srgbClr val="7D7D7D"/>
                 </a:solidFill>
@@ -13159,11 +13270,11 @@
               </a:spcAft>
             </a:pPr>
             <a:r>
-              <a:rPr lang="x-none" b="1"/>
+              <a:rPr lang="x-none" sz="2100" b="1" dirty="0"/>
               <a:t>OpenSource: </a:t>
             </a:r>
             <a:r>
-              <a:rPr lang="x-none" b="1">
+              <a:rPr lang="x-none" b="1" dirty="0">
                 <a:solidFill>
                   <a:srgbClr val="7D7D7D"/>
                 </a:solidFill>
@@ -13171,7 +13282,7 @@
               <a:t>"</a:t>
             </a:r>
             <a:r>
-              <a:rPr lang="x-none">
+              <a:rPr lang="x-none" dirty="0">
                 <a:solidFill>
                   <a:srgbClr val="7D7D7D"/>
                 </a:solidFill>
@@ -13192,11 +13303,11 @@
               </a:spcAft>
             </a:pPr>
             <a:r>
-              <a:rPr lang="x-none" b="1"/>
+              <a:rPr lang="x-none" sz="2100" b="1" dirty="0"/>
               <a:t>Tecnologias: </a:t>
             </a:r>
             <a:r>
-              <a:rPr lang="x-none">
+              <a:rPr lang="x-none" dirty="0">
                 <a:solidFill>
                   <a:srgbClr val="7D7D7D"/>
                 </a:solidFill>
@@ -13204,7 +13315,7 @@
               <a:t>C, Assembly, </a:t>
             </a:r>
             <a:r>
-              <a:rPr lang="x-none">
+              <a:rPr lang="x-none" dirty="0">
                 <a:solidFill>
                   <a:srgbClr val="7D7D7D"/>
                 </a:solidFill>
@@ -13213,7 +13324,7 @@
               <a:t>Makefile</a:t>
             </a:r>
             <a:r>
-              <a:rPr lang="x-none">
+              <a:rPr lang="x-none" dirty="0">
                 <a:solidFill>
                   <a:srgbClr val="7D7D7D"/>
                 </a:solidFill>
@@ -13230,7 +13341,7 @@
                 <a:spcPts val="500"/>
               </a:spcAft>
             </a:pPr>
-            <a:endParaRPr lang="x-none"/>
+            <a:endParaRPr lang="x-none" dirty="0"/>
           </a:p>
           <a:p>
             <a:pPr lvl="0" eaLnBrk="1" hangingPunct="1">
@@ -13241,18 +13352,18 @@
                 <a:spcPts val="500"/>
               </a:spcAft>
             </a:pPr>
-            <a:endParaRPr lang="x-none"/>
-          </a:p>
-        </p:txBody>
-      </p:sp>
-      <p:sp>
-        <p:nvSpPr>
-          <p:cNvPr id="5" name="Date Placeholder 4"/>
-          <p:cNvSpPr>
-            <a:spLocks noGrp="1"/>
-          </p:cNvSpPr>
-          <p:nvPr>
-            <p:ph type="dt" sz="half" idx="10"/>
+            <a:endParaRPr lang="x-none" dirty="0"/>
+          </a:p>
+        </p:txBody>
+      </p:sp>
+      <p:sp>
+        <p:nvSpPr>
+          <p:cNvPr id="6" name="Footer Placeholder 5"/>
+          <p:cNvSpPr>
+            <a:spLocks noGrp="1"/>
+          </p:cNvSpPr>
+          <p:nvPr>
+            <p:ph type="ftr" sz="quarter" idx="11"/>
           </p:nvPr>
         </p:nvSpPr>
         <p:spPr/>
@@ -13262,40 +13373,10 @@
           <a:p>
             <a:pPr lvl="0" eaLnBrk="1" hangingPunct="1"/>
             <a:r>
-              <a:rPr lang="en-US" altLang="en-US" dirty="0"/>
-              <a:t>5/6/2017</a:t>
-            </a:r>
-            <a:endParaRPr lang="zh-CN" altLang="en-US" dirty="0"/>
-          </a:p>
-        </p:txBody>
-      </p:sp>
-      <p:sp>
-        <p:nvSpPr>
-          <p:cNvPr id="6" name="Footer Placeholder 5"/>
-          <p:cNvSpPr>
-            <a:spLocks noGrp="1"/>
-          </p:cNvSpPr>
-          <p:nvPr>
-            <p:ph type="ftr" sz="quarter" idx="11"/>
-          </p:nvPr>
-        </p:nvSpPr>
-        <p:spPr/>
-        <p:txBody>
-          <a:bodyPr/>
-          <a:lstStyle/>
-          <a:p>
-            <a:pPr lvl="0" eaLnBrk="1" hangingPunct="1"/>
-            <a:r>
-              <a:rPr lang="zh-CN" altLang="en-US" dirty="0"/>
-              <a:t>Seminário de [EC 009] - Sistemas Operacionáis</a:t>
-            </a:r>
-            <a:br>
-              <a:rPr lang="zh-CN" altLang="en-US" dirty="0"/>
-            </a:br>
-            <a:r>
-              <a:rPr lang="x-none" altLang="zh-CN" dirty="0"/>
-              <a:t>Institúto Nascional de Telecomunicações</a:t>
-            </a:r>
+              <a:rPr lang="pt-BR" altLang="zh-CN"/>
+              <a:t>Seminário de [EC 009] - Sistemas Operacionáis Institúto Nacional de Telecomunicações</a:t>
+            </a:r>
+            <a:endParaRPr lang="x-none" altLang="zh-CN" dirty="0"/>
           </a:p>
         </p:txBody>
       </p:sp>
@@ -13331,8 +13412,8 @@
         </p:nvSpPr>
         <p:spPr>
           <a:xfrm>
-            <a:off x="2237105" y="1385570"/>
-            <a:ext cx="2987040" cy="1584960"/>
+            <a:off x="2331700" y="1385570"/>
+            <a:ext cx="3359649" cy="1323439"/>
           </a:xfrm>
           <a:prstGeom prst="rect">
             <a:avLst/>
@@ -13346,10 +13427,12 @@
           <a:lstStyle/>
           <a:p>
             <a:r>
-              <a:rPr lang="x-none" sz="2000">
+              <a:rPr lang="x-none" sz="2000" dirty="0">
                 <a:solidFill>
                   <a:srgbClr val="7D7D7D"/>
                 </a:solidFill>
+                <a:latin typeface="Arial" panose="020B0604020202020204" pitchFamily="34" charset="0"/>
+                <a:cs typeface="Arial" panose="020B0604020202020204" pitchFamily="34" charset="0"/>
                 <a:sym typeface="+mn-ea"/>
               </a:rPr>
               <a:t>Vasileios Kouliaridis;</a:t>
@@ -13357,10 +13440,12 @@
           </a:p>
           <a:p>
             <a:r>
-              <a:rPr lang="x-none" sz="2000">
+              <a:rPr lang="x-none" sz="2000" dirty="0">
                 <a:solidFill>
                   <a:srgbClr val="7D7D7D"/>
                 </a:solidFill>
+                <a:latin typeface="Arial" panose="020B0604020202020204" pitchFamily="34" charset="0"/>
+                <a:cs typeface="Arial" panose="020B0604020202020204" pitchFamily="34" charset="0"/>
                 <a:sym typeface="+mn-ea"/>
               </a:rPr>
               <a:t>Vasileios Vlachos;</a:t>
@@ -13368,10 +13453,12 @@
           </a:p>
           <a:p>
             <a:r>
-              <a:rPr lang="x-none" sz="2000">
+              <a:rPr lang="x-none" sz="2000" dirty="0">
                 <a:solidFill>
                   <a:srgbClr val="7D7D7D"/>
                 </a:solidFill>
+                <a:latin typeface="Arial" panose="020B0604020202020204" pitchFamily="34" charset="0"/>
+                <a:cs typeface="Arial" panose="020B0604020202020204" pitchFamily="34" charset="0"/>
                 <a:sym typeface="+mn-ea"/>
               </a:rPr>
               <a:t>Ilias Savvas;</a:t>
@@ -13379,17 +13466,17 @@
           </a:p>
           <a:p>
             <a:r>
-              <a:rPr lang="x-none" sz="2000">
+              <a:rPr lang="x-none" sz="2000" dirty="0">
                 <a:solidFill>
                   <a:srgbClr val="7D7D7D"/>
                 </a:solidFill>
+                <a:latin typeface="Arial" panose="020B0604020202020204" pitchFamily="34" charset="0"/>
+                <a:cs typeface="Arial" panose="020B0604020202020204" pitchFamily="34" charset="0"/>
                 <a:sym typeface="+mn-ea"/>
               </a:rPr>
               <a:t>Iosif Androulidakis.</a:t>
             </a:r>
-          </a:p>
-          <a:p>
-            <a:endParaRPr lang="pt-BR" altLang="en-US"/>
+            <a:endParaRPr lang="pt-BR" altLang="en-US" dirty="0"/>
           </a:p>
         </p:txBody>
       </p:sp>
@@ -13458,10 +13545,10 @@
           <a:p>
             <a:pPr lvl="0" eaLnBrk="1" hangingPunct="1"/>
             <a:r>
-              <a:rPr lang="x-none" sz="2200" b="1"/>
+              <a:rPr lang="x-none" sz="2200" b="1" dirty="0"/>
               <a:t>Premissas:</a:t>
             </a:r>
-            <a:endParaRPr lang="x-none" sz="2200"/>
+            <a:endParaRPr lang="x-none" sz="2200" dirty="0"/>
           </a:p>
           <a:p>
             <a:pPr marL="800100" lvl="1" indent="-342900" eaLnBrk="1" hangingPunct="1">
@@ -13478,7 +13565,7 @@
               <a:buChar char="•"/>
             </a:pPr>
             <a:r>
-              <a:rPr lang="x-none" sz="2100">
+              <a:rPr lang="x-none" sz="2100" dirty="0">
                 <a:sym typeface="+mn-ea"/>
               </a:rPr>
               <a:t>Manter a maior simplicidade possível;</a:t>
@@ -13499,7 +13586,7 @@
               <a:buChar char="•"/>
             </a:pPr>
             <a:r>
-              <a:rPr lang="x-none" sz="2100">
+              <a:rPr lang="x-none" sz="2100" dirty="0">
                 <a:sym typeface="+mn-ea"/>
               </a:rPr>
               <a:t>Atender as requisições o mais rápido;</a:t>
@@ -13520,7 +13607,7 @@
               <a:buChar char="•"/>
             </a:pPr>
             <a:r>
-              <a:rPr lang="x-none" sz="2100">
+              <a:rPr lang="x-none" sz="2100" dirty="0">
                 <a:sym typeface="+mn-ea"/>
               </a:rPr>
               <a:t>Evitar problemas de concorrência;</a:t>
@@ -13540,18 +13627,18 @@
               <a:buFont typeface="Arial" charset="0"/>
               <a:buChar char="•"/>
             </a:pPr>
-            <a:endParaRPr lang="x-none" sz="1000">
+            <a:endParaRPr lang="x-none" sz="1000" dirty="0">
               <a:sym typeface="+mn-ea"/>
             </a:endParaRPr>
           </a:p>
           <a:p>
             <a:pPr lvl="0" eaLnBrk="1" hangingPunct="1"/>
             <a:r>
-              <a:rPr lang="x-none" sz="2200" b="1"/>
+              <a:rPr lang="x-none" sz="2200" b="1" dirty="0"/>
               <a:t>Concepção</a:t>
             </a:r>
             <a:r>
-              <a:rPr lang="x-none" b="1"/>
+              <a:rPr lang="x-none" b="1" dirty="0"/>
               <a:t>: </a:t>
             </a:r>
           </a:p>
@@ -13570,7 +13657,7 @@
               <a:buChar char="•"/>
             </a:pPr>
             <a:r>
-              <a:rPr lang="x-none" sz="2100"/>
+              <a:rPr lang="x-none" sz="2100" dirty="0"/>
               <a:t>Interrupções com maior prioridade que tarefas do sistema;</a:t>
             </a:r>
           </a:p>
@@ -13589,7 +13676,7 @@
               <a:buChar char="•"/>
             </a:pPr>
             <a:r>
-              <a:rPr lang="x-none" sz="2100"/>
+              <a:rPr lang="x-none" sz="2100" dirty="0"/>
               <a:t>Não existe encadeamento de interrupções;</a:t>
             </a:r>
           </a:p>
@@ -13608,7 +13695,7 @@
               <a:buChar char="•"/>
             </a:pPr>
             <a:r>
-              <a:rPr lang="x-none" sz="2100"/>
+              <a:rPr lang="x-none" sz="2100" dirty="0"/>
               <a:t>Não existe interrupção enquanto uma tarefa utiliza alguma estrutura do Kernel;</a:t>
             </a:r>
           </a:p>
@@ -13617,18 +13704,18 @@
               <a:buFont typeface="Arial" charset="0"/>
               <a:buChar char="•"/>
             </a:pPr>
-            <a:endParaRPr lang="x-none" sz="2100"/>
-          </a:p>
-        </p:txBody>
-      </p:sp>
-      <p:sp>
-        <p:nvSpPr>
-          <p:cNvPr id="5" name="Date Placeholder 4"/>
-          <p:cNvSpPr>
-            <a:spLocks noGrp="1"/>
-          </p:cNvSpPr>
-          <p:nvPr>
-            <p:ph type="dt" sz="half" idx="10"/>
+            <a:endParaRPr lang="x-none" sz="2100" dirty="0"/>
+          </a:p>
+        </p:txBody>
+      </p:sp>
+      <p:sp>
+        <p:nvSpPr>
+          <p:cNvPr id="6" name="Footer Placeholder 5"/>
+          <p:cNvSpPr>
+            <a:spLocks noGrp="1"/>
+          </p:cNvSpPr>
+          <p:nvPr>
+            <p:ph type="ftr" sz="quarter" idx="11"/>
           </p:nvPr>
         </p:nvSpPr>
         <p:spPr/>
@@ -13638,40 +13725,10 @@
           <a:p>
             <a:pPr lvl="0" eaLnBrk="1" hangingPunct="1"/>
             <a:r>
-              <a:rPr lang="en-US" altLang="en-US" dirty="0"/>
-              <a:t>5/6/2017</a:t>
-            </a:r>
-            <a:endParaRPr lang="zh-CN" altLang="en-US" dirty="0"/>
-          </a:p>
-        </p:txBody>
-      </p:sp>
-      <p:sp>
-        <p:nvSpPr>
-          <p:cNvPr id="6" name="Footer Placeholder 5"/>
-          <p:cNvSpPr>
-            <a:spLocks noGrp="1"/>
-          </p:cNvSpPr>
-          <p:nvPr>
-            <p:ph type="ftr" sz="quarter" idx="11"/>
-          </p:nvPr>
-        </p:nvSpPr>
-        <p:spPr/>
-        <p:txBody>
-          <a:bodyPr/>
-          <a:lstStyle/>
-          <a:p>
-            <a:pPr lvl="0" eaLnBrk="1" hangingPunct="1"/>
-            <a:r>
-              <a:rPr lang="zh-CN" altLang="en-US" dirty="0"/>
-              <a:t>Seminário de [EC 009] - Sistemas Operacionáis</a:t>
-            </a:r>
-            <a:br>
-              <a:rPr lang="zh-CN" altLang="en-US" dirty="0"/>
-            </a:br>
-            <a:r>
-              <a:rPr lang="x-none" altLang="zh-CN" dirty="0"/>
-              <a:t>Institúto Nascional de Telecomunicações</a:t>
-            </a:r>
+              <a:rPr lang="pt-BR" altLang="zh-CN"/>
+              <a:t>Seminário de [EC 009] - Sistemas Operacionáis Institúto Nacional de Telecomunicações</a:t>
+            </a:r>
+            <a:endParaRPr lang="x-none" altLang="zh-CN" dirty="0"/>
           </a:p>
         </p:txBody>
       </p:sp>
@@ -13764,7 +13821,7 @@
           <a:p>
             <a:pPr lvl="0" eaLnBrk="1" hangingPunct="1"/>
             <a:r>
-              <a:rPr lang="x-none" sz="2200" b="1">
+              <a:rPr lang="x-none" sz="2200" b="1" dirty="0">
                 <a:sym typeface="+mn-ea"/>
               </a:rPr>
               <a:t>Premissas:</a:t>
@@ -13785,12 +13842,12 @@
               <a:buChar char="•"/>
             </a:pPr>
             <a:r>
-              <a:rPr lang="x-none" sz="2100">
+              <a:rPr lang="x-none" sz="2100" dirty="0">
                 <a:sym typeface="+mn-ea"/>
               </a:rPr>
               <a:t>Aproveitar o poder computacional do sistema;</a:t>
             </a:r>
-            <a:endParaRPr lang="x-none" sz="2100"/>
+            <a:endParaRPr lang="x-none" sz="2100" dirty="0"/>
           </a:p>
           <a:p>
             <a:pPr marL="800100" lvl="1" indent="-342900" algn="l" eaLnBrk="1" hangingPunct="1">
@@ -13807,7 +13864,7 @@
               <a:buChar char="•"/>
             </a:pPr>
             <a:r>
-              <a:rPr lang="x-none" sz="2100">
+              <a:rPr lang="x-none" sz="2100" dirty="0">
                 <a:sym typeface="+mn-ea"/>
               </a:rPr>
               <a:t>Permitir a implementação de um sistema multitarefa com interface gráfica;</a:t>
@@ -13827,12 +13884,12 @@
               <a:buFont typeface="Arial" charset="0"/>
               <a:buNone/>
             </a:pPr>
-            <a:endParaRPr lang="x-none" sz="1000"/>
+            <a:endParaRPr lang="x-none" sz="1000" dirty="0"/>
           </a:p>
           <a:p>
             <a:pPr lvl="0" eaLnBrk="1" hangingPunct="1"/>
             <a:r>
-              <a:rPr lang="x-none" sz="2200" b="1">
+              <a:rPr lang="x-none" sz="2200" b="1" dirty="0">
                 <a:sym typeface="+mn-ea"/>
               </a:rPr>
               <a:t>Concepção:</a:t>
@@ -13853,7 +13910,7 @@
               <a:buChar char="•"/>
             </a:pPr>
             <a:r>
-              <a:rPr lang="x-none" sz="2100">
+              <a:rPr lang="x-none" sz="2100" dirty="0">
                 <a:solidFill>
                   <a:srgbClr val="7D7D7D"/>
                 </a:solidFill>
@@ -13862,7 +13919,7 @@
               <a:t>Gerenciamento dinâmico</a:t>
             </a:r>
             <a:r>
-              <a:rPr lang="x-none" sz="2100" b="1">
+              <a:rPr lang="x-none" sz="2100" b="1" dirty="0">
                 <a:solidFill>
                   <a:srgbClr val="7D7D7D"/>
                 </a:solidFill>
@@ -13871,7 +13928,7 @@
               <a:t> </a:t>
             </a:r>
             <a:r>
-              <a:rPr lang="x-none" sz="2100">
+              <a:rPr lang="x-none" sz="2100" dirty="0">
                 <a:solidFill>
                   <a:srgbClr val="7D7D7D"/>
                 </a:solidFill>
@@ -13895,7 +13952,7 @@
               <a:buChar char="•"/>
             </a:pPr>
             <a:r>
-              <a:rPr lang="x-none" sz="2100">
+              <a:rPr lang="x-none" sz="2100" dirty="0">
                 <a:solidFill>
                   <a:srgbClr val="7D7D7D"/>
                 </a:solidFill>
@@ -13919,7 +13976,7 @@
               <a:buChar char="•"/>
             </a:pPr>
             <a:r>
-              <a:rPr lang="x-none" sz="2100">
+              <a:rPr lang="x-none" sz="2100" dirty="0">
                 <a:solidFill>
                   <a:srgbClr val="7D7D7D"/>
                 </a:solidFill>
@@ -13932,12 +13989,12 @@
       </p:sp>
       <p:sp>
         <p:nvSpPr>
-          <p:cNvPr id="5" name="Date Placeholder 4"/>
-          <p:cNvSpPr>
-            <a:spLocks noGrp="1"/>
-          </p:cNvSpPr>
-          <p:nvPr>
-            <p:ph type="dt" sz="half" idx="10"/>
+          <p:cNvPr id="2" name="Footer Placeholder 1"/>
+          <p:cNvSpPr>
+            <a:spLocks noGrp="1"/>
+          </p:cNvSpPr>
+          <p:nvPr>
+            <p:ph type="ftr" sz="quarter" idx="11"/>
           </p:nvPr>
         </p:nvSpPr>
         <p:spPr/>
@@ -13947,40 +14004,10 @@
           <a:p>
             <a:pPr lvl="0" eaLnBrk="1" hangingPunct="1"/>
             <a:r>
-              <a:rPr lang="en-US" altLang="en-US" dirty="0"/>
-              <a:t>5/6/2017</a:t>
-            </a:r>
-            <a:endParaRPr lang="zh-CN" altLang="en-US" dirty="0"/>
-          </a:p>
-        </p:txBody>
-      </p:sp>
-      <p:sp>
-        <p:nvSpPr>
-          <p:cNvPr id="2" name="Footer Placeholder 1"/>
-          <p:cNvSpPr>
-            <a:spLocks noGrp="1"/>
-          </p:cNvSpPr>
-          <p:nvPr>
-            <p:ph type="ftr" sz="quarter" idx="11"/>
-          </p:nvPr>
-        </p:nvSpPr>
-        <p:spPr/>
-        <p:txBody>
-          <a:bodyPr/>
-          <a:lstStyle/>
-          <a:p>
-            <a:pPr lvl="0" eaLnBrk="1" hangingPunct="1"/>
-            <a:r>
-              <a:rPr lang="zh-CN" altLang="en-US" dirty="0"/>
-              <a:t>Seminário de [EC 009] - Sistemas Operacionáis</a:t>
-            </a:r>
-            <a:br>
-              <a:rPr lang="zh-CN" altLang="en-US" dirty="0"/>
-            </a:br>
-            <a:r>
-              <a:rPr lang="x-none" altLang="zh-CN" dirty="0"/>
-              <a:t>Institúto Nascional de Telecomunicações</a:t>
-            </a:r>
+              <a:rPr lang="pt-BR" altLang="zh-CN"/>
+              <a:t>Seminário de [EC 009] - Sistemas Operacionáis Institúto Nacional de Telecomunicações</a:t>
+            </a:r>
+            <a:endParaRPr lang="x-none" altLang="zh-CN" dirty="0"/>
           </a:p>
         </p:txBody>
       </p:sp>
@@ -14073,7 +14100,7 @@
           <a:p>
             <a:pPr lvl="0" eaLnBrk="1" hangingPunct="1"/>
             <a:r>
-              <a:rPr lang="x-none" sz="2200" b="1">
+              <a:rPr lang="x-none" sz="2200" b="1" dirty="0">
                 <a:sym typeface="+mn-ea"/>
               </a:rPr>
               <a:t>Premissas:</a:t>
@@ -14094,12 +14121,24 @@
               <a:buChar char="•"/>
             </a:pPr>
             <a:r>
-              <a:rPr lang="x-none" sz="2100">
+              <a:rPr lang="x-none" sz="2100" dirty="0">
                 <a:sym typeface="+mn-ea"/>
               </a:rPr>
-              <a:t>Criar a ilução de paralelismo;</a:t>
-            </a:r>
-            <a:endParaRPr lang="x-none" sz="2100"/>
+              <a:t>Criar a ilu</a:t>
+            </a:r>
+            <a:r>
+              <a:rPr lang="en-US" sz="2100" dirty="0">
+                <a:sym typeface="+mn-ea"/>
+              </a:rPr>
+              <a:t>s</a:t>
+            </a:r>
+            <a:r>
+              <a:rPr lang="x-none" sz="2100" dirty="0">
+                <a:sym typeface="+mn-ea"/>
+              </a:rPr>
+              <a:t>ão de paralelismo;</a:t>
+            </a:r>
+            <a:endParaRPr lang="x-none" sz="2100" dirty="0"/>
           </a:p>
           <a:p>
             <a:pPr marL="800100" lvl="1" indent="-342900" algn="l" eaLnBrk="1" hangingPunct="1">
@@ -14116,7 +14155,7 @@
               <a:buChar char="•"/>
             </a:pPr>
             <a:r>
-              <a:rPr lang="x-none" sz="2100">
+              <a:rPr lang="x-none" sz="2100" dirty="0">
                 <a:sym typeface="+mn-ea"/>
               </a:rPr>
               <a:t>Permitir a implementação de um sistema com GUI;</a:t>
@@ -14137,19 +14176,19 @@
               <a:buChar char="•"/>
             </a:pPr>
             <a:r>
-              <a:rPr lang="x-none" sz="2100">
+              <a:rPr lang="x-none" sz="2100" dirty="0">
                 <a:sym typeface="+mn-ea"/>
               </a:rPr>
               <a:t>Garantir que cada tarefa "respeite" sua </a:t>
             </a:r>
             <a:r>
-              <a:rPr lang="x-none" sz="2100" i="1">
+              <a:rPr lang="x-none" sz="2100" i="1" dirty="0">
                 <a:sym typeface="+mn-ea"/>
               </a:rPr>
               <a:t>deadline</a:t>
             </a:r>
             <a:r>
-              <a:rPr lang="x-none" sz="2100">
+              <a:rPr lang="x-none" sz="2100" dirty="0">
                 <a:sym typeface="+mn-ea"/>
               </a:rPr>
               <a:t>;</a:t>
@@ -14158,7 +14197,7 @@
           <a:p>
             <a:pPr lvl="0" eaLnBrk="1" hangingPunct="1"/>
             <a:r>
-              <a:rPr lang="x-none" sz="2200" b="1">
+              <a:rPr lang="x-none" sz="2200" b="1" dirty="0">
                 <a:sym typeface="+mn-ea"/>
               </a:rPr>
               <a:t>Concepção:</a:t>
@@ -14179,7 +14218,7 @@
               <a:buChar char="•"/>
             </a:pPr>
             <a:r>
-              <a:rPr lang="x-none" sz="2100">
+              <a:rPr lang="x-none" sz="2100" dirty="0">
                 <a:solidFill>
                   <a:srgbClr val="7D7D7D"/>
                 </a:solidFill>
@@ -14188,7 +14227,7 @@
               <a:t>Uso de "</a:t>
             </a:r>
             <a:r>
-              <a:rPr lang="x-none" sz="2100" i="1">
+              <a:rPr lang="x-none" sz="2100" i="1" dirty="0">
                 <a:solidFill>
                   <a:srgbClr val="7D7D7D"/>
                 </a:solidFill>
@@ -14197,7 +14236,7 @@
               <a:t>Time Periods</a:t>
             </a:r>
             <a:r>
-              <a:rPr lang="x-none" sz="2100">
+              <a:rPr lang="x-none" sz="2100" dirty="0">
                 <a:solidFill>
                   <a:srgbClr val="7D7D7D"/>
                 </a:solidFill>
@@ -14221,7 +14260,7 @@
               <a:buChar char="•"/>
             </a:pPr>
             <a:r>
-              <a:rPr lang="x-none" sz="2100">
+              <a:rPr lang="x-none" sz="2100" dirty="0">
                 <a:solidFill>
                   <a:srgbClr val="7D7D7D"/>
                 </a:solidFill>
@@ -14230,7 +14269,7 @@
               <a:t>Prioridade de execução definida com base nas </a:t>
             </a:r>
             <a:r>
-              <a:rPr lang="x-none" sz="2100" i="1">
+              <a:rPr lang="x-none" sz="2100" i="1" dirty="0">
                 <a:solidFill>
                   <a:srgbClr val="7D7D7D"/>
                 </a:solidFill>
@@ -14239,7 +14278,7 @@
               <a:t>deadlines</a:t>
             </a:r>
             <a:r>
-              <a:rPr lang="x-none" sz="2100">
+              <a:rPr lang="x-none" sz="2100" dirty="0">
                 <a:solidFill>
                   <a:srgbClr val="7D7D7D"/>
                 </a:solidFill>
@@ -14263,7 +14302,7 @@
               <a:buChar char="•"/>
             </a:pPr>
             <a:r>
-              <a:rPr lang="x-none" sz="2100">
+              <a:rPr lang="x-none" sz="2100" dirty="0">
                 <a:solidFill>
                   <a:srgbClr val="7D7D7D"/>
                 </a:solidFill>
@@ -14272,7 +14311,7 @@
               <a:t>Nenhuma tarefa é executada duas vezes no mesmo </a:t>
             </a:r>
             <a:r>
-              <a:rPr lang="x-none" sz="2100" i="1">
+              <a:rPr lang="x-none" sz="2100" i="1" dirty="0">
                 <a:solidFill>
                   <a:srgbClr val="7D7D7D"/>
                 </a:solidFill>
@@ -14281,7 +14320,7 @@
               <a:t>Time Period;</a:t>
             </a:r>
             <a:r>
-              <a:rPr lang="x-none" sz="2100">
+              <a:rPr lang="x-none" sz="2100" dirty="0">
                 <a:solidFill>
                   <a:srgbClr val="7D7D7D"/>
                 </a:solidFill>
@@ -14294,12 +14333,12 @@
       </p:sp>
       <p:sp>
         <p:nvSpPr>
-          <p:cNvPr id="5" name="Date Placeholder 4"/>
-          <p:cNvSpPr>
-            <a:spLocks noGrp="1"/>
-          </p:cNvSpPr>
-          <p:nvPr>
-            <p:ph type="dt" sz="half" idx="10"/>
+          <p:cNvPr id="6" name="Footer Placeholder 5"/>
+          <p:cNvSpPr>
+            <a:spLocks noGrp="1"/>
+          </p:cNvSpPr>
+          <p:nvPr>
+            <p:ph type="ftr" sz="quarter" idx="11"/>
           </p:nvPr>
         </p:nvSpPr>
         <p:spPr/>
@@ -14309,40 +14348,10 @@
           <a:p>
             <a:pPr lvl="0" eaLnBrk="1" hangingPunct="1"/>
             <a:r>
-              <a:rPr lang="en-US" altLang="en-US" dirty="0"/>
-              <a:t>5/6/2017</a:t>
-            </a:r>
-            <a:endParaRPr lang="zh-CN" altLang="en-US" dirty="0"/>
-          </a:p>
-        </p:txBody>
-      </p:sp>
-      <p:sp>
-        <p:nvSpPr>
-          <p:cNvPr id="6" name="Footer Placeholder 5"/>
-          <p:cNvSpPr>
-            <a:spLocks noGrp="1"/>
-          </p:cNvSpPr>
-          <p:nvPr>
-            <p:ph type="ftr" sz="quarter" idx="11"/>
-          </p:nvPr>
-        </p:nvSpPr>
-        <p:spPr/>
-        <p:txBody>
-          <a:bodyPr/>
-          <a:lstStyle/>
-          <a:p>
-            <a:pPr lvl="0" eaLnBrk="1" hangingPunct="1"/>
-            <a:r>
-              <a:rPr lang="zh-CN" altLang="en-US" dirty="0"/>
-              <a:t>Seminário de [EC 009] - Sistemas Operacionáis</a:t>
-            </a:r>
-            <a:br>
-              <a:rPr lang="zh-CN" altLang="en-US" dirty="0"/>
-            </a:br>
-            <a:r>
-              <a:rPr lang="x-none" altLang="zh-CN" dirty="0"/>
-              <a:t>Institúto Nascional de Telecomunicações</a:t>
-            </a:r>
+              <a:rPr lang="pt-BR" altLang="zh-CN"/>
+              <a:t>Seminário de [EC 009] - Sistemas Operacionáis Institúto Nacional de Telecomunicações</a:t>
+            </a:r>
+            <a:endParaRPr lang="x-none" altLang="zh-CN" dirty="0"/>
           </a:p>
         </p:txBody>
       </p:sp>
@@ -14463,7 +14472,7 @@
           <a:p>
             <a:pPr lvl="0" eaLnBrk="1" hangingPunct="1"/>
             <a:r>
-              <a:rPr lang="x-none" sz="2200" b="1">
+              <a:rPr lang="x-none" sz="2200" b="1" dirty="0">
                 <a:sym typeface="+mn-ea"/>
               </a:rPr>
               <a:t>Problemas:</a:t>
@@ -14484,30 +14493,30 @@
               <a:buChar char="•"/>
             </a:pPr>
             <a:r>
-              <a:rPr lang="x-none" sz="2100">
+              <a:rPr lang="x-none" sz="2100" dirty="0">
                 <a:sym typeface="+mn-ea"/>
               </a:rPr>
               <a:t>O tempo das </a:t>
             </a:r>
             <a:r>
-              <a:rPr lang="x-none" sz="2100" i="1">
+              <a:rPr lang="x-none" sz="2100" i="1" dirty="0">
                 <a:sym typeface="+mn-ea"/>
               </a:rPr>
               <a:t>deadlines</a:t>
             </a:r>
             <a:r>
-              <a:rPr lang="x-none" sz="2100">
+              <a:rPr lang="x-none" sz="2100" dirty="0">
                 <a:sym typeface="+mn-ea"/>
               </a:rPr>
               <a:t> são multiplos de </a:t>
             </a:r>
             <a:r>
-              <a:rPr lang="x-none" sz="2100" i="1">
+              <a:rPr lang="x-none" sz="2100" i="1" dirty="0">
                 <a:sym typeface="+mn-ea"/>
               </a:rPr>
               <a:t>Time Periods;</a:t>
             </a:r>
-            <a:endParaRPr lang="x-none" sz="2100">
+            <a:endParaRPr lang="x-none" sz="2100" dirty="0">
               <a:sym typeface="+mn-ea"/>
             </a:endParaRPr>
           </a:p>
@@ -14526,7 +14535,7 @@
               <a:buChar char="•"/>
             </a:pPr>
             <a:r>
-              <a:rPr lang="x-none" sz="2100">
+              <a:rPr lang="x-none" sz="2100" dirty="0">
                 <a:sym typeface="+mn-ea"/>
               </a:rPr>
               <a:t>A ocorrência de interrupções pode fazer com que uma tarefa não finalize dentro de sua deadline;</a:t>
@@ -14535,12 +14544,12 @@
           <a:p>
             <a:pPr lvl="0" eaLnBrk="1" hangingPunct="1"/>
             <a:r>
-              <a:rPr lang="x-none" sz="2200" b="1">
+              <a:rPr lang="x-none" sz="2200" b="1" dirty="0">
                 <a:sym typeface="+mn-ea"/>
               </a:rPr>
               <a:t>Exemplo:</a:t>
             </a:r>
-            <a:endParaRPr lang="x-none" sz="2625">
+            <a:endParaRPr lang="x-none" sz="2625" dirty="0">
               <a:sym typeface="+mn-ea"/>
             </a:endParaRPr>
           </a:p>
@@ -14558,7 +14567,7 @@
               <a:buFont typeface="Arial" charset="0"/>
               <a:buChar char="•"/>
             </a:pPr>
-            <a:endParaRPr lang="x-none" sz="2100">
+            <a:endParaRPr lang="x-none" sz="2100" dirty="0">
               <a:sym typeface="+mn-ea"/>
             </a:endParaRPr>
           </a:p>
@@ -14576,7 +14585,7 @@
               <a:buFont typeface="Arial" charset="0"/>
               <a:buChar char="•"/>
             </a:pPr>
-            <a:endParaRPr lang="x-none" sz="2100">
+            <a:endParaRPr lang="x-none" sz="2100" dirty="0">
               <a:sym typeface="+mn-ea"/>
             </a:endParaRPr>
           </a:p>
@@ -14594,7 +14603,7 @@
               <a:buFont typeface="Arial" charset="0"/>
               <a:buChar char="•"/>
             </a:pPr>
-            <a:endParaRPr lang="x-none" sz="2100">
+            <a:endParaRPr lang="x-none" sz="2100" dirty="0">
               <a:sym typeface="+mn-ea"/>
             </a:endParaRPr>
           </a:p>
@@ -14613,31 +14622,31 @@
               <a:buChar char="•"/>
             </a:pPr>
             <a:r>
-              <a:rPr lang="x-none" sz="2100">
+              <a:rPr lang="x-none" sz="2100" dirty="0">
                 <a:sym typeface="+mn-ea"/>
               </a:rPr>
               <a:t>No exemplo, toda tarefa tem uma </a:t>
             </a:r>
             <a:r>
-              <a:rPr lang="x-none" sz="2100" i="1">
+              <a:rPr lang="x-none" sz="2100" i="1" dirty="0">
                 <a:sym typeface="+mn-ea"/>
               </a:rPr>
               <a:t>deadline</a:t>
             </a:r>
             <a:r>
-              <a:rPr lang="x-none" sz="2100">
+              <a:rPr lang="x-none" sz="2100" dirty="0">
                 <a:sym typeface="+mn-ea"/>
               </a:rPr>
               <a:t> de 3 </a:t>
             </a:r>
             <a:r>
-              <a:rPr lang="x-none" sz="2100" i="1">
+              <a:rPr lang="x-none" sz="2100" i="1" dirty="0">
                 <a:sym typeface="+mn-ea"/>
               </a:rPr>
               <a:t>Time Periods</a:t>
             </a:r>
             <a:r>
-              <a:rPr lang="x-none" sz="2100">
+              <a:rPr lang="x-none" sz="2100" dirty="0">
                 <a:sym typeface="+mn-ea"/>
               </a:rPr>
               <a:t>;</a:t>
@@ -14658,12 +14667,12 @@
               <a:buChar char="•"/>
             </a:pPr>
             <a:r>
-              <a:rPr lang="x-none" sz="2100">
+              <a:rPr lang="x-none" sz="2100" dirty="0">
                 <a:sym typeface="+mn-ea"/>
               </a:rPr>
               <a:t>A tarefa 3 não conseguirá ser executada em tempo certo devido a interrupção;</a:t>
             </a:r>
-            <a:endParaRPr lang="x-none" sz="2100">
+            <a:endParaRPr lang="x-none" sz="2100" dirty="0">
               <a:solidFill>
                 <a:srgbClr val="7D7D7D"/>
               </a:solidFill>
@@ -14674,12 +14683,12 @@
       </p:sp>
       <p:sp>
         <p:nvSpPr>
-          <p:cNvPr id="5" name="Date Placeholder 4"/>
-          <p:cNvSpPr>
-            <a:spLocks noGrp="1"/>
-          </p:cNvSpPr>
-          <p:nvPr>
-            <p:ph type="dt" sz="half" idx="10"/>
+          <p:cNvPr id="7" name="Footer Placeholder 6"/>
+          <p:cNvSpPr>
+            <a:spLocks noGrp="1"/>
+          </p:cNvSpPr>
+          <p:nvPr>
+            <p:ph type="ftr" sz="quarter" idx="11"/>
           </p:nvPr>
         </p:nvSpPr>
         <p:spPr/>
@@ -14689,40 +14698,10 @@
           <a:p>
             <a:pPr lvl="0" eaLnBrk="1" hangingPunct="1"/>
             <a:r>
-              <a:rPr lang="en-US" altLang="en-US" dirty="0"/>
-              <a:t>5/6/2017</a:t>
-            </a:r>
-            <a:endParaRPr lang="zh-CN" altLang="en-US" dirty="0"/>
-          </a:p>
-        </p:txBody>
-      </p:sp>
-      <p:sp>
-        <p:nvSpPr>
-          <p:cNvPr id="7" name="Footer Placeholder 6"/>
-          <p:cNvSpPr>
-            <a:spLocks noGrp="1"/>
-          </p:cNvSpPr>
-          <p:nvPr>
-            <p:ph type="ftr" sz="quarter" idx="11"/>
-          </p:nvPr>
-        </p:nvSpPr>
-        <p:spPr/>
-        <p:txBody>
-          <a:bodyPr/>
-          <a:lstStyle/>
-          <a:p>
-            <a:pPr lvl="0" eaLnBrk="1" hangingPunct="1"/>
-            <a:r>
-              <a:rPr lang="zh-CN" altLang="en-US" dirty="0"/>
-              <a:t>Seminário de [EC 009] - Sistemas Operacionáis</a:t>
-            </a:r>
-            <a:br>
-              <a:rPr lang="zh-CN" altLang="en-US" dirty="0"/>
-            </a:br>
-            <a:r>
-              <a:rPr lang="x-none" altLang="zh-CN" dirty="0"/>
-              <a:t>Institúto Nascional de Telecomunicações</a:t>
-            </a:r>
+              <a:rPr lang="pt-BR" altLang="zh-CN"/>
+              <a:t>Seminário de [EC 009] - Sistemas Operacionáis Institúto Nacional de Telecomunicações</a:t>
+            </a:r>
+            <a:endParaRPr lang="x-none" altLang="zh-CN" dirty="0"/>
           </a:p>
         </p:txBody>
       </p:sp>
